--- a/Serialization/Lecture.pptx
+++ b/Serialization/Lecture.pptx
@@ -5,11 +5,13 @@
     <p:sldMasterId id="2147483673" r:id="rId1"/>
   </p:sldMasterIdLst>
   <p:notesMasterIdLst>
-    <p:notesMasterId r:id="rId4"/>
+    <p:notesMasterId r:id="rId6"/>
   </p:notesMasterIdLst>
   <p:sldIdLst>
     <p:sldId id="256" r:id="rId2"/>
     <p:sldId id="257" r:id="rId3"/>
+    <p:sldId id="258" r:id="rId4"/>
+    <p:sldId id="259" r:id="rId5"/>
   </p:sldIdLst>
   <p:sldSz cx="12192000" cy="6858000"/>
   <p:notesSz cx="6858000" cy="9144000"/>
@@ -108,6 +110,11 @@
       </a:defRPr>
     </a:lvl9pPr>
   </p:defaultTextStyle>
+  <p:extLst>
+    <p:ext uri="{EFAFB233-063F-42B5-8137-9DF3F51BA10A}">
+      <p15:sldGuideLst xmlns:p15="http://schemas.microsoft.com/office/powerpoint/2012/main"/>
+    </p:ext>
+  </p:extLst>
 </p:presentation>
 </file>
 
@@ -193,7 +200,7 @@
           <a:p>
             <a:fld id="{9D34BB2E-FA80-4188-911D-CC43776BF2BD}" type="datetimeFigureOut">
               <a:rPr lang="en-US" smtClean="0"/>
-              <a:t>12/10/2020</a:t>
+              <a:t>12/11/2020</a:t>
             </a:fld>
             <a:endParaRPr lang="en-US"/>
           </a:p>
@@ -544,6 +551,343 @@
 </p:notes>
 </file>
 
+<file path=ppt/notesSlides/notesSlide2.xml><?xml version="1.0" encoding="utf-8"?>
+<p:notes xmlns:a="http://schemas.openxmlformats.org/drawingml/2006/main" xmlns:r="http://schemas.openxmlformats.org/officeDocument/2006/relationships" xmlns:p="http://schemas.openxmlformats.org/presentationml/2006/main">
+  <p:cSld>
+    <p:spTree>
+      <p:nvGrpSpPr>
+        <p:cNvPr id="1" name=""/>
+        <p:cNvGrpSpPr/>
+        <p:nvPr/>
+      </p:nvGrpSpPr>
+      <p:grpSpPr>
+        <a:xfrm>
+          <a:off x="0" y="0"/>
+          <a:ext cx="0" cy="0"/>
+          <a:chOff x="0" y="0"/>
+          <a:chExt cx="0" cy="0"/>
+        </a:xfrm>
+      </p:grpSpPr>
+      <p:sp>
+        <p:nvSpPr>
+          <p:cNvPr id="2" name="Slide Image Placeholder 1"/>
+          <p:cNvSpPr>
+            <a:spLocks noGrp="1" noRot="1" noChangeAspect="1"/>
+          </p:cNvSpPr>
+          <p:nvPr>
+            <p:ph type="sldImg"/>
+          </p:nvPr>
+        </p:nvSpPr>
+        <p:spPr/>
+      </p:sp>
+      <p:sp>
+        <p:nvSpPr>
+          <p:cNvPr id="3" name="Notes Placeholder 2"/>
+          <p:cNvSpPr>
+            <a:spLocks noGrp="1"/>
+          </p:cNvSpPr>
+          <p:nvPr>
+            <p:ph type="body" idx="1"/>
+          </p:nvPr>
+        </p:nvSpPr>
+        <p:spPr/>
+        <p:txBody>
+          <a:bodyPr/>
+          <a:lstStyle/>
+          <a:p>
+            <a:pPr marL="0" marR="0">
+              <a:spcBef>
+                <a:spcPts val="0"/>
+              </a:spcBef>
+              <a:spcAft>
+                <a:spcPts val="0"/>
+              </a:spcAft>
+            </a:pPr>
+            <a:r>
+              <a:rPr lang="en-US" sz="1800" dirty="0">
+                <a:effectLst/>
+                <a:latin typeface="Calibri" panose="020F0502020204030204" pitchFamily="34" charset="0"/>
+              </a:rPr>
+              <a:t>The official definition in terms of Unity per the unity documentation is defined as </a:t>
+            </a:r>
+          </a:p>
+          <a:p>
+            <a:pPr marL="0" marR="0">
+              <a:spcBef>
+                <a:spcPts val="0"/>
+              </a:spcBef>
+              <a:spcAft>
+                <a:spcPts val="0"/>
+              </a:spcAft>
+            </a:pPr>
+            <a:r>
+              <a:rPr lang="en-US" sz="1800" dirty="0">
+                <a:effectLst/>
+                <a:latin typeface="Calibri" panose="020F0502020204030204" pitchFamily="34" charset="0"/>
+              </a:rPr>
+              <a:t>the automatic process of transforming data structures or object states into a format that Unity can store and reconstruct later.</a:t>
+            </a:r>
+          </a:p>
+          <a:p>
+            <a:pPr marL="0" marR="0">
+              <a:spcBef>
+                <a:spcPts val="0"/>
+              </a:spcBef>
+              <a:spcAft>
+                <a:spcPts val="0"/>
+              </a:spcAft>
+            </a:pPr>
+            <a:r>
+              <a:rPr lang="en-US" sz="1800" dirty="0">
+                <a:effectLst/>
+                <a:latin typeface="Calibri" panose="020F0502020204030204" pitchFamily="34" charset="0"/>
+              </a:rPr>
+              <a:t> </a:t>
+            </a:r>
+          </a:p>
+          <a:p>
+            <a:pPr marL="0" marR="0">
+              <a:spcBef>
+                <a:spcPts val="0"/>
+              </a:spcBef>
+              <a:spcAft>
+                <a:spcPts val="0"/>
+              </a:spcAft>
+            </a:pPr>
+            <a:r>
+              <a:rPr lang="en-US" sz="1800" dirty="0">
+                <a:effectLst/>
+                <a:latin typeface="Calibri" panose="020F0502020204030204" pitchFamily="34" charset="0"/>
+              </a:rPr>
+              <a:t>Let's say you're at a grocery store, and you go to the register to buy a bunch of things. They add it up the on the register, but it turns out, they only accept cash, and all of your cash is at home. A line forms behind you, so you write everything down everything you wanted to buy and put it all back on the shelf, and while you run home to get money, the cashier can check out other customers. When you get back store, you are able to use the list to recollect all the items you wanted to buy, and proceed with the transaction. </a:t>
+            </a:r>
+          </a:p>
+          <a:p>
+            <a:pPr marL="0" marR="0">
+              <a:spcBef>
+                <a:spcPts val="0"/>
+              </a:spcBef>
+              <a:spcAft>
+                <a:spcPts val="0"/>
+              </a:spcAft>
+            </a:pPr>
+            <a:r>
+              <a:rPr lang="en-US" sz="1800" dirty="0">
+                <a:effectLst/>
+                <a:latin typeface="Calibri" panose="020F0502020204030204" pitchFamily="34" charset="0"/>
+              </a:rPr>
+              <a:t> </a:t>
+            </a:r>
+          </a:p>
+          <a:p>
+            <a:pPr marL="0" marR="0">
+              <a:spcBef>
+                <a:spcPts val="0"/>
+              </a:spcBef>
+              <a:spcAft>
+                <a:spcPts val="0"/>
+              </a:spcAft>
+            </a:pPr>
+            <a:r>
+              <a:rPr lang="en-US" sz="1800" dirty="0">
+                <a:effectLst/>
+                <a:latin typeface="Calibri" panose="020F0502020204030204" pitchFamily="34" charset="0"/>
+              </a:rPr>
+              <a:t>The act of having the physical items with you, transferring them to paper and returning the items back to the shelf, and then using the paper to find all the items again, is serialization.</a:t>
+            </a:r>
+          </a:p>
+          <a:p>
+            <a:pPr marL="0" marR="0">
+              <a:spcBef>
+                <a:spcPts val="0"/>
+              </a:spcBef>
+              <a:spcAft>
+                <a:spcPts val="0"/>
+              </a:spcAft>
+            </a:pPr>
+            <a:r>
+              <a:rPr lang="en-US" sz="1800" dirty="0">
+                <a:effectLst/>
+                <a:latin typeface="Calibri" panose="020F0502020204030204" pitchFamily="34" charset="0"/>
+              </a:rPr>
+              <a:t> </a:t>
+            </a:r>
+          </a:p>
+          <a:p>
+            <a:pPr marL="0" marR="0">
+              <a:spcBef>
+                <a:spcPts val="0"/>
+              </a:spcBef>
+              <a:spcAft>
+                <a:spcPts val="0"/>
+              </a:spcAft>
+            </a:pPr>
+            <a:r>
+              <a:rPr lang="en-US" sz="1800" dirty="0">
+                <a:effectLst/>
+                <a:latin typeface="Calibri" panose="020F0502020204030204" pitchFamily="34" charset="0"/>
+              </a:rPr>
+              <a:t>In serialization, the object is converted into a stream of bytes, and then it can get stored to either a database, a file, or memory.  Upon reconstruction, the process of deserialization occurs, which is when the stream of bytes from those locations gets converted back into an object, and comes together in the exact same way you left it the last time it was an object.</a:t>
+            </a:r>
+          </a:p>
+          <a:p>
+            <a:endParaRPr lang="en-US" dirty="0"/>
+          </a:p>
+        </p:txBody>
+      </p:sp>
+      <p:sp>
+        <p:nvSpPr>
+          <p:cNvPr id="4" name="Slide Number Placeholder 3"/>
+          <p:cNvSpPr>
+            <a:spLocks noGrp="1"/>
+          </p:cNvSpPr>
+          <p:nvPr>
+            <p:ph type="sldNum" sz="quarter" idx="5"/>
+          </p:nvPr>
+        </p:nvSpPr>
+        <p:spPr/>
+        <p:txBody>
+          <a:bodyPr/>
+          <a:lstStyle/>
+          <a:p>
+            <a:fld id="{926A4D28-551C-4E4A-9CE4-840CFB3B2FC0}" type="slidenum">
+              <a:rPr lang="en-US" smtClean="0"/>
+              <a:t>3</a:t>
+            </a:fld>
+            <a:endParaRPr lang="en-US"/>
+          </a:p>
+        </p:txBody>
+      </p:sp>
+    </p:spTree>
+    <p:extLst>
+      <p:ext uri="{BB962C8B-B14F-4D97-AF65-F5344CB8AC3E}">
+        <p14:creationId xmlns:p14="http://schemas.microsoft.com/office/powerpoint/2010/main" val="1104547174"/>
+      </p:ext>
+    </p:extLst>
+  </p:cSld>
+  <p:clrMapOvr>
+    <a:masterClrMapping/>
+  </p:clrMapOvr>
+</p:notes>
+</file>
+
+<file path=ppt/notesSlides/notesSlide3.xml><?xml version="1.0" encoding="utf-8"?>
+<p:notes xmlns:a="http://schemas.openxmlformats.org/drawingml/2006/main" xmlns:r="http://schemas.openxmlformats.org/officeDocument/2006/relationships" xmlns:p="http://schemas.openxmlformats.org/presentationml/2006/main">
+  <p:cSld>
+    <p:spTree>
+      <p:nvGrpSpPr>
+        <p:cNvPr id="1" name=""/>
+        <p:cNvGrpSpPr/>
+        <p:nvPr/>
+      </p:nvGrpSpPr>
+      <p:grpSpPr>
+        <a:xfrm>
+          <a:off x="0" y="0"/>
+          <a:ext cx="0" cy="0"/>
+          <a:chOff x="0" y="0"/>
+          <a:chExt cx="0" cy="0"/>
+        </a:xfrm>
+      </p:grpSpPr>
+      <p:sp>
+        <p:nvSpPr>
+          <p:cNvPr id="2" name="Slide Image Placeholder 1"/>
+          <p:cNvSpPr>
+            <a:spLocks noGrp="1" noRot="1" noChangeAspect="1"/>
+          </p:cNvSpPr>
+          <p:nvPr>
+            <p:ph type="sldImg"/>
+          </p:nvPr>
+        </p:nvSpPr>
+        <p:spPr/>
+      </p:sp>
+      <p:sp>
+        <p:nvSpPr>
+          <p:cNvPr id="3" name="Notes Placeholder 2"/>
+          <p:cNvSpPr>
+            <a:spLocks noGrp="1"/>
+          </p:cNvSpPr>
+          <p:nvPr>
+            <p:ph type="body" idx="1"/>
+          </p:nvPr>
+        </p:nvSpPr>
+        <p:spPr/>
+        <p:txBody>
+          <a:bodyPr/>
+          <a:lstStyle/>
+          <a:p>
+            <a:pPr marL="0" marR="0" lvl="0" indent="0" algn="l" defTabSz="914400" rtl="0" eaLnBrk="1" fontAlgn="auto" latinLnBrk="0" hangingPunct="1">
+              <a:lnSpc>
+                <a:spcPct val="100000"/>
+              </a:lnSpc>
+              <a:spcBef>
+                <a:spcPts val="0"/>
+              </a:spcBef>
+              <a:spcAft>
+                <a:spcPts val="0"/>
+              </a:spcAft>
+              <a:buClrTx/>
+              <a:buSzTx/>
+              <a:buFontTx/>
+              <a:buNone/>
+              <a:tabLst/>
+              <a:defRPr/>
+            </a:pPr>
+            <a:r>
+              <a:rPr lang="en-US" sz="1200" dirty="0">
+                <a:effectLst/>
+                <a:latin typeface="Calibri" panose="020F0502020204030204" pitchFamily="34" charset="0"/>
+              </a:rPr>
+              <a:t>Now Unity itself actually uses this process in a lot of different ways. A great example is the ability to create and edit scripts while the editor is open, and being able to immediately apply the script's behaviors. You don't have to restart anything for the scripts to take affect. This is something called Hot Reloading. Another aspect to serialization to be aware of is the inspector window.  </a:t>
+            </a:r>
+            <a:r>
+              <a:rPr lang="en-US" sz="1200">
+                <a:effectLst/>
+                <a:latin typeface="Calibri" panose="020F0502020204030204" pitchFamily="34" charset="0"/>
+              </a:rPr>
+              <a:t>When you change the value of a game objects component field in the inspector window, these changes do not go to the getters and setters-- everything is serialized in the inspector's fields directly.</a:t>
+            </a:r>
+          </a:p>
+          <a:p>
+            <a:endParaRPr lang="en-US"/>
+          </a:p>
+        </p:txBody>
+      </p:sp>
+      <p:sp>
+        <p:nvSpPr>
+          <p:cNvPr id="4" name="Slide Number Placeholder 3"/>
+          <p:cNvSpPr>
+            <a:spLocks noGrp="1"/>
+          </p:cNvSpPr>
+          <p:nvPr>
+            <p:ph type="sldNum" sz="quarter" idx="5"/>
+          </p:nvPr>
+        </p:nvSpPr>
+        <p:spPr/>
+        <p:txBody>
+          <a:bodyPr/>
+          <a:lstStyle/>
+          <a:p>
+            <a:fld id="{926A4D28-551C-4E4A-9CE4-840CFB3B2FC0}" type="slidenum">
+              <a:rPr lang="en-US" smtClean="0"/>
+              <a:t>4</a:t>
+            </a:fld>
+            <a:endParaRPr lang="en-US"/>
+          </a:p>
+        </p:txBody>
+      </p:sp>
+    </p:spTree>
+    <p:extLst>
+      <p:ext uri="{BB962C8B-B14F-4D97-AF65-F5344CB8AC3E}">
+        <p14:creationId xmlns:p14="http://schemas.microsoft.com/office/powerpoint/2010/main" val="2766221340"/>
+      </p:ext>
+    </p:extLst>
+  </p:cSld>
+  <p:clrMapOvr>
+    <a:masterClrMapping/>
+  </p:clrMapOvr>
+</p:notes>
+</file>
+
 <file path=ppt/slideLayouts/slideLayout1.xml><?xml version="1.0" encoding="utf-8"?>
 <p:sldLayout xmlns:a="http://schemas.openxmlformats.org/drawingml/2006/main" xmlns:r="http://schemas.openxmlformats.org/officeDocument/2006/relationships" xmlns:p="http://schemas.openxmlformats.org/presentationml/2006/main" type="title" preserve="1">
   <p:cSld name="Title Slide">
@@ -687,7 +1031,7 @@
           <a:p>
             <a:fld id="{2395C5C9-164C-46B3-A87E-7660D39D3106}" type="datetime2">
               <a:rPr lang="en-US" smtClean="0"/>
-              <a:t>Thursday, December 10, 2020</a:t>
+              <a:t>Friday, December 11, 2020</a:t>
             </a:fld>
             <a:endParaRPr lang="en-US" dirty="0"/>
           </a:p>
@@ -890,7 +1234,7 @@
           <a:p>
             <a:fld id="{5B75179A-1E2B-41AB-B400-4F1B4022FAEE}" type="datetime2">
               <a:rPr lang="en-US" smtClean="0"/>
-              <a:t>Thursday, December 10, 2020</a:t>
+              <a:t>Friday, December 11, 2020</a:t>
             </a:fld>
             <a:endParaRPr lang="en-US"/>
           </a:p>
@@ -1103,7 +1447,7 @@
           <a:p>
             <a:fld id="{05681D0F-6595-4F14-8EF3-954CD87C797B}" type="datetime2">
               <a:rPr lang="en-US" smtClean="0"/>
-              <a:t>Thursday, December 10, 2020</a:t>
+              <a:t>Friday, December 11, 2020</a:t>
             </a:fld>
             <a:endParaRPr lang="en-US"/>
           </a:p>
@@ -1305,7 +1649,7 @@
           <a:p>
             <a:fld id="{4DDCFF8A-AAF8-4A12-8A91-9CA0EAF6CBB9}" type="datetime2">
               <a:rPr lang="en-US" smtClean="0"/>
-              <a:t>Thursday, December 10, 2020</a:t>
+              <a:t>Friday, December 11, 2020</a:t>
             </a:fld>
             <a:endParaRPr lang="en-US" dirty="0"/>
           </a:p>
@@ -1584,7 +1928,7 @@
           <a:p>
             <a:fld id="{ABCC25C3-021A-4B0B-8F70-0C181FE1CF45}" type="datetime2">
               <a:rPr lang="en-US" smtClean="0"/>
-              <a:t>Thursday, December 10, 2020</a:t>
+              <a:t>Friday, December 11, 2020</a:t>
             </a:fld>
             <a:endParaRPr lang="en-US"/>
           </a:p>
@@ -1844,7 +2188,7 @@
           <a:p>
             <a:fld id="{0C23D88D-8CEC-4ED9-A53B-5596187D9A16}" type="datetime2">
               <a:rPr lang="en-US" smtClean="0"/>
-              <a:t>Thursday, December 10, 2020</a:t>
+              <a:t>Friday, December 11, 2020</a:t>
             </a:fld>
             <a:endParaRPr lang="en-US"/>
           </a:p>
@@ -2260,7 +2604,7 @@
           <a:p>
             <a:fld id="{D2CCD382-DFDA-4722-A27A-59C21AD112F2}" type="datetime2">
               <a:rPr lang="en-US" smtClean="0"/>
-              <a:t>Thursday, December 10, 2020</a:t>
+              <a:t>Friday, December 11, 2020</a:t>
             </a:fld>
             <a:endParaRPr lang="en-US"/>
           </a:p>
@@ -2405,7 +2749,7 @@
           <a:p>
             <a:fld id="{22F2A30D-1C09-413F-AAB1-38F366000715}" type="datetime2">
               <a:rPr lang="en-US" smtClean="0"/>
-              <a:t>Thursday, December 10, 2020</a:t>
+              <a:t>Friday, December 11, 2020</a:t>
             </a:fld>
             <a:endParaRPr lang="en-US"/>
           </a:p>
@@ -2527,7 +2871,7 @@
           <a:p>
             <a:fld id="{6DB82B9C-D65E-4F64-95C3-B10F3B00F0D9}" type="datetime2">
               <a:rPr lang="en-US" smtClean="0"/>
-              <a:t>Thursday, December 10, 2020</a:t>
+              <a:t>Friday, December 11, 2020</a:t>
             </a:fld>
             <a:endParaRPr lang="en-US"/>
           </a:p>
@@ -2850,7 +3194,7 @@
           <a:p>
             <a:fld id="{B7F5FDCC-6AAC-4A08-B9E0-3793AB5E64C3}" type="datetime2">
               <a:rPr lang="en-US" smtClean="0"/>
-              <a:t>Thursday, December 10, 2020</a:t>
+              <a:t>Friday, December 11, 2020</a:t>
             </a:fld>
             <a:endParaRPr lang="en-US"/>
           </a:p>
@@ -3138,7 +3482,7 @@
           <a:p>
             <a:fld id="{349FE94D-439C-40F1-900E-BC07940E3988}" type="datetime2">
               <a:rPr lang="en-US" smtClean="0"/>
-              <a:t>Thursday, December 10, 2020</a:t>
+              <a:t>Friday, December 11, 2020</a:t>
             </a:fld>
             <a:endParaRPr lang="en-US"/>
           </a:p>
@@ -3426,7 +3770,7 @@
           <a:p>
             <a:fld id="{8DEA2CF1-0EB2-4673-802D-3371233E4A77}" type="datetime2">
               <a:rPr lang="en-US" smtClean="0"/>
-              <a:t>Thursday, December 10, 2020</a:t>
+              <a:t>Friday, December 11, 2020</a:t>
             </a:fld>
             <a:endParaRPr lang="en-US" dirty="0"/>
           </a:p>
@@ -4139,13 +4483,8 @@
           <a:p>
             <a:r>
               <a:rPr lang="en-US" dirty="0"/>
-              <a:t>Resources </a:t>
-            </a:r>
-            <a:r>
-              <a:rPr lang="en-US"/>
-              <a:t>&amp; References</a:t>
-            </a:r>
-            <a:endParaRPr lang="en-US" dirty="0"/>
+              <a:t>Resources &amp; References</a:t>
+            </a:r>
           </a:p>
         </p:txBody>
       </p:sp>
@@ -4285,6 +4624,2046 @@
     <p:extLst>
       <p:ext uri="{BB962C8B-B14F-4D97-AF65-F5344CB8AC3E}">
         <p14:creationId xmlns:p14="http://schemas.microsoft.com/office/powerpoint/2010/main" val="2921657817"/>
+      </p:ext>
+    </p:extLst>
+  </p:cSld>
+  <p:clrMapOvr>
+    <a:masterClrMapping/>
+  </p:clrMapOvr>
+</p:sld>
+</file>
+
+<file path=ppt/slides/slide3.xml><?xml version="1.0" encoding="utf-8"?>
+<p:sld xmlns:a="http://schemas.openxmlformats.org/drawingml/2006/main" xmlns:r="http://schemas.openxmlformats.org/officeDocument/2006/relationships" xmlns:p="http://schemas.openxmlformats.org/presentationml/2006/main">
+  <p:cSld>
+    <p:bg>
+      <p:bgPr>
+        <a:solidFill>
+          <a:schemeClr val="bg2"/>
+        </a:solidFill>
+        <a:effectLst/>
+      </p:bgPr>
+    </p:bg>
+    <p:spTree>
+      <p:nvGrpSpPr>
+        <p:cNvPr id="1" name=""/>
+        <p:cNvGrpSpPr/>
+        <p:nvPr/>
+      </p:nvGrpSpPr>
+      <p:grpSpPr>
+        <a:xfrm>
+          <a:off x="0" y="0"/>
+          <a:ext cx="0" cy="0"/>
+          <a:chOff x="0" y="0"/>
+          <a:chExt cx="0" cy="0"/>
+        </a:xfrm>
+      </p:grpSpPr>
+      <p:sp>
+        <p:nvSpPr>
+          <p:cNvPr id="7" name="Rectangle 6">
+            <a:extLst>
+              <a:ext uri="{FF2B5EF4-FFF2-40B4-BE49-F238E27FC236}">
+                <a16:creationId xmlns:a16="http://schemas.microsoft.com/office/drawing/2014/main" id="{09646535-AEF6-4883-A4F9-EEC1F8B4319E}"/>
+              </a:ext>
+              <a:ext uri="{C183D7F6-B498-43B3-948B-1728B52AA6E4}">
+                <adec:decorative xmlns:adec="http://schemas.microsoft.com/office/drawing/2017/decorative" val="1"/>
+              </a:ext>
+            </a:extLst>
+          </p:cNvPr>
+          <p:cNvSpPr>
+            <a:spLocks noGrp="1" noRot="1" noChangeAspect="1" noMove="1" noResize="1" noEditPoints="1" noAdjustHandles="1" noChangeArrowheads="1" noChangeShapeType="1" noTextEdit="1"/>
+          </p:cNvSpPr>
+          <p:nvPr>
+            <p:extLst>
+              <p:ext uri="{386F3935-93C4-4BCD-93E2-E3B085C9AB24}">
+                <p16:designElem xmlns:p16="http://schemas.microsoft.com/office/powerpoint/2015/main" val="1"/>
+              </p:ext>
+            </p:extLst>
+          </p:nvPr>
+        </p:nvSpPr>
+        <p:spPr>
+          <a:xfrm>
+            <a:off x="0" y="0"/>
+            <a:ext cx="12192000" cy="6858000"/>
+          </a:xfrm>
+          <a:prstGeom prst="rect">
+            <a:avLst/>
+          </a:prstGeom>
+          <a:solidFill>
+            <a:schemeClr val="bg2">
+              <a:lumMod val="90000"/>
+              <a:lumOff val="10000"/>
+            </a:schemeClr>
+          </a:solidFill>
+          <a:ln w="12700" cap="flat" cmpd="sng" algn="ctr">
+            <a:noFill/>
+            <a:prstDash val="solid"/>
+            <a:miter lim="800000"/>
+          </a:ln>
+          <a:effectLst/>
+        </p:spPr>
+        <p:style>
+          <a:lnRef idx="2">
+            <a:schemeClr val="accent1">
+              <a:shade val="50000"/>
+            </a:schemeClr>
+          </a:lnRef>
+          <a:fillRef idx="1">
+            <a:schemeClr val="accent1"/>
+          </a:fillRef>
+          <a:effectRef idx="0">
+            <a:schemeClr val="accent1"/>
+          </a:effectRef>
+          <a:fontRef idx="minor">
+            <a:schemeClr val="lt1"/>
+          </a:fontRef>
+        </p:style>
+        <p:txBody>
+          <a:bodyPr rtlCol="0" anchor="ctr"/>
+          <a:lstStyle/>
+          <a:p>
+            <a:pPr algn="ctr"/>
+            <a:endParaRPr lang="en-US"/>
+          </a:p>
+        </p:txBody>
+      </p:sp>
+      <p:sp>
+        <p:nvSpPr>
+          <p:cNvPr id="9" name="Rectangle 8">
+            <a:extLst>
+              <a:ext uri="{FF2B5EF4-FFF2-40B4-BE49-F238E27FC236}">
+                <a16:creationId xmlns:a16="http://schemas.microsoft.com/office/drawing/2014/main" id="{DB7EFF05-A8DA-4B3E-9C21-7A04283D4852}"/>
+              </a:ext>
+              <a:ext uri="{C183D7F6-B498-43B3-948B-1728B52AA6E4}">
+                <adec:decorative xmlns:adec="http://schemas.microsoft.com/office/drawing/2017/decorative" val="1"/>
+              </a:ext>
+            </a:extLst>
+          </p:cNvPr>
+          <p:cNvSpPr>
+            <a:spLocks noGrp="1" noRot="1" noChangeAspect="1" noMove="1" noResize="1" noEditPoints="1" noAdjustHandles="1" noChangeArrowheads="1" noChangeShapeType="1" noTextEdit="1"/>
+          </p:cNvSpPr>
+          <p:nvPr>
+            <p:extLst>
+              <p:ext uri="{386F3935-93C4-4BCD-93E2-E3B085C9AB24}">
+                <p16:designElem xmlns:p16="http://schemas.microsoft.com/office/powerpoint/2015/main" val="1"/>
+              </p:ext>
+            </p:extLst>
+          </p:nvPr>
+        </p:nvSpPr>
+        <p:spPr>
+          <a:xfrm>
+            <a:off x="0" y="0"/>
+            <a:ext cx="12192000" cy="6858000"/>
+          </a:xfrm>
+          <a:prstGeom prst="rect">
+            <a:avLst/>
+          </a:prstGeom>
+          <a:solidFill>
+            <a:schemeClr val="bg2">
+              <a:lumMod val="90000"/>
+              <a:lumOff val="10000"/>
+            </a:schemeClr>
+          </a:solidFill>
+          <a:ln w="12700" cap="flat" cmpd="sng" algn="ctr">
+            <a:noFill/>
+            <a:prstDash val="solid"/>
+            <a:miter lim="800000"/>
+          </a:ln>
+          <a:effectLst/>
+        </p:spPr>
+        <p:style>
+          <a:lnRef idx="2">
+            <a:schemeClr val="accent1">
+              <a:shade val="50000"/>
+            </a:schemeClr>
+          </a:lnRef>
+          <a:fillRef idx="1">
+            <a:schemeClr val="accent1"/>
+          </a:fillRef>
+          <a:effectRef idx="0">
+            <a:schemeClr val="accent1"/>
+          </a:effectRef>
+          <a:fontRef idx="minor">
+            <a:schemeClr val="lt1"/>
+          </a:fontRef>
+        </p:style>
+        <p:txBody>
+          <a:bodyPr rtlCol="0" anchor="ctr"/>
+          <a:lstStyle/>
+          <a:p>
+            <a:pPr algn="ctr"/>
+            <a:endParaRPr lang="en-US"/>
+          </a:p>
+        </p:txBody>
+      </p:sp>
+      <p:sp useBgFill="1">
+        <p:nvSpPr>
+          <p:cNvPr id="11" name="Rectangle 10">
+            <a:extLst>
+              <a:ext uri="{FF2B5EF4-FFF2-40B4-BE49-F238E27FC236}">
+                <a16:creationId xmlns:a16="http://schemas.microsoft.com/office/drawing/2014/main" id="{75FF88DA-F544-48DC-A77D-355F134193FC}"/>
+              </a:ext>
+              <a:ext uri="{C183D7F6-B498-43B3-948B-1728B52AA6E4}">
+                <adec:decorative xmlns:adec="http://schemas.microsoft.com/office/drawing/2017/decorative" val="1"/>
+              </a:ext>
+            </a:extLst>
+          </p:cNvPr>
+          <p:cNvSpPr>
+            <a:spLocks noGrp="1" noRot="1" noChangeAspect="1" noMove="1" noResize="1" noEditPoints="1" noAdjustHandles="1" noChangeArrowheads="1" noChangeShapeType="1" noTextEdit="1"/>
+          </p:cNvSpPr>
+          <p:nvPr>
+            <p:extLst>
+              <p:ext uri="{386F3935-93C4-4BCD-93E2-E3B085C9AB24}">
+                <p16:designElem xmlns:p16="http://schemas.microsoft.com/office/powerpoint/2015/main" val="1"/>
+              </p:ext>
+            </p:extLst>
+          </p:nvPr>
+        </p:nvSpPr>
+        <p:spPr>
+          <a:xfrm>
+            <a:off x="0" y="0"/>
+            <a:ext cx="12192000" cy="6858000"/>
+          </a:xfrm>
+          <a:prstGeom prst="rect">
+            <a:avLst/>
+          </a:prstGeom>
+          <a:ln w="12700" cap="flat" cmpd="sng" algn="ctr">
+            <a:noFill/>
+            <a:prstDash val="solid"/>
+            <a:miter lim="800000"/>
+          </a:ln>
+          <a:effectLst/>
+        </p:spPr>
+        <p:style>
+          <a:lnRef idx="2">
+            <a:schemeClr val="accent1">
+              <a:shade val="50000"/>
+            </a:schemeClr>
+          </a:lnRef>
+          <a:fillRef idx="1">
+            <a:schemeClr val="accent1"/>
+          </a:fillRef>
+          <a:effectRef idx="0">
+            <a:schemeClr val="accent1"/>
+          </a:effectRef>
+          <a:fontRef idx="minor">
+            <a:schemeClr val="lt1"/>
+          </a:fontRef>
+        </p:style>
+        <p:txBody>
+          <a:bodyPr rtlCol="0" anchor="ctr"/>
+          <a:lstStyle/>
+          <a:p>
+            <a:pPr algn="ctr"/>
+            <a:endParaRPr lang="en-US"/>
+          </a:p>
+        </p:txBody>
+      </p:sp>
+      <p:sp>
+        <p:nvSpPr>
+          <p:cNvPr id="13" name="Rectangle 12">
+            <a:extLst>
+              <a:ext uri="{FF2B5EF4-FFF2-40B4-BE49-F238E27FC236}">
+                <a16:creationId xmlns:a16="http://schemas.microsoft.com/office/drawing/2014/main" id="{8507BD9A-E504-4910-8840-8CD67578C60B}"/>
+              </a:ext>
+              <a:ext uri="{C183D7F6-B498-43B3-948B-1728B52AA6E4}">
+                <adec:decorative xmlns:adec="http://schemas.microsoft.com/office/drawing/2017/decorative" val="1"/>
+              </a:ext>
+            </a:extLst>
+          </p:cNvPr>
+          <p:cNvSpPr>
+            <a:spLocks noGrp="1" noRot="1" noChangeAspect="1" noMove="1" noResize="1" noEditPoints="1" noAdjustHandles="1" noChangeArrowheads="1" noChangeShapeType="1" noTextEdit="1"/>
+          </p:cNvSpPr>
+          <p:nvPr>
+            <p:extLst>
+              <p:ext uri="{386F3935-93C4-4BCD-93E2-E3B085C9AB24}">
+                <p16:designElem xmlns:p16="http://schemas.microsoft.com/office/powerpoint/2015/main" val="1"/>
+              </p:ext>
+            </p:extLst>
+          </p:nvPr>
+        </p:nvSpPr>
+        <p:spPr>
+          <a:xfrm>
+            <a:off x="0" y="0"/>
+            <a:ext cx="12192000" cy="6858000"/>
+          </a:xfrm>
+          <a:prstGeom prst="rect">
+            <a:avLst/>
+          </a:prstGeom>
+          <a:solidFill>
+            <a:schemeClr val="bg2">
+              <a:lumMod val="90000"/>
+              <a:lumOff val="10000"/>
+            </a:schemeClr>
+          </a:solidFill>
+          <a:ln w="12700" cap="flat" cmpd="sng" algn="ctr">
+            <a:noFill/>
+            <a:prstDash val="solid"/>
+            <a:miter lim="800000"/>
+          </a:ln>
+          <a:effectLst/>
+        </p:spPr>
+        <p:style>
+          <a:lnRef idx="2">
+            <a:schemeClr val="accent1">
+              <a:shade val="50000"/>
+            </a:schemeClr>
+          </a:lnRef>
+          <a:fillRef idx="1">
+            <a:schemeClr val="accent1"/>
+          </a:fillRef>
+          <a:effectRef idx="0">
+            <a:schemeClr val="accent1"/>
+          </a:effectRef>
+          <a:fontRef idx="minor">
+            <a:schemeClr val="lt1"/>
+          </a:fontRef>
+        </p:style>
+        <p:txBody>
+          <a:bodyPr rtlCol="0" anchor="ctr"/>
+          <a:lstStyle/>
+          <a:p>
+            <a:pPr algn="ctr"/>
+            <a:endParaRPr lang="en-US"/>
+          </a:p>
+        </p:txBody>
+      </p:sp>
+      <p:sp>
+        <p:nvSpPr>
+          <p:cNvPr id="15" name="Freeform: Shape 14">
+            <a:extLst>
+              <a:ext uri="{FF2B5EF4-FFF2-40B4-BE49-F238E27FC236}">
+                <a16:creationId xmlns:a16="http://schemas.microsoft.com/office/drawing/2014/main" id="{27796E5A-5224-4D7A-AE21-974F820DDD86}"/>
+              </a:ext>
+              <a:ext uri="{C183D7F6-B498-43B3-948B-1728B52AA6E4}">
+                <adec:decorative xmlns:adec="http://schemas.microsoft.com/office/drawing/2017/decorative" val="1"/>
+              </a:ext>
+            </a:extLst>
+          </p:cNvPr>
+          <p:cNvSpPr>
+            <a:spLocks noGrp="1" noRot="1" noChangeAspect="1" noMove="1" noResize="1" noEditPoints="1" noAdjustHandles="1" noChangeArrowheads="1" noChangeShapeType="1" noTextEdit="1"/>
+          </p:cNvSpPr>
+          <p:nvPr>
+            <p:extLst>
+              <p:ext uri="{386F3935-93C4-4BCD-93E2-E3B085C9AB24}">
+                <p16:designElem xmlns:p16="http://schemas.microsoft.com/office/powerpoint/2015/main" val="1"/>
+              </p:ext>
+            </p:extLst>
+          </p:nvPr>
+        </p:nvSpPr>
+        <p:spPr bwMode="auto">
+          <a:xfrm>
+            <a:off x="809626" y="0"/>
+            <a:ext cx="11382374" cy="6858000"/>
+          </a:xfrm>
+          <a:custGeom>
+            <a:avLst/>
+            <a:gdLst>
+              <a:gd name="connsiteX0" fmla="*/ 7488223 w 11382374"/>
+              <a:gd name="connsiteY0" fmla="*/ 5362710 h 6858000"/>
+              <a:gd name="connsiteX1" fmla="*/ 7660754 w 11382374"/>
+              <a:gd name="connsiteY1" fmla="*/ 5395635 h 6858000"/>
+              <a:gd name="connsiteX2" fmla="*/ 7791274 w 11382374"/>
+              <a:gd name="connsiteY2" fmla="*/ 5499694 h 6858000"/>
+              <a:gd name="connsiteX3" fmla="*/ 7895690 w 11382374"/>
+              <a:gd name="connsiteY3" fmla="*/ 5707813 h 6858000"/>
+              <a:gd name="connsiteX4" fmla="*/ 8026210 w 11382374"/>
+              <a:gd name="connsiteY4" fmla="*/ 6540288 h 6858000"/>
+              <a:gd name="connsiteX5" fmla="*/ 8000106 w 11382374"/>
+              <a:gd name="connsiteY5" fmla="*/ 6852467 h 6858000"/>
+              <a:gd name="connsiteX6" fmla="*/ 7997209 w 11382374"/>
+              <a:gd name="connsiteY6" fmla="*/ 6858000 h 6858000"/>
+              <a:gd name="connsiteX7" fmla="*/ 7284161 w 11382374"/>
+              <a:gd name="connsiteY7" fmla="*/ 6858000 h 6858000"/>
+              <a:gd name="connsiteX8" fmla="*/ 7261037 w 11382374"/>
+              <a:gd name="connsiteY8" fmla="*/ 6815477 h 6858000"/>
+              <a:gd name="connsiteX9" fmla="*/ 7216986 w 11382374"/>
+              <a:gd name="connsiteY9" fmla="*/ 6592318 h 6858000"/>
+              <a:gd name="connsiteX10" fmla="*/ 7190882 w 11382374"/>
+              <a:gd name="connsiteY10" fmla="*/ 6306155 h 6858000"/>
+              <a:gd name="connsiteX11" fmla="*/ 7112570 w 11382374"/>
+              <a:gd name="connsiteY11" fmla="*/ 5915932 h 6858000"/>
+              <a:gd name="connsiteX12" fmla="*/ 7086466 w 11382374"/>
+              <a:gd name="connsiteY12" fmla="*/ 5577739 h 6858000"/>
+              <a:gd name="connsiteX13" fmla="*/ 7399714 w 11382374"/>
+              <a:gd name="connsiteY13" fmla="*/ 5369620 h 6858000"/>
+              <a:gd name="connsiteX14" fmla="*/ 7488223 w 11382374"/>
+              <a:gd name="connsiteY14" fmla="*/ 5362710 h 6858000"/>
+              <a:gd name="connsiteX15" fmla="*/ 4656642 w 11382374"/>
+              <a:gd name="connsiteY15" fmla="*/ 5350109 h 6858000"/>
+              <a:gd name="connsiteX16" fmla="*/ 4832285 w 11382374"/>
+              <a:gd name="connsiteY16" fmla="*/ 5369620 h 6858000"/>
+              <a:gd name="connsiteX17" fmla="*/ 5092495 w 11382374"/>
+              <a:gd name="connsiteY17" fmla="*/ 5525709 h 6858000"/>
+              <a:gd name="connsiteX18" fmla="*/ 5040453 w 11382374"/>
+              <a:gd name="connsiteY18" fmla="*/ 6566303 h 6858000"/>
+              <a:gd name="connsiteX19" fmla="*/ 4996086 w 11382374"/>
+              <a:gd name="connsiteY19" fmla="*/ 6815071 h 6858000"/>
+              <a:gd name="connsiteX20" fmla="*/ 4979880 w 11382374"/>
+              <a:gd name="connsiteY20" fmla="*/ 6858000 h 6858000"/>
+              <a:gd name="connsiteX21" fmla="*/ 4220086 w 11382374"/>
+              <a:gd name="connsiteY21" fmla="*/ 6858000 h 6858000"/>
+              <a:gd name="connsiteX22" fmla="*/ 4215097 w 11382374"/>
+              <a:gd name="connsiteY22" fmla="*/ 6841085 h 6858000"/>
+              <a:gd name="connsiteX23" fmla="*/ 4207778 w 11382374"/>
+              <a:gd name="connsiteY23" fmla="*/ 6592318 h 6858000"/>
+              <a:gd name="connsiteX24" fmla="*/ 4259820 w 11382374"/>
+              <a:gd name="connsiteY24" fmla="*/ 6072021 h 6858000"/>
+              <a:gd name="connsiteX25" fmla="*/ 4285842 w 11382374"/>
+              <a:gd name="connsiteY25" fmla="*/ 5837887 h 6858000"/>
+              <a:gd name="connsiteX26" fmla="*/ 4311863 w 11382374"/>
+              <a:gd name="connsiteY26" fmla="*/ 5655783 h 6858000"/>
+              <a:gd name="connsiteX27" fmla="*/ 4520031 w 11382374"/>
+              <a:gd name="connsiteY27" fmla="*/ 5369620 h 6858000"/>
+              <a:gd name="connsiteX28" fmla="*/ 4656642 w 11382374"/>
+              <a:gd name="connsiteY28" fmla="*/ 5350109 h 6858000"/>
+              <a:gd name="connsiteX29" fmla="*/ 9692662 w 11382374"/>
+              <a:gd name="connsiteY29" fmla="*/ 4481788 h 6858000"/>
+              <a:gd name="connsiteX30" fmla="*/ 9928184 w 11382374"/>
+              <a:gd name="connsiteY30" fmla="*/ 4560075 h 6858000"/>
+              <a:gd name="connsiteX31" fmla="*/ 10137538 w 11382374"/>
+              <a:gd name="connsiteY31" fmla="*/ 4768841 h 6858000"/>
+              <a:gd name="connsiteX32" fmla="*/ 10320722 w 11382374"/>
+              <a:gd name="connsiteY32" fmla="*/ 5003703 h 6858000"/>
+              <a:gd name="connsiteX33" fmla="*/ 10582413 w 11382374"/>
+              <a:gd name="connsiteY33" fmla="*/ 5290756 h 6858000"/>
+              <a:gd name="connsiteX34" fmla="*/ 10765597 w 11382374"/>
+              <a:gd name="connsiteY34" fmla="*/ 5603905 h 6858000"/>
+              <a:gd name="connsiteX35" fmla="*/ 10608582 w 11382374"/>
+              <a:gd name="connsiteY35" fmla="*/ 5917053 h 6858000"/>
+              <a:gd name="connsiteX36" fmla="*/ 10320722 w 11382374"/>
+              <a:gd name="connsiteY36" fmla="*/ 6021436 h 6858000"/>
+              <a:gd name="connsiteX37" fmla="*/ 10189876 w 11382374"/>
+              <a:gd name="connsiteY37" fmla="*/ 5995340 h 6858000"/>
+              <a:gd name="connsiteX38" fmla="*/ 10006692 w 11382374"/>
+              <a:gd name="connsiteY38" fmla="*/ 5864862 h 6858000"/>
+              <a:gd name="connsiteX39" fmla="*/ 9457140 w 11382374"/>
+              <a:gd name="connsiteY39" fmla="*/ 5186373 h 6858000"/>
+              <a:gd name="connsiteX40" fmla="*/ 9326294 w 11382374"/>
+              <a:gd name="connsiteY40" fmla="*/ 4925416 h 6858000"/>
+              <a:gd name="connsiteX41" fmla="*/ 9352463 w 11382374"/>
+              <a:gd name="connsiteY41" fmla="*/ 4768841 h 6858000"/>
+              <a:gd name="connsiteX42" fmla="*/ 9430971 w 11382374"/>
+              <a:gd name="connsiteY42" fmla="*/ 4638363 h 6858000"/>
+              <a:gd name="connsiteX43" fmla="*/ 9509478 w 11382374"/>
+              <a:gd name="connsiteY43" fmla="*/ 4586171 h 6858000"/>
+              <a:gd name="connsiteX44" fmla="*/ 9692662 w 11382374"/>
+              <a:gd name="connsiteY44" fmla="*/ 4481788 h 6858000"/>
+              <a:gd name="connsiteX45" fmla="*/ 2119526 w 11382374"/>
+              <a:gd name="connsiteY45" fmla="*/ 4452741 h 6858000"/>
+              <a:gd name="connsiteX46" fmla="*/ 2407387 w 11382374"/>
+              <a:gd name="connsiteY46" fmla="*/ 4583154 h 6858000"/>
+              <a:gd name="connsiteX47" fmla="*/ 2538232 w 11382374"/>
+              <a:gd name="connsiteY47" fmla="*/ 4843979 h 6858000"/>
+              <a:gd name="connsiteX48" fmla="*/ 2433556 w 11382374"/>
+              <a:gd name="connsiteY48" fmla="*/ 5156969 h 6858000"/>
+              <a:gd name="connsiteX49" fmla="*/ 1857834 w 11382374"/>
+              <a:gd name="connsiteY49" fmla="*/ 5835114 h 6858000"/>
+              <a:gd name="connsiteX50" fmla="*/ 1255944 w 11382374"/>
+              <a:gd name="connsiteY50" fmla="*/ 5887279 h 6858000"/>
+              <a:gd name="connsiteX51" fmla="*/ 1098929 w 11382374"/>
+              <a:gd name="connsiteY51" fmla="*/ 5652536 h 6858000"/>
+              <a:gd name="connsiteX52" fmla="*/ 1203606 w 11382374"/>
+              <a:gd name="connsiteY52" fmla="*/ 5365629 h 6858000"/>
+              <a:gd name="connsiteX53" fmla="*/ 1386790 w 11382374"/>
+              <a:gd name="connsiteY53" fmla="*/ 5078721 h 6858000"/>
+              <a:gd name="connsiteX54" fmla="*/ 1753158 w 11382374"/>
+              <a:gd name="connsiteY54" fmla="*/ 4661401 h 6858000"/>
+              <a:gd name="connsiteX55" fmla="*/ 1805496 w 11382374"/>
+              <a:gd name="connsiteY55" fmla="*/ 4609236 h 6858000"/>
+              <a:gd name="connsiteX56" fmla="*/ 2119526 w 11382374"/>
+              <a:gd name="connsiteY56" fmla="*/ 4452741 h 6858000"/>
+              <a:gd name="connsiteX57" fmla="*/ 469454 w 11382374"/>
+              <a:gd name="connsiteY57" fmla="*/ 2399882 h 6858000"/>
+              <a:gd name="connsiteX58" fmla="*/ 1408362 w 11382374"/>
+              <a:gd name="connsiteY58" fmla="*/ 2425998 h 6858000"/>
+              <a:gd name="connsiteX59" fmla="*/ 1669169 w 11382374"/>
+              <a:gd name="connsiteY59" fmla="*/ 2556576 h 6858000"/>
+              <a:gd name="connsiteX60" fmla="*/ 1721331 w 11382374"/>
+              <a:gd name="connsiteY60" fmla="*/ 2869964 h 6858000"/>
+              <a:gd name="connsiteX61" fmla="*/ 1617008 w 11382374"/>
+              <a:gd name="connsiteY61" fmla="*/ 3157235 h 6858000"/>
+              <a:gd name="connsiteX62" fmla="*/ 1356200 w 11382374"/>
+              <a:gd name="connsiteY62" fmla="*/ 3261698 h 6858000"/>
+              <a:gd name="connsiteX63" fmla="*/ 469454 w 11382374"/>
+              <a:gd name="connsiteY63" fmla="*/ 3235582 h 6858000"/>
+              <a:gd name="connsiteX64" fmla="*/ 417292 w 11382374"/>
+              <a:gd name="connsiteY64" fmla="*/ 3235582 h 6858000"/>
+              <a:gd name="connsiteX65" fmla="*/ 104323 w 11382374"/>
+              <a:gd name="connsiteY65" fmla="*/ 3105004 h 6858000"/>
+              <a:gd name="connsiteX66" fmla="*/ 0 w 11382374"/>
+              <a:gd name="connsiteY66" fmla="*/ 2869964 h 6858000"/>
+              <a:gd name="connsiteX67" fmla="*/ 104323 w 11382374"/>
+              <a:gd name="connsiteY67" fmla="*/ 2504345 h 6858000"/>
+              <a:gd name="connsiteX68" fmla="*/ 469454 w 11382374"/>
+              <a:gd name="connsiteY68" fmla="*/ 2399882 h 6858000"/>
+              <a:gd name="connsiteX69" fmla="*/ 11342469 w 11382374"/>
+              <a:gd name="connsiteY69" fmla="*/ 2399881 h 6858000"/>
+              <a:gd name="connsiteX70" fmla="*/ 11382374 w 11382374"/>
+              <a:gd name="connsiteY70" fmla="*/ 2399881 h 6858000"/>
+              <a:gd name="connsiteX71" fmla="*/ 11382374 w 11382374"/>
+              <a:gd name="connsiteY71" fmla="*/ 3263992 h 6858000"/>
+              <a:gd name="connsiteX72" fmla="*/ 11352250 w 11382374"/>
+              <a:gd name="connsiteY72" fmla="*/ 3262589 h 6858000"/>
+              <a:gd name="connsiteX73" fmla="*/ 11238146 w 11382374"/>
+              <a:gd name="connsiteY73" fmla="*/ 3255148 h 6858000"/>
+              <a:gd name="connsiteX74" fmla="*/ 10768692 w 11382374"/>
+              <a:gd name="connsiteY74" fmla="*/ 3255148 h 6858000"/>
+              <a:gd name="connsiteX75" fmla="*/ 10533965 w 11382374"/>
+              <a:gd name="connsiteY75" fmla="*/ 3229231 h 6858000"/>
+              <a:gd name="connsiteX76" fmla="*/ 10299238 w 11382374"/>
+              <a:gd name="connsiteY76" fmla="*/ 3125562 h 6858000"/>
+              <a:gd name="connsiteX77" fmla="*/ 10220996 w 11382374"/>
+              <a:gd name="connsiteY77" fmla="*/ 2944142 h 6858000"/>
+              <a:gd name="connsiteX78" fmla="*/ 10220996 w 11382374"/>
+              <a:gd name="connsiteY78" fmla="*/ 2814556 h 6858000"/>
+              <a:gd name="connsiteX79" fmla="*/ 10299238 w 11382374"/>
+              <a:gd name="connsiteY79" fmla="*/ 2581302 h 6858000"/>
+              <a:gd name="connsiteX80" fmla="*/ 10507884 w 11382374"/>
+              <a:gd name="connsiteY80" fmla="*/ 2477633 h 6858000"/>
+              <a:gd name="connsiteX81" fmla="*/ 10820854 w 11382374"/>
+              <a:gd name="connsiteY81" fmla="*/ 2451716 h 6858000"/>
+              <a:gd name="connsiteX82" fmla="*/ 11342469 w 11382374"/>
+              <a:gd name="connsiteY82" fmla="*/ 2399881 h 6858000"/>
+              <a:gd name="connsiteX83" fmla="*/ 9918575 w 11382374"/>
+              <a:gd name="connsiteY83" fmla="*/ 0 h 6858000"/>
+              <a:gd name="connsiteX84" fmla="*/ 10743186 w 11382374"/>
+              <a:gd name="connsiteY84" fmla="*/ 0 h 6858000"/>
+              <a:gd name="connsiteX85" fmla="*/ 10752356 w 11382374"/>
+              <a:gd name="connsiteY85" fmla="*/ 13166 h 6858000"/>
+              <a:gd name="connsiteX86" fmla="*/ 10768671 w 11382374"/>
+              <a:gd name="connsiteY86" fmla="*/ 133340 h 6858000"/>
+              <a:gd name="connsiteX87" fmla="*/ 10638151 w 11382374"/>
+              <a:gd name="connsiteY87" fmla="*/ 445143 h 6858000"/>
+              <a:gd name="connsiteX88" fmla="*/ 10063862 w 11382374"/>
+              <a:gd name="connsiteY88" fmla="*/ 1094733 h 6858000"/>
+              <a:gd name="connsiteX89" fmla="*/ 9750613 w 11382374"/>
+              <a:gd name="connsiteY89" fmla="*/ 1250634 h 6858000"/>
+              <a:gd name="connsiteX90" fmla="*/ 9437364 w 11382374"/>
+              <a:gd name="connsiteY90" fmla="*/ 1120716 h 6858000"/>
+              <a:gd name="connsiteX91" fmla="*/ 9306844 w 11382374"/>
+              <a:gd name="connsiteY91" fmla="*/ 886864 h 6858000"/>
+              <a:gd name="connsiteX92" fmla="*/ 9411260 w 11382374"/>
+              <a:gd name="connsiteY92" fmla="*/ 601045 h 6858000"/>
+              <a:gd name="connsiteX93" fmla="*/ 9750613 w 11382374"/>
+              <a:gd name="connsiteY93" fmla="*/ 185307 h 6858000"/>
+              <a:gd name="connsiteX94" fmla="*/ 9887659 w 11382374"/>
+              <a:gd name="connsiteY94" fmla="*/ 35902 h 6858000"/>
+              <a:gd name="connsiteX95" fmla="*/ 7061905 w 11382374"/>
+              <a:gd name="connsiteY95" fmla="*/ 0 h 6858000"/>
+              <a:gd name="connsiteX96" fmla="*/ 7888888 w 11382374"/>
+              <a:gd name="connsiteY96" fmla="*/ 0 h 6858000"/>
+              <a:gd name="connsiteX97" fmla="*/ 7883747 w 11382374"/>
+              <a:gd name="connsiteY97" fmla="*/ 27195 h 6858000"/>
+              <a:gd name="connsiteX98" fmla="*/ 7864297 w 11382374"/>
+              <a:gd name="connsiteY98" fmla="*/ 134735 h 6858000"/>
+              <a:gd name="connsiteX99" fmla="*/ 7708697 w 11382374"/>
+              <a:gd name="connsiteY99" fmla="*/ 343299 h 6858000"/>
+              <a:gd name="connsiteX100" fmla="*/ 7475296 w 11382374"/>
+              <a:gd name="connsiteY100" fmla="*/ 395440 h 6858000"/>
+              <a:gd name="connsiteX101" fmla="*/ 7267829 w 11382374"/>
+              <a:gd name="connsiteY101" fmla="*/ 369370 h 6858000"/>
+              <a:gd name="connsiteX102" fmla="*/ 7086296 w 11382374"/>
+              <a:gd name="connsiteY102" fmla="*/ 212947 h 6858000"/>
+              <a:gd name="connsiteX103" fmla="*/ 7063604 w 11382374"/>
+              <a:gd name="connsiteY103" fmla="*/ 59783 h 6858000"/>
+              <a:gd name="connsiteX104" fmla="*/ 4436312 w 11382374"/>
+              <a:gd name="connsiteY104" fmla="*/ 0 h 6858000"/>
+              <a:gd name="connsiteX105" fmla="*/ 5284401 w 11382374"/>
+              <a:gd name="connsiteY105" fmla="*/ 0 h 6858000"/>
+              <a:gd name="connsiteX106" fmla="*/ 5287671 w 11382374"/>
+              <a:gd name="connsiteY106" fmla="*/ 38941 h 6858000"/>
+              <a:gd name="connsiteX107" fmla="*/ 5253695 w 11382374"/>
+              <a:gd name="connsiteY107" fmla="*/ 266980 h 6858000"/>
+              <a:gd name="connsiteX108" fmla="*/ 4467755 w 11382374"/>
+              <a:gd name="connsiteY108" fmla="*/ 136439 h 6858000"/>
+              <a:gd name="connsiteX109" fmla="*/ 4448108 w 11382374"/>
+              <a:gd name="connsiteY109" fmla="*/ 40165 h 6858000"/>
+              <a:gd name="connsiteX110" fmla="*/ 1329412 w 11382374"/>
+              <a:gd name="connsiteY110" fmla="*/ 0 h 6858000"/>
+              <a:gd name="connsiteX111" fmla="*/ 2250935 w 11382374"/>
+              <a:gd name="connsiteY111" fmla="*/ 0 h 6858000"/>
+              <a:gd name="connsiteX112" fmla="*/ 2264829 w 11382374"/>
+              <a:gd name="connsiteY112" fmla="*/ 12434 h 6858000"/>
+              <a:gd name="connsiteX113" fmla="*/ 2297116 w 11382374"/>
+              <a:gd name="connsiteY113" fmla="*/ 29891 h 6858000"/>
+              <a:gd name="connsiteX114" fmla="*/ 2454059 w 11382374"/>
+              <a:gd name="connsiteY114" fmla="*/ 211776 h 6858000"/>
+              <a:gd name="connsiteX115" fmla="*/ 2715628 w 11382374"/>
+              <a:gd name="connsiteY115" fmla="*/ 497595 h 6858000"/>
+              <a:gd name="connsiteX116" fmla="*/ 2820255 w 11382374"/>
+              <a:gd name="connsiteY116" fmla="*/ 783415 h 6858000"/>
+              <a:gd name="connsiteX117" fmla="*/ 2689471 w 11382374"/>
+              <a:gd name="connsiteY117" fmla="*/ 1043250 h 6858000"/>
+              <a:gd name="connsiteX118" fmla="*/ 2401745 w 11382374"/>
+              <a:gd name="connsiteY118" fmla="*/ 1199152 h 6858000"/>
+              <a:gd name="connsiteX119" fmla="*/ 2140175 w 11382374"/>
+              <a:gd name="connsiteY119" fmla="*/ 1095218 h 6858000"/>
+              <a:gd name="connsiteX120" fmla="*/ 1930919 w 11382374"/>
+              <a:gd name="connsiteY120" fmla="*/ 887349 h 6858000"/>
+              <a:gd name="connsiteX121" fmla="*/ 1669350 w 11382374"/>
+              <a:gd name="connsiteY121" fmla="*/ 575546 h 6858000"/>
+              <a:gd name="connsiteX122" fmla="*/ 1486251 w 11382374"/>
+              <a:gd name="connsiteY122" fmla="*/ 393661 h 6858000"/>
+              <a:gd name="connsiteX123" fmla="*/ 1329310 w 11382374"/>
+              <a:gd name="connsiteY123" fmla="*/ 81858 h 6858000"/>
+              <a:gd name="connsiteX124" fmla="*/ 1328084 w 11382374"/>
+              <a:gd name="connsiteY124" fmla="*/ 3502 h 6858000"/>
+            </a:gdLst>
+            <a:ahLst/>
+            <a:cxnLst>
+              <a:cxn ang="0">
+                <a:pos x="connsiteX0" y="connsiteY0"/>
+              </a:cxn>
+              <a:cxn ang="0">
+                <a:pos x="connsiteX1" y="connsiteY1"/>
+              </a:cxn>
+              <a:cxn ang="0">
+                <a:pos x="connsiteX2" y="connsiteY2"/>
+              </a:cxn>
+              <a:cxn ang="0">
+                <a:pos x="connsiteX3" y="connsiteY3"/>
+              </a:cxn>
+              <a:cxn ang="0">
+                <a:pos x="connsiteX4" y="connsiteY4"/>
+              </a:cxn>
+              <a:cxn ang="0">
+                <a:pos x="connsiteX5" y="connsiteY5"/>
+              </a:cxn>
+              <a:cxn ang="0">
+                <a:pos x="connsiteX6" y="connsiteY6"/>
+              </a:cxn>
+              <a:cxn ang="0">
+                <a:pos x="connsiteX7" y="connsiteY7"/>
+              </a:cxn>
+              <a:cxn ang="0">
+                <a:pos x="connsiteX8" y="connsiteY8"/>
+              </a:cxn>
+              <a:cxn ang="0">
+                <a:pos x="connsiteX9" y="connsiteY9"/>
+              </a:cxn>
+              <a:cxn ang="0">
+                <a:pos x="connsiteX10" y="connsiteY10"/>
+              </a:cxn>
+              <a:cxn ang="0">
+                <a:pos x="connsiteX11" y="connsiteY11"/>
+              </a:cxn>
+              <a:cxn ang="0">
+                <a:pos x="connsiteX12" y="connsiteY12"/>
+              </a:cxn>
+              <a:cxn ang="0">
+                <a:pos x="connsiteX13" y="connsiteY13"/>
+              </a:cxn>
+              <a:cxn ang="0">
+                <a:pos x="connsiteX14" y="connsiteY14"/>
+              </a:cxn>
+              <a:cxn ang="0">
+                <a:pos x="connsiteX15" y="connsiteY15"/>
+              </a:cxn>
+              <a:cxn ang="0">
+                <a:pos x="connsiteX16" y="connsiteY16"/>
+              </a:cxn>
+              <a:cxn ang="0">
+                <a:pos x="connsiteX17" y="connsiteY17"/>
+              </a:cxn>
+              <a:cxn ang="0">
+                <a:pos x="connsiteX18" y="connsiteY18"/>
+              </a:cxn>
+              <a:cxn ang="0">
+                <a:pos x="connsiteX19" y="connsiteY19"/>
+              </a:cxn>
+              <a:cxn ang="0">
+                <a:pos x="connsiteX20" y="connsiteY20"/>
+              </a:cxn>
+              <a:cxn ang="0">
+                <a:pos x="connsiteX21" y="connsiteY21"/>
+              </a:cxn>
+              <a:cxn ang="0">
+                <a:pos x="connsiteX22" y="connsiteY22"/>
+              </a:cxn>
+              <a:cxn ang="0">
+                <a:pos x="connsiteX23" y="connsiteY23"/>
+              </a:cxn>
+              <a:cxn ang="0">
+                <a:pos x="connsiteX24" y="connsiteY24"/>
+              </a:cxn>
+              <a:cxn ang="0">
+                <a:pos x="connsiteX25" y="connsiteY25"/>
+              </a:cxn>
+              <a:cxn ang="0">
+                <a:pos x="connsiteX26" y="connsiteY26"/>
+              </a:cxn>
+              <a:cxn ang="0">
+                <a:pos x="connsiteX27" y="connsiteY27"/>
+              </a:cxn>
+              <a:cxn ang="0">
+                <a:pos x="connsiteX28" y="connsiteY28"/>
+              </a:cxn>
+              <a:cxn ang="0">
+                <a:pos x="connsiteX29" y="connsiteY29"/>
+              </a:cxn>
+              <a:cxn ang="0">
+                <a:pos x="connsiteX30" y="connsiteY30"/>
+              </a:cxn>
+              <a:cxn ang="0">
+                <a:pos x="connsiteX31" y="connsiteY31"/>
+              </a:cxn>
+              <a:cxn ang="0">
+                <a:pos x="connsiteX32" y="connsiteY32"/>
+              </a:cxn>
+              <a:cxn ang="0">
+                <a:pos x="connsiteX33" y="connsiteY33"/>
+              </a:cxn>
+              <a:cxn ang="0">
+                <a:pos x="connsiteX34" y="connsiteY34"/>
+              </a:cxn>
+              <a:cxn ang="0">
+                <a:pos x="connsiteX35" y="connsiteY35"/>
+              </a:cxn>
+              <a:cxn ang="0">
+                <a:pos x="connsiteX36" y="connsiteY36"/>
+              </a:cxn>
+              <a:cxn ang="0">
+                <a:pos x="connsiteX37" y="connsiteY37"/>
+              </a:cxn>
+              <a:cxn ang="0">
+                <a:pos x="connsiteX38" y="connsiteY38"/>
+              </a:cxn>
+              <a:cxn ang="0">
+                <a:pos x="connsiteX39" y="connsiteY39"/>
+              </a:cxn>
+              <a:cxn ang="0">
+                <a:pos x="connsiteX40" y="connsiteY40"/>
+              </a:cxn>
+              <a:cxn ang="0">
+                <a:pos x="connsiteX41" y="connsiteY41"/>
+              </a:cxn>
+              <a:cxn ang="0">
+                <a:pos x="connsiteX42" y="connsiteY42"/>
+              </a:cxn>
+              <a:cxn ang="0">
+                <a:pos x="connsiteX43" y="connsiteY43"/>
+              </a:cxn>
+              <a:cxn ang="0">
+                <a:pos x="connsiteX44" y="connsiteY44"/>
+              </a:cxn>
+              <a:cxn ang="0">
+                <a:pos x="connsiteX45" y="connsiteY45"/>
+              </a:cxn>
+              <a:cxn ang="0">
+                <a:pos x="connsiteX46" y="connsiteY46"/>
+              </a:cxn>
+              <a:cxn ang="0">
+                <a:pos x="connsiteX47" y="connsiteY47"/>
+              </a:cxn>
+              <a:cxn ang="0">
+                <a:pos x="connsiteX48" y="connsiteY48"/>
+              </a:cxn>
+              <a:cxn ang="0">
+                <a:pos x="connsiteX49" y="connsiteY49"/>
+              </a:cxn>
+              <a:cxn ang="0">
+                <a:pos x="connsiteX50" y="connsiteY50"/>
+              </a:cxn>
+              <a:cxn ang="0">
+                <a:pos x="connsiteX51" y="connsiteY51"/>
+              </a:cxn>
+              <a:cxn ang="0">
+                <a:pos x="connsiteX52" y="connsiteY52"/>
+              </a:cxn>
+              <a:cxn ang="0">
+                <a:pos x="connsiteX53" y="connsiteY53"/>
+              </a:cxn>
+              <a:cxn ang="0">
+                <a:pos x="connsiteX54" y="connsiteY54"/>
+              </a:cxn>
+              <a:cxn ang="0">
+                <a:pos x="connsiteX55" y="connsiteY55"/>
+              </a:cxn>
+              <a:cxn ang="0">
+                <a:pos x="connsiteX56" y="connsiteY56"/>
+              </a:cxn>
+              <a:cxn ang="0">
+                <a:pos x="connsiteX57" y="connsiteY57"/>
+              </a:cxn>
+              <a:cxn ang="0">
+                <a:pos x="connsiteX58" y="connsiteY58"/>
+              </a:cxn>
+              <a:cxn ang="0">
+                <a:pos x="connsiteX59" y="connsiteY59"/>
+              </a:cxn>
+              <a:cxn ang="0">
+                <a:pos x="connsiteX60" y="connsiteY60"/>
+              </a:cxn>
+              <a:cxn ang="0">
+                <a:pos x="connsiteX61" y="connsiteY61"/>
+              </a:cxn>
+              <a:cxn ang="0">
+                <a:pos x="connsiteX62" y="connsiteY62"/>
+              </a:cxn>
+              <a:cxn ang="0">
+                <a:pos x="connsiteX63" y="connsiteY63"/>
+              </a:cxn>
+              <a:cxn ang="0">
+                <a:pos x="connsiteX64" y="connsiteY64"/>
+              </a:cxn>
+              <a:cxn ang="0">
+                <a:pos x="connsiteX65" y="connsiteY65"/>
+              </a:cxn>
+              <a:cxn ang="0">
+                <a:pos x="connsiteX66" y="connsiteY66"/>
+              </a:cxn>
+              <a:cxn ang="0">
+                <a:pos x="connsiteX67" y="connsiteY67"/>
+              </a:cxn>
+              <a:cxn ang="0">
+                <a:pos x="connsiteX68" y="connsiteY68"/>
+              </a:cxn>
+              <a:cxn ang="0">
+                <a:pos x="connsiteX69" y="connsiteY69"/>
+              </a:cxn>
+              <a:cxn ang="0">
+                <a:pos x="connsiteX70" y="connsiteY70"/>
+              </a:cxn>
+              <a:cxn ang="0">
+                <a:pos x="connsiteX71" y="connsiteY71"/>
+              </a:cxn>
+              <a:cxn ang="0">
+                <a:pos x="connsiteX72" y="connsiteY72"/>
+              </a:cxn>
+              <a:cxn ang="0">
+                <a:pos x="connsiteX73" y="connsiteY73"/>
+              </a:cxn>
+              <a:cxn ang="0">
+                <a:pos x="connsiteX74" y="connsiteY74"/>
+              </a:cxn>
+              <a:cxn ang="0">
+                <a:pos x="connsiteX75" y="connsiteY75"/>
+              </a:cxn>
+              <a:cxn ang="0">
+                <a:pos x="connsiteX76" y="connsiteY76"/>
+              </a:cxn>
+              <a:cxn ang="0">
+                <a:pos x="connsiteX77" y="connsiteY77"/>
+              </a:cxn>
+              <a:cxn ang="0">
+                <a:pos x="connsiteX78" y="connsiteY78"/>
+              </a:cxn>
+              <a:cxn ang="0">
+                <a:pos x="connsiteX79" y="connsiteY79"/>
+              </a:cxn>
+              <a:cxn ang="0">
+                <a:pos x="connsiteX80" y="connsiteY80"/>
+              </a:cxn>
+              <a:cxn ang="0">
+                <a:pos x="connsiteX81" y="connsiteY81"/>
+              </a:cxn>
+              <a:cxn ang="0">
+                <a:pos x="connsiteX82" y="connsiteY82"/>
+              </a:cxn>
+              <a:cxn ang="0">
+                <a:pos x="connsiteX83" y="connsiteY83"/>
+              </a:cxn>
+              <a:cxn ang="0">
+                <a:pos x="connsiteX84" y="connsiteY84"/>
+              </a:cxn>
+              <a:cxn ang="0">
+                <a:pos x="connsiteX85" y="connsiteY85"/>
+              </a:cxn>
+              <a:cxn ang="0">
+                <a:pos x="connsiteX86" y="connsiteY86"/>
+              </a:cxn>
+              <a:cxn ang="0">
+                <a:pos x="connsiteX87" y="connsiteY87"/>
+              </a:cxn>
+              <a:cxn ang="0">
+                <a:pos x="connsiteX88" y="connsiteY88"/>
+              </a:cxn>
+              <a:cxn ang="0">
+                <a:pos x="connsiteX89" y="connsiteY89"/>
+              </a:cxn>
+              <a:cxn ang="0">
+                <a:pos x="connsiteX90" y="connsiteY90"/>
+              </a:cxn>
+              <a:cxn ang="0">
+                <a:pos x="connsiteX91" y="connsiteY91"/>
+              </a:cxn>
+              <a:cxn ang="0">
+                <a:pos x="connsiteX92" y="connsiteY92"/>
+              </a:cxn>
+              <a:cxn ang="0">
+                <a:pos x="connsiteX93" y="connsiteY93"/>
+              </a:cxn>
+              <a:cxn ang="0">
+                <a:pos x="connsiteX94" y="connsiteY94"/>
+              </a:cxn>
+              <a:cxn ang="0">
+                <a:pos x="connsiteX95" y="connsiteY95"/>
+              </a:cxn>
+              <a:cxn ang="0">
+                <a:pos x="connsiteX96" y="connsiteY96"/>
+              </a:cxn>
+              <a:cxn ang="0">
+                <a:pos x="connsiteX97" y="connsiteY97"/>
+              </a:cxn>
+              <a:cxn ang="0">
+                <a:pos x="connsiteX98" y="connsiteY98"/>
+              </a:cxn>
+              <a:cxn ang="0">
+                <a:pos x="connsiteX99" y="connsiteY99"/>
+              </a:cxn>
+              <a:cxn ang="0">
+                <a:pos x="connsiteX100" y="connsiteY100"/>
+              </a:cxn>
+              <a:cxn ang="0">
+                <a:pos x="connsiteX101" y="connsiteY101"/>
+              </a:cxn>
+              <a:cxn ang="0">
+                <a:pos x="connsiteX102" y="connsiteY102"/>
+              </a:cxn>
+              <a:cxn ang="0">
+                <a:pos x="connsiteX103" y="connsiteY103"/>
+              </a:cxn>
+              <a:cxn ang="0">
+                <a:pos x="connsiteX104" y="connsiteY104"/>
+              </a:cxn>
+              <a:cxn ang="0">
+                <a:pos x="connsiteX105" y="connsiteY105"/>
+              </a:cxn>
+              <a:cxn ang="0">
+                <a:pos x="connsiteX106" y="connsiteY106"/>
+              </a:cxn>
+              <a:cxn ang="0">
+                <a:pos x="connsiteX107" y="connsiteY107"/>
+              </a:cxn>
+              <a:cxn ang="0">
+                <a:pos x="connsiteX108" y="connsiteY108"/>
+              </a:cxn>
+              <a:cxn ang="0">
+                <a:pos x="connsiteX109" y="connsiteY109"/>
+              </a:cxn>
+              <a:cxn ang="0">
+                <a:pos x="connsiteX110" y="connsiteY110"/>
+              </a:cxn>
+              <a:cxn ang="0">
+                <a:pos x="connsiteX111" y="connsiteY111"/>
+              </a:cxn>
+              <a:cxn ang="0">
+                <a:pos x="connsiteX112" y="connsiteY112"/>
+              </a:cxn>
+              <a:cxn ang="0">
+                <a:pos x="connsiteX113" y="connsiteY113"/>
+              </a:cxn>
+              <a:cxn ang="0">
+                <a:pos x="connsiteX114" y="connsiteY114"/>
+              </a:cxn>
+              <a:cxn ang="0">
+                <a:pos x="connsiteX115" y="connsiteY115"/>
+              </a:cxn>
+              <a:cxn ang="0">
+                <a:pos x="connsiteX116" y="connsiteY116"/>
+              </a:cxn>
+              <a:cxn ang="0">
+                <a:pos x="connsiteX117" y="connsiteY117"/>
+              </a:cxn>
+              <a:cxn ang="0">
+                <a:pos x="connsiteX118" y="connsiteY118"/>
+              </a:cxn>
+              <a:cxn ang="0">
+                <a:pos x="connsiteX119" y="connsiteY119"/>
+              </a:cxn>
+              <a:cxn ang="0">
+                <a:pos x="connsiteX120" y="connsiteY120"/>
+              </a:cxn>
+              <a:cxn ang="0">
+                <a:pos x="connsiteX121" y="connsiteY121"/>
+              </a:cxn>
+              <a:cxn ang="0">
+                <a:pos x="connsiteX122" y="connsiteY122"/>
+              </a:cxn>
+              <a:cxn ang="0">
+                <a:pos x="connsiteX123" y="connsiteY123"/>
+              </a:cxn>
+              <a:cxn ang="0">
+                <a:pos x="connsiteX124" y="connsiteY124"/>
+              </a:cxn>
+            </a:cxnLst>
+            <a:rect l="l" t="t" r="r" b="b"/>
+            <a:pathLst>
+              <a:path w="11382374" h="6858000">
+                <a:moveTo>
+                  <a:pt x="7488223" y="5362710"/>
+                </a:moveTo>
+                <a:cubicBezTo>
+                  <a:pt x="7567759" y="5366368"/>
+                  <a:pt x="7621598" y="5395635"/>
+                  <a:pt x="7660754" y="5395635"/>
+                </a:cubicBezTo>
+                <a:cubicBezTo>
+                  <a:pt x="7712962" y="5421650"/>
+                  <a:pt x="7739066" y="5447665"/>
+                  <a:pt x="7791274" y="5499694"/>
+                </a:cubicBezTo>
+                <a:cubicBezTo>
+                  <a:pt x="7817378" y="5551724"/>
+                  <a:pt x="7843482" y="5603754"/>
+                  <a:pt x="7895690" y="5707813"/>
+                </a:cubicBezTo>
+                <a:cubicBezTo>
+                  <a:pt x="7921794" y="5811873"/>
+                  <a:pt x="8026210" y="6540288"/>
+                  <a:pt x="8026210" y="6540288"/>
+                </a:cubicBezTo>
+                <a:cubicBezTo>
+                  <a:pt x="8052314" y="6696377"/>
+                  <a:pt x="8026210" y="6800437"/>
+                  <a:pt x="8000106" y="6852467"/>
+                </a:cubicBezTo>
+                <a:lnTo>
+                  <a:pt x="7997209" y="6858000"/>
+                </a:lnTo>
+                <a:lnTo>
+                  <a:pt x="7284161" y="6858000"/>
+                </a:lnTo>
+                <a:lnTo>
+                  <a:pt x="7261037" y="6815477"/>
+                </a:lnTo>
+                <a:cubicBezTo>
+                  <a:pt x="7231670" y="6748407"/>
+                  <a:pt x="7216986" y="6670363"/>
+                  <a:pt x="7216986" y="6592318"/>
+                </a:cubicBezTo>
+                <a:cubicBezTo>
+                  <a:pt x="7190882" y="6306155"/>
+                  <a:pt x="7190882" y="6306155"/>
+                  <a:pt x="7190882" y="6306155"/>
+                </a:cubicBezTo>
+                <a:cubicBezTo>
+                  <a:pt x="7112570" y="5915932"/>
+                  <a:pt x="7112570" y="5915932"/>
+                  <a:pt x="7112570" y="5915932"/>
+                </a:cubicBezTo>
+                <a:cubicBezTo>
+                  <a:pt x="7060362" y="5759843"/>
+                  <a:pt x="7060362" y="5655783"/>
+                  <a:pt x="7086466" y="5577739"/>
+                </a:cubicBezTo>
+                <a:cubicBezTo>
+                  <a:pt x="7138674" y="5473679"/>
+                  <a:pt x="7243090" y="5369620"/>
+                  <a:pt x="7399714" y="5369620"/>
+                </a:cubicBezTo>
+                <a:cubicBezTo>
+                  <a:pt x="7432344" y="5363117"/>
+                  <a:pt x="7461711" y="5361491"/>
+                  <a:pt x="7488223" y="5362710"/>
+                </a:cubicBezTo>
+                <a:close/>
+                <a:moveTo>
+                  <a:pt x="4656642" y="5350109"/>
+                </a:moveTo>
+                <a:cubicBezTo>
+                  <a:pt x="4708684" y="5350109"/>
+                  <a:pt x="4767233" y="5356613"/>
+                  <a:pt x="4832285" y="5369620"/>
+                </a:cubicBezTo>
+                <a:cubicBezTo>
+                  <a:pt x="4962390" y="5395635"/>
+                  <a:pt x="5066474" y="5447665"/>
+                  <a:pt x="5092495" y="5525709"/>
+                </a:cubicBezTo>
+                <a:cubicBezTo>
+                  <a:pt x="5144537" y="5629769"/>
+                  <a:pt x="5040453" y="6462244"/>
+                  <a:pt x="5040453" y="6566303"/>
+                </a:cubicBezTo>
+                <a:cubicBezTo>
+                  <a:pt x="5030696" y="6663859"/>
+                  <a:pt x="5017279" y="6746782"/>
+                  <a:pt x="4996086" y="6815071"/>
+                </a:cubicBezTo>
+                <a:lnTo>
+                  <a:pt x="4979880" y="6858000"/>
+                </a:lnTo>
+                <a:lnTo>
+                  <a:pt x="4220086" y="6858000"/>
+                </a:lnTo>
+                <a:lnTo>
+                  <a:pt x="4215097" y="6841085"/>
+                </a:lnTo>
+                <a:cubicBezTo>
+                  <a:pt x="4198021" y="6772796"/>
+                  <a:pt x="4188263" y="6689874"/>
+                  <a:pt x="4207778" y="6592318"/>
+                </a:cubicBezTo>
+                <a:cubicBezTo>
+                  <a:pt x="4207778" y="6592318"/>
+                  <a:pt x="4259820" y="6124051"/>
+                  <a:pt x="4259820" y="6072021"/>
+                </a:cubicBezTo>
+                <a:cubicBezTo>
+                  <a:pt x="4259820" y="5993976"/>
+                  <a:pt x="4285842" y="5863902"/>
+                  <a:pt x="4285842" y="5837887"/>
+                </a:cubicBezTo>
+                <a:cubicBezTo>
+                  <a:pt x="4311863" y="5655783"/>
+                  <a:pt x="4311863" y="5655783"/>
+                  <a:pt x="4311863" y="5655783"/>
+                </a:cubicBezTo>
+                <a:cubicBezTo>
+                  <a:pt x="4363905" y="5499694"/>
+                  <a:pt x="4441968" y="5421650"/>
+                  <a:pt x="4520031" y="5369620"/>
+                </a:cubicBezTo>
+                <a:cubicBezTo>
+                  <a:pt x="4559065" y="5356613"/>
+                  <a:pt x="4604600" y="5350109"/>
+                  <a:pt x="4656642" y="5350109"/>
+                </a:cubicBezTo>
+                <a:close/>
+                <a:moveTo>
+                  <a:pt x="9692662" y="4481788"/>
+                </a:moveTo>
+                <a:cubicBezTo>
+                  <a:pt x="9771169" y="4481788"/>
+                  <a:pt x="9849677" y="4507884"/>
+                  <a:pt x="9928184" y="4560075"/>
+                </a:cubicBezTo>
+                <a:cubicBezTo>
+                  <a:pt x="10006692" y="4586171"/>
+                  <a:pt x="10085199" y="4664458"/>
+                  <a:pt x="10137538" y="4768841"/>
+                </a:cubicBezTo>
+                <a:cubicBezTo>
+                  <a:pt x="10320722" y="5003703"/>
+                  <a:pt x="10320722" y="5003703"/>
+                  <a:pt x="10320722" y="5003703"/>
+                </a:cubicBezTo>
+                <a:cubicBezTo>
+                  <a:pt x="10582413" y="5290756"/>
+                  <a:pt x="10582413" y="5290756"/>
+                  <a:pt x="10582413" y="5290756"/>
+                </a:cubicBezTo>
+                <a:cubicBezTo>
+                  <a:pt x="10687090" y="5421234"/>
+                  <a:pt x="10739428" y="5525617"/>
+                  <a:pt x="10765597" y="5603905"/>
+                </a:cubicBezTo>
+                <a:cubicBezTo>
+                  <a:pt x="10765597" y="5708287"/>
+                  <a:pt x="10739428" y="5838766"/>
+                  <a:pt x="10608582" y="5917053"/>
+                </a:cubicBezTo>
+                <a:cubicBezTo>
+                  <a:pt x="10503906" y="5995340"/>
+                  <a:pt x="10399229" y="6021436"/>
+                  <a:pt x="10320722" y="6021436"/>
+                </a:cubicBezTo>
+                <a:cubicBezTo>
+                  <a:pt x="10294552" y="6021436"/>
+                  <a:pt x="10242214" y="6021436"/>
+                  <a:pt x="10189876" y="5995340"/>
+                </a:cubicBezTo>
+                <a:cubicBezTo>
+                  <a:pt x="10137538" y="5969245"/>
+                  <a:pt x="10085199" y="5917053"/>
+                  <a:pt x="10006692" y="5864862"/>
+                </a:cubicBezTo>
+                <a:cubicBezTo>
+                  <a:pt x="9928184" y="5786575"/>
+                  <a:pt x="9457140" y="5186373"/>
+                  <a:pt x="9457140" y="5186373"/>
+                </a:cubicBezTo>
+                <a:cubicBezTo>
+                  <a:pt x="9378632" y="5081990"/>
+                  <a:pt x="9326294" y="4977607"/>
+                  <a:pt x="9326294" y="4925416"/>
+                </a:cubicBezTo>
+                <a:cubicBezTo>
+                  <a:pt x="9326294" y="4847128"/>
+                  <a:pt x="9326294" y="4794937"/>
+                  <a:pt x="9352463" y="4768841"/>
+                </a:cubicBezTo>
+                <a:cubicBezTo>
+                  <a:pt x="9378632" y="4716650"/>
+                  <a:pt x="9404801" y="4690554"/>
+                  <a:pt x="9430971" y="4638363"/>
+                </a:cubicBezTo>
+                <a:cubicBezTo>
+                  <a:pt x="9483309" y="4612267"/>
+                  <a:pt x="9509478" y="4586171"/>
+                  <a:pt x="9509478" y="4586171"/>
+                </a:cubicBezTo>
+                <a:cubicBezTo>
+                  <a:pt x="9561816" y="4533980"/>
+                  <a:pt x="9640324" y="4507884"/>
+                  <a:pt x="9692662" y="4481788"/>
+                </a:cubicBezTo>
+                <a:close/>
+                <a:moveTo>
+                  <a:pt x="2119526" y="4452741"/>
+                </a:moveTo>
+                <a:cubicBezTo>
+                  <a:pt x="2198033" y="4452741"/>
+                  <a:pt x="2302710" y="4504906"/>
+                  <a:pt x="2407387" y="4583154"/>
+                </a:cubicBezTo>
+                <a:cubicBezTo>
+                  <a:pt x="2512063" y="4661401"/>
+                  <a:pt x="2538232" y="4765731"/>
+                  <a:pt x="2538232" y="4843979"/>
+                </a:cubicBezTo>
+                <a:cubicBezTo>
+                  <a:pt x="2538232" y="4922226"/>
+                  <a:pt x="2512063" y="5026556"/>
+                  <a:pt x="2433556" y="5156969"/>
+                </a:cubicBezTo>
+                <a:cubicBezTo>
+                  <a:pt x="2433556" y="5156969"/>
+                  <a:pt x="1962511" y="5704701"/>
+                  <a:pt x="1857834" y="5835114"/>
+                </a:cubicBezTo>
+                <a:cubicBezTo>
+                  <a:pt x="1674651" y="6043774"/>
+                  <a:pt x="1465297" y="6069856"/>
+                  <a:pt x="1255944" y="5887279"/>
+                </a:cubicBezTo>
+                <a:cubicBezTo>
+                  <a:pt x="1151267" y="5809031"/>
+                  <a:pt x="1125098" y="5756866"/>
+                  <a:pt x="1098929" y="5652536"/>
+                </a:cubicBezTo>
+                <a:cubicBezTo>
+                  <a:pt x="1098929" y="5574289"/>
+                  <a:pt x="1125098" y="5469959"/>
+                  <a:pt x="1203606" y="5365629"/>
+                </a:cubicBezTo>
+                <a:cubicBezTo>
+                  <a:pt x="1203606" y="5313464"/>
+                  <a:pt x="1282113" y="5235216"/>
+                  <a:pt x="1386790" y="5078721"/>
+                </a:cubicBezTo>
+                <a:cubicBezTo>
+                  <a:pt x="1491467" y="4948309"/>
+                  <a:pt x="1700820" y="4739649"/>
+                  <a:pt x="1753158" y="4661401"/>
+                </a:cubicBezTo>
+                <a:cubicBezTo>
+                  <a:pt x="1805496" y="4609236"/>
+                  <a:pt x="1805496" y="4609236"/>
+                  <a:pt x="1805496" y="4609236"/>
+                </a:cubicBezTo>
+                <a:cubicBezTo>
+                  <a:pt x="1936342" y="4504906"/>
+                  <a:pt x="2041019" y="4452741"/>
+                  <a:pt x="2119526" y="4452741"/>
+                </a:cubicBezTo>
+                <a:close/>
+                <a:moveTo>
+                  <a:pt x="469454" y="2399882"/>
+                </a:moveTo>
+                <a:cubicBezTo>
+                  <a:pt x="756342" y="2399882"/>
+                  <a:pt x="1251877" y="2425998"/>
+                  <a:pt x="1408362" y="2425998"/>
+                </a:cubicBezTo>
+                <a:cubicBezTo>
+                  <a:pt x="1512685" y="2452113"/>
+                  <a:pt x="1617008" y="2504345"/>
+                  <a:pt x="1669169" y="2556576"/>
+                </a:cubicBezTo>
+                <a:cubicBezTo>
+                  <a:pt x="1695250" y="2608807"/>
+                  <a:pt x="1721331" y="2713270"/>
+                  <a:pt x="1721331" y="2869964"/>
+                </a:cubicBezTo>
+                <a:cubicBezTo>
+                  <a:pt x="1721331" y="3000541"/>
+                  <a:pt x="1669169" y="3078888"/>
+                  <a:pt x="1617008" y="3157235"/>
+                </a:cubicBezTo>
+                <a:cubicBezTo>
+                  <a:pt x="1564846" y="3209467"/>
+                  <a:pt x="1460523" y="3235582"/>
+                  <a:pt x="1356200" y="3261698"/>
+                </a:cubicBezTo>
+                <a:cubicBezTo>
+                  <a:pt x="1199715" y="3261698"/>
+                  <a:pt x="599858" y="3235582"/>
+                  <a:pt x="469454" y="3235582"/>
+                </a:cubicBezTo>
+                <a:cubicBezTo>
+                  <a:pt x="417292" y="3235582"/>
+                  <a:pt x="417292" y="3235582"/>
+                  <a:pt x="417292" y="3235582"/>
+                </a:cubicBezTo>
+                <a:cubicBezTo>
+                  <a:pt x="286888" y="3209467"/>
+                  <a:pt x="156484" y="3183351"/>
+                  <a:pt x="104323" y="3105004"/>
+                </a:cubicBezTo>
+                <a:cubicBezTo>
+                  <a:pt x="26081" y="3026657"/>
+                  <a:pt x="0" y="2948310"/>
+                  <a:pt x="0" y="2869964"/>
+                </a:cubicBezTo>
+                <a:cubicBezTo>
+                  <a:pt x="0" y="2687154"/>
+                  <a:pt x="52161" y="2556576"/>
+                  <a:pt x="104323" y="2504345"/>
+                </a:cubicBezTo>
+                <a:cubicBezTo>
+                  <a:pt x="182565" y="2452113"/>
+                  <a:pt x="312969" y="2425998"/>
+                  <a:pt x="469454" y="2399882"/>
+                </a:cubicBezTo>
+                <a:close/>
+                <a:moveTo>
+                  <a:pt x="11342469" y="2399881"/>
+                </a:moveTo>
+                <a:lnTo>
+                  <a:pt x="11382374" y="2399881"/>
+                </a:lnTo>
+                <a:lnTo>
+                  <a:pt x="11382374" y="3263992"/>
+                </a:lnTo>
+                <a:lnTo>
+                  <a:pt x="11352250" y="3262589"/>
+                </a:lnTo>
+                <a:cubicBezTo>
+                  <a:pt x="11321279" y="3260818"/>
+                  <a:pt x="11283787" y="3258388"/>
+                  <a:pt x="11238146" y="3255148"/>
+                </a:cubicBezTo>
+                <a:cubicBezTo>
+                  <a:pt x="10846935" y="3255148"/>
+                  <a:pt x="10768692" y="3255148"/>
+                  <a:pt x="10768692" y="3255148"/>
+                </a:cubicBezTo>
+                <a:cubicBezTo>
+                  <a:pt x="10533965" y="3229231"/>
+                  <a:pt x="10533965" y="3229231"/>
+                  <a:pt x="10533965" y="3229231"/>
+                </a:cubicBezTo>
+                <a:cubicBezTo>
+                  <a:pt x="10403561" y="3203314"/>
+                  <a:pt x="10325319" y="3177396"/>
+                  <a:pt x="10299238" y="3125562"/>
+                </a:cubicBezTo>
+                <a:cubicBezTo>
+                  <a:pt x="10247077" y="3073728"/>
+                  <a:pt x="10220996" y="3021893"/>
+                  <a:pt x="10220996" y="2944142"/>
+                </a:cubicBezTo>
+                <a:cubicBezTo>
+                  <a:pt x="10220996" y="2944142"/>
+                  <a:pt x="10220996" y="2892307"/>
+                  <a:pt x="10220996" y="2814556"/>
+                </a:cubicBezTo>
+                <a:cubicBezTo>
+                  <a:pt x="10220996" y="2736805"/>
+                  <a:pt x="10247077" y="2659053"/>
+                  <a:pt x="10299238" y="2581302"/>
+                </a:cubicBezTo>
+                <a:cubicBezTo>
+                  <a:pt x="10325319" y="2529467"/>
+                  <a:pt x="10403561" y="2477633"/>
+                  <a:pt x="10507884" y="2477633"/>
+                </a:cubicBezTo>
+                <a:cubicBezTo>
+                  <a:pt x="10638288" y="2451716"/>
+                  <a:pt x="10742611" y="2451716"/>
+                  <a:pt x="10820854" y="2451716"/>
+                </a:cubicBezTo>
+                <a:cubicBezTo>
+                  <a:pt x="11055581" y="2425799"/>
+                  <a:pt x="11185985" y="2399881"/>
+                  <a:pt x="11342469" y="2399881"/>
+                </a:cubicBezTo>
+                <a:close/>
+                <a:moveTo>
+                  <a:pt x="9918575" y="0"/>
+                </a:moveTo>
+                <a:lnTo>
+                  <a:pt x="10743186" y="0"/>
+                </a:lnTo>
+                <a:lnTo>
+                  <a:pt x="10752356" y="13166"/>
+                </a:lnTo>
+                <a:cubicBezTo>
+                  <a:pt x="10775197" y="55389"/>
+                  <a:pt x="10781723" y="94365"/>
+                  <a:pt x="10768671" y="133340"/>
+                </a:cubicBezTo>
+                <a:cubicBezTo>
+                  <a:pt x="10768671" y="211291"/>
+                  <a:pt x="10716463" y="315225"/>
+                  <a:pt x="10638151" y="445143"/>
+                </a:cubicBezTo>
+                <a:cubicBezTo>
+                  <a:pt x="10638151" y="445143"/>
+                  <a:pt x="10168278" y="964815"/>
+                  <a:pt x="10063862" y="1094733"/>
+                </a:cubicBezTo>
+                <a:cubicBezTo>
+                  <a:pt x="9959445" y="1198667"/>
+                  <a:pt x="9855029" y="1250634"/>
+                  <a:pt x="9750613" y="1250634"/>
+                </a:cubicBezTo>
+                <a:cubicBezTo>
+                  <a:pt x="9646197" y="1276618"/>
+                  <a:pt x="9541780" y="1224651"/>
+                  <a:pt x="9437364" y="1120716"/>
+                </a:cubicBezTo>
+                <a:cubicBezTo>
+                  <a:pt x="9359052" y="1042766"/>
+                  <a:pt x="9306844" y="964815"/>
+                  <a:pt x="9306844" y="886864"/>
+                </a:cubicBezTo>
+                <a:cubicBezTo>
+                  <a:pt x="9306844" y="808913"/>
+                  <a:pt x="9359052" y="704979"/>
+                  <a:pt x="9411260" y="601045"/>
+                </a:cubicBezTo>
+                <a:cubicBezTo>
+                  <a:pt x="9437364" y="575061"/>
+                  <a:pt x="9750613" y="185307"/>
+                  <a:pt x="9750613" y="185307"/>
+                </a:cubicBezTo>
+                <a:cubicBezTo>
+                  <a:pt x="9802821" y="133340"/>
+                  <a:pt x="9848503" y="81373"/>
+                  <a:pt x="9887659" y="35902"/>
+                </a:cubicBezTo>
+                <a:close/>
+                <a:moveTo>
+                  <a:pt x="7061905" y="0"/>
+                </a:moveTo>
+                <a:lnTo>
+                  <a:pt x="7888888" y="0"/>
+                </a:lnTo>
+                <a:lnTo>
+                  <a:pt x="7883747" y="27195"/>
+                </a:lnTo>
+                <a:cubicBezTo>
+                  <a:pt x="7877264" y="63042"/>
+                  <a:pt x="7877264" y="69559"/>
+                  <a:pt x="7864297" y="134735"/>
+                </a:cubicBezTo>
+                <a:cubicBezTo>
+                  <a:pt x="7838364" y="239017"/>
+                  <a:pt x="7786497" y="291158"/>
+                  <a:pt x="7708697" y="343299"/>
+                </a:cubicBezTo>
+                <a:cubicBezTo>
+                  <a:pt x="7630897" y="369370"/>
+                  <a:pt x="7553097" y="395440"/>
+                  <a:pt x="7475296" y="395440"/>
+                </a:cubicBezTo>
+                <a:cubicBezTo>
+                  <a:pt x="7397496" y="395440"/>
+                  <a:pt x="7345630" y="395440"/>
+                  <a:pt x="7267829" y="369370"/>
+                </a:cubicBezTo>
+                <a:cubicBezTo>
+                  <a:pt x="7190029" y="343299"/>
+                  <a:pt x="7112229" y="291158"/>
+                  <a:pt x="7086296" y="212947"/>
+                </a:cubicBezTo>
+                <a:cubicBezTo>
+                  <a:pt x="7073329" y="173841"/>
+                  <a:pt x="7066846" y="121700"/>
+                  <a:pt x="7063604" y="59783"/>
+                </a:cubicBezTo>
+                <a:close/>
+                <a:moveTo>
+                  <a:pt x="4436312" y="0"/>
+                </a:moveTo>
+                <a:lnTo>
+                  <a:pt x="5284401" y="0"/>
+                </a:lnTo>
+                <a:lnTo>
+                  <a:pt x="5287671" y="38941"/>
+                </a:lnTo>
+                <a:cubicBezTo>
+                  <a:pt x="5289718" y="125017"/>
+                  <a:pt x="5279893" y="201710"/>
+                  <a:pt x="5253695" y="266980"/>
+                </a:cubicBezTo>
+                <a:cubicBezTo>
+                  <a:pt x="5070309" y="449737"/>
+                  <a:pt x="4572547" y="501953"/>
+                  <a:pt x="4467755" y="136439"/>
+                </a:cubicBezTo>
+                <a:cubicBezTo>
+                  <a:pt x="4461206" y="97277"/>
+                  <a:pt x="4454657" y="66273"/>
+                  <a:pt x="4448108" y="40165"/>
+                </a:cubicBezTo>
+                <a:close/>
+                <a:moveTo>
+                  <a:pt x="1329412" y="0"/>
+                </a:moveTo>
+                <a:lnTo>
+                  <a:pt x="2250935" y="0"/>
+                </a:lnTo>
+                <a:lnTo>
+                  <a:pt x="2264829" y="12434"/>
+                </a:lnTo>
+                <a:cubicBezTo>
+                  <a:pt x="2279134" y="23395"/>
+                  <a:pt x="2290577" y="29891"/>
+                  <a:pt x="2297116" y="29891"/>
+                </a:cubicBezTo>
+                <a:cubicBezTo>
+                  <a:pt x="2401745" y="159809"/>
+                  <a:pt x="2349431" y="107842"/>
+                  <a:pt x="2454059" y="211776"/>
+                </a:cubicBezTo>
+                <a:cubicBezTo>
+                  <a:pt x="2637157" y="393661"/>
+                  <a:pt x="2611000" y="393661"/>
+                  <a:pt x="2715628" y="497595"/>
+                </a:cubicBezTo>
+                <a:cubicBezTo>
+                  <a:pt x="2794098" y="601530"/>
+                  <a:pt x="2820255" y="679480"/>
+                  <a:pt x="2820255" y="783415"/>
+                </a:cubicBezTo>
+                <a:cubicBezTo>
+                  <a:pt x="2820255" y="861365"/>
+                  <a:pt x="2767941" y="939316"/>
+                  <a:pt x="2689471" y="1043250"/>
+                </a:cubicBezTo>
+                <a:cubicBezTo>
+                  <a:pt x="2584843" y="1147185"/>
+                  <a:pt x="2480215" y="1199152"/>
+                  <a:pt x="2401745" y="1199152"/>
+                </a:cubicBezTo>
+                <a:cubicBezTo>
+                  <a:pt x="2323274" y="1199152"/>
+                  <a:pt x="2244803" y="1173169"/>
+                  <a:pt x="2140175" y="1095218"/>
+                </a:cubicBezTo>
+                <a:cubicBezTo>
+                  <a:pt x="2087861" y="1043250"/>
+                  <a:pt x="2114018" y="1069234"/>
+                  <a:pt x="1930919" y="887349"/>
+                </a:cubicBezTo>
+                <a:cubicBezTo>
+                  <a:pt x="1747820" y="679480"/>
+                  <a:pt x="1669350" y="575546"/>
+                  <a:pt x="1669350" y="575546"/>
+                </a:cubicBezTo>
+                <a:cubicBezTo>
+                  <a:pt x="1512408" y="419645"/>
+                  <a:pt x="1669350" y="601530"/>
+                  <a:pt x="1486251" y="393661"/>
+                </a:cubicBezTo>
+                <a:cubicBezTo>
+                  <a:pt x="1381624" y="263743"/>
+                  <a:pt x="1329310" y="159809"/>
+                  <a:pt x="1329310" y="81858"/>
+                </a:cubicBezTo>
+                <a:cubicBezTo>
+                  <a:pt x="1322771" y="55875"/>
+                  <a:pt x="1322771" y="29891"/>
+                  <a:pt x="1328084" y="3502"/>
+                </a:cubicBezTo>
+                <a:close/>
+              </a:path>
+            </a:pathLst>
+          </a:custGeom>
+          <a:solidFill>
+            <a:schemeClr val="accent2"/>
+          </a:solidFill>
+          <a:ln>
+            <a:noFill/>
+          </a:ln>
+        </p:spPr>
+        <p:txBody>
+          <a:bodyPr vert="horz" wrap="square" lIns="91440" tIns="45720" rIns="91440" bIns="45720" numCol="1" anchor="t" anchorCtr="0" compatLnSpc="1">
+            <a:prstTxWarp prst="textNoShape">
+              <a:avLst/>
+            </a:prstTxWarp>
+            <a:noAutofit/>
+          </a:bodyPr>
+          <a:lstStyle/>
+          <a:p>
+            <a:endParaRPr lang="en-US">
+              <a:solidFill>
+                <a:schemeClr val="accent3"/>
+              </a:solidFill>
+            </a:endParaRPr>
+          </a:p>
+        </p:txBody>
+      </p:sp>
+      <p:sp>
+        <p:nvSpPr>
+          <p:cNvPr id="2" name="Title 1">
+            <a:extLst>
+              <a:ext uri="{FF2B5EF4-FFF2-40B4-BE49-F238E27FC236}">
+                <a16:creationId xmlns:a16="http://schemas.microsoft.com/office/drawing/2014/main" id="{39B7BA1F-E8C0-4661-AB08-DFD03A0A1879}"/>
+              </a:ext>
+            </a:extLst>
+          </p:cNvPr>
+          <p:cNvSpPr>
+            <a:spLocks noGrp="1"/>
+          </p:cNvSpPr>
+          <p:nvPr>
+            <p:ph type="title"/>
+          </p:nvPr>
+        </p:nvSpPr>
+        <p:spPr>
+          <a:xfrm>
+            <a:off x="4509806" y="-908711"/>
+            <a:ext cx="5015988" cy="2710471"/>
+          </a:xfrm>
+        </p:spPr>
+        <p:txBody>
+          <a:bodyPr vert="horz" wrap="square" lIns="0" tIns="0" rIns="0" bIns="0" rtlCol="0" anchor="b" anchorCtr="0">
+            <a:normAutofit/>
+          </a:bodyPr>
+          <a:lstStyle/>
+          <a:p>
+            <a:pPr algn="ctr"/>
+            <a:r>
+              <a:rPr lang="en-US" sz="5600" spc="-100" dirty="0"/>
+              <a:t>Serialization</a:t>
+            </a:r>
+          </a:p>
+        </p:txBody>
+      </p:sp>
+      <p:sp>
+        <p:nvSpPr>
+          <p:cNvPr id="6" name="Rectangle 5">
+            <a:extLst>
+              <a:ext uri="{FF2B5EF4-FFF2-40B4-BE49-F238E27FC236}">
+                <a16:creationId xmlns:a16="http://schemas.microsoft.com/office/drawing/2014/main" id="{A5E81F57-183B-4B4A-A6A8-DADF51E4921E}"/>
+              </a:ext>
+            </a:extLst>
+          </p:cNvPr>
+          <p:cNvSpPr/>
+          <p:nvPr/>
+        </p:nvSpPr>
+        <p:spPr>
+          <a:xfrm>
+            <a:off x="3952413" y="3288890"/>
+            <a:ext cx="1607574" cy="1088622"/>
+          </a:xfrm>
+          <a:prstGeom prst="rect">
+            <a:avLst/>
+          </a:prstGeom>
+        </p:spPr>
+        <p:style>
+          <a:lnRef idx="2">
+            <a:schemeClr val="accent1">
+              <a:shade val="50000"/>
+            </a:schemeClr>
+          </a:lnRef>
+          <a:fillRef idx="1">
+            <a:schemeClr val="accent1"/>
+          </a:fillRef>
+          <a:effectRef idx="0">
+            <a:schemeClr val="accent1"/>
+          </a:effectRef>
+          <a:fontRef idx="minor">
+            <a:schemeClr val="lt1"/>
+          </a:fontRef>
+        </p:style>
+        <p:txBody>
+          <a:bodyPr rtlCol="0" anchor="ctr"/>
+          <a:lstStyle/>
+          <a:p>
+            <a:pPr algn="ctr"/>
+            <a:r>
+              <a:rPr lang="en-US" dirty="0"/>
+              <a:t>Object</a:t>
+            </a:r>
+          </a:p>
+        </p:txBody>
+      </p:sp>
+      <p:cxnSp>
+        <p:nvCxnSpPr>
+          <p:cNvPr id="10" name="Straight Arrow Connector 9">
+            <a:extLst>
+              <a:ext uri="{FF2B5EF4-FFF2-40B4-BE49-F238E27FC236}">
+                <a16:creationId xmlns:a16="http://schemas.microsoft.com/office/drawing/2014/main" id="{F36B5CEB-B8D0-43E2-9816-4C681F85712C}"/>
+              </a:ext>
+            </a:extLst>
+          </p:cNvPr>
+          <p:cNvCxnSpPr>
+            <a:cxnSpLocks/>
+            <a:stCxn id="6" idx="3"/>
+          </p:cNvCxnSpPr>
+          <p:nvPr/>
+        </p:nvCxnSpPr>
+        <p:spPr>
+          <a:xfrm>
+            <a:off x="5559987" y="3833201"/>
+            <a:ext cx="697219" cy="0"/>
+          </a:xfrm>
+          <a:prstGeom prst="straightConnector1">
+            <a:avLst/>
+          </a:prstGeom>
+          <a:ln w="76200">
+            <a:tailEnd type="triangle"/>
+          </a:ln>
+        </p:spPr>
+        <p:style>
+          <a:lnRef idx="1">
+            <a:schemeClr val="accent1"/>
+          </a:lnRef>
+          <a:fillRef idx="0">
+            <a:schemeClr val="accent1"/>
+          </a:fillRef>
+          <a:effectRef idx="0">
+            <a:schemeClr val="accent1"/>
+          </a:effectRef>
+          <a:fontRef idx="minor">
+            <a:schemeClr val="tx1"/>
+          </a:fontRef>
+        </p:style>
+      </p:cxnSp>
+      <p:sp>
+        <p:nvSpPr>
+          <p:cNvPr id="12" name="Rectangle: Rounded Corners 11">
+            <a:extLst>
+              <a:ext uri="{FF2B5EF4-FFF2-40B4-BE49-F238E27FC236}">
+                <a16:creationId xmlns:a16="http://schemas.microsoft.com/office/drawing/2014/main" id="{3DC01F86-92E1-48AC-A5C7-1E63FBB33272}"/>
+              </a:ext>
+            </a:extLst>
+          </p:cNvPr>
+          <p:cNvSpPr/>
+          <p:nvPr/>
+        </p:nvSpPr>
+        <p:spPr>
+          <a:xfrm>
+            <a:off x="6416420" y="3248791"/>
+            <a:ext cx="1202761" cy="1088614"/>
+          </a:xfrm>
+          <a:prstGeom prst="roundRect">
+            <a:avLst/>
+          </a:prstGeom>
+        </p:spPr>
+        <p:style>
+          <a:lnRef idx="2">
+            <a:schemeClr val="accent1">
+              <a:shade val="50000"/>
+            </a:schemeClr>
+          </a:lnRef>
+          <a:fillRef idx="1">
+            <a:schemeClr val="accent1"/>
+          </a:fillRef>
+          <a:effectRef idx="0">
+            <a:schemeClr val="accent1"/>
+          </a:effectRef>
+          <a:fontRef idx="minor">
+            <a:schemeClr val="lt1"/>
+          </a:fontRef>
+        </p:style>
+        <p:txBody>
+          <a:bodyPr rtlCol="0" anchor="ctr"/>
+          <a:lstStyle/>
+          <a:p>
+            <a:pPr algn="ctr"/>
+            <a:r>
+              <a:rPr lang="en-US" dirty="0"/>
+              <a:t>Bytes</a:t>
+            </a:r>
+          </a:p>
+        </p:txBody>
+      </p:sp>
+      <p:cxnSp>
+        <p:nvCxnSpPr>
+          <p:cNvPr id="19" name="Straight Arrow Connector 18">
+            <a:extLst>
+              <a:ext uri="{FF2B5EF4-FFF2-40B4-BE49-F238E27FC236}">
+                <a16:creationId xmlns:a16="http://schemas.microsoft.com/office/drawing/2014/main" id="{D4AF5E8D-6B43-4859-87AC-11D72C08D767}"/>
+              </a:ext>
+            </a:extLst>
+          </p:cNvPr>
+          <p:cNvCxnSpPr/>
+          <p:nvPr/>
+        </p:nvCxnSpPr>
+        <p:spPr>
+          <a:xfrm>
+            <a:off x="7856765" y="3356640"/>
+            <a:ext cx="697219" cy="0"/>
+          </a:xfrm>
+          <a:prstGeom prst="straightConnector1">
+            <a:avLst/>
+          </a:prstGeom>
+          <a:ln w="76200">
+            <a:tailEnd type="triangle"/>
+          </a:ln>
+        </p:spPr>
+        <p:style>
+          <a:lnRef idx="1">
+            <a:schemeClr val="accent1"/>
+          </a:lnRef>
+          <a:fillRef idx="0">
+            <a:schemeClr val="accent1"/>
+          </a:fillRef>
+          <a:effectRef idx="0">
+            <a:schemeClr val="accent1"/>
+          </a:effectRef>
+          <a:fontRef idx="minor">
+            <a:schemeClr val="tx1"/>
+          </a:fontRef>
+        </p:style>
+      </p:cxnSp>
+      <p:cxnSp>
+        <p:nvCxnSpPr>
+          <p:cNvPr id="22" name="Straight Arrow Connector 21">
+            <a:extLst>
+              <a:ext uri="{FF2B5EF4-FFF2-40B4-BE49-F238E27FC236}">
+                <a16:creationId xmlns:a16="http://schemas.microsoft.com/office/drawing/2014/main" id="{C588D8E5-2AE2-4A4F-A48F-1E998D3F0801}"/>
+              </a:ext>
+            </a:extLst>
+          </p:cNvPr>
+          <p:cNvCxnSpPr/>
+          <p:nvPr/>
+        </p:nvCxnSpPr>
+        <p:spPr>
+          <a:xfrm>
+            <a:off x="7856765" y="3789870"/>
+            <a:ext cx="697219" cy="0"/>
+          </a:xfrm>
+          <a:prstGeom prst="straightConnector1">
+            <a:avLst/>
+          </a:prstGeom>
+          <a:ln w="76200">
+            <a:tailEnd type="triangle"/>
+          </a:ln>
+        </p:spPr>
+        <p:style>
+          <a:lnRef idx="1">
+            <a:schemeClr val="accent1"/>
+          </a:lnRef>
+          <a:fillRef idx="0">
+            <a:schemeClr val="accent1"/>
+          </a:fillRef>
+          <a:effectRef idx="0">
+            <a:schemeClr val="accent1"/>
+          </a:effectRef>
+          <a:fontRef idx="minor">
+            <a:schemeClr val="tx1"/>
+          </a:fontRef>
+        </p:style>
+      </p:cxnSp>
+      <p:cxnSp>
+        <p:nvCxnSpPr>
+          <p:cNvPr id="23" name="Straight Arrow Connector 22">
+            <a:extLst>
+              <a:ext uri="{FF2B5EF4-FFF2-40B4-BE49-F238E27FC236}">
+                <a16:creationId xmlns:a16="http://schemas.microsoft.com/office/drawing/2014/main" id="{B236A96A-984F-4EDE-82C2-F85E11C9BFC5}"/>
+              </a:ext>
+            </a:extLst>
+          </p:cNvPr>
+          <p:cNvCxnSpPr/>
+          <p:nvPr/>
+        </p:nvCxnSpPr>
+        <p:spPr>
+          <a:xfrm>
+            <a:off x="7840402" y="4252450"/>
+            <a:ext cx="697219" cy="0"/>
+          </a:xfrm>
+          <a:prstGeom prst="straightConnector1">
+            <a:avLst/>
+          </a:prstGeom>
+          <a:ln w="76200">
+            <a:tailEnd type="triangle"/>
+          </a:ln>
+        </p:spPr>
+        <p:style>
+          <a:lnRef idx="1">
+            <a:schemeClr val="accent1"/>
+          </a:lnRef>
+          <a:fillRef idx="0">
+            <a:schemeClr val="accent1"/>
+          </a:fillRef>
+          <a:effectRef idx="0">
+            <a:schemeClr val="accent1"/>
+          </a:effectRef>
+          <a:fontRef idx="minor">
+            <a:schemeClr val="tx1"/>
+          </a:fontRef>
+        </p:style>
+      </p:cxnSp>
+      <p:sp>
+        <p:nvSpPr>
+          <p:cNvPr id="24" name="TextBox 23">
+            <a:extLst>
+              <a:ext uri="{FF2B5EF4-FFF2-40B4-BE49-F238E27FC236}">
+                <a16:creationId xmlns:a16="http://schemas.microsoft.com/office/drawing/2014/main" id="{3CE6AED4-918D-4277-B7CF-F83E9B1A94CF}"/>
+              </a:ext>
+            </a:extLst>
+          </p:cNvPr>
+          <p:cNvSpPr txBox="1"/>
+          <p:nvPr/>
+        </p:nvSpPr>
+        <p:spPr>
+          <a:xfrm>
+            <a:off x="8657223" y="3171361"/>
+            <a:ext cx="2096604" cy="369332"/>
+          </a:xfrm>
+          <a:prstGeom prst="rect">
+            <a:avLst/>
+          </a:prstGeom>
+          <a:noFill/>
+        </p:spPr>
+        <p:txBody>
+          <a:bodyPr wrap="square" rtlCol="0">
+            <a:spAutoFit/>
+          </a:bodyPr>
+          <a:lstStyle/>
+          <a:p>
+            <a:r>
+              <a:rPr lang="en-US" dirty="0"/>
+              <a:t>Database</a:t>
+            </a:r>
+          </a:p>
+        </p:txBody>
+      </p:sp>
+      <p:sp>
+        <p:nvSpPr>
+          <p:cNvPr id="26" name="TextBox 25">
+            <a:extLst>
+              <a:ext uri="{FF2B5EF4-FFF2-40B4-BE49-F238E27FC236}">
+                <a16:creationId xmlns:a16="http://schemas.microsoft.com/office/drawing/2014/main" id="{282FB9D8-BA6B-43C6-B67D-3166ADF4AC9E}"/>
+              </a:ext>
+            </a:extLst>
+          </p:cNvPr>
+          <p:cNvSpPr txBox="1"/>
+          <p:nvPr/>
+        </p:nvSpPr>
+        <p:spPr>
+          <a:xfrm>
+            <a:off x="8657223" y="3604900"/>
+            <a:ext cx="2096604" cy="369332"/>
+          </a:xfrm>
+          <a:prstGeom prst="rect">
+            <a:avLst/>
+          </a:prstGeom>
+          <a:noFill/>
+        </p:spPr>
+        <p:txBody>
+          <a:bodyPr wrap="square" rtlCol="0">
+            <a:spAutoFit/>
+          </a:bodyPr>
+          <a:lstStyle/>
+          <a:p>
+            <a:r>
+              <a:rPr lang="en-US" dirty="0"/>
+              <a:t>Memory</a:t>
+            </a:r>
+          </a:p>
+        </p:txBody>
+      </p:sp>
+      <p:sp>
+        <p:nvSpPr>
+          <p:cNvPr id="27" name="TextBox 26">
+            <a:extLst>
+              <a:ext uri="{FF2B5EF4-FFF2-40B4-BE49-F238E27FC236}">
+                <a16:creationId xmlns:a16="http://schemas.microsoft.com/office/drawing/2014/main" id="{07F2A0BF-A9F1-43D1-B88A-5349452EB4F5}"/>
+              </a:ext>
+            </a:extLst>
+          </p:cNvPr>
+          <p:cNvSpPr txBox="1"/>
+          <p:nvPr/>
+        </p:nvSpPr>
+        <p:spPr>
+          <a:xfrm>
+            <a:off x="8657223" y="4067784"/>
+            <a:ext cx="2096604" cy="369332"/>
+          </a:xfrm>
+          <a:prstGeom prst="rect">
+            <a:avLst/>
+          </a:prstGeom>
+          <a:noFill/>
+        </p:spPr>
+        <p:txBody>
+          <a:bodyPr wrap="square" rtlCol="0">
+            <a:spAutoFit/>
+          </a:bodyPr>
+          <a:lstStyle/>
+          <a:p>
+            <a:r>
+              <a:rPr lang="en-US" dirty="0"/>
+              <a:t>File</a:t>
+            </a:r>
+          </a:p>
+        </p:txBody>
+      </p:sp>
+    </p:spTree>
+    <p:extLst>
+      <p:ext uri="{BB962C8B-B14F-4D97-AF65-F5344CB8AC3E}">
+        <p14:creationId xmlns:p14="http://schemas.microsoft.com/office/powerpoint/2010/main" val="1120857854"/>
+      </p:ext>
+    </p:extLst>
+  </p:cSld>
+  <p:clrMapOvr>
+    <a:masterClrMapping/>
+  </p:clrMapOvr>
+</p:sld>
+</file>
+
+<file path=ppt/slides/slide4.xml><?xml version="1.0" encoding="utf-8"?>
+<p:sld xmlns:a="http://schemas.openxmlformats.org/drawingml/2006/main" xmlns:r="http://schemas.openxmlformats.org/officeDocument/2006/relationships" xmlns:p="http://schemas.openxmlformats.org/presentationml/2006/main">
+  <p:cSld>
+    <p:spTree>
+      <p:nvGrpSpPr>
+        <p:cNvPr id="1" name=""/>
+        <p:cNvGrpSpPr/>
+        <p:nvPr/>
+      </p:nvGrpSpPr>
+      <p:grpSpPr>
+        <a:xfrm>
+          <a:off x="0" y="0"/>
+          <a:ext cx="0" cy="0"/>
+          <a:chOff x="0" y="0"/>
+          <a:chExt cx="0" cy="0"/>
+        </a:xfrm>
+      </p:grpSpPr>
+      <p:sp>
+        <p:nvSpPr>
+          <p:cNvPr id="2" name="Title 1">
+            <a:extLst>
+              <a:ext uri="{FF2B5EF4-FFF2-40B4-BE49-F238E27FC236}">
+                <a16:creationId xmlns:a16="http://schemas.microsoft.com/office/drawing/2014/main" id="{76588BAA-8F9E-4AD4-B74F-6E679424A1C0}"/>
+              </a:ext>
+            </a:extLst>
+          </p:cNvPr>
+          <p:cNvSpPr>
+            <a:spLocks noGrp="1"/>
+          </p:cNvSpPr>
+          <p:nvPr>
+            <p:ph type="title"/>
+          </p:nvPr>
+        </p:nvSpPr>
+        <p:spPr>
+          <a:xfrm>
+            <a:off x="720000" y="619200"/>
+            <a:ext cx="10728322" cy="604916"/>
+          </a:xfrm>
+        </p:spPr>
+        <p:txBody>
+          <a:bodyPr/>
+          <a:lstStyle/>
+          <a:p>
+            <a:r>
+              <a:rPr lang="en-US" dirty="0"/>
+              <a:t>Unity || Serialization</a:t>
+            </a:r>
+          </a:p>
+        </p:txBody>
+      </p:sp>
+    </p:spTree>
+    <p:extLst>
+      <p:ext uri="{BB962C8B-B14F-4D97-AF65-F5344CB8AC3E}">
+        <p14:creationId xmlns:p14="http://schemas.microsoft.com/office/powerpoint/2010/main" val="745614576"/>
       </p:ext>
     </p:extLst>
   </p:cSld>

--- a/Serialization/Lecture.pptx
+++ b/Serialization/Lecture.pptx
@@ -837,18 +837,11 @@
                 <a:effectLst/>
                 <a:latin typeface="Calibri" panose="020F0502020204030204" pitchFamily="34" charset="0"/>
               </a:rPr>
-              <a:t>Now Unity itself actually uses this process in a lot of different ways. A great example is the ability to create and edit scripts while the editor is open, and being able to immediately apply the script's behaviors. You don't have to restart anything for the scripts to take affect. This is something called Hot Reloading. Another aspect to serialization to be aware of is the inspector window.  </a:t>
-            </a:r>
-            <a:r>
-              <a:rPr lang="en-US" sz="1200">
-                <a:effectLst/>
-                <a:latin typeface="Calibri" panose="020F0502020204030204" pitchFamily="34" charset="0"/>
-              </a:rPr>
-              <a:t>When you change the value of a game objects component field in the inspector window, these changes do not go to the getters and setters-- everything is serialized in the inspector's fields directly.</a:t>
-            </a:r>
-          </a:p>
-          <a:p>
-            <a:endParaRPr lang="en-US"/>
+              <a:t>Now Unity itself actually uses this process in a lot of different ways. A great example is the ability to create and edit scripts while the editor is open, and being able to immediately apply the script's behaviors. You don't have to restart anything for the scripts to take affect. This is something called Hot Reloading. Another aspect to serialization to be aware of is the inspector window.  When you change the value of a game objects component field in the inspector window, these changes do not go to the getters and setters-- everything is serialized in the inspector's fields directly.</a:t>
+            </a:r>
+          </a:p>
+          <a:p>
+            <a:endParaRPr lang="en-US" dirty="0"/>
           </a:p>
         </p:txBody>
       </p:sp>

--- a/Serialization/Lecture.pptx
+++ b/Serialization/Lecture.pptx
@@ -837,7 +837,56 @@
                 <a:effectLst/>
                 <a:latin typeface="Calibri" panose="020F0502020204030204" pitchFamily="34" charset="0"/>
               </a:rPr>
-              <a:t>Now Unity itself actually uses this process in a lot of different ways. A great example is the ability to create and edit scripts while the editor is open, and being able to immediately apply the script's behaviors. You don't have to restart anything for the scripts to take affect. This is something called Hot Reloading. Another aspect to serialization to be aware of is the inspector window.  When you change the value of a game objects component field in the inspector window, these changes do not go to the getters and setters-- everything is serialized in the inspector's fields directly.</a:t>
+              <a:t>Now Unity itself actually uses this process in a lot of different ways. A great example is the ability to create and edit scripts while the editor is open, and being able to immediately apply the script's behaviors. You don't have to restart anything for the scripts to take affect. This is something called Hot Reloading. Another aspect to serialization to be aware of is the inspector window.  When you change the value of a game objects component field in the inspector window, these changes do not go to the getters and setters-- everything is serialized in the inspector's fields directly. Also, if you’ve ever used a prefab before– those are composed of serialized data from game objects and their components. Once a prefab is instantiated, it contains a reference to the prefab source and the modifications done to it– these are two pieces of serialized data. </a:t>
+            </a:r>
+          </a:p>
+          <a:p>
+            <a:pPr marL="0" marR="0" lvl="0" indent="0" algn="l" defTabSz="914400" rtl="0" eaLnBrk="1" fontAlgn="auto" latinLnBrk="0" hangingPunct="1">
+              <a:lnSpc>
+                <a:spcPct val="100000"/>
+              </a:lnSpc>
+              <a:spcBef>
+                <a:spcPts val="0"/>
+              </a:spcBef>
+              <a:spcAft>
+                <a:spcPts val="0"/>
+              </a:spcAft>
+              <a:buClrTx/>
+              <a:buSzTx/>
+              <a:buFontTx/>
+              <a:buNone/>
+              <a:tabLst/>
+              <a:defRPr/>
+            </a:pPr>
+            <a:endParaRPr lang="en-US" sz="1200" dirty="0">
+              <a:effectLst/>
+              <a:latin typeface="Calibri" panose="020F0502020204030204" pitchFamily="34" charset="0"/>
+            </a:endParaRPr>
+          </a:p>
+          <a:p>
+            <a:pPr marL="0" marR="0" lvl="0" indent="0" algn="l" defTabSz="914400" rtl="0" eaLnBrk="1" fontAlgn="auto" latinLnBrk="0" hangingPunct="1">
+              <a:lnSpc>
+                <a:spcPct val="100000"/>
+              </a:lnSpc>
+              <a:spcBef>
+                <a:spcPts val="0"/>
+              </a:spcBef>
+              <a:spcAft>
+                <a:spcPts val="0"/>
+              </a:spcAft>
+              <a:buClrTx/>
+              <a:buSzTx/>
+              <a:buFontTx/>
+              <a:buNone/>
+              <a:tabLst/>
+              <a:defRPr/>
+            </a:pPr>
+            <a:r>
+              <a:rPr lang="en-US" sz="1200" dirty="0">
+                <a:effectLst/>
+                <a:latin typeface="Calibri" panose="020F0502020204030204" pitchFamily="34" charset="0"/>
+              </a:rPr>
+              <a:t>Unity uses serialization in other ways as well– you can check out the link at the bottom to the Unity documentation site where it gives an extensive breakdown on these other methods.</a:t>
             </a:r>
           </a:p>
           <a:p>
@@ -6288,13 +6337,12 @@
           </p:cNvPr>
           <p:cNvCxnSpPr>
             <a:cxnSpLocks/>
-            <a:stCxn id="6" idx="3"/>
           </p:cNvCxnSpPr>
           <p:nvPr/>
         </p:nvCxnSpPr>
         <p:spPr>
           <a:xfrm>
-            <a:off x="5559987" y="3833201"/>
+            <a:off x="5663223" y="3833201"/>
             <a:ext cx="697219" cy="0"/>
           </a:xfrm>
           <a:prstGeom prst="straightConnector1">
@@ -6649,6 +6697,152 @@
             <a:r>
               <a:rPr lang="en-US" dirty="0"/>
               <a:t>Unity || Serialization</a:t>
+            </a:r>
+          </a:p>
+        </p:txBody>
+      </p:sp>
+      <p:pic>
+        <p:nvPicPr>
+          <p:cNvPr id="5" name="Picture 4" descr="Text&#10;&#10;Description automatically generated">
+            <a:extLst>
+              <a:ext uri="{FF2B5EF4-FFF2-40B4-BE49-F238E27FC236}">
+                <a16:creationId xmlns:a16="http://schemas.microsoft.com/office/drawing/2014/main" id="{91175172-1B27-4789-B96E-87ACE335FD5F}"/>
+              </a:ext>
+            </a:extLst>
+          </p:cNvPr>
+          <p:cNvPicPr>
+            <a:picLocks noChangeAspect="1"/>
+          </p:cNvPicPr>
+          <p:nvPr/>
+        </p:nvPicPr>
+        <p:blipFill>
+          <a:blip r:embed="rId3">
+            <a:extLst>
+              <a:ext uri="{28A0092B-C50C-407E-A947-70E740481C1C}">
+                <a14:useLocalDpi xmlns:a14="http://schemas.microsoft.com/office/drawing/2010/main" val="0"/>
+              </a:ext>
+            </a:extLst>
+          </a:blip>
+          <a:stretch>
+            <a:fillRect/>
+          </a:stretch>
+        </p:blipFill>
+        <p:spPr>
+          <a:xfrm>
+            <a:off x="720000" y="2121162"/>
+            <a:ext cx="4480948" cy="3353091"/>
+          </a:xfrm>
+          <a:prstGeom prst="rect">
+            <a:avLst/>
+          </a:prstGeom>
+        </p:spPr>
+      </p:pic>
+      <p:pic>
+        <p:nvPicPr>
+          <p:cNvPr id="9" name="Picture 8" descr="Graphical user interface&#10;&#10;Description automatically generated">
+            <a:extLst>
+              <a:ext uri="{FF2B5EF4-FFF2-40B4-BE49-F238E27FC236}">
+                <a16:creationId xmlns:a16="http://schemas.microsoft.com/office/drawing/2014/main" id="{C7F2BDC1-DA2C-4A34-A7A4-B09954D92219}"/>
+              </a:ext>
+            </a:extLst>
+          </p:cNvPr>
+          <p:cNvPicPr>
+            <a:picLocks noChangeAspect="1"/>
+          </p:cNvPicPr>
+          <p:nvPr/>
+        </p:nvPicPr>
+        <p:blipFill>
+          <a:blip r:embed="rId4">
+            <a:extLst>
+              <a:ext uri="{28A0092B-C50C-407E-A947-70E740481C1C}">
+                <a14:useLocalDpi xmlns:a14="http://schemas.microsoft.com/office/drawing/2010/main" val="0"/>
+              </a:ext>
+            </a:extLst>
+          </a:blip>
+          <a:stretch>
+            <a:fillRect/>
+          </a:stretch>
+        </p:blipFill>
+        <p:spPr>
+          <a:xfrm>
+            <a:off x="8381237" y="2416403"/>
+            <a:ext cx="3037767" cy="2762608"/>
+          </a:xfrm>
+          <a:prstGeom prst="rect">
+            <a:avLst/>
+          </a:prstGeom>
+        </p:spPr>
+      </p:pic>
+      <p:cxnSp>
+        <p:nvCxnSpPr>
+          <p:cNvPr id="11" name="Straight Arrow Connector 10">
+            <a:extLst>
+              <a:ext uri="{FF2B5EF4-FFF2-40B4-BE49-F238E27FC236}">
+                <a16:creationId xmlns:a16="http://schemas.microsoft.com/office/drawing/2014/main" id="{4B661AF0-27C8-4276-B9AF-1958096E02A6}"/>
+              </a:ext>
+            </a:extLst>
+          </p:cNvPr>
+          <p:cNvCxnSpPr/>
+          <p:nvPr/>
+        </p:nvCxnSpPr>
+        <p:spPr>
+          <a:xfrm>
+            <a:off x="5678129" y="3908322"/>
+            <a:ext cx="2182761" cy="0"/>
+          </a:xfrm>
+          <a:prstGeom prst="straightConnector1">
+            <a:avLst/>
+          </a:prstGeom>
+          <a:ln w="76200">
+            <a:tailEnd type="triangle"/>
+          </a:ln>
+        </p:spPr>
+        <p:style>
+          <a:lnRef idx="1">
+            <a:schemeClr val="accent1"/>
+          </a:lnRef>
+          <a:fillRef idx="0">
+            <a:schemeClr val="accent1"/>
+          </a:fillRef>
+          <a:effectRef idx="0">
+            <a:schemeClr val="accent1"/>
+          </a:effectRef>
+          <a:fontRef idx="minor">
+            <a:schemeClr val="tx1"/>
+          </a:fontRef>
+        </p:style>
+      </p:cxnSp>
+      <p:sp>
+        <p:nvSpPr>
+          <p:cNvPr id="13" name="TextBox 12">
+            <a:extLst>
+              <a:ext uri="{FF2B5EF4-FFF2-40B4-BE49-F238E27FC236}">
+                <a16:creationId xmlns:a16="http://schemas.microsoft.com/office/drawing/2014/main" id="{DAD5286C-04D3-4072-A688-C76025ECDAD5}"/>
+              </a:ext>
+            </a:extLst>
+          </p:cNvPr>
+          <p:cNvSpPr txBox="1"/>
+          <p:nvPr/>
+        </p:nvSpPr>
+        <p:spPr>
+          <a:xfrm>
+            <a:off x="720000" y="5931671"/>
+            <a:ext cx="10922573" cy="400110"/>
+          </a:xfrm>
+          <a:prstGeom prst="rect">
+            <a:avLst/>
+          </a:prstGeom>
+          <a:noFill/>
+        </p:spPr>
+        <p:txBody>
+          <a:bodyPr wrap="square">
+            <a:spAutoFit/>
+          </a:bodyPr>
+          <a:lstStyle/>
+          <a:p>
+            <a:r>
+              <a:rPr lang="en-US" sz="2000" dirty="0"/>
+              <a:t>https://docs.unity3d.com/2019.3/Documentation/Manual/script-Serialization-BuiltInUse.html</a:t>
             </a:r>
           </a:p>
         </p:txBody>

--- a/Serialization/Lecture.pptx
+++ b/Serialization/Lecture.pptx
@@ -5,13 +5,16 @@
     <p:sldMasterId id="2147483673" r:id="rId1"/>
   </p:sldMasterIdLst>
   <p:notesMasterIdLst>
-    <p:notesMasterId r:id="rId6"/>
+    <p:notesMasterId r:id="rId9"/>
   </p:notesMasterIdLst>
   <p:sldIdLst>
     <p:sldId id="256" r:id="rId2"/>
     <p:sldId id="257" r:id="rId3"/>
     <p:sldId id="258" r:id="rId4"/>
     <p:sldId id="259" r:id="rId5"/>
+    <p:sldId id="260" r:id="rId6"/>
+    <p:sldId id="261" r:id="rId7"/>
+    <p:sldId id="262" r:id="rId8"/>
   </p:sldIdLst>
   <p:sldSz cx="12192000" cy="6858000"/>
   <p:notesSz cx="6858000" cy="9144000"/>
@@ -886,7 +889,7 @@
                 <a:effectLst/>
                 <a:latin typeface="Calibri" panose="020F0502020204030204" pitchFamily="34" charset="0"/>
               </a:rPr>
-              <a:t>Unity uses serialization in other ways as well– you can check out the link at the bottom to the Unity documentation site where it gives an extensive breakdown on these other methods.</a:t>
+              <a:t>Unity uses serialization in other ways as well– you can check out the link at the bottom to the Unity documentation site where it gives an extensive breakdown on other built-in features.</a:t>
             </a:r>
           </a:p>
           <a:p>
@@ -921,6 +924,666 @@
     <p:extLst>
       <p:ext uri="{BB962C8B-B14F-4D97-AF65-F5344CB8AC3E}">
         <p14:creationId xmlns:p14="http://schemas.microsoft.com/office/powerpoint/2010/main" val="2766221340"/>
+      </p:ext>
+    </p:extLst>
+  </p:cSld>
+  <p:clrMapOvr>
+    <a:masterClrMapping/>
+  </p:clrMapOvr>
+</p:notes>
+</file>
+
+<file path=ppt/notesSlides/notesSlide4.xml><?xml version="1.0" encoding="utf-8"?>
+<p:notes xmlns:a="http://schemas.openxmlformats.org/drawingml/2006/main" xmlns:r="http://schemas.openxmlformats.org/officeDocument/2006/relationships" xmlns:p="http://schemas.openxmlformats.org/presentationml/2006/main">
+  <p:cSld>
+    <p:spTree>
+      <p:nvGrpSpPr>
+        <p:cNvPr id="1" name=""/>
+        <p:cNvGrpSpPr/>
+        <p:nvPr/>
+      </p:nvGrpSpPr>
+      <p:grpSpPr>
+        <a:xfrm>
+          <a:off x="0" y="0"/>
+          <a:ext cx="0" cy="0"/>
+          <a:chOff x="0" y="0"/>
+          <a:chExt cx="0" cy="0"/>
+        </a:xfrm>
+      </p:grpSpPr>
+      <p:sp>
+        <p:nvSpPr>
+          <p:cNvPr id="2" name="Slide Image Placeholder 1"/>
+          <p:cNvSpPr>
+            <a:spLocks noGrp="1" noRot="1" noChangeAspect="1"/>
+          </p:cNvSpPr>
+          <p:nvPr>
+            <p:ph type="sldImg"/>
+          </p:nvPr>
+        </p:nvSpPr>
+        <p:spPr/>
+      </p:sp>
+      <p:sp>
+        <p:nvSpPr>
+          <p:cNvPr id="3" name="Notes Placeholder 2"/>
+          <p:cNvSpPr>
+            <a:spLocks noGrp="1"/>
+          </p:cNvSpPr>
+          <p:nvPr>
+            <p:ph type="body" idx="1"/>
+          </p:nvPr>
+        </p:nvSpPr>
+        <p:spPr/>
+        <p:txBody>
+          <a:bodyPr/>
+          <a:lstStyle/>
+          <a:p>
+            <a:pPr marL="0" marR="0">
+              <a:spcBef>
+                <a:spcPts val="0"/>
+              </a:spcBef>
+              <a:spcAft>
+                <a:spcPts val="0"/>
+              </a:spcAft>
+            </a:pPr>
+            <a:r>
+              <a:rPr lang="en-US" sz="1800" dirty="0">
+                <a:effectLst/>
+                <a:latin typeface="Calibri" panose="020F0502020204030204" pitchFamily="34" charset="0"/>
+              </a:rPr>
+              <a:t>Now, serializers in Unity run differently than in other programming environments. This is because unity is running in a real-time game environment. So there are some restrictions to help preserve performance. In order to user field serialization, the object must:</a:t>
+            </a:r>
+          </a:p>
+          <a:p>
+            <a:pPr marL="342900" marR="0" lvl="0" indent="0" algn="l" defTabSz="914400" rtl="0" eaLnBrk="1" fontAlgn="ctr" latinLnBrk="0" hangingPunct="1">
+              <a:lnSpc>
+                <a:spcPct val="100000"/>
+              </a:lnSpc>
+              <a:spcBef>
+                <a:spcPts val="0"/>
+              </a:spcBef>
+              <a:spcAft>
+                <a:spcPts val="0"/>
+              </a:spcAft>
+              <a:buClrTx/>
+              <a:buSzTx/>
+              <a:buFont typeface="Arial" panose="020B0604020202020204" pitchFamily="34" charset="0"/>
+              <a:buChar char="•"/>
+              <a:tabLst/>
+              <a:defRPr/>
+            </a:pPr>
+            <a:r>
+              <a:rPr lang="en-US" sz="1800" dirty="0">
+                <a:effectLst/>
+                <a:latin typeface="Calibri" panose="020F0502020204030204" pitchFamily="34" charset="0"/>
+              </a:rPr>
+              <a:t>Be public or has a </a:t>
+            </a:r>
+            <a:r>
+              <a:rPr lang="en-US" sz="1800" dirty="0" err="1">
+                <a:effectLst/>
+                <a:latin typeface="Calibri" panose="020F0502020204030204" pitchFamily="34" charset="0"/>
+              </a:rPr>
+              <a:t>SerializeField</a:t>
+            </a:r>
+            <a:r>
+              <a:rPr lang="en-US" sz="1800" dirty="0">
+                <a:effectLst/>
+                <a:latin typeface="Calibri" panose="020F0502020204030204" pitchFamily="34" charset="0"/>
+              </a:rPr>
+              <a:t> attribute. So, that means that, if the object is defined as private, the </a:t>
+            </a:r>
+            <a:r>
+              <a:rPr lang="en-US" sz="1800" dirty="0" err="1">
+                <a:effectLst/>
+                <a:latin typeface="Calibri" panose="020F0502020204030204" pitchFamily="34" charset="0"/>
+              </a:rPr>
+              <a:t>serializefield</a:t>
+            </a:r>
+            <a:r>
+              <a:rPr lang="en-US" sz="1800" dirty="0">
+                <a:effectLst/>
+                <a:latin typeface="Calibri" panose="020F0502020204030204" pitchFamily="34" charset="0"/>
+              </a:rPr>
+              <a:t> attribute allows it to still be serialized.</a:t>
+            </a:r>
+          </a:p>
+          <a:p>
+            <a:pPr marL="342900" marR="0" lvl="0" indent="0" algn="l" defTabSz="914400" rtl="0" eaLnBrk="1" fontAlgn="ctr" latinLnBrk="0" hangingPunct="1">
+              <a:lnSpc>
+                <a:spcPct val="100000"/>
+              </a:lnSpc>
+              <a:spcBef>
+                <a:spcPts val="0"/>
+              </a:spcBef>
+              <a:spcAft>
+                <a:spcPts val="0"/>
+              </a:spcAft>
+              <a:buClrTx/>
+              <a:buSzTx/>
+              <a:buFont typeface="Arial" panose="020B0604020202020204" pitchFamily="34" charset="0"/>
+              <a:buChar char="•"/>
+              <a:tabLst/>
+              <a:defRPr/>
+            </a:pPr>
+            <a:r>
+              <a:rPr lang="en-US" sz="1800" dirty="0"/>
+              <a:t>Cannot be static, const or </a:t>
+            </a:r>
+            <a:r>
+              <a:rPr lang="en-US" sz="1800" dirty="0" err="1"/>
+              <a:t>readonly</a:t>
+            </a:r>
+            <a:endParaRPr lang="en-US" dirty="0"/>
+          </a:p>
+          <a:p>
+            <a:pPr marL="342900" rtl="0" fontAlgn="ctr">
+              <a:spcBef>
+                <a:spcPts val="0"/>
+              </a:spcBef>
+              <a:spcAft>
+                <a:spcPts val="0"/>
+              </a:spcAft>
+              <a:buFont typeface="Arial" panose="020B0604020202020204" pitchFamily="34" charset="0"/>
+              <a:buChar char="•"/>
+            </a:pPr>
+            <a:r>
+              <a:rPr lang="en-US" sz="1100" dirty="0">
+                <a:effectLst/>
+                <a:latin typeface="Calibri" panose="020F0502020204030204" pitchFamily="34" charset="0"/>
+              </a:rPr>
+              <a:t>And fits the qualifying field types, like:</a:t>
+            </a:r>
+          </a:p>
+          <a:p>
+            <a:pPr marL="742950" lvl="1" indent="-285750" rtl="0" fontAlgn="ctr">
+              <a:spcBef>
+                <a:spcPts val="0"/>
+              </a:spcBef>
+              <a:spcAft>
+                <a:spcPts val="0"/>
+              </a:spcAft>
+              <a:buFont typeface="Courier New" panose="02070309020205020404" pitchFamily="49" charset="0"/>
+              <a:buChar char="o"/>
+            </a:pPr>
+            <a:r>
+              <a:rPr lang="en-US" sz="1100" dirty="0">
+                <a:effectLst/>
+                <a:latin typeface="Calibri" panose="020F0502020204030204" pitchFamily="34" charset="0"/>
+              </a:rPr>
+              <a:t>Custom structs or non-abstract, non-generic classes, both with the serialization attribute</a:t>
+            </a:r>
+          </a:p>
+          <a:p>
+            <a:pPr marL="742950" lvl="1" indent="-285750" rtl="0" fontAlgn="ctr">
+              <a:spcBef>
+                <a:spcPts val="0"/>
+              </a:spcBef>
+              <a:spcAft>
+                <a:spcPts val="0"/>
+              </a:spcAft>
+              <a:buFont typeface="Courier New" panose="02070309020205020404" pitchFamily="49" charset="0"/>
+              <a:buChar char="o"/>
+            </a:pPr>
+            <a:r>
+              <a:rPr lang="en-US" sz="1100" dirty="0">
+                <a:effectLst/>
+                <a:latin typeface="Calibri" panose="020F0502020204030204" pitchFamily="34" charset="0"/>
+              </a:rPr>
+              <a:t>References to objects that derive from </a:t>
+            </a:r>
+            <a:r>
+              <a:rPr lang="en-US" sz="1100" dirty="0" err="1">
+                <a:effectLst/>
+                <a:latin typeface="Calibri" panose="020F0502020204030204" pitchFamily="34" charset="0"/>
+              </a:rPr>
+              <a:t>UnityEngine.Object</a:t>
+            </a:r>
+            <a:endParaRPr lang="en-US" sz="1100" dirty="0">
+              <a:effectLst/>
+              <a:latin typeface="Calibri" panose="020F0502020204030204" pitchFamily="34" charset="0"/>
+            </a:endParaRPr>
+          </a:p>
+          <a:p>
+            <a:pPr marL="742950" lvl="1" indent="-285750" rtl="0" fontAlgn="ctr">
+              <a:spcBef>
+                <a:spcPts val="0"/>
+              </a:spcBef>
+              <a:spcAft>
+                <a:spcPts val="0"/>
+              </a:spcAft>
+              <a:buFont typeface="Courier New" panose="02070309020205020404" pitchFamily="49" charset="0"/>
+              <a:buChar char="o"/>
+            </a:pPr>
+            <a:r>
+              <a:rPr lang="en-US" sz="1100" dirty="0">
+                <a:effectLst/>
+                <a:latin typeface="Calibri" panose="020F0502020204030204" pitchFamily="34" charset="0"/>
+              </a:rPr>
+              <a:t>Primitive data types like int, float, string, etc. as well as arrays or lists containing these types</a:t>
+            </a:r>
+          </a:p>
+          <a:p>
+            <a:pPr marL="742950" lvl="1" indent="-285750" rtl="0" fontAlgn="ctr">
+              <a:spcBef>
+                <a:spcPts val="0"/>
+              </a:spcBef>
+              <a:spcAft>
+                <a:spcPts val="0"/>
+              </a:spcAft>
+              <a:buFont typeface="Courier New" panose="02070309020205020404" pitchFamily="49" charset="0"/>
+              <a:buChar char="o"/>
+            </a:pPr>
+            <a:r>
+              <a:rPr lang="en-US" sz="1100" dirty="0">
+                <a:effectLst/>
+                <a:latin typeface="Calibri" panose="020F0502020204030204" pitchFamily="34" charset="0"/>
+              </a:rPr>
+              <a:t>Enumerations</a:t>
+            </a:r>
+          </a:p>
+          <a:p>
+            <a:pPr marL="742950" lvl="1" indent="-285750" rtl="0" fontAlgn="ctr">
+              <a:spcBef>
+                <a:spcPts val="0"/>
+              </a:spcBef>
+              <a:spcAft>
+                <a:spcPts val="0"/>
+              </a:spcAft>
+              <a:buFont typeface="Courier New" panose="02070309020205020404" pitchFamily="49" charset="0"/>
+              <a:buChar char="o"/>
+            </a:pPr>
+            <a:r>
+              <a:rPr lang="en-US" sz="1100" dirty="0">
+                <a:effectLst/>
+                <a:latin typeface="Calibri" panose="020F0502020204030204" pitchFamily="34" charset="0"/>
+              </a:rPr>
+              <a:t>And certain unity built-in types like vector 2, 3 and four, </a:t>
+            </a:r>
+            <a:r>
+              <a:rPr lang="en-US" sz="1100" dirty="0" err="1">
+                <a:effectLst/>
+                <a:latin typeface="Calibri" panose="020F0502020204030204" pitchFamily="34" charset="0"/>
+              </a:rPr>
+              <a:t>rect</a:t>
+            </a:r>
+            <a:r>
+              <a:rPr lang="en-US" sz="1100" dirty="0">
+                <a:effectLst/>
+                <a:latin typeface="Calibri" panose="020F0502020204030204" pitchFamily="34" charset="0"/>
+              </a:rPr>
+              <a:t>, color, layer mask, etc.</a:t>
+            </a:r>
+          </a:p>
+          <a:p>
+            <a:pPr marL="457200" lvl="1" indent="0" rtl="0" fontAlgn="ctr">
+              <a:spcBef>
+                <a:spcPts val="0"/>
+              </a:spcBef>
+              <a:spcAft>
+                <a:spcPts val="0"/>
+              </a:spcAft>
+              <a:buFont typeface="Courier New" panose="02070309020205020404" pitchFamily="49" charset="0"/>
+              <a:buNone/>
+            </a:pPr>
+            <a:endParaRPr lang="en-US" sz="1100" dirty="0">
+              <a:effectLst/>
+              <a:latin typeface="Calibri" panose="020F0502020204030204" pitchFamily="34" charset="0"/>
+            </a:endParaRPr>
+          </a:p>
+          <a:p>
+            <a:pPr marL="0" marR="0">
+              <a:spcBef>
+                <a:spcPts val="0"/>
+              </a:spcBef>
+              <a:spcAft>
+                <a:spcPts val="0"/>
+              </a:spcAft>
+            </a:pPr>
+            <a:r>
+              <a:rPr lang="en-US" sz="1100" dirty="0">
+                <a:effectLst/>
+                <a:latin typeface="Calibri" panose="020F0502020204030204" pitchFamily="34" charset="0"/>
+              </a:rPr>
+              <a:t>One important thing to note is that dictionaries are not serializable. This is because even though the keys and values are easy to retrieve during deserialization, we don’t know if the classes derived from the dictionary have been serialized. </a:t>
+            </a:r>
+          </a:p>
+          <a:p>
+            <a:pPr marL="0" marR="0">
+              <a:spcBef>
+                <a:spcPts val="0"/>
+              </a:spcBef>
+              <a:spcAft>
+                <a:spcPts val="0"/>
+              </a:spcAft>
+            </a:pPr>
+            <a:r>
+              <a:rPr lang="en-US" sz="1100" dirty="0">
+                <a:effectLst/>
+                <a:latin typeface="Calibri" panose="020F0502020204030204" pitchFamily="34" charset="0"/>
+              </a:rPr>
+              <a:t>Specifics on these restrictions can be found on the Unity Script Serialization Documentation </a:t>
+            </a:r>
+            <a:r>
+              <a:rPr lang="en-US" sz="1100" dirty="0">
+                <a:effectLst/>
+                <a:highlight>
+                  <a:srgbClr val="FFFF00"/>
+                </a:highlight>
+                <a:latin typeface="Calibri" panose="020F0502020204030204" pitchFamily="34" charset="0"/>
+              </a:rPr>
+              <a:t>listed at the bottom of the screen</a:t>
+            </a:r>
+            <a:r>
+              <a:rPr lang="en-US" sz="1100" dirty="0">
+                <a:effectLst/>
+                <a:latin typeface="Calibri" panose="020F0502020204030204" pitchFamily="34" charset="0"/>
+              </a:rPr>
+              <a:t>.</a:t>
+            </a:r>
+          </a:p>
+          <a:p>
+            <a:endParaRPr lang="en-US" dirty="0"/>
+          </a:p>
+        </p:txBody>
+      </p:sp>
+      <p:sp>
+        <p:nvSpPr>
+          <p:cNvPr id="4" name="Slide Number Placeholder 3"/>
+          <p:cNvSpPr>
+            <a:spLocks noGrp="1"/>
+          </p:cNvSpPr>
+          <p:nvPr>
+            <p:ph type="sldNum" sz="quarter" idx="5"/>
+          </p:nvPr>
+        </p:nvSpPr>
+        <p:spPr/>
+        <p:txBody>
+          <a:bodyPr/>
+          <a:lstStyle/>
+          <a:p>
+            <a:fld id="{926A4D28-551C-4E4A-9CE4-840CFB3B2FC0}" type="slidenum">
+              <a:rPr lang="en-US" smtClean="0"/>
+              <a:t>5</a:t>
+            </a:fld>
+            <a:endParaRPr lang="en-US"/>
+          </a:p>
+        </p:txBody>
+      </p:sp>
+    </p:spTree>
+    <p:extLst>
+      <p:ext uri="{BB962C8B-B14F-4D97-AF65-F5344CB8AC3E}">
+        <p14:creationId xmlns:p14="http://schemas.microsoft.com/office/powerpoint/2010/main" val="1624811552"/>
+      </p:ext>
+    </p:extLst>
+  </p:cSld>
+  <p:clrMapOvr>
+    <a:masterClrMapping/>
+  </p:clrMapOvr>
+</p:notes>
+</file>
+
+<file path=ppt/notesSlides/notesSlide5.xml><?xml version="1.0" encoding="utf-8"?>
+<p:notes xmlns:a="http://schemas.openxmlformats.org/drawingml/2006/main" xmlns:r="http://schemas.openxmlformats.org/officeDocument/2006/relationships" xmlns:p="http://schemas.openxmlformats.org/presentationml/2006/main">
+  <p:cSld>
+    <p:spTree>
+      <p:nvGrpSpPr>
+        <p:cNvPr id="1" name=""/>
+        <p:cNvGrpSpPr/>
+        <p:nvPr/>
+      </p:nvGrpSpPr>
+      <p:grpSpPr>
+        <a:xfrm>
+          <a:off x="0" y="0"/>
+          <a:ext cx="0" cy="0"/>
+          <a:chOff x="0" y="0"/>
+          <a:chExt cx="0" cy="0"/>
+        </a:xfrm>
+      </p:grpSpPr>
+      <p:sp>
+        <p:nvSpPr>
+          <p:cNvPr id="2" name="Slide Image Placeholder 1"/>
+          <p:cNvSpPr>
+            <a:spLocks noGrp="1" noRot="1" noChangeAspect="1"/>
+          </p:cNvSpPr>
+          <p:nvPr>
+            <p:ph type="sldImg"/>
+          </p:nvPr>
+        </p:nvSpPr>
+        <p:spPr/>
+      </p:sp>
+      <p:sp>
+        <p:nvSpPr>
+          <p:cNvPr id="3" name="Notes Placeholder 2"/>
+          <p:cNvSpPr>
+            <a:spLocks noGrp="1"/>
+          </p:cNvSpPr>
+          <p:nvPr>
+            <p:ph type="body" idx="1"/>
+          </p:nvPr>
+        </p:nvSpPr>
+        <p:spPr/>
+        <p:txBody>
+          <a:bodyPr/>
+          <a:lstStyle/>
+          <a:p>
+            <a:r>
+              <a:rPr lang="en-US" dirty="0"/>
+              <a:t>So we have this example over here on the left. We’re going to do a quick comparison between the fields that can be serialized, and the ones that can’t.</a:t>
+            </a:r>
+          </a:p>
+          <a:p>
+            <a:endParaRPr lang="en-US" dirty="0"/>
+          </a:p>
+          <a:p>
+            <a:r>
+              <a:rPr lang="en-US" dirty="0"/>
+              <a:t>On lines 8 and 11,  we have a private integer and a private float respectively. Since a private field cannot be automatically serialized, we have added the </a:t>
+            </a:r>
+            <a:r>
+              <a:rPr lang="en-US" dirty="0" err="1"/>
+              <a:t>SerializeField</a:t>
+            </a:r>
+            <a:r>
+              <a:rPr lang="en-US" dirty="0"/>
+              <a:t> attribute to that field. 13 is both public and a float, and a float is considered a primitive data type, so that is automatically serialized. On line 15, there is a private integer that does NOT have the serialize field attribute, so it will not be serialized, and on line 17 there is a static int that is public. Despite the fact that this field is public, this is NOT serializable because static is on the list of fields that cannot be serialized. We’ll talk about why in the next example. </a:t>
+            </a:r>
+          </a:p>
+          <a:p>
+            <a:endParaRPr lang="en-US" dirty="0"/>
+          </a:p>
+          <a:p>
+            <a:r>
+              <a:rPr lang="en-US" dirty="0"/>
+              <a:t>So, our serializable fields are </a:t>
+            </a:r>
+            <a:r>
+              <a:rPr lang="en-US" dirty="0" err="1"/>
+              <a:t>SerializedPrivate</a:t>
+            </a:r>
+            <a:r>
+              <a:rPr lang="en-US" dirty="0"/>
+              <a:t> Int, </a:t>
+            </a:r>
+            <a:r>
+              <a:rPr lang="en-US" dirty="0" err="1"/>
+              <a:t>SerializedPrivateFloat</a:t>
+            </a:r>
+            <a:r>
+              <a:rPr lang="en-US" dirty="0"/>
+              <a:t>, and </a:t>
+            </a:r>
+            <a:r>
+              <a:rPr lang="en-US" dirty="0" err="1"/>
+              <a:t>PublicFloat</a:t>
+            </a:r>
+            <a:r>
+              <a:rPr lang="en-US" dirty="0"/>
+              <a:t>. Over on the right, this is what the component looks like once the script has been applied to my object. As you can see, it only those three fields that we deemed serializable, appear.</a:t>
+            </a:r>
+          </a:p>
+          <a:p>
+            <a:endParaRPr lang="en-US" dirty="0"/>
+          </a:p>
+          <a:p>
+            <a:r>
+              <a:rPr lang="en-US" dirty="0"/>
+              <a:t>This script can be found in the scripts folder on Canvas under Example1, and this script should be applied to the game object called Example1.</a:t>
+            </a:r>
+          </a:p>
+          <a:p>
+            <a:endParaRPr lang="en-US" dirty="0"/>
+          </a:p>
+          <a:p>
+            <a:r>
+              <a:rPr lang="en-US" dirty="0"/>
+              <a:t>SHOW EXAMPLE IN UNITY. ****Block out the cube, ground and game save</a:t>
+            </a:r>
+          </a:p>
+        </p:txBody>
+      </p:sp>
+      <p:sp>
+        <p:nvSpPr>
+          <p:cNvPr id="4" name="Slide Number Placeholder 3"/>
+          <p:cNvSpPr>
+            <a:spLocks noGrp="1"/>
+          </p:cNvSpPr>
+          <p:nvPr>
+            <p:ph type="sldNum" sz="quarter" idx="5"/>
+          </p:nvPr>
+        </p:nvSpPr>
+        <p:spPr/>
+        <p:txBody>
+          <a:bodyPr/>
+          <a:lstStyle/>
+          <a:p>
+            <a:fld id="{926A4D28-551C-4E4A-9CE4-840CFB3B2FC0}" type="slidenum">
+              <a:rPr lang="en-US" smtClean="0"/>
+              <a:t>6</a:t>
+            </a:fld>
+            <a:endParaRPr lang="en-US"/>
+          </a:p>
+        </p:txBody>
+      </p:sp>
+    </p:spTree>
+    <p:extLst>
+      <p:ext uri="{BB962C8B-B14F-4D97-AF65-F5344CB8AC3E}">
+        <p14:creationId xmlns:p14="http://schemas.microsoft.com/office/powerpoint/2010/main" val="3135872708"/>
+      </p:ext>
+    </p:extLst>
+  </p:cSld>
+  <p:clrMapOvr>
+    <a:masterClrMapping/>
+  </p:clrMapOvr>
+</p:notes>
+</file>
+
+<file path=ppt/notesSlides/notesSlide6.xml><?xml version="1.0" encoding="utf-8"?>
+<p:notes xmlns:a="http://schemas.openxmlformats.org/drawingml/2006/main" xmlns:r="http://schemas.openxmlformats.org/officeDocument/2006/relationships" xmlns:p="http://schemas.openxmlformats.org/presentationml/2006/main">
+  <p:cSld>
+    <p:spTree>
+      <p:nvGrpSpPr>
+        <p:cNvPr id="1" name=""/>
+        <p:cNvGrpSpPr/>
+        <p:nvPr/>
+      </p:nvGrpSpPr>
+      <p:grpSpPr>
+        <a:xfrm>
+          <a:off x="0" y="0"/>
+          <a:ext cx="0" cy="0"/>
+          <a:chOff x="0" y="0"/>
+          <a:chExt cx="0" cy="0"/>
+        </a:xfrm>
+      </p:grpSpPr>
+      <p:sp>
+        <p:nvSpPr>
+          <p:cNvPr id="2" name="Slide Image Placeholder 1"/>
+          <p:cNvSpPr>
+            <a:spLocks noGrp="1" noRot="1" noChangeAspect="1"/>
+          </p:cNvSpPr>
+          <p:nvPr>
+            <p:ph type="sldImg"/>
+          </p:nvPr>
+        </p:nvSpPr>
+        <p:spPr/>
+      </p:sp>
+      <p:sp>
+        <p:nvSpPr>
+          <p:cNvPr id="3" name="Notes Placeholder 2"/>
+          <p:cNvSpPr>
+            <a:spLocks noGrp="1"/>
+          </p:cNvSpPr>
+          <p:nvPr>
+            <p:ph type="body" idx="1"/>
+          </p:nvPr>
+        </p:nvSpPr>
+        <p:spPr/>
+        <p:txBody>
+          <a:bodyPr/>
+          <a:lstStyle/>
+          <a:p>
+            <a:r>
+              <a:rPr lang="en-US" dirty="0"/>
+              <a:t>Another way to demonstrate serialization is by cloning. So in our example 1a script, we have the same variables initiated as we did in the last example. Then in our Update function, we create a clone of our game object when we click. In this clone, it updates the values for each of our variables. Also note that in the complete example script found on Canvas, there is a Start function as well, which prints the values into the console. To run this example, delete the example 1 component from the example1 game object, and apply the example  1a component. </a:t>
+            </a:r>
+          </a:p>
+          <a:p>
+            <a:endParaRPr lang="en-US" dirty="0"/>
+          </a:p>
+          <a:p>
+            <a:r>
+              <a:rPr lang="en-US" dirty="0"/>
+              <a:t>SHOW EXAMPLE. </a:t>
+            </a:r>
+          </a:p>
+          <a:p>
+            <a:endParaRPr lang="en-US" dirty="0"/>
+          </a:p>
+          <a:p>
+            <a:endParaRPr lang="en-US" dirty="0"/>
+          </a:p>
+          <a:p>
+            <a:r>
+              <a:rPr lang="en-US" dirty="0"/>
+              <a:t>When we play the scene, the first console message at the top pops up, and once we click to create the clone, the second console message pops up.</a:t>
+            </a:r>
+            <a:r>
+              <a:rPr lang="en-US" sz="1800" dirty="0">
+                <a:effectLst/>
+                <a:latin typeface="Calibri" panose="020F0502020204030204" pitchFamily="34" charset="0"/>
+              </a:rPr>
+              <a:t> You'll see that our Serialized values are the ones that updated between the two instances-- the Serialized private int, serialized private float, and public float. Private int did not update, because it is not serialized. You will notice that public static int did update, even though we know based on our restrictions it does not qualify for serialization, and it doesn't show up in our inspector. Remember-- static fields belong to the class, not the instance. So, for example, if I were to keep this in play mode, and create a new game object and apply the example 1a script, the static integer is the same value as the object I cloned, but we know it's not a clone of the clone-- I just created it! And if we look at the serialized private int (the first one listed), the value is that of our original object– this is serialization.</a:t>
+            </a:r>
+            <a:endParaRPr lang="en-US" dirty="0"/>
+          </a:p>
+        </p:txBody>
+      </p:sp>
+      <p:sp>
+        <p:nvSpPr>
+          <p:cNvPr id="4" name="Slide Number Placeholder 3"/>
+          <p:cNvSpPr>
+            <a:spLocks noGrp="1"/>
+          </p:cNvSpPr>
+          <p:nvPr>
+            <p:ph type="sldNum" sz="quarter" idx="5"/>
+          </p:nvPr>
+        </p:nvSpPr>
+        <p:spPr/>
+        <p:txBody>
+          <a:bodyPr/>
+          <a:lstStyle/>
+          <a:p>
+            <a:fld id="{926A4D28-551C-4E4A-9CE4-840CFB3B2FC0}" type="slidenum">
+              <a:rPr lang="en-US" smtClean="0"/>
+              <a:t>7</a:t>
+            </a:fld>
+            <a:endParaRPr lang="en-US"/>
+          </a:p>
+        </p:txBody>
+      </p:sp>
+    </p:spTree>
+    <p:extLst>
+      <p:ext uri="{BB962C8B-B14F-4D97-AF65-F5344CB8AC3E}">
+        <p14:creationId xmlns:p14="http://schemas.microsoft.com/office/powerpoint/2010/main" val="496413022"/>
       </p:ext>
     </p:extLst>
   </p:cSld>
@@ -6703,10 +7366,10 @@
       </p:sp>
       <p:pic>
         <p:nvPicPr>
-          <p:cNvPr id="5" name="Picture 4" descr="Text&#10;&#10;Description automatically generated">
+          <p:cNvPr id="9" name="Picture 8" descr="Graphical user interface&#10;&#10;Description automatically generated">
             <a:extLst>
               <a:ext uri="{FF2B5EF4-FFF2-40B4-BE49-F238E27FC236}">
-                <a16:creationId xmlns:a16="http://schemas.microsoft.com/office/drawing/2014/main" id="{91175172-1B27-4789-B96E-87ACE335FD5F}"/>
+                <a16:creationId xmlns:a16="http://schemas.microsoft.com/office/drawing/2014/main" id="{C7F2BDC1-DA2C-4A34-A7A4-B09954D92219}"/>
               </a:ext>
             </a:extLst>
           </p:cNvPr>
@@ -6729,20 +7392,94 @@
         </p:blipFill>
         <p:spPr>
           <a:xfrm>
-            <a:off x="720000" y="2121162"/>
-            <a:ext cx="4480948" cy="3353091"/>
+            <a:off x="8379810" y="2445328"/>
+            <a:ext cx="3037767" cy="2762608"/>
           </a:xfrm>
           <a:prstGeom prst="rect">
             <a:avLst/>
           </a:prstGeom>
         </p:spPr>
       </p:pic>
+      <p:cxnSp>
+        <p:nvCxnSpPr>
+          <p:cNvPr id="11" name="Straight Arrow Connector 10">
+            <a:extLst>
+              <a:ext uri="{FF2B5EF4-FFF2-40B4-BE49-F238E27FC236}">
+                <a16:creationId xmlns:a16="http://schemas.microsoft.com/office/drawing/2014/main" id="{4B661AF0-27C8-4276-B9AF-1958096E02A6}"/>
+              </a:ext>
+            </a:extLst>
+          </p:cNvPr>
+          <p:cNvCxnSpPr/>
+          <p:nvPr/>
+        </p:nvCxnSpPr>
+        <p:spPr>
+          <a:xfrm>
+            <a:off x="5678129" y="3908322"/>
+            <a:ext cx="2182761" cy="0"/>
+          </a:xfrm>
+          <a:prstGeom prst="straightConnector1">
+            <a:avLst/>
+          </a:prstGeom>
+          <a:ln w="76200">
+            <a:tailEnd type="triangle"/>
+          </a:ln>
+        </p:spPr>
+        <p:style>
+          <a:lnRef idx="1">
+            <a:schemeClr val="accent1"/>
+          </a:lnRef>
+          <a:fillRef idx="0">
+            <a:schemeClr val="accent1"/>
+          </a:fillRef>
+          <a:effectRef idx="0">
+            <a:schemeClr val="accent1"/>
+          </a:effectRef>
+          <a:fontRef idx="minor">
+            <a:schemeClr val="tx1"/>
+          </a:fontRef>
+        </p:style>
+      </p:cxnSp>
+      <p:sp>
+        <p:nvSpPr>
+          <p:cNvPr id="13" name="TextBox 12">
+            <a:extLst>
+              <a:ext uri="{FF2B5EF4-FFF2-40B4-BE49-F238E27FC236}">
+                <a16:creationId xmlns:a16="http://schemas.microsoft.com/office/drawing/2014/main" id="{DAD5286C-04D3-4072-A688-C76025ECDAD5}"/>
+              </a:ext>
+            </a:extLst>
+          </p:cNvPr>
+          <p:cNvSpPr txBox="1"/>
+          <p:nvPr/>
+        </p:nvSpPr>
+        <p:spPr>
+          <a:xfrm>
+            <a:off x="720000" y="5931671"/>
+            <a:ext cx="10922573" cy="400110"/>
+          </a:xfrm>
+          <a:prstGeom prst="rect">
+            <a:avLst/>
+          </a:prstGeom>
+          <a:noFill/>
+        </p:spPr>
+        <p:txBody>
+          <a:bodyPr wrap="square">
+            <a:spAutoFit/>
+          </a:bodyPr>
+          <a:lstStyle/>
+          <a:p>
+            <a:r>
+              <a:rPr lang="en-US" sz="2000" dirty="0"/>
+              <a:t>https://docs.unity3d.com/2019.3/Documentation/Manual/script-Serialization-BuiltInUse.html</a:t>
+            </a:r>
+          </a:p>
+        </p:txBody>
+      </p:sp>
       <p:pic>
         <p:nvPicPr>
-          <p:cNvPr id="9" name="Picture 8" descr="Graphical user interface&#10;&#10;Description automatically generated">
+          <p:cNvPr id="15" name="Picture 14" descr="Text&#10;&#10;Description automatically generated">
             <a:extLst>
               <a:ext uri="{FF2B5EF4-FFF2-40B4-BE49-F238E27FC236}">
-                <a16:creationId xmlns:a16="http://schemas.microsoft.com/office/drawing/2014/main" id="{C7F2BDC1-DA2C-4A34-A7A4-B09954D92219}"/>
+                <a16:creationId xmlns:a16="http://schemas.microsoft.com/office/drawing/2014/main" id="{25B3BD28-A842-46CD-AE99-2B7B3C1F9ECC}"/>
               </a:ext>
             </a:extLst>
           </p:cNvPr>
@@ -6765,20 +7502,352 @@
         </p:blipFill>
         <p:spPr>
           <a:xfrm>
-            <a:off x="8381237" y="2416403"/>
-            <a:ext cx="3037767" cy="2762608"/>
+            <a:off x="774423" y="1976776"/>
+            <a:ext cx="4427604" cy="3231160"/>
           </a:xfrm>
           <a:prstGeom prst="rect">
             <a:avLst/>
           </a:prstGeom>
         </p:spPr>
       </p:pic>
+    </p:spTree>
+    <p:extLst>
+      <p:ext uri="{BB962C8B-B14F-4D97-AF65-F5344CB8AC3E}">
+        <p14:creationId xmlns:p14="http://schemas.microsoft.com/office/powerpoint/2010/main" val="745614576"/>
+      </p:ext>
+    </p:extLst>
+  </p:cSld>
+  <p:clrMapOvr>
+    <a:masterClrMapping/>
+  </p:clrMapOvr>
+</p:sld>
+</file>
+
+<file path=ppt/slides/slide5.xml><?xml version="1.0" encoding="utf-8"?>
+<p:sld xmlns:a="http://schemas.openxmlformats.org/drawingml/2006/main" xmlns:r="http://schemas.openxmlformats.org/officeDocument/2006/relationships" xmlns:p="http://schemas.openxmlformats.org/presentationml/2006/main">
+  <p:cSld>
+    <p:spTree>
+      <p:nvGrpSpPr>
+        <p:cNvPr id="1" name=""/>
+        <p:cNvGrpSpPr/>
+        <p:nvPr/>
+      </p:nvGrpSpPr>
+      <p:grpSpPr>
+        <a:xfrm>
+          <a:off x="0" y="0"/>
+          <a:ext cx="0" cy="0"/>
+          <a:chOff x="0" y="0"/>
+          <a:chExt cx="0" cy="0"/>
+        </a:xfrm>
+      </p:grpSpPr>
+      <p:sp>
+        <p:nvSpPr>
+          <p:cNvPr id="2" name="Title 1">
+            <a:extLst>
+              <a:ext uri="{FF2B5EF4-FFF2-40B4-BE49-F238E27FC236}">
+                <a16:creationId xmlns:a16="http://schemas.microsoft.com/office/drawing/2014/main" id="{A2312FC9-21D6-4543-A4E6-44B3B25BD35A}"/>
+              </a:ext>
+            </a:extLst>
+          </p:cNvPr>
+          <p:cNvSpPr>
+            <a:spLocks noGrp="1"/>
+          </p:cNvSpPr>
+          <p:nvPr>
+            <p:ph type="title"/>
+          </p:nvPr>
+        </p:nvSpPr>
+        <p:spPr>
+          <a:xfrm>
+            <a:off x="720000" y="619200"/>
+            <a:ext cx="10728322" cy="590168"/>
+          </a:xfrm>
+        </p:spPr>
+        <p:txBody>
+          <a:bodyPr/>
+          <a:lstStyle/>
+          <a:p>
+            <a:r>
+              <a:rPr lang="en-US" dirty="0"/>
+              <a:t>Unity || Serialization</a:t>
+            </a:r>
+          </a:p>
+        </p:txBody>
+      </p:sp>
+      <p:sp>
+        <p:nvSpPr>
+          <p:cNvPr id="3" name="Content Placeholder 2">
+            <a:extLst>
+              <a:ext uri="{FF2B5EF4-FFF2-40B4-BE49-F238E27FC236}">
+                <a16:creationId xmlns:a16="http://schemas.microsoft.com/office/drawing/2014/main" id="{34BB40ED-47B8-4447-9E1D-7EEDBD489840}"/>
+              </a:ext>
+            </a:extLst>
+          </p:cNvPr>
+          <p:cNvSpPr>
+            <a:spLocks noGrp="1"/>
+          </p:cNvSpPr>
+          <p:nvPr>
+            <p:ph idx="1"/>
+          </p:nvPr>
+        </p:nvSpPr>
+        <p:spPr>
+          <a:xfrm>
+            <a:off x="720000" y="1415845"/>
+            <a:ext cx="10728325" cy="4353130"/>
+          </a:xfrm>
+        </p:spPr>
+        <p:txBody>
+          <a:bodyPr/>
+          <a:lstStyle/>
+          <a:p>
+            <a:r>
+              <a:rPr lang="en-US" dirty="0"/>
+              <a:t>Public or [</a:t>
+            </a:r>
+            <a:r>
+              <a:rPr lang="en-US" dirty="0" err="1"/>
+              <a:t>SerializeField</a:t>
+            </a:r>
+            <a:r>
+              <a:rPr lang="en-US" dirty="0"/>
+              <a:t>]</a:t>
+            </a:r>
+          </a:p>
+          <a:p>
+            <a:r>
+              <a:rPr lang="en-US" dirty="0"/>
+              <a:t>Cannot be static, const or </a:t>
+            </a:r>
+            <a:r>
+              <a:rPr lang="en-US" dirty="0" err="1"/>
+              <a:t>readonly</a:t>
+            </a:r>
+            <a:endParaRPr lang="en-US" dirty="0"/>
+          </a:p>
+          <a:p>
+            <a:r>
+              <a:rPr lang="en-US" dirty="0"/>
+              <a:t>Custom structs or non-abstract, non-generic classes, [</a:t>
+            </a:r>
+            <a:r>
+              <a:rPr lang="en-US" dirty="0" err="1"/>
+              <a:t>SerializeField</a:t>
+            </a:r>
+            <a:r>
+              <a:rPr lang="en-US" dirty="0"/>
+              <a:t>]</a:t>
+            </a:r>
+          </a:p>
+          <a:p>
+            <a:r>
+              <a:rPr lang="en-US" dirty="0" err="1"/>
+              <a:t>UnityEngine.Object</a:t>
+            </a:r>
+            <a:endParaRPr lang="en-US" dirty="0"/>
+          </a:p>
+          <a:p>
+            <a:r>
+              <a:rPr lang="en-US" dirty="0"/>
+              <a:t>Primitive Data Types</a:t>
+            </a:r>
+          </a:p>
+          <a:p>
+            <a:r>
+              <a:rPr lang="en-US" dirty="0"/>
+              <a:t>Enumerations</a:t>
+            </a:r>
+          </a:p>
+          <a:p>
+            <a:r>
+              <a:rPr lang="en-US" dirty="0"/>
+              <a:t>Certain Unity built-in types</a:t>
+            </a:r>
+          </a:p>
+          <a:p>
+            <a:endParaRPr lang="en-US" dirty="0"/>
+          </a:p>
+        </p:txBody>
+      </p:sp>
+      <p:sp>
+        <p:nvSpPr>
+          <p:cNvPr id="5" name="TextBox 4">
+            <a:extLst>
+              <a:ext uri="{FF2B5EF4-FFF2-40B4-BE49-F238E27FC236}">
+                <a16:creationId xmlns:a16="http://schemas.microsoft.com/office/drawing/2014/main" id="{FCD56E7B-DD41-4801-B7B4-D283BA6301BF}"/>
+              </a:ext>
+            </a:extLst>
+          </p:cNvPr>
+          <p:cNvSpPr txBox="1"/>
+          <p:nvPr/>
+        </p:nvSpPr>
+        <p:spPr>
+          <a:xfrm>
+            <a:off x="419100" y="5415014"/>
+            <a:ext cx="11772900" cy="461665"/>
+          </a:xfrm>
+          <a:prstGeom prst="rect">
+            <a:avLst/>
+          </a:prstGeom>
+          <a:noFill/>
+        </p:spPr>
+        <p:txBody>
+          <a:bodyPr wrap="square">
+            <a:spAutoFit/>
+          </a:bodyPr>
+          <a:lstStyle/>
+          <a:p>
+            <a:r>
+              <a:rPr lang="en-US" sz="2400" dirty="0"/>
+              <a:t>https://docs.unity3d.com/2019.3/Documentation/Manual/script-Serialization.html</a:t>
+            </a:r>
+          </a:p>
+        </p:txBody>
+      </p:sp>
+    </p:spTree>
+    <p:extLst>
+      <p:ext uri="{BB962C8B-B14F-4D97-AF65-F5344CB8AC3E}">
+        <p14:creationId xmlns:p14="http://schemas.microsoft.com/office/powerpoint/2010/main" val="1252230555"/>
+      </p:ext>
+    </p:extLst>
+  </p:cSld>
+  <p:clrMapOvr>
+    <a:masterClrMapping/>
+  </p:clrMapOvr>
+</p:sld>
+</file>
+
+<file path=ppt/slides/slide6.xml><?xml version="1.0" encoding="utf-8"?>
+<p:sld xmlns:a="http://schemas.openxmlformats.org/drawingml/2006/main" xmlns:r="http://schemas.openxmlformats.org/officeDocument/2006/relationships" xmlns:p="http://schemas.openxmlformats.org/presentationml/2006/main">
+  <p:cSld>
+    <p:spTree>
+      <p:nvGrpSpPr>
+        <p:cNvPr id="1" name=""/>
+        <p:cNvGrpSpPr/>
+        <p:nvPr/>
+      </p:nvGrpSpPr>
+      <p:grpSpPr>
+        <a:xfrm>
+          <a:off x="0" y="0"/>
+          <a:ext cx="0" cy="0"/>
+          <a:chOff x="0" y="0"/>
+          <a:chExt cx="0" cy="0"/>
+        </a:xfrm>
+      </p:grpSpPr>
+      <p:sp>
+        <p:nvSpPr>
+          <p:cNvPr id="2" name="Title 1">
+            <a:extLst>
+              <a:ext uri="{FF2B5EF4-FFF2-40B4-BE49-F238E27FC236}">
+                <a16:creationId xmlns:a16="http://schemas.microsoft.com/office/drawing/2014/main" id="{C6DD810E-DD35-43DD-B314-2A67BC617C2B}"/>
+              </a:ext>
+            </a:extLst>
+          </p:cNvPr>
+          <p:cNvSpPr>
+            <a:spLocks noGrp="1"/>
+          </p:cNvSpPr>
+          <p:nvPr>
+            <p:ph type="title"/>
+          </p:nvPr>
+        </p:nvSpPr>
+        <p:spPr>
+          <a:xfrm>
+            <a:off x="720000" y="619200"/>
+            <a:ext cx="10728322" cy="663910"/>
+          </a:xfrm>
+        </p:spPr>
+        <p:txBody>
+          <a:bodyPr/>
+          <a:lstStyle/>
+          <a:p>
+            <a:r>
+              <a:rPr lang="en-US" dirty="0"/>
+              <a:t>Serializing Variables</a:t>
+            </a:r>
+          </a:p>
+        </p:txBody>
+      </p:sp>
+      <p:sp>
+        <p:nvSpPr>
+          <p:cNvPr id="6" name="TextBox 5">
+            <a:extLst>
+              <a:ext uri="{FF2B5EF4-FFF2-40B4-BE49-F238E27FC236}">
+                <a16:creationId xmlns:a16="http://schemas.microsoft.com/office/drawing/2014/main" id="{2652DAA9-C226-464A-98B2-768B2468657B}"/>
+              </a:ext>
+            </a:extLst>
+          </p:cNvPr>
+          <p:cNvSpPr txBox="1"/>
+          <p:nvPr/>
+        </p:nvSpPr>
+        <p:spPr>
+          <a:xfrm>
+            <a:off x="7227910" y="6238800"/>
+            <a:ext cx="4757612" cy="369332"/>
+          </a:xfrm>
+          <a:prstGeom prst="rect">
+            <a:avLst/>
+          </a:prstGeom>
+          <a:solidFill>
+            <a:schemeClr val="accent2"/>
+          </a:solidFill>
+        </p:spPr>
+        <p:txBody>
+          <a:bodyPr wrap="square" rtlCol="0">
+            <a:spAutoFit/>
+          </a:bodyPr>
+          <a:lstStyle/>
+          <a:p>
+            <a:r>
+              <a:rPr lang="en-US" dirty="0"/>
+              <a:t>Assets/Scripts/</a:t>
+            </a:r>
+            <a:r>
+              <a:rPr lang="en-US" b="1" dirty="0"/>
+              <a:t>Example1.CS -&gt; Example1</a:t>
+            </a:r>
+          </a:p>
+        </p:txBody>
+      </p:sp>
+      <p:pic>
+        <p:nvPicPr>
+          <p:cNvPr id="8" name="Picture 7" descr="Graphical user interface, application&#10;&#10;Description automatically generated">
+            <a:extLst>
+              <a:ext uri="{FF2B5EF4-FFF2-40B4-BE49-F238E27FC236}">
+                <a16:creationId xmlns:a16="http://schemas.microsoft.com/office/drawing/2014/main" id="{B381FC29-D91E-476E-AFE5-0C1209FBA155}"/>
+              </a:ext>
+            </a:extLst>
+          </p:cNvPr>
+          <p:cNvPicPr>
+            <a:picLocks noChangeAspect="1"/>
+          </p:cNvPicPr>
+          <p:nvPr/>
+        </p:nvPicPr>
+        <p:blipFill>
+          <a:blip r:embed="rId3">
+            <a:extLst>
+              <a:ext uri="{28A0092B-C50C-407E-A947-70E740481C1C}">
+                <a14:useLocalDpi xmlns:a14="http://schemas.microsoft.com/office/drawing/2010/main" val="0"/>
+              </a:ext>
+            </a:extLst>
+          </a:blip>
+          <a:stretch>
+            <a:fillRect/>
+          </a:stretch>
+        </p:blipFill>
+        <p:spPr>
+          <a:xfrm>
+            <a:off x="7227910" y="3180956"/>
+            <a:ext cx="4510602" cy="1245786"/>
+          </a:xfrm>
+          <a:prstGeom prst="rect">
+            <a:avLst/>
+          </a:prstGeom>
+        </p:spPr>
+      </p:pic>
       <p:cxnSp>
         <p:nvCxnSpPr>
-          <p:cNvPr id="11" name="Straight Arrow Connector 10">
+          <p:cNvPr id="10" name="Straight Connector 9">
             <a:extLst>
               <a:ext uri="{FF2B5EF4-FFF2-40B4-BE49-F238E27FC236}">
-                <a16:creationId xmlns:a16="http://schemas.microsoft.com/office/drawing/2014/main" id="{4B661AF0-27C8-4276-B9AF-1958096E02A6}"/>
+                <a16:creationId xmlns:a16="http://schemas.microsoft.com/office/drawing/2014/main" id="{C988023C-7120-42EF-A7B0-566CFE3F5B97}"/>
               </a:ext>
             </a:extLst>
           </p:cNvPr>
@@ -6787,15 +7856,13 @@
         </p:nvCxnSpPr>
         <p:spPr>
           <a:xfrm>
-            <a:off x="5678129" y="3908322"/>
-            <a:ext cx="2182761" cy="0"/>
-          </a:xfrm>
-          <a:prstGeom prst="straightConnector1">
+            <a:off x="6607277" y="1368899"/>
+            <a:ext cx="0" cy="4441966"/>
+          </a:xfrm>
+          <a:prstGeom prst="line">
             <a:avLst/>
           </a:prstGeom>
-          <a:ln w="76200">
-            <a:tailEnd type="triangle"/>
-          </a:ln>
+          <a:ln w="76200"/>
         </p:spPr>
         <p:style>
           <a:lnRef idx="1">
@@ -6812,12 +7879,208 @@
           </a:fontRef>
         </p:style>
       </p:cxnSp>
-      <p:sp>
-        <p:nvSpPr>
-          <p:cNvPr id="13" name="TextBox 12">
+      <p:pic>
+        <p:nvPicPr>
+          <p:cNvPr id="12" name="Picture 11" descr="Text&#10;&#10;Description automatically generated">
             <a:extLst>
               <a:ext uri="{FF2B5EF4-FFF2-40B4-BE49-F238E27FC236}">
-                <a16:creationId xmlns:a16="http://schemas.microsoft.com/office/drawing/2014/main" id="{DAD5286C-04D3-4072-A688-C76025ECDAD5}"/>
+                <a16:creationId xmlns:a16="http://schemas.microsoft.com/office/drawing/2014/main" id="{6ADC48A9-235F-45C4-A225-8AAF01B8D1DF}"/>
+              </a:ext>
+            </a:extLst>
+          </p:cNvPr>
+          <p:cNvPicPr>
+            <a:picLocks noChangeAspect="1"/>
+          </p:cNvPicPr>
+          <p:nvPr/>
+        </p:nvPicPr>
+        <p:blipFill>
+          <a:blip r:embed="rId4">
+            <a:extLst>
+              <a:ext uri="{28A0092B-C50C-407E-A947-70E740481C1C}">
+                <a14:useLocalDpi xmlns:a14="http://schemas.microsoft.com/office/drawing/2010/main" val="0"/>
+              </a:ext>
+            </a:extLst>
+          </a:blip>
+          <a:stretch>
+            <a:fillRect/>
+          </a:stretch>
+        </p:blipFill>
+        <p:spPr>
+          <a:xfrm>
+            <a:off x="720000" y="1519946"/>
+            <a:ext cx="4555839" cy="4139871"/>
+          </a:xfrm>
+          <a:prstGeom prst="rect">
+            <a:avLst/>
+          </a:prstGeom>
+        </p:spPr>
+      </p:pic>
+    </p:spTree>
+    <p:extLst>
+      <p:ext uri="{BB962C8B-B14F-4D97-AF65-F5344CB8AC3E}">
+        <p14:creationId xmlns:p14="http://schemas.microsoft.com/office/powerpoint/2010/main" val="3790884884"/>
+      </p:ext>
+    </p:extLst>
+  </p:cSld>
+  <p:clrMapOvr>
+    <a:masterClrMapping/>
+  </p:clrMapOvr>
+</p:sld>
+</file>
+
+<file path=ppt/slides/slide7.xml><?xml version="1.0" encoding="utf-8"?>
+<p:sld xmlns:a="http://schemas.openxmlformats.org/drawingml/2006/main" xmlns:r="http://schemas.openxmlformats.org/officeDocument/2006/relationships" xmlns:p="http://schemas.openxmlformats.org/presentationml/2006/main">
+  <p:cSld>
+    <p:spTree>
+      <p:nvGrpSpPr>
+        <p:cNvPr id="1" name=""/>
+        <p:cNvGrpSpPr/>
+        <p:nvPr/>
+      </p:nvGrpSpPr>
+      <p:grpSpPr>
+        <a:xfrm>
+          <a:off x="0" y="0"/>
+          <a:ext cx="0" cy="0"/>
+          <a:chOff x="0" y="0"/>
+          <a:chExt cx="0" cy="0"/>
+        </a:xfrm>
+      </p:grpSpPr>
+      <p:sp>
+        <p:nvSpPr>
+          <p:cNvPr id="2" name="Title 1">
+            <a:extLst>
+              <a:ext uri="{FF2B5EF4-FFF2-40B4-BE49-F238E27FC236}">
+                <a16:creationId xmlns:a16="http://schemas.microsoft.com/office/drawing/2014/main" id="{4FA88C74-35A1-4D0B-8472-681030263DB5}"/>
+              </a:ext>
+            </a:extLst>
+          </p:cNvPr>
+          <p:cNvSpPr>
+            <a:spLocks noGrp="1"/>
+          </p:cNvSpPr>
+          <p:nvPr>
+            <p:ph type="title"/>
+          </p:nvPr>
+        </p:nvSpPr>
+        <p:spPr>
+          <a:xfrm>
+            <a:off x="240225" y="226142"/>
+            <a:ext cx="10728322" cy="914632"/>
+          </a:xfrm>
+        </p:spPr>
+        <p:txBody>
+          <a:bodyPr/>
+          <a:lstStyle/>
+          <a:p>
+            <a:r>
+              <a:rPr lang="en-US" dirty="0"/>
+              <a:t>Serialization Via Cloning</a:t>
+            </a:r>
+          </a:p>
+        </p:txBody>
+      </p:sp>
+      <p:cxnSp>
+        <p:nvCxnSpPr>
+          <p:cNvPr id="6" name="Straight Connector 5">
+            <a:extLst>
+              <a:ext uri="{FF2B5EF4-FFF2-40B4-BE49-F238E27FC236}">
+                <a16:creationId xmlns:a16="http://schemas.microsoft.com/office/drawing/2014/main" id="{E4AE917E-3D76-4A44-8B51-9B3423516374}"/>
+              </a:ext>
+            </a:extLst>
+          </p:cNvPr>
+          <p:cNvCxnSpPr/>
+          <p:nvPr/>
+        </p:nvCxnSpPr>
+        <p:spPr>
+          <a:xfrm>
+            <a:off x="4660490" y="1376240"/>
+            <a:ext cx="0" cy="4441966"/>
+          </a:xfrm>
+          <a:prstGeom prst="line">
+            <a:avLst/>
+          </a:prstGeom>
+          <a:ln w="76200"/>
+        </p:spPr>
+        <p:style>
+          <a:lnRef idx="1">
+            <a:schemeClr val="accent1"/>
+          </a:lnRef>
+          <a:fillRef idx="0">
+            <a:schemeClr val="accent1"/>
+          </a:fillRef>
+          <a:effectRef idx="0">
+            <a:schemeClr val="accent1"/>
+          </a:effectRef>
+          <a:fontRef idx="minor">
+            <a:schemeClr val="tx1"/>
+          </a:fontRef>
+        </p:style>
+      </p:cxnSp>
+      <p:pic>
+        <p:nvPicPr>
+          <p:cNvPr id="8" name="Picture 7">
+            <a:extLst>
+              <a:ext uri="{FF2B5EF4-FFF2-40B4-BE49-F238E27FC236}">
+                <a16:creationId xmlns:a16="http://schemas.microsoft.com/office/drawing/2014/main" id="{CD6C2D88-38F7-41DA-BF8B-CB9F70B5312D}"/>
+              </a:ext>
+            </a:extLst>
+          </p:cNvPr>
+          <p:cNvPicPr>
+            <a:picLocks noChangeAspect="1"/>
+          </p:cNvPicPr>
+          <p:nvPr/>
+        </p:nvPicPr>
+        <p:blipFill>
+          <a:blip r:embed="rId3"/>
+          <a:stretch>
+            <a:fillRect/>
+          </a:stretch>
+        </p:blipFill>
+        <p:spPr>
+          <a:xfrm>
+            <a:off x="6484375" y="3171925"/>
+            <a:ext cx="4076700" cy="1123950"/>
+          </a:xfrm>
+          <a:prstGeom prst="rect">
+            <a:avLst/>
+          </a:prstGeom>
+        </p:spPr>
+      </p:pic>
+      <p:pic>
+        <p:nvPicPr>
+          <p:cNvPr id="9" name="Picture 8">
+            <a:extLst>
+              <a:ext uri="{FF2B5EF4-FFF2-40B4-BE49-F238E27FC236}">
+                <a16:creationId xmlns:a16="http://schemas.microsoft.com/office/drawing/2014/main" id="{45831B97-FD5E-4470-82FD-AD60D4E7D86D}"/>
+              </a:ext>
+            </a:extLst>
+          </p:cNvPr>
+          <p:cNvPicPr>
+            <a:picLocks noChangeAspect="1"/>
+          </p:cNvPicPr>
+          <p:nvPr/>
+        </p:nvPicPr>
+        <p:blipFill>
+          <a:blip r:embed="rId4"/>
+          <a:stretch>
+            <a:fillRect/>
+          </a:stretch>
+        </p:blipFill>
+        <p:spPr>
+          <a:xfrm>
+            <a:off x="283433" y="1096265"/>
+            <a:ext cx="3991496" cy="5230761"/>
+          </a:xfrm>
+          <a:prstGeom prst="rect">
+            <a:avLst/>
+          </a:prstGeom>
+        </p:spPr>
+      </p:pic>
+      <p:sp>
+        <p:nvSpPr>
+          <p:cNvPr id="12" name="TextBox 11">
+            <a:extLst>
+              <a:ext uri="{FF2B5EF4-FFF2-40B4-BE49-F238E27FC236}">
+                <a16:creationId xmlns:a16="http://schemas.microsoft.com/office/drawing/2014/main" id="{1CA4915A-D30A-4646-8DF4-69A22F6FEF24}"/>
               </a:ext>
             </a:extLst>
           </p:cNvPr>
@@ -6826,31 +8089,67 @@
         </p:nvSpPr>
         <p:spPr>
           <a:xfrm>
-            <a:off x="720000" y="5931671"/>
-            <a:ext cx="10922573" cy="400110"/>
+            <a:off x="7108723" y="6238800"/>
+            <a:ext cx="4876799" cy="369332"/>
           </a:xfrm>
           <a:prstGeom prst="rect">
             <a:avLst/>
           </a:prstGeom>
-          <a:noFill/>
-        </p:spPr>
-        <p:txBody>
-          <a:bodyPr wrap="square">
+          <a:solidFill>
+            <a:schemeClr val="accent2"/>
+          </a:solidFill>
+        </p:spPr>
+        <p:txBody>
+          <a:bodyPr wrap="square" rtlCol="0">
             <a:spAutoFit/>
           </a:bodyPr>
           <a:lstStyle/>
           <a:p>
             <a:r>
-              <a:rPr lang="en-US" sz="2000" dirty="0"/>
-              <a:t>https://docs.unity3d.com/2019.3/Documentation/Manual/script-Serialization-BuiltInUse.html</a:t>
-            </a:r>
-          </a:p>
-        </p:txBody>
-      </p:sp>
+              <a:rPr lang="en-US" dirty="0"/>
+              <a:t>Assets/Scripts/</a:t>
+            </a:r>
+            <a:r>
+              <a:rPr lang="en-US" b="1" dirty="0"/>
+              <a:t>Example1a.CS -&gt; Example1</a:t>
+            </a:r>
+          </a:p>
+        </p:txBody>
+      </p:sp>
+      <p:pic>
+        <p:nvPicPr>
+          <p:cNvPr id="14" name="Picture 13">
+            <a:extLst>
+              <a:ext uri="{FF2B5EF4-FFF2-40B4-BE49-F238E27FC236}">
+                <a16:creationId xmlns:a16="http://schemas.microsoft.com/office/drawing/2014/main" id="{6E387EE1-5E4C-4BBA-88E5-4715C7A7A10B}"/>
+              </a:ext>
+            </a:extLst>
+          </p:cNvPr>
+          <p:cNvPicPr>
+            <a:picLocks noChangeAspect="1"/>
+          </p:cNvPicPr>
+          <p:nvPr/>
+        </p:nvPicPr>
+        <p:blipFill>
+          <a:blip r:embed="rId5"/>
+          <a:stretch>
+            <a:fillRect/>
+          </a:stretch>
+        </p:blipFill>
+        <p:spPr>
+          <a:xfrm>
+            <a:off x="4998475" y="938058"/>
+            <a:ext cx="7048500" cy="1619250"/>
+          </a:xfrm>
+          <a:prstGeom prst="rect">
+            <a:avLst/>
+          </a:prstGeom>
+        </p:spPr>
+      </p:pic>
     </p:spTree>
     <p:extLst>
       <p:ext uri="{BB962C8B-B14F-4D97-AF65-F5344CB8AC3E}">
-        <p14:creationId xmlns:p14="http://schemas.microsoft.com/office/powerpoint/2010/main" val="745614576"/>
+        <p14:creationId xmlns:p14="http://schemas.microsoft.com/office/powerpoint/2010/main" val="1835248495"/>
       </p:ext>
     </p:extLst>
   </p:cSld>

--- a/Serialization/Lecture.pptx
+++ b/Serialization/Lecture.pptx
@@ -5,7 +5,7 @@
     <p:sldMasterId id="2147483673" r:id="rId1"/>
   </p:sldMasterIdLst>
   <p:notesMasterIdLst>
-    <p:notesMasterId r:id="rId9"/>
+    <p:notesMasterId r:id="rId11"/>
   </p:notesMasterIdLst>
   <p:sldIdLst>
     <p:sldId id="256" r:id="rId2"/>
@@ -15,6 +15,8 @@
     <p:sldId id="260" r:id="rId6"/>
     <p:sldId id="261" r:id="rId7"/>
     <p:sldId id="262" r:id="rId8"/>
+    <p:sldId id="263" r:id="rId9"/>
+    <p:sldId id="264" r:id="rId10"/>
   </p:sldIdLst>
   <p:sldSz cx="12192000" cy="6858000"/>
   <p:notesSz cx="6858000" cy="9144000"/>
@@ -1584,6 +1586,210 @@
     <p:extLst>
       <p:ext uri="{BB962C8B-B14F-4D97-AF65-F5344CB8AC3E}">
         <p14:creationId xmlns:p14="http://schemas.microsoft.com/office/powerpoint/2010/main" val="496413022"/>
+      </p:ext>
+    </p:extLst>
+  </p:cSld>
+  <p:clrMapOvr>
+    <a:masterClrMapping/>
+  </p:clrMapOvr>
+</p:notes>
+</file>
+
+<file path=ppt/notesSlides/notesSlide7.xml><?xml version="1.0" encoding="utf-8"?>
+<p:notes xmlns:a="http://schemas.openxmlformats.org/drawingml/2006/main" xmlns:r="http://schemas.openxmlformats.org/officeDocument/2006/relationships" xmlns:p="http://schemas.openxmlformats.org/presentationml/2006/main">
+  <p:cSld>
+    <p:spTree>
+      <p:nvGrpSpPr>
+        <p:cNvPr id="1" name=""/>
+        <p:cNvGrpSpPr/>
+        <p:nvPr/>
+      </p:nvGrpSpPr>
+      <p:grpSpPr>
+        <a:xfrm>
+          <a:off x="0" y="0"/>
+          <a:ext cx="0" cy="0"/>
+          <a:chOff x="0" y="0"/>
+          <a:chExt cx="0" cy="0"/>
+        </a:xfrm>
+      </p:grpSpPr>
+      <p:sp>
+        <p:nvSpPr>
+          <p:cNvPr id="2" name="Slide Image Placeholder 1"/>
+          <p:cNvSpPr>
+            <a:spLocks noGrp="1" noRot="1" noChangeAspect="1"/>
+          </p:cNvSpPr>
+          <p:nvPr>
+            <p:ph type="sldImg"/>
+          </p:nvPr>
+        </p:nvSpPr>
+        <p:spPr/>
+      </p:sp>
+      <p:sp>
+        <p:nvSpPr>
+          <p:cNvPr id="3" name="Notes Placeholder 2"/>
+          <p:cNvSpPr>
+            <a:spLocks noGrp="1"/>
+          </p:cNvSpPr>
+          <p:nvPr>
+            <p:ph type="body" idx="1"/>
+          </p:nvPr>
+        </p:nvSpPr>
+        <p:spPr/>
+        <p:txBody>
+          <a:bodyPr/>
+          <a:lstStyle/>
+          <a:p>
+            <a:r>
+              <a:rPr lang="en-US" dirty="0"/>
+              <a:t>So now, we’re going to implement a visual example of serialization. We have a box that we can freely move around the screen, and every time we play the scene, the box is going to be a different color. However, we are going to implement a save function that allows us to serialize the location and the color of the box, so after we end our game play, we can restart the scene, and the box will still be the same color and in the same location as the last time we had it open.</a:t>
+            </a:r>
+          </a:p>
+        </p:txBody>
+      </p:sp>
+      <p:sp>
+        <p:nvSpPr>
+          <p:cNvPr id="4" name="Slide Number Placeholder 3"/>
+          <p:cNvSpPr>
+            <a:spLocks noGrp="1"/>
+          </p:cNvSpPr>
+          <p:nvPr>
+            <p:ph type="sldNum" sz="quarter" idx="5"/>
+          </p:nvPr>
+        </p:nvSpPr>
+        <p:spPr/>
+        <p:txBody>
+          <a:bodyPr/>
+          <a:lstStyle/>
+          <a:p>
+            <a:fld id="{926A4D28-551C-4E4A-9CE4-840CFB3B2FC0}" type="slidenum">
+              <a:rPr lang="en-US" smtClean="0"/>
+              <a:t>8</a:t>
+            </a:fld>
+            <a:endParaRPr lang="en-US"/>
+          </a:p>
+        </p:txBody>
+      </p:sp>
+    </p:spTree>
+    <p:extLst>
+      <p:ext uri="{BB962C8B-B14F-4D97-AF65-F5344CB8AC3E}">
+        <p14:creationId xmlns:p14="http://schemas.microsoft.com/office/powerpoint/2010/main" val="1016973399"/>
+      </p:ext>
+    </p:extLst>
+  </p:cSld>
+  <p:clrMapOvr>
+    <a:masterClrMapping/>
+  </p:clrMapOvr>
+</p:notes>
+</file>
+
+<file path=ppt/notesSlides/notesSlide8.xml><?xml version="1.0" encoding="utf-8"?>
+<p:notes xmlns:a="http://schemas.openxmlformats.org/drawingml/2006/main" xmlns:r="http://schemas.openxmlformats.org/officeDocument/2006/relationships" xmlns:p="http://schemas.openxmlformats.org/presentationml/2006/main">
+  <p:cSld>
+    <p:spTree>
+      <p:nvGrpSpPr>
+        <p:cNvPr id="1" name=""/>
+        <p:cNvGrpSpPr/>
+        <p:nvPr/>
+      </p:nvGrpSpPr>
+      <p:grpSpPr>
+        <a:xfrm>
+          <a:off x="0" y="0"/>
+          <a:ext cx="0" cy="0"/>
+          <a:chOff x="0" y="0"/>
+          <a:chExt cx="0" cy="0"/>
+        </a:xfrm>
+      </p:grpSpPr>
+      <p:sp>
+        <p:nvSpPr>
+          <p:cNvPr id="2" name="Slide Image Placeholder 1"/>
+          <p:cNvSpPr>
+            <a:spLocks noGrp="1" noRot="1" noChangeAspect="1"/>
+          </p:cNvSpPr>
+          <p:nvPr>
+            <p:ph type="sldImg"/>
+          </p:nvPr>
+        </p:nvSpPr>
+        <p:spPr/>
+      </p:sp>
+      <p:sp>
+        <p:nvSpPr>
+          <p:cNvPr id="3" name="Notes Placeholder 2"/>
+          <p:cNvSpPr>
+            <a:spLocks noGrp="1"/>
+          </p:cNvSpPr>
+          <p:nvPr>
+            <p:ph type="body" idx="1"/>
+          </p:nvPr>
+        </p:nvSpPr>
+        <p:spPr/>
+        <p:txBody>
+          <a:bodyPr/>
+          <a:lstStyle/>
+          <a:p>
+            <a:r>
+              <a:rPr lang="en-US" dirty="0"/>
+              <a:t>So, first things first: I want you to create a serialized class in </a:t>
+            </a:r>
+            <a:r>
+              <a:rPr lang="en-US" dirty="0" err="1"/>
+              <a:t>SavePosition.cs</a:t>
+            </a:r>
+            <a:r>
+              <a:rPr lang="en-US" dirty="0"/>
+              <a:t> that contains floats for the three different </a:t>
+            </a:r>
+            <a:r>
+              <a:rPr lang="en-US" dirty="0" err="1"/>
+              <a:t>axees</a:t>
+            </a:r>
+            <a:r>
+              <a:rPr lang="en-US" dirty="0"/>
+              <a:t>.</a:t>
+            </a:r>
+          </a:p>
+          <a:p>
+            <a:endParaRPr lang="en-US" dirty="0"/>
+          </a:p>
+          <a:p>
+            <a:r>
+              <a:rPr lang="en-US" dirty="0"/>
+              <a:t>Side note: Giving my students problems throughout the lectures is the way that I try to encourage participation and allows students to ask questions about something they might not understand. I generally give them a few minutes to figure it out, and then we go over </a:t>
+            </a:r>
+            <a:r>
+              <a:rPr lang="en-US"/>
+              <a:t>the answer. </a:t>
+            </a:r>
+            <a:endParaRPr lang="en-US" dirty="0"/>
+          </a:p>
+        </p:txBody>
+      </p:sp>
+      <p:sp>
+        <p:nvSpPr>
+          <p:cNvPr id="4" name="Slide Number Placeholder 3"/>
+          <p:cNvSpPr>
+            <a:spLocks noGrp="1"/>
+          </p:cNvSpPr>
+          <p:nvPr>
+            <p:ph type="sldNum" sz="quarter" idx="5"/>
+          </p:nvPr>
+        </p:nvSpPr>
+        <p:spPr/>
+        <p:txBody>
+          <a:bodyPr/>
+          <a:lstStyle/>
+          <a:p>
+            <a:fld id="{926A4D28-551C-4E4A-9CE4-840CFB3B2FC0}" type="slidenum">
+              <a:rPr lang="en-US" smtClean="0"/>
+              <a:t>9</a:t>
+            </a:fld>
+            <a:endParaRPr lang="en-US"/>
+          </a:p>
+        </p:txBody>
+      </p:sp>
+    </p:spTree>
+    <p:extLst>
+      <p:ext uri="{BB962C8B-B14F-4D97-AF65-F5344CB8AC3E}">
+        <p14:creationId xmlns:p14="http://schemas.microsoft.com/office/powerpoint/2010/main" val="3595875894"/>
       </p:ext>
     </p:extLst>
   </p:cSld>
@@ -8037,7 +8243,7 @@
         </p:blipFill>
         <p:spPr>
           <a:xfrm>
-            <a:off x="6484375" y="3171925"/>
+            <a:off x="6484375" y="3953590"/>
             <a:ext cx="4076700" cy="1123950"/>
           </a:xfrm>
           <a:prstGeom prst="rect">
@@ -8138,7 +8344,7 @@
         </p:blipFill>
         <p:spPr>
           <a:xfrm>
-            <a:off x="4998475" y="938058"/>
+            <a:off x="4860067" y="1625144"/>
             <a:ext cx="7048500" cy="1619250"/>
           </a:xfrm>
           <a:prstGeom prst="rect">
@@ -8150,6 +8356,272 @@
     <p:extLst>
       <p:ext uri="{BB962C8B-B14F-4D97-AF65-F5344CB8AC3E}">
         <p14:creationId xmlns:p14="http://schemas.microsoft.com/office/powerpoint/2010/main" val="1835248495"/>
+      </p:ext>
+    </p:extLst>
+  </p:cSld>
+  <p:clrMapOvr>
+    <a:masterClrMapping/>
+  </p:clrMapOvr>
+</p:sld>
+</file>
+
+<file path=ppt/slides/slide8.xml><?xml version="1.0" encoding="utf-8"?>
+<p:sld xmlns:a="http://schemas.openxmlformats.org/drawingml/2006/main" xmlns:r="http://schemas.openxmlformats.org/officeDocument/2006/relationships" xmlns:p="http://schemas.openxmlformats.org/presentationml/2006/main">
+  <p:cSld>
+    <p:spTree>
+      <p:nvGrpSpPr>
+        <p:cNvPr id="1" name=""/>
+        <p:cNvGrpSpPr/>
+        <p:nvPr/>
+      </p:nvGrpSpPr>
+      <p:grpSpPr>
+        <a:xfrm>
+          <a:off x="0" y="0"/>
+          <a:ext cx="0" cy="0"/>
+          <a:chOff x="0" y="0"/>
+          <a:chExt cx="0" cy="0"/>
+        </a:xfrm>
+      </p:grpSpPr>
+      <p:sp>
+        <p:nvSpPr>
+          <p:cNvPr id="2" name="Title 1">
+            <a:extLst>
+              <a:ext uri="{FF2B5EF4-FFF2-40B4-BE49-F238E27FC236}">
+                <a16:creationId xmlns:a16="http://schemas.microsoft.com/office/drawing/2014/main" id="{52D4FC53-793D-4912-886A-48C3C4720AE9}"/>
+              </a:ext>
+            </a:extLst>
+          </p:cNvPr>
+          <p:cNvSpPr>
+            <a:spLocks noGrp="1"/>
+          </p:cNvSpPr>
+          <p:nvPr>
+            <p:ph type="title"/>
+          </p:nvPr>
+        </p:nvSpPr>
+        <p:spPr>
+          <a:xfrm>
+            <a:off x="720000" y="619201"/>
+            <a:ext cx="10728322" cy="826142"/>
+          </a:xfrm>
+        </p:spPr>
+        <p:txBody>
+          <a:bodyPr/>
+          <a:lstStyle/>
+          <a:p>
+            <a:r>
+              <a:rPr lang="en-US" dirty="0"/>
+              <a:t>Save a Game</a:t>
+            </a:r>
+          </a:p>
+        </p:txBody>
+      </p:sp>
+      <p:pic>
+        <p:nvPicPr>
+          <p:cNvPr id="5" name="Picture 4">
+            <a:extLst>
+              <a:ext uri="{FF2B5EF4-FFF2-40B4-BE49-F238E27FC236}">
+                <a16:creationId xmlns:a16="http://schemas.microsoft.com/office/drawing/2014/main" id="{CA2B01FD-FD57-48CB-99F7-6DAE3CD3534E}"/>
+              </a:ext>
+            </a:extLst>
+          </p:cNvPr>
+          <p:cNvPicPr>
+            <a:picLocks noChangeAspect="1"/>
+          </p:cNvPicPr>
+          <p:nvPr/>
+        </p:nvPicPr>
+        <p:blipFill>
+          <a:blip r:embed="rId3"/>
+          <a:stretch>
+            <a:fillRect/>
+          </a:stretch>
+        </p:blipFill>
+        <p:spPr>
+          <a:xfrm>
+            <a:off x="473936" y="1445343"/>
+            <a:ext cx="4903404" cy="2920180"/>
+          </a:xfrm>
+          <a:prstGeom prst="rect">
+            <a:avLst/>
+          </a:prstGeom>
+        </p:spPr>
+      </p:pic>
+      <p:pic>
+        <p:nvPicPr>
+          <p:cNvPr id="7" name="Picture 6">
+            <a:extLst>
+              <a:ext uri="{FF2B5EF4-FFF2-40B4-BE49-F238E27FC236}">
+                <a16:creationId xmlns:a16="http://schemas.microsoft.com/office/drawing/2014/main" id="{E2344F4C-1574-4953-A466-B33079455E89}"/>
+              </a:ext>
+            </a:extLst>
+          </p:cNvPr>
+          <p:cNvPicPr>
+            <a:picLocks noChangeAspect="1"/>
+          </p:cNvPicPr>
+          <p:nvPr/>
+        </p:nvPicPr>
+        <p:blipFill>
+          <a:blip r:embed="rId4"/>
+          <a:stretch>
+            <a:fillRect/>
+          </a:stretch>
+        </p:blipFill>
+        <p:spPr>
+          <a:xfrm>
+            <a:off x="6790982" y="1445343"/>
+            <a:ext cx="4903404" cy="2920180"/>
+          </a:xfrm>
+          <a:prstGeom prst="rect">
+            <a:avLst/>
+          </a:prstGeom>
+        </p:spPr>
+      </p:pic>
+      <p:cxnSp>
+        <p:nvCxnSpPr>
+          <p:cNvPr id="9" name="Straight Arrow Connector 8">
+            <a:extLst>
+              <a:ext uri="{FF2B5EF4-FFF2-40B4-BE49-F238E27FC236}">
+                <a16:creationId xmlns:a16="http://schemas.microsoft.com/office/drawing/2014/main" id="{A111924E-0223-48CB-A0FA-5F4ACB250F14}"/>
+              </a:ext>
+            </a:extLst>
+          </p:cNvPr>
+          <p:cNvCxnSpPr/>
+          <p:nvPr/>
+        </p:nvCxnSpPr>
+        <p:spPr>
+          <a:xfrm>
+            <a:off x="5663381" y="2905433"/>
+            <a:ext cx="737419" cy="0"/>
+          </a:xfrm>
+          <a:prstGeom prst="straightConnector1">
+            <a:avLst/>
+          </a:prstGeom>
+          <a:ln w="76200">
+            <a:tailEnd type="triangle"/>
+          </a:ln>
+        </p:spPr>
+        <p:style>
+          <a:lnRef idx="1">
+            <a:schemeClr val="accent1"/>
+          </a:lnRef>
+          <a:fillRef idx="0">
+            <a:schemeClr val="accent1"/>
+          </a:fillRef>
+          <a:effectRef idx="0">
+            <a:schemeClr val="accent1"/>
+          </a:effectRef>
+          <a:fontRef idx="minor">
+            <a:schemeClr val="tx1"/>
+          </a:fontRef>
+        </p:style>
+      </p:cxnSp>
+    </p:spTree>
+    <p:extLst>
+      <p:ext uri="{BB962C8B-B14F-4D97-AF65-F5344CB8AC3E}">
+        <p14:creationId xmlns:p14="http://schemas.microsoft.com/office/powerpoint/2010/main" val="3499902984"/>
+      </p:ext>
+    </p:extLst>
+  </p:cSld>
+  <p:clrMapOvr>
+    <a:masterClrMapping/>
+  </p:clrMapOvr>
+</p:sld>
+</file>
+
+<file path=ppt/slides/slide9.xml><?xml version="1.0" encoding="utf-8"?>
+<p:sld xmlns:a="http://schemas.openxmlformats.org/drawingml/2006/main" xmlns:r="http://schemas.openxmlformats.org/officeDocument/2006/relationships" xmlns:p="http://schemas.openxmlformats.org/presentationml/2006/main">
+  <p:cSld>
+    <p:spTree>
+      <p:nvGrpSpPr>
+        <p:cNvPr id="1" name=""/>
+        <p:cNvGrpSpPr/>
+        <p:nvPr/>
+      </p:nvGrpSpPr>
+      <p:grpSpPr>
+        <a:xfrm>
+          <a:off x="0" y="0"/>
+          <a:ext cx="0" cy="0"/>
+          <a:chOff x="0" y="0"/>
+          <a:chExt cx="0" cy="0"/>
+        </a:xfrm>
+      </p:grpSpPr>
+      <p:sp>
+        <p:nvSpPr>
+          <p:cNvPr id="2" name="Title 1">
+            <a:extLst>
+              <a:ext uri="{FF2B5EF4-FFF2-40B4-BE49-F238E27FC236}">
+                <a16:creationId xmlns:a16="http://schemas.microsoft.com/office/drawing/2014/main" id="{F1C3E580-CA91-4337-8034-13B8F3A8F2F1}"/>
+              </a:ext>
+            </a:extLst>
+          </p:cNvPr>
+          <p:cNvSpPr>
+            <a:spLocks noGrp="1"/>
+          </p:cNvSpPr>
+          <p:nvPr>
+            <p:ph type="title"/>
+          </p:nvPr>
+        </p:nvSpPr>
+        <p:spPr>
+          <a:xfrm>
+            <a:off x="720000" y="619200"/>
+            <a:ext cx="10728322" cy="708155"/>
+          </a:xfrm>
+        </p:spPr>
+        <p:txBody>
+          <a:bodyPr/>
+          <a:lstStyle/>
+          <a:p>
+            <a:r>
+              <a:rPr lang="en-US" dirty="0"/>
+              <a:t>Problem</a:t>
+            </a:r>
+          </a:p>
+        </p:txBody>
+      </p:sp>
+      <p:sp>
+        <p:nvSpPr>
+          <p:cNvPr id="3" name="Content Placeholder 2">
+            <a:extLst>
+              <a:ext uri="{FF2B5EF4-FFF2-40B4-BE49-F238E27FC236}">
+                <a16:creationId xmlns:a16="http://schemas.microsoft.com/office/drawing/2014/main" id="{76DCAE6B-A556-4BAA-8F4F-B6DC1728FEF2}"/>
+              </a:ext>
+            </a:extLst>
+          </p:cNvPr>
+          <p:cNvSpPr>
+            <a:spLocks noGrp="1"/>
+          </p:cNvSpPr>
+          <p:nvPr>
+            <p:ph idx="1"/>
+          </p:nvPr>
+        </p:nvSpPr>
+        <p:spPr>
+          <a:xfrm>
+            <a:off x="719997" y="1681317"/>
+            <a:ext cx="10728325" cy="4441620"/>
+          </a:xfrm>
+        </p:spPr>
+        <p:txBody>
+          <a:bodyPr/>
+          <a:lstStyle/>
+          <a:p>
+            <a:r>
+              <a:rPr lang="en-US" dirty="0"/>
+              <a:t>Create a serialized class in </a:t>
+            </a:r>
+            <a:r>
+              <a:rPr lang="en-US" dirty="0" err="1"/>
+              <a:t>SavePosition.cs</a:t>
+            </a:r>
+            <a:r>
+              <a:rPr lang="en-US" dirty="0"/>
+              <a:t> that contains floats for the three different axes.</a:t>
+            </a:r>
+          </a:p>
+        </p:txBody>
+      </p:sp>
+    </p:spTree>
+    <p:extLst>
+      <p:ext uri="{BB962C8B-B14F-4D97-AF65-F5344CB8AC3E}">
+        <p14:creationId xmlns:p14="http://schemas.microsoft.com/office/powerpoint/2010/main" val="2346021911"/>
       </p:ext>
     </p:extLst>
   </p:cSld>

--- a/Serialization/Lecture.pptx
+++ b/Serialization/Lecture.pptx
@@ -5,7 +5,7 @@
     <p:sldMasterId id="2147483673" r:id="rId1"/>
   </p:sldMasterIdLst>
   <p:notesMasterIdLst>
-    <p:notesMasterId r:id="rId11"/>
+    <p:notesMasterId r:id="rId12"/>
   </p:notesMasterIdLst>
   <p:sldIdLst>
     <p:sldId id="256" r:id="rId2"/>
@@ -17,6 +17,7 @@
     <p:sldId id="262" r:id="rId8"/>
     <p:sldId id="263" r:id="rId9"/>
     <p:sldId id="264" r:id="rId10"/>
+    <p:sldId id="265" r:id="rId11"/>
   </p:sldIdLst>
   <p:sldSz cx="12192000" cy="6858000"/>
   <p:notesSz cx="6858000" cy="9144000"/>
@@ -205,7 +206,7 @@
           <a:p>
             <a:fld id="{9D34BB2E-FA80-4188-911D-CC43776BF2BD}" type="datetimeFigureOut">
               <a:rPr lang="en-US" smtClean="0"/>
-              <a:t>12/11/2020</a:t>
+              <a:t>12/13/2020</a:t>
             </a:fld>
             <a:endParaRPr lang="en-US"/>
           </a:p>
@@ -1753,13 +1754,8 @@
           <a:p>
             <a:r>
               <a:rPr lang="en-US" dirty="0"/>
-              <a:t>Side note: Giving my students problems throughout the lectures is the way that I try to encourage participation and allows students to ask questions about something they might not understand. I generally give them a few minutes to figure it out, and then we go over </a:t>
-            </a:r>
-            <a:r>
-              <a:rPr lang="en-US"/>
-              <a:t>the answer. </a:t>
-            </a:r>
-            <a:endParaRPr lang="en-US" dirty="0"/>
+              <a:t>Side note: Giving my students problems throughout the lectures is the way that I try to engage the students by encouraging participation and allowing questions about something they might not understand. I generally give them a few minutes to figure it out, and then we go over the answer. I give them a folder of example scripts with problem and solution files.</a:t>
+            </a:r>
           </a:p>
         </p:txBody>
       </p:sp>
@@ -1942,7 +1938,7 @@
           <a:p>
             <a:fld id="{2395C5C9-164C-46B3-A87E-7660D39D3106}" type="datetime2">
               <a:rPr lang="en-US" smtClean="0"/>
-              <a:t>Friday, December 11, 2020</a:t>
+              <a:t>Sunday, December 13, 2020</a:t>
             </a:fld>
             <a:endParaRPr lang="en-US" dirty="0"/>
           </a:p>
@@ -2145,7 +2141,7 @@
           <a:p>
             <a:fld id="{5B75179A-1E2B-41AB-B400-4F1B4022FAEE}" type="datetime2">
               <a:rPr lang="en-US" smtClean="0"/>
-              <a:t>Friday, December 11, 2020</a:t>
+              <a:t>Sunday, December 13, 2020</a:t>
             </a:fld>
             <a:endParaRPr lang="en-US"/>
           </a:p>
@@ -2358,7 +2354,7 @@
           <a:p>
             <a:fld id="{05681D0F-6595-4F14-8EF3-954CD87C797B}" type="datetime2">
               <a:rPr lang="en-US" smtClean="0"/>
-              <a:t>Friday, December 11, 2020</a:t>
+              <a:t>Sunday, December 13, 2020</a:t>
             </a:fld>
             <a:endParaRPr lang="en-US"/>
           </a:p>
@@ -2560,7 +2556,7 @@
           <a:p>
             <a:fld id="{4DDCFF8A-AAF8-4A12-8A91-9CA0EAF6CBB9}" type="datetime2">
               <a:rPr lang="en-US" smtClean="0"/>
-              <a:t>Friday, December 11, 2020</a:t>
+              <a:t>Sunday, December 13, 2020</a:t>
             </a:fld>
             <a:endParaRPr lang="en-US" dirty="0"/>
           </a:p>
@@ -2839,7 +2835,7 @@
           <a:p>
             <a:fld id="{ABCC25C3-021A-4B0B-8F70-0C181FE1CF45}" type="datetime2">
               <a:rPr lang="en-US" smtClean="0"/>
-              <a:t>Friday, December 11, 2020</a:t>
+              <a:t>Sunday, December 13, 2020</a:t>
             </a:fld>
             <a:endParaRPr lang="en-US"/>
           </a:p>
@@ -3099,7 +3095,7 @@
           <a:p>
             <a:fld id="{0C23D88D-8CEC-4ED9-A53B-5596187D9A16}" type="datetime2">
               <a:rPr lang="en-US" smtClean="0"/>
-              <a:t>Friday, December 11, 2020</a:t>
+              <a:t>Sunday, December 13, 2020</a:t>
             </a:fld>
             <a:endParaRPr lang="en-US"/>
           </a:p>
@@ -3515,7 +3511,7 @@
           <a:p>
             <a:fld id="{D2CCD382-DFDA-4722-A27A-59C21AD112F2}" type="datetime2">
               <a:rPr lang="en-US" smtClean="0"/>
-              <a:t>Friday, December 11, 2020</a:t>
+              <a:t>Sunday, December 13, 2020</a:t>
             </a:fld>
             <a:endParaRPr lang="en-US"/>
           </a:p>
@@ -3660,7 +3656,7 @@
           <a:p>
             <a:fld id="{22F2A30D-1C09-413F-AAB1-38F366000715}" type="datetime2">
               <a:rPr lang="en-US" smtClean="0"/>
-              <a:t>Friday, December 11, 2020</a:t>
+              <a:t>Sunday, December 13, 2020</a:t>
             </a:fld>
             <a:endParaRPr lang="en-US"/>
           </a:p>
@@ -3782,7 +3778,7 @@
           <a:p>
             <a:fld id="{6DB82B9C-D65E-4F64-95C3-B10F3B00F0D9}" type="datetime2">
               <a:rPr lang="en-US" smtClean="0"/>
-              <a:t>Friday, December 11, 2020</a:t>
+              <a:t>Sunday, December 13, 2020</a:t>
             </a:fld>
             <a:endParaRPr lang="en-US"/>
           </a:p>
@@ -4105,7 +4101,7 @@
           <a:p>
             <a:fld id="{B7F5FDCC-6AAC-4A08-B9E0-3793AB5E64C3}" type="datetime2">
               <a:rPr lang="en-US" smtClean="0"/>
-              <a:t>Friday, December 11, 2020</a:t>
+              <a:t>Sunday, December 13, 2020</a:t>
             </a:fld>
             <a:endParaRPr lang="en-US"/>
           </a:p>
@@ -4393,7 +4389,7 @@
           <a:p>
             <a:fld id="{349FE94D-439C-40F1-900E-BC07940E3988}" type="datetime2">
               <a:rPr lang="en-US" smtClean="0"/>
-              <a:t>Friday, December 11, 2020</a:t>
+              <a:t>Sunday, December 13, 2020</a:t>
             </a:fld>
             <a:endParaRPr lang="en-US"/>
           </a:p>
@@ -4681,7 +4677,7 @@
           <a:p>
             <a:fld id="{8DEA2CF1-0EB2-4673-802D-3371233E4A77}" type="datetime2">
               <a:rPr lang="en-US" smtClean="0"/>
-              <a:t>Friday, December 11, 2020</a:t>
+              <a:t>Sunday, December 13, 2020</a:t>
             </a:fld>
             <a:endParaRPr lang="en-US" dirty="0"/>
           </a:p>
@@ -5349,6 +5345,128 @@
 </p:sld>
 </file>
 
+<file path=ppt/slides/slide10.xml><?xml version="1.0" encoding="utf-8"?>
+<p:sld xmlns:a="http://schemas.openxmlformats.org/drawingml/2006/main" xmlns:r="http://schemas.openxmlformats.org/officeDocument/2006/relationships" xmlns:p="http://schemas.openxmlformats.org/presentationml/2006/main">
+  <p:cSld>
+    <p:spTree>
+      <p:nvGrpSpPr>
+        <p:cNvPr id="1" name=""/>
+        <p:cNvGrpSpPr/>
+        <p:nvPr/>
+      </p:nvGrpSpPr>
+      <p:grpSpPr>
+        <a:xfrm>
+          <a:off x="0" y="0"/>
+          <a:ext cx="0" cy="0"/>
+          <a:chOff x="0" y="0"/>
+          <a:chExt cx="0" cy="0"/>
+        </a:xfrm>
+      </p:grpSpPr>
+      <p:sp>
+        <p:nvSpPr>
+          <p:cNvPr id="2" name="Title 1">
+            <a:extLst>
+              <a:ext uri="{FF2B5EF4-FFF2-40B4-BE49-F238E27FC236}">
+                <a16:creationId xmlns:a16="http://schemas.microsoft.com/office/drawing/2014/main" id="{AA440423-9F37-4FDD-B58C-98C0783C6284}"/>
+              </a:ext>
+            </a:extLst>
+          </p:cNvPr>
+          <p:cNvSpPr>
+            <a:spLocks noGrp="1"/>
+          </p:cNvSpPr>
+          <p:nvPr>
+            <p:ph type="title"/>
+          </p:nvPr>
+        </p:nvSpPr>
+        <p:spPr/>
+        <p:txBody>
+          <a:bodyPr/>
+          <a:lstStyle/>
+          <a:p>
+            <a:endParaRPr lang="en-US"/>
+          </a:p>
+        </p:txBody>
+      </p:sp>
+      <p:sp>
+        <p:nvSpPr>
+          <p:cNvPr id="3" name="Content Placeholder 2">
+            <a:extLst>
+              <a:ext uri="{FF2B5EF4-FFF2-40B4-BE49-F238E27FC236}">
+                <a16:creationId xmlns:a16="http://schemas.microsoft.com/office/drawing/2014/main" id="{A846A474-676E-4013-8039-CC667AFB3DC3}"/>
+              </a:ext>
+            </a:extLst>
+          </p:cNvPr>
+          <p:cNvSpPr>
+            <a:spLocks noGrp="1"/>
+          </p:cNvSpPr>
+          <p:nvPr>
+            <p:ph idx="1"/>
+          </p:nvPr>
+        </p:nvSpPr>
+        <p:spPr/>
+        <p:txBody>
+          <a:bodyPr/>
+          <a:lstStyle/>
+          <a:p>
+            <a:endParaRPr lang="en-US"/>
+          </a:p>
+        </p:txBody>
+      </p:sp>
+      <p:sp>
+        <p:nvSpPr>
+          <p:cNvPr id="4" name="TextBox 3">
+            <a:extLst>
+              <a:ext uri="{FF2B5EF4-FFF2-40B4-BE49-F238E27FC236}">
+                <a16:creationId xmlns:a16="http://schemas.microsoft.com/office/drawing/2014/main" id="{0A5346AC-E826-4077-9957-A39C7F790A32}"/>
+              </a:ext>
+            </a:extLst>
+          </p:cNvPr>
+          <p:cNvSpPr txBox="1"/>
+          <p:nvPr/>
+        </p:nvSpPr>
+        <p:spPr>
+          <a:xfrm>
+            <a:off x="8436079" y="6285286"/>
+            <a:ext cx="3598606" cy="383226"/>
+          </a:xfrm>
+          <a:prstGeom prst="rect">
+            <a:avLst/>
+          </a:prstGeom>
+          <a:solidFill>
+            <a:schemeClr val="accent2"/>
+          </a:solidFill>
+        </p:spPr>
+        <p:txBody>
+          <a:bodyPr wrap="square" rtlCol="0">
+            <a:spAutoFit/>
+          </a:bodyPr>
+          <a:lstStyle/>
+          <a:p>
+            <a:r>
+              <a:rPr lang="en-US"/>
+              <a:t>Assets/Scripts/</a:t>
+            </a:r>
+            <a:r>
+              <a:rPr lang="en-US" b="1"/>
+              <a:t>SavePosition.CS</a:t>
+            </a:r>
+            <a:endParaRPr lang="en-US" b="1" dirty="0"/>
+          </a:p>
+        </p:txBody>
+      </p:sp>
+    </p:spTree>
+    <p:extLst>
+      <p:ext uri="{BB962C8B-B14F-4D97-AF65-F5344CB8AC3E}">
+        <p14:creationId xmlns:p14="http://schemas.microsoft.com/office/powerpoint/2010/main" val="3636495811"/>
+      </p:ext>
+    </p:extLst>
+  </p:cSld>
+  <p:clrMapOvr>
+    <a:masterClrMapping/>
+  </p:clrMapOvr>
+</p:sld>
+</file>
+
 <file path=ppt/slides/slide2.xml><?xml version="1.0" encoding="utf-8"?>
 <p:sld xmlns:a="http://schemas.openxmlformats.org/drawingml/2006/main" xmlns:r="http://schemas.openxmlformats.org/officeDocument/2006/relationships" xmlns:p="http://schemas.openxmlformats.org/presentationml/2006/main">
   <p:cSld>
@@ -8571,9 +8689,10 @@
           <a:lstStyle/>
           <a:p>
             <a:r>
-              <a:rPr lang="en-US" dirty="0"/>
+              <a:rPr lang="en-US"/>
               <a:t>Problem</a:t>
             </a:r>
+            <a:endParaRPr lang="en-US" dirty="0"/>
           </a:p>
         </p:txBody>
       </p:sp>
@@ -8604,20 +8723,85 @@
           <a:lstStyle/>
           <a:p>
             <a:r>
-              <a:rPr lang="en-US" dirty="0"/>
-              <a:t>Create a serialized class in </a:t>
-            </a:r>
-            <a:r>
-              <a:rPr lang="en-US" dirty="0" err="1"/>
-              <a:t>SavePosition.cs</a:t>
-            </a:r>
-            <a:r>
-              <a:rPr lang="en-US" dirty="0"/>
-              <a:t> that contains floats for the three different axes.</a:t>
-            </a:r>
-          </a:p>
-        </p:txBody>
-      </p:sp>
+              <a:rPr lang="en-US"/>
+              <a:t>Create a serialized class in SavePosition.cs that contains floats for the three different axes.</a:t>
+            </a:r>
+            <a:endParaRPr lang="en-US" dirty="0"/>
+          </a:p>
+        </p:txBody>
+      </p:sp>
+      <p:sp>
+        <p:nvSpPr>
+          <p:cNvPr id="5" name="TextBox 4">
+            <a:extLst>
+              <a:ext uri="{FF2B5EF4-FFF2-40B4-BE49-F238E27FC236}">
+                <a16:creationId xmlns:a16="http://schemas.microsoft.com/office/drawing/2014/main" id="{AA2A6244-930C-475A-AC54-5BEF61263FF9}"/>
+              </a:ext>
+            </a:extLst>
+          </p:cNvPr>
+          <p:cNvSpPr txBox="1"/>
+          <p:nvPr/>
+        </p:nvSpPr>
+        <p:spPr>
+          <a:xfrm>
+            <a:off x="8922775" y="6300148"/>
+            <a:ext cx="3141405" cy="383226"/>
+          </a:xfrm>
+          <a:prstGeom prst="rect">
+            <a:avLst/>
+          </a:prstGeom>
+          <a:solidFill>
+            <a:schemeClr val="accent2"/>
+          </a:solidFill>
+        </p:spPr>
+        <p:txBody>
+          <a:bodyPr wrap="square" rtlCol="0">
+            <a:spAutoFit/>
+          </a:bodyPr>
+          <a:lstStyle/>
+          <a:p>
+            <a:r>
+              <a:rPr lang="en-US"/>
+              <a:t>Problems/</a:t>
+            </a:r>
+            <a:r>
+              <a:rPr lang="en-US" b="1"/>
+              <a:t>SavePosition.CS</a:t>
+            </a:r>
+            <a:endParaRPr lang="en-US" b="1" dirty="0"/>
+          </a:p>
+        </p:txBody>
+      </p:sp>
+      <p:pic>
+        <p:nvPicPr>
+          <p:cNvPr id="7" name="Picture 6">
+            <a:extLst>
+              <a:ext uri="{FF2B5EF4-FFF2-40B4-BE49-F238E27FC236}">
+                <a16:creationId xmlns:a16="http://schemas.microsoft.com/office/drawing/2014/main" id="{F9406394-3216-47CD-B2BA-2AF0BAB105DD}"/>
+              </a:ext>
+            </a:extLst>
+          </p:cNvPr>
+          <p:cNvPicPr>
+            <a:picLocks noChangeAspect="1"/>
+          </p:cNvPicPr>
+          <p:nvPr/>
+        </p:nvPicPr>
+        <p:blipFill>
+          <a:blip r:embed="rId3"/>
+          <a:stretch>
+            <a:fillRect/>
+          </a:stretch>
+        </p:blipFill>
+        <p:spPr>
+          <a:xfrm>
+            <a:off x="3739633" y="2387319"/>
+            <a:ext cx="4712734" cy="3029615"/>
+          </a:xfrm>
+          <a:prstGeom prst="rect">
+            <a:avLst/>
+          </a:prstGeom>
+        </p:spPr>
+      </p:pic>
     </p:spTree>
     <p:extLst>
       <p:ext uri="{BB962C8B-B14F-4D97-AF65-F5344CB8AC3E}">

--- a/Serialization/Lecture.pptx
+++ b/Serialization/Lecture.pptx
@@ -5,7 +5,7 @@
     <p:sldMasterId id="2147483673" r:id="rId1"/>
   </p:sldMasterIdLst>
   <p:notesMasterIdLst>
-    <p:notesMasterId r:id="rId12"/>
+    <p:notesMasterId r:id="rId13"/>
   </p:notesMasterIdLst>
   <p:sldIdLst>
     <p:sldId id="256" r:id="rId2"/>
@@ -18,6 +18,7 @@
     <p:sldId id="263" r:id="rId9"/>
     <p:sldId id="264" r:id="rId10"/>
     <p:sldId id="265" r:id="rId11"/>
+    <p:sldId id="266" r:id="rId12"/>
   </p:sldIdLst>
   <p:sldSz cx="12192000" cy="6858000"/>
   <p:notesSz cx="6858000" cy="9144000"/>
@@ -1729,7 +1730,7 @@
           <a:p>
             <a:r>
               <a:rPr lang="en-US" dirty="0"/>
-              <a:t>So, first things first: I want you to create a serialized class in </a:t>
+              <a:t>So, first things first: we need to create our class to store the x, y and z locations of our player. I want you to create a serialized class in </a:t>
             </a:r>
             <a:r>
               <a:rPr lang="en-US" dirty="0" err="1"/>
@@ -1786,6 +1787,109 @@
     <p:extLst>
       <p:ext uri="{BB962C8B-B14F-4D97-AF65-F5344CB8AC3E}">
         <p14:creationId xmlns:p14="http://schemas.microsoft.com/office/powerpoint/2010/main" val="3595875894"/>
+      </p:ext>
+    </p:extLst>
+  </p:cSld>
+  <p:clrMapOvr>
+    <a:masterClrMapping/>
+  </p:clrMapOvr>
+</p:notes>
+</file>
+
+<file path=ppt/notesSlides/notesSlide9.xml><?xml version="1.0" encoding="utf-8"?>
+<p:notes xmlns:a="http://schemas.openxmlformats.org/drawingml/2006/main" xmlns:r="http://schemas.openxmlformats.org/officeDocument/2006/relationships" xmlns:p="http://schemas.openxmlformats.org/presentationml/2006/main">
+  <p:cSld>
+    <p:spTree>
+      <p:nvGrpSpPr>
+        <p:cNvPr id="1" name=""/>
+        <p:cNvGrpSpPr/>
+        <p:nvPr/>
+      </p:nvGrpSpPr>
+      <p:grpSpPr>
+        <a:xfrm>
+          <a:off x="0" y="0"/>
+          <a:ext cx="0" cy="0"/>
+          <a:chOff x="0" y="0"/>
+          <a:chExt cx="0" cy="0"/>
+        </a:xfrm>
+      </p:grpSpPr>
+      <p:sp>
+        <p:nvSpPr>
+          <p:cNvPr id="2" name="Slide Image Placeholder 1"/>
+          <p:cNvSpPr>
+            <a:spLocks noGrp="1" noRot="1" noChangeAspect="1"/>
+          </p:cNvSpPr>
+          <p:nvPr>
+            <p:ph type="sldImg"/>
+          </p:nvPr>
+        </p:nvSpPr>
+        <p:spPr/>
+      </p:sp>
+      <p:sp>
+        <p:nvSpPr>
+          <p:cNvPr id="3" name="Notes Placeholder 2"/>
+          <p:cNvSpPr>
+            <a:spLocks noGrp="1"/>
+          </p:cNvSpPr>
+          <p:nvPr>
+            <p:ph type="body" idx="1"/>
+          </p:nvPr>
+        </p:nvSpPr>
+        <p:spPr/>
+        <p:txBody>
+          <a:bodyPr/>
+          <a:lstStyle/>
+          <a:p>
+            <a:r>
+              <a:rPr lang="en-US" dirty="0"/>
+              <a:t>So here is what our answer is going to look like. The floats themselves are public and primitive-- they are automatically serialized per our serialization rules, so this is all you needed to add. However, I want to point out the [</a:t>
+            </a:r>
+            <a:r>
+              <a:rPr lang="en-US" dirty="0" err="1"/>
+              <a:t>system.serializable</a:t>
+            </a:r>
+            <a:r>
+              <a:rPr lang="en-US" dirty="0"/>
+              <a:t>] attribute on line 5. We are going to be using this </a:t>
+            </a:r>
+            <a:r>
+              <a:rPr lang="en-US" dirty="0" err="1"/>
+              <a:t>SavePosition</a:t>
+            </a:r>
+            <a:r>
+              <a:rPr lang="en-US" dirty="0"/>
+              <a:t> class in our game save script because we want these floats to jump across our scripts. Therefore, we are going to make our entire class serializable using this attribute.</a:t>
+            </a:r>
+          </a:p>
+        </p:txBody>
+      </p:sp>
+      <p:sp>
+        <p:nvSpPr>
+          <p:cNvPr id="4" name="Slide Number Placeholder 3"/>
+          <p:cNvSpPr>
+            <a:spLocks noGrp="1"/>
+          </p:cNvSpPr>
+          <p:nvPr>
+            <p:ph type="sldNum" sz="quarter" idx="5"/>
+          </p:nvPr>
+        </p:nvSpPr>
+        <p:spPr/>
+        <p:txBody>
+          <a:bodyPr/>
+          <a:lstStyle/>
+          <a:p>
+            <a:fld id="{926A4D28-551C-4E4A-9CE4-840CFB3B2FC0}" type="slidenum">
+              <a:rPr lang="en-US" smtClean="0"/>
+              <a:t>10</a:t>
+            </a:fld>
+            <a:endParaRPr lang="en-US"/>
+          </a:p>
+        </p:txBody>
+      </p:sp>
+    </p:spTree>
+    <p:extLst>
+      <p:ext uri="{BB962C8B-B14F-4D97-AF65-F5344CB8AC3E}">
+        <p14:creationId xmlns:p14="http://schemas.microsoft.com/office/powerpoint/2010/main" val="2180905226"/>
       </p:ext>
     </p:extLst>
   </p:cSld>
@@ -5383,32 +5487,10 @@
           <a:bodyPr/>
           <a:lstStyle/>
           <a:p>
-            <a:endParaRPr lang="en-US"/>
-          </a:p>
-        </p:txBody>
-      </p:sp>
-      <p:sp>
-        <p:nvSpPr>
-          <p:cNvPr id="3" name="Content Placeholder 2">
-            <a:extLst>
-              <a:ext uri="{FF2B5EF4-FFF2-40B4-BE49-F238E27FC236}">
-                <a16:creationId xmlns:a16="http://schemas.microsoft.com/office/drawing/2014/main" id="{A846A474-676E-4013-8039-CC667AFB3DC3}"/>
-              </a:ext>
-            </a:extLst>
-          </p:cNvPr>
-          <p:cNvSpPr>
-            <a:spLocks noGrp="1"/>
-          </p:cNvSpPr>
-          <p:nvPr>
-            <p:ph idx="1"/>
-          </p:nvPr>
-        </p:nvSpPr>
-        <p:spPr/>
-        <p:txBody>
-          <a:bodyPr/>
-          <a:lstStyle/>
-          <a:p>
-            <a:endParaRPr lang="en-US"/>
+            <a:r>
+              <a:rPr lang="en-US" dirty="0"/>
+              <a:t>Solution</a:t>
+            </a:r>
           </a:p>
         </p:txBody>
       </p:sp>
@@ -5454,10 +5536,129 @@
           </a:p>
         </p:txBody>
       </p:sp>
+      <p:pic>
+        <p:nvPicPr>
+          <p:cNvPr id="5" name="Picture 4">
+            <a:extLst>
+              <a:ext uri="{FF2B5EF4-FFF2-40B4-BE49-F238E27FC236}">
+                <a16:creationId xmlns:a16="http://schemas.microsoft.com/office/drawing/2014/main" id="{4977476E-DADB-4EDA-A66D-A50A964DCBE5}"/>
+              </a:ext>
+            </a:extLst>
+          </p:cNvPr>
+          <p:cNvPicPr>
+            <a:picLocks noChangeAspect="1"/>
+          </p:cNvPicPr>
+          <p:nvPr/>
+        </p:nvPicPr>
+        <p:blipFill>
+          <a:blip r:embed="rId3"/>
+          <a:stretch>
+            <a:fillRect/>
+          </a:stretch>
+        </p:blipFill>
+        <p:spPr>
+          <a:xfrm>
+            <a:off x="2981171" y="1413522"/>
+            <a:ext cx="6229657" cy="4030955"/>
+          </a:xfrm>
+          <a:prstGeom prst="rect">
+            <a:avLst/>
+          </a:prstGeom>
+        </p:spPr>
+      </p:pic>
     </p:spTree>
     <p:extLst>
       <p:ext uri="{BB962C8B-B14F-4D97-AF65-F5344CB8AC3E}">
         <p14:creationId xmlns:p14="http://schemas.microsoft.com/office/powerpoint/2010/main" val="3636495811"/>
+      </p:ext>
+    </p:extLst>
+  </p:cSld>
+  <p:clrMapOvr>
+    <a:masterClrMapping/>
+  </p:clrMapOvr>
+</p:sld>
+</file>
+
+<file path=ppt/slides/slide11.xml><?xml version="1.0" encoding="utf-8"?>
+<p:sld xmlns:a="http://schemas.openxmlformats.org/drawingml/2006/main" xmlns:r="http://schemas.openxmlformats.org/officeDocument/2006/relationships" xmlns:p="http://schemas.openxmlformats.org/presentationml/2006/main">
+  <p:cSld>
+    <p:spTree>
+      <p:nvGrpSpPr>
+        <p:cNvPr id="1" name=""/>
+        <p:cNvGrpSpPr/>
+        <p:nvPr/>
+      </p:nvGrpSpPr>
+      <p:grpSpPr>
+        <a:xfrm>
+          <a:off x="0" y="0"/>
+          <a:ext cx="0" cy="0"/>
+          <a:chOff x="0" y="0"/>
+          <a:chExt cx="0" cy="0"/>
+        </a:xfrm>
+      </p:grpSpPr>
+      <p:sp>
+        <p:nvSpPr>
+          <p:cNvPr id="2" name="Title 1">
+            <a:extLst>
+              <a:ext uri="{FF2B5EF4-FFF2-40B4-BE49-F238E27FC236}">
+                <a16:creationId xmlns:a16="http://schemas.microsoft.com/office/drawing/2014/main" id="{C595D2B5-A15F-4226-A05E-D7B225FD361C}"/>
+              </a:ext>
+            </a:extLst>
+          </p:cNvPr>
+          <p:cNvSpPr>
+            <a:spLocks noGrp="1"/>
+          </p:cNvSpPr>
+          <p:nvPr>
+            <p:ph type="title"/>
+          </p:nvPr>
+        </p:nvSpPr>
+        <p:spPr>
+          <a:xfrm>
+            <a:off x="720000" y="619200"/>
+            <a:ext cx="10728322" cy="1003123"/>
+          </a:xfrm>
+        </p:spPr>
+        <p:txBody>
+          <a:bodyPr/>
+          <a:lstStyle/>
+          <a:p>
+            <a:r>
+              <a:rPr lang="en-US" dirty="0" err="1"/>
+              <a:t>PlayerController.CS</a:t>
+            </a:r>
+            <a:endParaRPr lang="en-US" dirty="0"/>
+          </a:p>
+        </p:txBody>
+      </p:sp>
+      <p:sp>
+        <p:nvSpPr>
+          <p:cNvPr id="3" name="Content Placeholder 2">
+            <a:extLst>
+              <a:ext uri="{FF2B5EF4-FFF2-40B4-BE49-F238E27FC236}">
+                <a16:creationId xmlns:a16="http://schemas.microsoft.com/office/drawing/2014/main" id="{C0E22791-A3A1-4A11-AC36-3945E1BD4B82}"/>
+              </a:ext>
+            </a:extLst>
+          </p:cNvPr>
+          <p:cNvSpPr>
+            <a:spLocks noGrp="1"/>
+          </p:cNvSpPr>
+          <p:nvPr>
+            <p:ph idx="1"/>
+          </p:nvPr>
+        </p:nvSpPr>
+        <p:spPr/>
+        <p:txBody>
+          <a:bodyPr/>
+          <a:lstStyle/>
+          <a:p>
+            <a:endParaRPr lang="en-US"/>
+          </a:p>
+        </p:txBody>
+      </p:sp>
+    </p:spTree>
+    <p:extLst>
+      <p:ext uri="{BB962C8B-B14F-4D97-AF65-F5344CB8AC3E}">
+        <p14:creationId xmlns:p14="http://schemas.microsoft.com/office/powerpoint/2010/main" val="3980975474"/>
       </p:ext>
     </p:extLst>
   </p:cSld>
@@ -8689,8 +8890,12 @@
           <a:lstStyle/>
           <a:p>
             <a:r>
+              <a:rPr lang="en-US" dirty="0" err="1"/>
+              <a:t>SavePosition.CS</a:t>
+            </a:r>
+            <a:r>
               <a:rPr lang="en-US"/>
-              <a:t>Problem</a:t>
+              <a:t> || Problem</a:t>
             </a:r>
             <a:endParaRPr lang="en-US" dirty="0"/>
           </a:p>
@@ -8774,10 +8979,10 @@
       </p:sp>
       <p:pic>
         <p:nvPicPr>
-          <p:cNvPr id="7" name="Picture 6">
+          <p:cNvPr id="6" name="Picture 5">
             <a:extLst>
               <a:ext uri="{FF2B5EF4-FFF2-40B4-BE49-F238E27FC236}">
-                <a16:creationId xmlns:a16="http://schemas.microsoft.com/office/drawing/2014/main" id="{F9406394-3216-47CD-B2BA-2AF0BAB105DD}"/>
+                <a16:creationId xmlns:a16="http://schemas.microsoft.com/office/drawing/2014/main" id="{D17FA3B1-8E6D-41D9-AAB8-B54F0CDFE71D}"/>
               </a:ext>
             </a:extLst>
           </p:cNvPr>
@@ -8794,8 +8999,8 @@
         </p:blipFill>
         <p:spPr>
           <a:xfrm>
-            <a:off x="3739633" y="2387319"/>
-            <a:ext cx="4712734" cy="3029615"/>
+            <a:off x="3476365" y="2340871"/>
+            <a:ext cx="5239269" cy="3122511"/>
           </a:xfrm>
           <a:prstGeom prst="rect">
             <a:avLst/>

--- a/Serialization/Lecture.pptx
+++ b/Serialization/Lecture.pptx
@@ -549,6 +549,202 @@
     <p:extLst>
       <p:ext uri="{BB962C8B-B14F-4D97-AF65-F5344CB8AC3E}">
         <p14:creationId xmlns:p14="http://schemas.microsoft.com/office/powerpoint/2010/main" val="1753178092"/>
+      </p:ext>
+    </p:extLst>
+  </p:cSld>
+  <p:clrMapOvr>
+    <a:masterClrMapping/>
+  </p:clrMapOvr>
+</p:notes>
+</file>
+
+<file path=ppt/notesSlides/notesSlide10.xml><?xml version="1.0" encoding="utf-8"?>
+<p:notes xmlns:a="http://schemas.openxmlformats.org/drawingml/2006/main" xmlns:r="http://schemas.openxmlformats.org/officeDocument/2006/relationships" xmlns:p="http://schemas.openxmlformats.org/presentationml/2006/main">
+  <p:cSld>
+    <p:spTree>
+      <p:nvGrpSpPr>
+        <p:cNvPr id="1" name=""/>
+        <p:cNvGrpSpPr/>
+        <p:nvPr/>
+      </p:nvGrpSpPr>
+      <p:grpSpPr>
+        <a:xfrm>
+          <a:off x="0" y="0"/>
+          <a:ext cx="0" cy="0"/>
+          <a:chOff x="0" y="0"/>
+          <a:chExt cx="0" cy="0"/>
+        </a:xfrm>
+      </p:grpSpPr>
+      <p:sp>
+        <p:nvSpPr>
+          <p:cNvPr id="2" name="Slide Image Placeholder 1"/>
+          <p:cNvSpPr>
+            <a:spLocks noGrp="1" noRot="1" noChangeAspect="1"/>
+          </p:cNvSpPr>
+          <p:nvPr>
+            <p:ph type="sldImg"/>
+          </p:nvPr>
+        </p:nvSpPr>
+        <p:spPr/>
+      </p:sp>
+      <p:sp>
+        <p:nvSpPr>
+          <p:cNvPr id="3" name="Notes Placeholder 2"/>
+          <p:cNvSpPr>
+            <a:spLocks noGrp="1"/>
+          </p:cNvSpPr>
+          <p:nvPr>
+            <p:ph type="body" idx="1"/>
+          </p:nvPr>
+        </p:nvSpPr>
+        <p:spPr/>
+        <p:txBody>
+          <a:bodyPr/>
+          <a:lstStyle/>
+          <a:p>
+            <a:r>
+              <a:rPr lang="en-US" dirty="0"/>
+              <a:t>We also have our </a:t>
+            </a:r>
+            <a:r>
+              <a:rPr lang="en-US" dirty="0" err="1"/>
+              <a:t>PlayerController</a:t>
+            </a:r>
+            <a:r>
+              <a:rPr lang="en-US" dirty="0"/>
+              <a:t> script. We want our player to freely be able to move about in order to test our serialization, so we are going to allow the use of arrow keys to place the player wherever we want it, over and over again.</a:t>
+            </a:r>
+          </a:p>
+          <a:p>
+            <a:endParaRPr lang="en-US" dirty="0"/>
+          </a:p>
+          <a:p>
+            <a:r>
+              <a:rPr lang="en-US" dirty="0"/>
+              <a:t>We are utilizing our </a:t>
+            </a:r>
+            <a:r>
+              <a:rPr lang="en-US" dirty="0" err="1"/>
+              <a:t>monobehavior</a:t>
+            </a:r>
+            <a:r>
+              <a:rPr lang="en-US" dirty="0"/>
+              <a:t> here by putting everything inside the Update() method, which will get refreshed every frame.</a:t>
+            </a:r>
+          </a:p>
+          <a:p>
+            <a:endParaRPr lang="en-US" dirty="0"/>
+          </a:p>
+          <a:p>
+            <a:r>
+              <a:rPr lang="en-US" dirty="0"/>
+              <a:t>On line 7 we are declaring our speed as a public float, which is automatically serialized and viewable from within the inspector. </a:t>
+            </a:r>
+          </a:p>
+          <a:p>
+            <a:endParaRPr lang="en-US" dirty="0"/>
+          </a:p>
+          <a:p>
+            <a:r>
+              <a:rPr lang="en-US" dirty="0"/>
+              <a:t>We have our four </a:t>
+            </a:r>
+            <a:r>
+              <a:rPr lang="en-US" dirty="0" err="1"/>
+              <a:t>Input.GetKeys</a:t>
+            </a:r>
+            <a:r>
+              <a:rPr lang="en-US" dirty="0"/>
+              <a:t> declared for the arrow keys, and I’m going to declare a Vector2 called position for each of these. I’m going to go ahead and use a vector2 here rather than a vector3 because I’m going to keep our player off the Z axis with our key inputs for this example.</a:t>
+            </a:r>
+          </a:p>
+          <a:p>
+            <a:endParaRPr lang="en-US" dirty="0"/>
+          </a:p>
+          <a:p>
+            <a:r>
+              <a:rPr lang="en-US" dirty="0"/>
+              <a:t>For the left and right arrow inputs declared on lines 11 and 17, I want to use </a:t>
+            </a:r>
+            <a:r>
+              <a:rPr lang="en-US" dirty="0" err="1"/>
+              <a:t>position.x</a:t>
+            </a:r>
+            <a:r>
+              <a:rPr lang="en-US" dirty="0"/>
+              <a:t> because we want our box to move along the x axis– left and right. </a:t>
+            </a:r>
+            <a:r>
+              <a:rPr lang="en-US" dirty="0" err="1"/>
+              <a:t>Position.x</a:t>
+            </a:r>
+            <a:r>
+              <a:rPr lang="en-US" dirty="0"/>
+              <a:t> will be += to speed when we want it to move in the right, and it will be -= to speed when we want it to move to the left. We’ll then set the value for position equal to </a:t>
+            </a:r>
+            <a:r>
+              <a:rPr lang="en-US" dirty="0" err="1"/>
+              <a:t>transform.position</a:t>
+            </a:r>
+            <a:r>
+              <a:rPr lang="en-US" dirty="0"/>
+              <a:t>, so the player will visibly respond.</a:t>
+            </a:r>
+          </a:p>
+          <a:p>
+            <a:endParaRPr lang="en-US" dirty="0"/>
+          </a:p>
+          <a:p>
+            <a:r>
+              <a:rPr lang="en-US" dirty="0"/>
+              <a:t>Everything is the same for our up and down arrows, however, instead of using </a:t>
+            </a:r>
+            <a:r>
+              <a:rPr lang="en-US" dirty="0" err="1"/>
+              <a:t>position.x</a:t>
+            </a:r>
+            <a:r>
+              <a:rPr lang="en-US" dirty="0"/>
+              <a:t>, we will use </a:t>
+            </a:r>
+            <a:r>
+              <a:rPr lang="en-US" dirty="0" err="1"/>
+              <a:t>position.y</a:t>
+            </a:r>
+            <a:r>
+              <a:rPr lang="en-US" dirty="0"/>
+              <a:t>, so we can move our object along the y axis instead.</a:t>
+            </a:r>
+          </a:p>
+        </p:txBody>
+      </p:sp>
+      <p:sp>
+        <p:nvSpPr>
+          <p:cNvPr id="4" name="Slide Number Placeholder 3"/>
+          <p:cNvSpPr>
+            <a:spLocks noGrp="1"/>
+          </p:cNvSpPr>
+          <p:nvPr>
+            <p:ph type="sldNum" sz="quarter" idx="5"/>
+          </p:nvPr>
+        </p:nvSpPr>
+        <p:spPr/>
+        <p:txBody>
+          <a:bodyPr/>
+          <a:lstStyle/>
+          <a:p>
+            <a:fld id="{926A4D28-551C-4E4A-9CE4-840CFB3B2FC0}" type="slidenum">
+              <a:rPr lang="en-US" smtClean="0"/>
+              <a:t>11</a:t>
+            </a:fld>
+            <a:endParaRPr lang="en-US"/>
+          </a:p>
+        </p:txBody>
+      </p:sp>
+    </p:spTree>
+    <p:extLst>
+      <p:ext uri="{BB962C8B-B14F-4D97-AF65-F5344CB8AC3E}">
+        <p14:creationId xmlns:p14="http://schemas.microsoft.com/office/powerpoint/2010/main" val="568128246"/>
       </p:ext>
     </p:extLst>
   </p:cSld>
@@ -5630,31 +5826,156 @@
           </a:p>
         </p:txBody>
       </p:sp>
-      <p:sp>
-        <p:nvSpPr>
-          <p:cNvPr id="3" name="Content Placeholder 2">
+      <p:pic>
+        <p:nvPicPr>
+          <p:cNvPr id="7" name="Picture 6">
             <a:extLst>
               <a:ext uri="{FF2B5EF4-FFF2-40B4-BE49-F238E27FC236}">
-                <a16:creationId xmlns:a16="http://schemas.microsoft.com/office/drawing/2014/main" id="{C0E22791-A3A1-4A11-AC36-3945E1BD4B82}"/>
+                <a16:creationId xmlns:a16="http://schemas.microsoft.com/office/drawing/2014/main" id="{D08E7428-2848-42D8-B462-474DE4FB9486}"/>
               </a:ext>
             </a:extLst>
           </p:cNvPr>
-          <p:cNvSpPr>
-            <a:spLocks noGrp="1"/>
-          </p:cNvSpPr>
-          <p:nvPr>
-            <p:ph idx="1"/>
-          </p:nvPr>
-        </p:nvSpPr>
-        <p:spPr/>
-        <p:txBody>
-          <a:bodyPr/>
-          <a:lstStyle/>
-          <a:p>
-            <a:endParaRPr lang="en-US"/>
-          </a:p>
-        </p:txBody>
-      </p:sp>
+          <p:cNvPicPr>
+            <a:picLocks noChangeAspect="1"/>
+          </p:cNvPicPr>
+          <p:nvPr/>
+        </p:nvPicPr>
+        <p:blipFill>
+          <a:blip r:embed="rId3"/>
+          <a:stretch>
+            <a:fillRect/>
+          </a:stretch>
+        </p:blipFill>
+        <p:spPr>
+          <a:xfrm>
+            <a:off x="991830" y="1431515"/>
+            <a:ext cx="4572000" cy="4514850"/>
+          </a:xfrm>
+          <a:prstGeom prst="rect">
+            <a:avLst/>
+          </a:prstGeom>
+        </p:spPr>
+      </p:pic>
+      <p:pic>
+        <p:nvPicPr>
+          <p:cNvPr id="9" name="Picture 8">
+            <a:extLst>
+              <a:ext uri="{FF2B5EF4-FFF2-40B4-BE49-F238E27FC236}">
+                <a16:creationId xmlns:a16="http://schemas.microsoft.com/office/drawing/2014/main" id="{9F4D3DF1-5B58-4275-A302-3D61CE2E351D}"/>
+              </a:ext>
+            </a:extLst>
+          </p:cNvPr>
+          <p:cNvPicPr>
+            <a:picLocks noChangeAspect="1"/>
+          </p:cNvPicPr>
+          <p:nvPr/>
+        </p:nvPicPr>
+        <p:blipFill>
+          <a:blip r:embed="rId4"/>
+          <a:stretch>
+            <a:fillRect/>
+          </a:stretch>
+        </p:blipFill>
+        <p:spPr>
+          <a:xfrm>
+            <a:off x="7414852" y="1622323"/>
+            <a:ext cx="4305300" cy="2390775"/>
+          </a:xfrm>
+          <a:prstGeom prst="rect">
+            <a:avLst/>
+          </a:prstGeom>
+        </p:spPr>
+      </p:pic>
+      <p:sp>
+        <p:nvSpPr>
+          <p:cNvPr id="10" name="TextBox 9">
+            <a:extLst>
+              <a:ext uri="{FF2B5EF4-FFF2-40B4-BE49-F238E27FC236}">
+                <a16:creationId xmlns:a16="http://schemas.microsoft.com/office/drawing/2014/main" id="{A7AE3ACB-85D0-4812-979E-3B707CF95321}"/>
+              </a:ext>
+            </a:extLst>
+          </p:cNvPr>
+          <p:cNvSpPr txBox="1"/>
+          <p:nvPr/>
+        </p:nvSpPr>
+        <p:spPr>
+          <a:xfrm>
+            <a:off x="8037871" y="6238800"/>
+            <a:ext cx="3967317" cy="369332"/>
+          </a:xfrm>
+          <a:prstGeom prst="rect">
+            <a:avLst/>
+          </a:prstGeom>
+          <a:solidFill>
+            <a:schemeClr val="accent2"/>
+          </a:solidFill>
+        </p:spPr>
+        <p:txBody>
+          <a:bodyPr wrap="square" rtlCol="0">
+            <a:spAutoFit/>
+          </a:bodyPr>
+          <a:lstStyle/>
+          <a:p>
+            <a:r>
+              <a:rPr lang="en-US" dirty="0"/>
+              <a:t>Assets/Scripts/</a:t>
+            </a:r>
+            <a:r>
+              <a:rPr lang="en-US" b="1" dirty="0" err="1"/>
+              <a:t>PlayerController.CS</a:t>
+            </a:r>
+            <a:endParaRPr lang="en-US" b="1" dirty="0"/>
+          </a:p>
+        </p:txBody>
+      </p:sp>
+      <p:cxnSp>
+        <p:nvCxnSpPr>
+          <p:cNvPr id="15" name="Connector: Elbow 14">
+            <a:extLst>
+              <a:ext uri="{FF2B5EF4-FFF2-40B4-BE49-F238E27FC236}">
+                <a16:creationId xmlns:a16="http://schemas.microsoft.com/office/drawing/2014/main" id="{5DCF87BD-A2DE-48CB-9658-3256C6168010}"/>
+              </a:ext>
+            </a:extLst>
+          </p:cNvPr>
+          <p:cNvCxnSpPr>
+            <a:cxnSpLocks/>
+            <a:stCxn id="7" idx="2"/>
+            <a:endCxn id="9" idx="0"/>
+          </p:cNvCxnSpPr>
+          <p:nvPr/>
+        </p:nvCxnSpPr>
+        <p:spPr>
+          <a:xfrm rot="5400000" flipH="1" flipV="1">
+            <a:off x="4260645" y="639508"/>
+            <a:ext cx="4324042" cy="6289672"/>
+          </a:xfrm>
+          <a:prstGeom prst="bentConnector5">
+            <a:avLst>
+              <a:gd name="adj1" fmla="val -12791"/>
+              <a:gd name="adj2" fmla="val 51060"/>
+              <a:gd name="adj3" fmla="val 112109"/>
+            </a:avLst>
+          </a:prstGeom>
+          <a:ln w="76200">
+            <a:headEnd type="triangle"/>
+            <a:tailEnd type="triangle"/>
+          </a:ln>
+        </p:spPr>
+        <p:style>
+          <a:lnRef idx="1">
+            <a:schemeClr val="accent1"/>
+          </a:lnRef>
+          <a:fillRef idx="0">
+            <a:schemeClr val="accent1"/>
+          </a:fillRef>
+          <a:effectRef idx="0">
+            <a:schemeClr val="accent1"/>
+          </a:effectRef>
+          <a:fontRef idx="minor">
+            <a:schemeClr val="tx1"/>
+          </a:fontRef>
+        </p:style>
+      </p:cxnSp>
     </p:spTree>
     <p:extLst>
       <p:ext uri="{BB962C8B-B14F-4D97-AF65-F5344CB8AC3E}">
@@ -8894,10 +9215,9 @@
               <a:t>SavePosition.CS</a:t>
             </a:r>
             <a:r>
-              <a:rPr lang="en-US"/>
+              <a:rPr lang="en-US" dirty="0"/>
               <a:t> || Problem</a:t>
             </a:r>
-            <a:endParaRPr lang="en-US" dirty="0"/>
           </a:p>
         </p:txBody>
       </p:sp>

--- a/Serialization/Lecture.pptx
+++ b/Serialization/Lecture.pptx
@@ -5,7 +5,7 @@
     <p:sldMasterId id="2147483673" r:id="rId1"/>
   </p:sldMasterIdLst>
   <p:notesMasterIdLst>
-    <p:notesMasterId r:id="rId13"/>
+    <p:notesMasterId r:id="rId16"/>
   </p:notesMasterIdLst>
   <p:sldIdLst>
     <p:sldId id="256" r:id="rId2"/>
@@ -19,6 +19,9 @@
     <p:sldId id="264" r:id="rId10"/>
     <p:sldId id="265" r:id="rId11"/>
     <p:sldId id="266" r:id="rId12"/>
+    <p:sldId id="267" r:id="rId13"/>
+    <p:sldId id="268" r:id="rId14"/>
+    <p:sldId id="269" r:id="rId15"/>
   </p:sldIdLst>
   <p:sldSz cx="12192000" cy="6858000"/>
   <p:notesSz cx="6858000" cy="9144000"/>
@@ -716,6 +719,15 @@
               <a:t>, so we can move our object along the y axis instead.</a:t>
             </a:r>
           </a:p>
+          <a:p>
+            <a:endParaRPr lang="en-US" dirty="0"/>
+          </a:p>
+          <a:p>
+            <a:r>
+              <a:rPr lang="en-US" dirty="0"/>
+              <a:t>This script will need to be added to our player object, which in this case, is the cube.</a:t>
+            </a:r>
+          </a:p>
         </p:txBody>
       </p:sp>
       <p:sp>
@@ -745,6 +757,412 @@
     <p:extLst>
       <p:ext uri="{BB962C8B-B14F-4D97-AF65-F5344CB8AC3E}">
         <p14:creationId xmlns:p14="http://schemas.microsoft.com/office/powerpoint/2010/main" val="568128246"/>
+      </p:ext>
+    </p:extLst>
+  </p:cSld>
+  <p:clrMapOvr>
+    <a:masterClrMapping/>
+  </p:clrMapOvr>
+</p:notes>
+</file>
+
+<file path=ppt/notesSlides/notesSlide11.xml><?xml version="1.0" encoding="utf-8"?>
+<p:notes xmlns:a="http://schemas.openxmlformats.org/drawingml/2006/main" xmlns:r="http://schemas.openxmlformats.org/officeDocument/2006/relationships" xmlns:p="http://schemas.openxmlformats.org/presentationml/2006/main">
+  <p:cSld>
+    <p:spTree>
+      <p:nvGrpSpPr>
+        <p:cNvPr id="1" name=""/>
+        <p:cNvGrpSpPr/>
+        <p:nvPr/>
+      </p:nvGrpSpPr>
+      <p:grpSpPr>
+        <a:xfrm>
+          <a:off x="0" y="0"/>
+          <a:ext cx="0" cy="0"/>
+          <a:chOff x="0" y="0"/>
+          <a:chExt cx="0" cy="0"/>
+        </a:xfrm>
+      </p:grpSpPr>
+      <p:sp>
+        <p:nvSpPr>
+          <p:cNvPr id="2" name="Slide Image Placeholder 1"/>
+          <p:cNvSpPr>
+            <a:spLocks noGrp="1" noRot="1" noChangeAspect="1"/>
+          </p:cNvSpPr>
+          <p:nvPr>
+            <p:ph type="sldImg"/>
+          </p:nvPr>
+        </p:nvSpPr>
+        <p:spPr/>
+      </p:sp>
+      <p:sp>
+        <p:nvSpPr>
+          <p:cNvPr id="3" name="Notes Placeholder 2"/>
+          <p:cNvSpPr>
+            <a:spLocks noGrp="1"/>
+          </p:cNvSpPr>
+          <p:nvPr>
+            <p:ph type="body" idx="1"/>
+          </p:nvPr>
+        </p:nvSpPr>
+        <p:spPr/>
+        <p:txBody>
+          <a:bodyPr/>
+          <a:lstStyle/>
+          <a:p>
+            <a:r>
+              <a:rPr lang="en-US" dirty="0"/>
+              <a:t>Next, we want to generate a randomized color of our object. For this one, we want the entire class to be serialized as well, so we’ll use the </a:t>
+            </a:r>
+            <a:r>
+              <a:rPr lang="en-US" dirty="0" err="1"/>
+              <a:t>System.Serializable</a:t>
+            </a:r>
+            <a:r>
+              <a:rPr lang="en-US" dirty="0"/>
+              <a:t> attribute. We will be using the Start method, so we need to inherit from </a:t>
+            </a:r>
+            <a:r>
+              <a:rPr lang="en-US" dirty="0" err="1"/>
+              <a:t>monobehavior</a:t>
+            </a:r>
+            <a:r>
+              <a:rPr lang="en-US" dirty="0"/>
+              <a:t>. We declare a public color called </a:t>
+            </a:r>
+            <a:r>
+              <a:rPr lang="en-US" dirty="0" err="1"/>
+              <a:t>ColorBank</a:t>
+            </a:r>
+            <a:r>
+              <a:rPr lang="en-US" dirty="0"/>
+              <a:t>, which is public and is a type that is serializable, so it will show up in our inspector. </a:t>
+            </a:r>
+          </a:p>
+          <a:p>
+            <a:endParaRPr lang="en-US" dirty="0"/>
+          </a:p>
+          <a:p>
+            <a:r>
+              <a:rPr lang="en-US" dirty="0"/>
+              <a:t>Inside the start method, which will be called once at the beginning of game play, we declare an integer called Num on line 14. This will assign a random number from the range of zero to however many colors we have defined in our color bank. On line 15 we pull in the information from our Mesh </a:t>
+            </a:r>
+            <a:r>
+              <a:rPr lang="en-US" dirty="0" err="1"/>
+              <a:t>Rendererer</a:t>
+            </a:r>
+            <a:r>
+              <a:rPr lang="en-US" dirty="0"/>
+              <a:t> for whatever object this script is assigned to, and then on line 16 we are changing the material color based on the assigned color associated with the randomly generated number.</a:t>
+            </a:r>
+          </a:p>
+          <a:p>
+            <a:endParaRPr lang="en-US" dirty="0"/>
+          </a:p>
+          <a:p>
+            <a:r>
+              <a:rPr lang="en-US" dirty="0"/>
+              <a:t>This script will also need to be applied to our player object, which again, is our cube.</a:t>
+            </a:r>
+          </a:p>
+        </p:txBody>
+      </p:sp>
+      <p:sp>
+        <p:nvSpPr>
+          <p:cNvPr id="4" name="Slide Number Placeholder 3"/>
+          <p:cNvSpPr>
+            <a:spLocks noGrp="1"/>
+          </p:cNvSpPr>
+          <p:nvPr>
+            <p:ph type="sldNum" sz="quarter" idx="5"/>
+          </p:nvPr>
+        </p:nvSpPr>
+        <p:spPr/>
+        <p:txBody>
+          <a:bodyPr/>
+          <a:lstStyle/>
+          <a:p>
+            <a:fld id="{926A4D28-551C-4E4A-9CE4-840CFB3B2FC0}" type="slidenum">
+              <a:rPr lang="en-US" smtClean="0"/>
+              <a:t>12</a:t>
+            </a:fld>
+            <a:endParaRPr lang="en-US"/>
+          </a:p>
+        </p:txBody>
+      </p:sp>
+    </p:spTree>
+    <p:extLst>
+      <p:ext uri="{BB962C8B-B14F-4D97-AF65-F5344CB8AC3E}">
+        <p14:creationId xmlns:p14="http://schemas.microsoft.com/office/powerpoint/2010/main" val="4027271017"/>
+      </p:ext>
+    </p:extLst>
+  </p:cSld>
+  <p:clrMapOvr>
+    <a:masterClrMapping/>
+  </p:clrMapOvr>
+</p:notes>
+</file>
+
+<file path=ppt/notesSlides/notesSlide12.xml><?xml version="1.0" encoding="utf-8"?>
+<p:notes xmlns:a="http://schemas.openxmlformats.org/drawingml/2006/main" xmlns:r="http://schemas.openxmlformats.org/officeDocument/2006/relationships" xmlns:p="http://schemas.openxmlformats.org/presentationml/2006/main">
+  <p:cSld>
+    <p:spTree>
+      <p:nvGrpSpPr>
+        <p:cNvPr id="1" name=""/>
+        <p:cNvGrpSpPr/>
+        <p:nvPr/>
+      </p:nvGrpSpPr>
+      <p:grpSpPr>
+        <a:xfrm>
+          <a:off x="0" y="0"/>
+          <a:ext cx="0" cy="0"/>
+          <a:chOff x="0" y="0"/>
+          <a:chExt cx="0" cy="0"/>
+        </a:xfrm>
+      </p:grpSpPr>
+      <p:sp>
+        <p:nvSpPr>
+          <p:cNvPr id="2" name="Slide Image Placeholder 1"/>
+          <p:cNvSpPr>
+            <a:spLocks noGrp="1" noRot="1" noChangeAspect="1"/>
+          </p:cNvSpPr>
+          <p:nvPr>
+            <p:ph type="sldImg"/>
+          </p:nvPr>
+        </p:nvSpPr>
+        <p:spPr/>
+      </p:sp>
+      <p:sp>
+        <p:nvSpPr>
+          <p:cNvPr id="3" name="Notes Placeholder 2"/>
+          <p:cNvSpPr>
+            <a:spLocks noGrp="1"/>
+          </p:cNvSpPr>
+          <p:nvPr>
+            <p:ph type="body" idx="1"/>
+          </p:nvPr>
+        </p:nvSpPr>
+        <p:spPr/>
+        <p:txBody>
+          <a:bodyPr/>
+          <a:lstStyle/>
+          <a:p>
+            <a:r>
+              <a:rPr lang="en-US" dirty="0"/>
+              <a:t>So figure 1 is what our inspector for our cube will look like after adding those two scripts.</a:t>
+            </a:r>
+          </a:p>
+          <a:p>
+            <a:endParaRPr lang="en-US" dirty="0"/>
+          </a:p>
+          <a:p>
+            <a:r>
+              <a:rPr lang="en-US" dirty="0"/>
+              <a:t>In the random color script under the color bank drop down, is our size integer. We will put a number in that field, which will determine how many random colors to cycle through,  and then we will assign the colors to those values. </a:t>
+            </a:r>
+          </a:p>
+          <a:p>
+            <a:endParaRPr lang="en-US" dirty="0"/>
+          </a:p>
+          <a:p>
+            <a:r>
+              <a:rPr lang="en-US" dirty="0"/>
+              <a:t>Now, with these two scripts attached, let’s go and check out what our player looks like and how it functions.</a:t>
+            </a:r>
+          </a:p>
+          <a:p>
+            <a:endParaRPr lang="en-US" dirty="0"/>
+          </a:p>
+          <a:p>
+            <a:r>
+              <a:rPr lang="en-US" dirty="0"/>
+              <a:t>SHOW EXAMPLE, DELETE PLAYER FROM THE GAMESAVE OBJECT.</a:t>
+            </a:r>
+          </a:p>
+          <a:p>
+            <a:endParaRPr lang="en-US" dirty="0"/>
+          </a:p>
+          <a:p>
+            <a:r>
+              <a:rPr lang="en-US" dirty="0"/>
+              <a:t>We’ll press play, and our box moves the way we want it to. It also changes colors. Notice that every time I press play, the color is usually not the same as it was before, and the location goes back to where it started. Now, we’re going to serialize.</a:t>
+            </a:r>
+          </a:p>
+        </p:txBody>
+      </p:sp>
+      <p:sp>
+        <p:nvSpPr>
+          <p:cNvPr id="4" name="Slide Number Placeholder 3"/>
+          <p:cNvSpPr>
+            <a:spLocks noGrp="1"/>
+          </p:cNvSpPr>
+          <p:nvPr>
+            <p:ph type="sldNum" sz="quarter" idx="5"/>
+          </p:nvPr>
+        </p:nvSpPr>
+        <p:spPr/>
+        <p:txBody>
+          <a:bodyPr/>
+          <a:lstStyle/>
+          <a:p>
+            <a:fld id="{926A4D28-551C-4E4A-9CE4-840CFB3B2FC0}" type="slidenum">
+              <a:rPr lang="en-US" smtClean="0"/>
+              <a:t>13</a:t>
+            </a:fld>
+            <a:endParaRPr lang="en-US"/>
+          </a:p>
+        </p:txBody>
+      </p:sp>
+    </p:spTree>
+    <p:extLst>
+      <p:ext uri="{BB962C8B-B14F-4D97-AF65-F5344CB8AC3E}">
+        <p14:creationId xmlns:p14="http://schemas.microsoft.com/office/powerpoint/2010/main" val="1621201326"/>
+      </p:ext>
+    </p:extLst>
+  </p:cSld>
+  <p:clrMapOvr>
+    <a:masterClrMapping/>
+  </p:clrMapOvr>
+</p:notes>
+</file>
+
+<file path=ppt/notesSlides/notesSlide13.xml><?xml version="1.0" encoding="utf-8"?>
+<p:notes xmlns:a="http://schemas.openxmlformats.org/drawingml/2006/main" xmlns:r="http://schemas.openxmlformats.org/officeDocument/2006/relationships" xmlns:p="http://schemas.openxmlformats.org/presentationml/2006/main">
+  <p:cSld>
+    <p:spTree>
+      <p:nvGrpSpPr>
+        <p:cNvPr id="1" name=""/>
+        <p:cNvGrpSpPr/>
+        <p:nvPr/>
+      </p:nvGrpSpPr>
+      <p:grpSpPr>
+        <a:xfrm>
+          <a:off x="0" y="0"/>
+          <a:ext cx="0" cy="0"/>
+          <a:chOff x="0" y="0"/>
+          <a:chExt cx="0" cy="0"/>
+        </a:xfrm>
+      </p:grpSpPr>
+      <p:sp>
+        <p:nvSpPr>
+          <p:cNvPr id="2" name="Slide Image Placeholder 1"/>
+          <p:cNvSpPr>
+            <a:spLocks noGrp="1" noRot="1" noChangeAspect="1"/>
+          </p:cNvSpPr>
+          <p:nvPr>
+            <p:ph type="sldImg"/>
+          </p:nvPr>
+        </p:nvSpPr>
+        <p:spPr/>
+      </p:sp>
+      <p:sp>
+        <p:nvSpPr>
+          <p:cNvPr id="3" name="Notes Placeholder 2"/>
+          <p:cNvSpPr>
+            <a:spLocks noGrp="1"/>
+          </p:cNvSpPr>
+          <p:nvPr>
+            <p:ph type="body" idx="1"/>
+          </p:nvPr>
+        </p:nvSpPr>
+        <p:spPr/>
+        <p:txBody>
+          <a:bodyPr/>
+          <a:lstStyle/>
+          <a:p>
+            <a:r>
+              <a:rPr lang="en-US" dirty="0"/>
+              <a:t>So first, let’s write a method called </a:t>
+            </a:r>
+            <a:r>
+              <a:rPr lang="en-US" dirty="0" err="1"/>
+              <a:t>SaveGame</a:t>
+            </a:r>
+            <a:r>
+              <a:rPr lang="en-US" dirty="0"/>
+              <a:t>() that will basically tell Unity what to carry between plays. Let’s start with the location aspect.</a:t>
+            </a:r>
+          </a:p>
+          <a:p>
+            <a:endParaRPr lang="en-US" dirty="0"/>
+          </a:p>
+          <a:p>
+            <a:r>
+              <a:rPr lang="en-US" dirty="0"/>
+              <a:t>On line 48, we are creating a new </a:t>
+            </a:r>
+            <a:r>
+              <a:rPr lang="en-US" dirty="0" err="1"/>
+              <a:t>SavePosition</a:t>
+            </a:r>
+            <a:r>
+              <a:rPr lang="en-US" dirty="0"/>
+              <a:t>, S, which is that class we serialized from the </a:t>
+            </a:r>
+            <a:r>
+              <a:rPr lang="en-US" dirty="0" err="1"/>
+              <a:t>SavePosition</a:t>
+            </a:r>
+            <a:r>
+              <a:rPr lang="en-US" dirty="0"/>
+              <a:t> script we wrote earlier. If you remember, we declared three floats in there for x, y and z.</a:t>
+            </a:r>
+          </a:p>
+          <a:p>
+            <a:endParaRPr lang="en-US" dirty="0"/>
+          </a:p>
+          <a:p>
+            <a:r>
+              <a:rPr lang="en-US" dirty="0"/>
+              <a:t>We are setting our player transform positions as those floats, which will change as we move our player around the screen and trigger the saving mechanism.</a:t>
+            </a:r>
+          </a:p>
+          <a:p>
+            <a:endParaRPr lang="en-US" dirty="0"/>
+          </a:p>
+          <a:p>
+            <a:r>
+              <a:rPr lang="en-US" dirty="0"/>
+              <a:t>Next comes the data conversion. We want utilize something called json– JSON stands for </a:t>
+            </a:r>
+            <a:r>
+              <a:rPr lang="en-US" dirty="0" err="1"/>
+              <a:t>javascript</a:t>
+            </a:r>
+            <a:r>
+              <a:rPr lang="en-US" dirty="0"/>
+              <a:t> object notation, which is a data interchange format, with a super easy readability to humans. So, on line 53, we are declaring a string called json, and we are using the json utility function generate a string representation of the position coordinates.</a:t>
+            </a:r>
+          </a:p>
+        </p:txBody>
+      </p:sp>
+      <p:sp>
+        <p:nvSpPr>
+          <p:cNvPr id="4" name="Slide Number Placeholder 3"/>
+          <p:cNvSpPr>
+            <a:spLocks noGrp="1"/>
+          </p:cNvSpPr>
+          <p:nvPr>
+            <p:ph type="sldNum" sz="quarter" idx="5"/>
+          </p:nvPr>
+        </p:nvSpPr>
+        <p:spPr/>
+        <p:txBody>
+          <a:bodyPr/>
+          <a:lstStyle/>
+          <a:p>
+            <a:fld id="{926A4D28-551C-4E4A-9CE4-840CFB3B2FC0}" type="slidenum">
+              <a:rPr lang="en-US" smtClean="0"/>
+              <a:t>14</a:t>
+            </a:fld>
+            <a:endParaRPr lang="en-US"/>
+          </a:p>
+        </p:txBody>
+      </p:sp>
+    </p:spTree>
+    <p:extLst>
+      <p:ext uri="{BB962C8B-B14F-4D97-AF65-F5344CB8AC3E}">
+        <p14:creationId xmlns:p14="http://schemas.microsoft.com/office/powerpoint/2010/main" val="3417181749"/>
       </p:ext>
     </p:extLst>
   </p:cSld>
@@ -1926,7 +2344,7 @@
           <a:p>
             <a:r>
               <a:rPr lang="en-US" dirty="0"/>
-              <a:t>So, first things first: we need to create our class to store the x, y and z locations of our player. I want you to create a serialized class in </a:t>
+              <a:t>So, first things first: we need to create our class to store the x, and y locations of our player. I want you to create a serialized class in </a:t>
             </a:r>
             <a:r>
               <a:rPr lang="en-US" dirty="0" err="1"/>
@@ -1934,7 +2352,15 @@
             </a:r>
             <a:r>
               <a:rPr lang="en-US" dirty="0"/>
-              <a:t> that contains floats for the three different </a:t>
+              <a:t> that contains floats for </a:t>
+            </a:r>
+            <a:r>
+              <a:rPr lang="en-US"/>
+              <a:t>the two </a:t>
+            </a:r>
+            <a:r>
+              <a:rPr lang="en-US" dirty="0"/>
+              <a:t>different </a:t>
             </a:r>
             <a:r>
               <a:rPr lang="en-US" dirty="0" err="1"/>
@@ -5734,10 +6160,10 @@
       </p:sp>
       <p:pic>
         <p:nvPicPr>
-          <p:cNvPr id="5" name="Picture 4">
+          <p:cNvPr id="6" name="Picture 5">
             <a:extLst>
               <a:ext uri="{FF2B5EF4-FFF2-40B4-BE49-F238E27FC236}">
-                <a16:creationId xmlns:a16="http://schemas.microsoft.com/office/drawing/2014/main" id="{4977476E-DADB-4EDA-A66D-A50A964DCBE5}"/>
+                <a16:creationId xmlns:a16="http://schemas.microsoft.com/office/drawing/2014/main" id="{0F4C6704-E8B6-4201-BC49-27FFBA85AD4A}"/>
               </a:ext>
             </a:extLst>
           </p:cNvPr>
@@ -5754,8 +6180,8 @@
         </p:blipFill>
         <p:spPr>
           <a:xfrm>
-            <a:off x="2981171" y="1413522"/>
-            <a:ext cx="6229657" cy="4030955"/>
+            <a:off x="2917415" y="1646415"/>
+            <a:ext cx="6357169" cy="3565169"/>
           </a:xfrm>
           <a:prstGeom prst="rect">
             <a:avLst/>
@@ -5820,7 +6246,7 @@
           <a:p>
             <a:r>
               <a:rPr lang="en-US" dirty="0" err="1"/>
-              <a:t>PlayerController.CS</a:t>
+              <a:t>PlayerController.cs</a:t>
             </a:r>
             <a:endParaRPr lang="en-US" dirty="0"/>
           </a:p>
@@ -5900,8 +6326,8 @@
         </p:nvSpPr>
         <p:spPr>
           <a:xfrm>
-            <a:off x="8037871" y="6238800"/>
-            <a:ext cx="3967317" cy="369332"/>
+            <a:off x="7079227" y="6238800"/>
+            <a:ext cx="4925962" cy="369332"/>
           </a:xfrm>
           <a:prstGeom prst="rect">
             <a:avLst/>
@@ -5924,7 +6350,10 @@
               <a:rPr lang="en-US" b="1" dirty="0" err="1"/>
               <a:t>PlayerController.CS</a:t>
             </a:r>
-            <a:endParaRPr lang="en-US" b="1" dirty="0"/>
+            <a:r>
+              <a:rPr lang="en-US" b="1" dirty="0"/>
+              <a:t> -&gt; Cube</a:t>
+            </a:r>
           </a:p>
         </p:txBody>
       </p:sp>
@@ -5980,6 +6409,576 @@
     <p:extLst>
       <p:ext uri="{BB962C8B-B14F-4D97-AF65-F5344CB8AC3E}">
         <p14:creationId xmlns:p14="http://schemas.microsoft.com/office/powerpoint/2010/main" val="3980975474"/>
+      </p:ext>
+    </p:extLst>
+  </p:cSld>
+  <p:clrMapOvr>
+    <a:masterClrMapping/>
+  </p:clrMapOvr>
+</p:sld>
+</file>
+
+<file path=ppt/slides/slide12.xml><?xml version="1.0" encoding="utf-8"?>
+<p:sld xmlns:a="http://schemas.openxmlformats.org/drawingml/2006/main" xmlns:r="http://schemas.openxmlformats.org/officeDocument/2006/relationships" xmlns:p="http://schemas.openxmlformats.org/presentationml/2006/main">
+  <p:cSld>
+    <p:spTree>
+      <p:nvGrpSpPr>
+        <p:cNvPr id="1" name=""/>
+        <p:cNvGrpSpPr/>
+        <p:nvPr/>
+      </p:nvGrpSpPr>
+      <p:grpSpPr>
+        <a:xfrm>
+          <a:off x="0" y="0"/>
+          <a:ext cx="0" cy="0"/>
+          <a:chOff x="0" y="0"/>
+          <a:chExt cx="0" cy="0"/>
+        </a:xfrm>
+      </p:grpSpPr>
+      <p:sp>
+        <p:nvSpPr>
+          <p:cNvPr id="2" name="Title 1">
+            <a:extLst>
+              <a:ext uri="{FF2B5EF4-FFF2-40B4-BE49-F238E27FC236}">
+                <a16:creationId xmlns:a16="http://schemas.microsoft.com/office/drawing/2014/main" id="{19E8F2C5-B448-4EC6-A327-C16CC03A51DC}"/>
+              </a:ext>
+            </a:extLst>
+          </p:cNvPr>
+          <p:cNvSpPr>
+            <a:spLocks noGrp="1"/>
+          </p:cNvSpPr>
+          <p:nvPr>
+            <p:ph type="title"/>
+          </p:nvPr>
+        </p:nvSpPr>
+        <p:spPr/>
+        <p:txBody>
+          <a:bodyPr/>
+          <a:lstStyle/>
+          <a:p>
+            <a:r>
+              <a:rPr lang="en-US" dirty="0" err="1"/>
+              <a:t>RandomColor.cs</a:t>
+            </a:r>
+            <a:endParaRPr lang="en-US" dirty="0"/>
+          </a:p>
+        </p:txBody>
+      </p:sp>
+      <p:sp>
+        <p:nvSpPr>
+          <p:cNvPr id="4" name="TextBox 3">
+            <a:extLst>
+              <a:ext uri="{FF2B5EF4-FFF2-40B4-BE49-F238E27FC236}">
+                <a16:creationId xmlns:a16="http://schemas.microsoft.com/office/drawing/2014/main" id="{E952C1CD-A35D-4A18-AE65-33B07FA21606}"/>
+              </a:ext>
+            </a:extLst>
+          </p:cNvPr>
+          <p:cNvSpPr txBox="1"/>
+          <p:nvPr/>
+        </p:nvSpPr>
+        <p:spPr>
+          <a:xfrm>
+            <a:off x="7388943" y="6238800"/>
+            <a:ext cx="4542502" cy="369332"/>
+          </a:xfrm>
+          <a:prstGeom prst="rect">
+            <a:avLst/>
+          </a:prstGeom>
+          <a:solidFill>
+            <a:schemeClr val="accent2"/>
+          </a:solidFill>
+        </p:spPr>
+        <p:txBody>
+          <a:bodyPr wrap="square" rtlCol="0">
+            <a:spAutoFit/>
+          </a:bodyPr>
+          <a:lstStyle/>
+          <a:p>
+            <a:r>
+              <a:rPr lang="en-US" dirty="0"/>
+              <a:t>Assets/Scripts/</a:t>
+            </a:r>
+            <a:r>
+              <a:rPr lang="en-US" b="1" dirty="0" err="1"/>
+              <a:t>RandomColor.CS</a:t>
+            </a:r>
+            <a:r>
+              <a:rPr lang="en-US" b="1" dirty="0"/>
+              <a:t> -&gt; Cube</a:t>
+            </a:r>
+          </a:p>
+        </p:txBody>
+      </p:sp>
+      <p:pic>
+        <p:nvPicPr>
+          <p:cNvPr id="6" name="Picture 5">
+            <a:extLst>
+              <a:ext uri="{FF2B5EF4-FFF2-40B4-BE49-F238E27FC236}">
+                <a16:creationId xmlns:a16="http://schemas.microsoft.com/office/drawing/2014/main" id="{20C7B26A-BEBE-4C1B-910C-EF6FBC912A80}"/>
+              </a:ext>
+            </a:extLst>
+          </p:cNvPr>
+          <p:cNvPicPr>
+            <a:picLocks noChangeAspect="1"/>
+          </p:cNvPicPr>
+          <p:nvPr/>
+        </p:nvPicPr>
+        <p:blipFill>
+          <a:blip r:embed="rId3"/>
+          <a:stretch>
+            <a:fillRect/>
+          </a:stretch>
+        </p:blipFill>
+        <p:spPr>
+          <a:xfrm>
+            <a:off x="3404419" y="1331810"/>
+            <a:ext cx="6182032" cy="4648232"/>
+          </a:xfrm>
+          <a:prstGeom prst="rect">
+            <a:avLst/>
+          </a:prstGeom>
+        </p:spPr>
+      </p:pic>
+    </p:spTree>
+    <p:extLst>
+      <p:ext uri="{BB962C8B-B14F-4D97-AF65-F5344CB8AC3E}">
+        <p14:creationId xmlns:p14="http://schemas.microsoft.com/office/powerpoint/2010/main" val="2901148226"/>
+      </p:ext>
+    </p:extLst>
+  </p:cSld>
+  <p:clrMapOvr>
+    <a:masterClrMapping/>
+  </p:clrMapOvr>
+</p:sld>
+</file>
+
+<file path=ppt/slides/slide13.xml><?xml version="1.0" encoding="utf-8"?>
+<p:sld xmlns:a="http://schemas.openxmlformats.org/drawingml/2006/main" xmlns:r="http://schemas.openxmlformats.org/officeDocument/2006/relationships" xmlns:p="http://schemas.openxmlformats.org/presentationml/2006/main">
+  <p:cSld>
+    <p:spTree>
+      <p:nvGrpSpPr>
+        <p:cNvPr id="1" name=""/>
+        <p:cNvGrpSpPr/>
+        <p:nvPr/>
+      </p:nvGrpSpPr>
+      <p:grpSpPr>
+        <a:xfrm>
+          <a:off x="0" y="0"/>
+          <a:ext cx="0" cy="0"/>
+          <a:chOff x="0" y="0"/>
+          <a:chExt cx="0" cy="0"/>
+        </a:xfrm>
+      </p:grpSpPr>
+      <p:sp>
+        <p:nvSpPr>
+          <p:cNvPr id="2" name="Title 1">
+            <a:extLst>
+              <a:ext uri="{FF2B5EF4-FFF2-40B4-BE49-F238E27FC236}">
+                <a16:creationId xmlns:a16="http://schemas.microsoft.com/office/drawing/2014/main" id="{BA235D44-BC9B-4077-9288-D9A3DD70AF29}"/>
+              </a:ext>
+            </a:extLst>
+          </p:cNvPr>
+          <p:cNvSpPr>
+            <a:spLocks noGrp="1"/>
+          </p:cNvSpPr>
+          <p:nvPr>
+            <p:ph type="title"/>
+          </p:nvPr>
+        </p:nvSpPr>
+        <p:spPr>
+          <a:xfrm>
+            <a:off x="720000" y="619200"/>
+            <a:ext cx="10728322" cy="634413"/>
+          </a:xfrm>
+        </p:spPr>
+        <p:txBody>
+          <a:bodyPr/>
+          <a:lstStyle/>
+          <a:p>
+            <a:r>
+              <a:rPr lang="en-US" dirty="0"/>
+              <a:t>Cube Object</a:t>
+            </a:r>
+          </a:p>
+        </p:txBody>
+      </p:sp>
+      <p:pic>
+        <p:nvPicPr>
+          <p:cNvPr id="6" name="Picture 5">
+            <a:extLst>
+              <a:ext uri="{FF2B5EF4-FFF2-40B4-BE49-F238E27FC236}">
+                <a16:creationId xmlns:a16="http://schemas.microsoft.com/office/drawing/2014/main" id="{9B663F99-E9DD-499F-B877-13BC6261A5EA}"/>
+              </a:ext>
+            </a:extLst>
+          </p:cNvPr>
+          <p:cNvPicPr>
+            <a:picLocks noChangeAspect="1"/>
+          </p:cNvPicPr>
+          <p:nvPr/>
+        </p:nvPicPr>
+        <p:blipFill>
+          <a:blip r:embed="rId3"/>
+          <a:stretch>
+            <a:fillRect/>
+          </a:stretch>
+        </p:blipFill>
+        <p:spPr>
+          <a:xfrm>
+            <a:off x="6366694" y="281659"/>
+            <a:ext cx="4842848" cy="2261846"/>
+          </a:xfrm>
+          <a:prstGeom prst="rect">
+            <a:avLst/>
+          </a:prstGeom>
+        </p:spPr>
+      </p:pic>
+      <p:pic>
+        <p:nvPicPr>
+          <p:cNvPr id="8" name="Picture 7">
+            <a:extLst>
+              <a:ext uri="{FF2B5EF4-FFF2-40B4-BE49-F238E27FC236}">
+                <a16:creationId xmlns:a16="http://schemas.microsoft.com/office/drawing/2014/main" id="{848BE620-C2EB-4FEC-B5B4-CBB36005076B}"/>
+              </a:ext>
+            </a:extLst>
+          </p:cNvPr>
+          <p:cNvPicPr>
+            <a:picLocks noChangeAspect="1"/>
+          </p:cNvPicPr>
+          <p:nvPr/>
+        </p:nvPicPr>
+        <p:blipFill>
+          <a:blip r:embed="rId4"/>
+          <a:stretch>
+            <a:fillRect/>
+          </a:stretch>
+        </p:blipFill>
+        <p:spPr>
+          <a:xfrm>
+            <a:off x="1638301" y="3133650"/>
+            <a:ext cx="3448050" cy="3124200"/>
+          </a:xfrm>
+          <a:prstGeom prst="rect">
+            <a:avLst/>
+          </a:prstGeom>
+        </p:spPr>
+      </p:pic>
+      <p:pic>
+        <p:nvPicPr>
+          <p:cNvPr id="10" name="Picture 9">
+            <a:extLst>
+              <a:ext uri="{FF2B5EF4-FFF2-40B4-BE49-F238E27FC236}">
+                <a16:creationId xmlns:a16="http://schemas.microsoft.com/office/drawing/2014/main" id="{D2F01FAF-9D92-49F0-8B01-E7BF7B5E9C96}"/>
+              </a:ext>
+            </a:extLst>
+          </p:cNvPr>
+          <p:cNvPicPr>
+            <a:picLocks noChangeAspect="1"/>
+          </p:cNvPicPr>
+          <p:nvPr/>
+        </p:nvPicPr>
+        <p:blipFill>
+          <a:blip r:embed="rId5"/>
+          <a:stretch>
+            <a:fillRect/>
+          </a:stretch>
+        </p:blipFill>
+        <p:spPr>
+          <a:xfrm>
+            <a:off x="6366694" y="3133650"/>
+            <a:ext cx="3362325" cy="3105150"/>
+          </a:xfrm>
+          <a:prstGeom prst="rect">
+            <a:avLst/>
+          </a:prstGeom>
+        </p:spPr>
+      </p:pic>
+      <p:cxnSp>
+        <p:nvCxnSpPr>
+          <p:cNvPr id="12" name="Straight Arrow Connector 11">
+            <a:extLst>
+              <a:ext uri="{FF2B5EF4-FFF2-40B4-BE49-F238E27FC236}">
+                <a16:creationId xmlns:a16="http://schemas.microsoft.com/office/drawing/2014/main" id="{58232D7C-D784-4529-9BEC-9CB2835F88D2}"/>
+              </a:ext>
+            </a:extLst>
+          </p:cNvPr>
+          <p:cNvCxnSpPr/>
+          <p:nvPr/>
+        </p:nvCxnSpPr>
+        <p:spPr>
+          <a:xfrm>
+            <a:off x="5383161" y="4695750"/>
+            <a:ext cx="701000" cy="0"/>
+          </a:xfrm>
+          <a:prstGeom prst="straightConnector1">
+            <a:avLst/>
+          </a:prstGeom>
+          <a:ln w="76200">
+            <a:tailEnd type="triangle"/>
+          </a:ln>
+        </p:spPr>
+        <p:style>
+          <a:lnRef idx="1">
+            <a:schemeClr val="accent1"/>
+          </a:lnRef>
+          <a:fillRef idx="0">
+            <a:schemeClr val="accent1"/>
+          </a:fillRef>
+          <a:effectRef idx="0">
+            <a:schemeClr val="accent1"/>
+          </a:effectRef>
+          <a:fontRef idx="minor">
+            <a:schemeClr val="tx1"/>
+          </a:fontRef>
+        </p:style>
+      </p:cxnSp>
+      <p:sp>
+        <p:nvSpPr>
+          <p:cNvPr id="17" name="TextBox 16">
+            <a:extLst>
+              <a:ext uri="{FF2B5EF4-FFF2-40B4-BE49-F238E27FC236}">
+                <a16:creationId xmlns:a16="http://schemas.microsoft.com/office/drawing/2014/main" id="{5D7228FA-16EB-4E10-B8F4-983DD8A09839}"/>
+              </a:ext>
+            </a:extLst>
+          </p:cNvPr>
+          <p:cNvSpPr txBox="1"/>
+          <p:nvPr/>
+        </p:nvSpPr>
+        <p:spPr>
+          <a:xfrm>
+            <a:off x="6366694" y="2543505"/>
+            <a:ext cx="4842847" cy="369332"/>
+          </a:xfrm>
+          <a:prstGeom prst="rect">
+            <a:avLst/>
+          </a:prstGeom>
+          <a:noFill/>
+        </p:spPr>
+        <p:txBody>
+          <a:bodyPr wrap="square" rtlCol="0">
+            <a:spAutoFit/>
+          </a:bodyPr>
+          <a:lstStyle/>
+          <a:p>
+            <a:pPr algn="ctr"/>
+            <a:r>
+              <a:rPr lang="en-US" dirty="0"/>
+              <a:t>Figure 1</a:t>
+            </a:r>
+          </a:p>
+        </p:txBody>
+      </p:sp>
+      <p:sp>
+        <p:nvSpPr>
+          <p:cNvPr id="18" name="TextBox 17">
+            <a:extLst>
+              <a:ext uri="{FF2B5EF4-FFF2-40B4-BE49-F238E27FC236}">
+                <a16:creationId xmlns:a16="http://schemas.microsoft.com/office/drawing/2014/main" id="{01849CDF-13F3-4678-B820-5F49DB34521D}"/>
+              </a:ext>
+            </a:extLst>
+          </p:cNvPr>
+          <p:cNvSpPr txBox="1"/>
+          <p:nvPr/>
+        </p:nvSpPr>
+        <p:spPr>
+          <a:xfrm>
+            <a:off x="1638300" y="6238800"/>
+            <a:ext cx="3448051" cy="383226"/>
+          </a:xfrm>
+          <a:prstGeom prst="rect">
+            <a:avLst/>
+          </a:prstGeom>
+          <a:noFill/>
+        </p:spPr>
+        <p:txBody>
+          <a:bodyPr wrap="square" rtlCol="0">
+            <a:spAutoFit/>
+          </a:bodyPr>
+          <a:lstStyle/>
+          <a:p>
+            <a:pPr algn="ctr"/>
+            <a:r>
+              <a:rPr lang="en-US" dirty="0"/>
+              <a:t>Figure 2</a:t>
+            </a:r>
+          </a:p>
+        </p:txBody>
+      </p:sp>
+      <p:sp>
+        <p:nvSpPr>
+          <p:cNvPr id="19" name="TextBox 18">
+            <a:extLst>
+              <a:ext uri="{FF2B5EF4-FFF2-40B4-BE49-F238E27FC236}">
+                <a16:creationId xmlns:a16="http://schemas.microsoft.com/office/drawing/2014/main" id="{F44793BB-F4AB-4061-9DAD-E00103ABAB3A}"/>
+              </a:ext>
+            </a:extLst>
+          </p:cNvPr>
+          <p:cNvSpPr txBox="1"/>
+          <p:nvPr/>
+        </p:nvSpPr>
+        <p:spPr>
+          <a:xfrm>
+            <a:off x="6366694" y="6268000"/>
+            <a:ext cx="3362325" cy="383226"/>
+          </a:xfrm>
+          <a:prstGeom prst="rect">
+            <a:avLst/>
+          </a:prstGeom>
+          <a:noFill/>
+        </p:spPr>
+        <p:txBody>
+          <a:bodyPr wrap="square" rtlCol="0">
+            <a:spAutoFit/>
+          </a:bodyPr>
+          <a:lstStyle/>
+          <a:p>
+            <a:pPr algn="ctr"/>
+            <a:r>
+              <a:rPr lang="en-US" dirty="0"/>
+              <a:t>Figure 3</a:t>
+            </a:r>
+          </a:p>
+        </p:txBody>
+      </p:sp>
+    </p:spTree>
+    <p:extLst>
+      <p:ext uri="{BB962C8B-B14F-4D97-AF65-F5344CB8AC3E}">
+        <p14:creationId xmlns:p14="http://schemas.microsoft.com/office/powerpoint/2010/main" val="248408404"/>
+      </p:ext>
+    </p:extLst>
+  </p:cSld>
+  <p:clrMapOvr>
+    <a:masterClrMapping/>
+  </p:clrMapOvr>
+</p:sld>
+</file>
+
+<file path=ppt/slides/slide14.xml><?xml version="1.0" encoding="utf-8"?>
+<p:sld xmlns:a="http://schemas.openxmlformats.org/drawingml/2006/main" xmlns:r="http://schemas.openxmlformats.org/officeDocument/2006/relationships" xmlns:p="http://schemas.openxmlformats.org/presentationml/2006/main">
+  <p:cSld>
+    <p:spTree>
+      <p:nvGrpSpPr>
+        <p:cNvPr id="1" name=""/>
+        <p:cNvGrpSpPr/>
+        <p:nvPr/>
+      </p:nvGrpSpPr>
+      <p:grpSpPr>
+        <a:xfrm>
+          <a:off x="0" y="0"/>
+          <a:ext cx="0" cy="0"/>
+          <a:chOff x="0" y="0"/>
+          <a:chExt cx="0" cy="0"/>
+        </a:xfrm>
+      </p:grpSpPr>
+      <p:sp>
+        <p:nvSpPr>
+          <p:cNvPr id="2" name="Title 1">
+            <a:extLst>
+              <a:ext uri="{FF2B5EF4-FFF2-40B4-BE49-F238E27FC236}">
+                <a16:creationId xmlns:a16="http://schemas.microsoft.com/office/drawing/2014/main" id="{E0A6756D-FF27-4B64-9F04-B6B183937358}"/>
+              </a:ext>
+            </a:extLst>
+          </p:cNvPr>
+          <p:cNvSpPr>
+            <a:spLocks noGrp="1"/>
+          </p:cNvSpPr>
+          <p:nvPr>
+            <p:ph type="title"/>
+          </p:nvPr>
+        </p:nvSpPr>
+        <p:spPr>
+          <a:xfrm>
+            <a:off x="720000" y="619200"/>
+            <a:ext cx="10728322" cy="590168"/>
+          </a:xfrm>
+        </p:spPr>
+        <p:txBody>
+          <a:bodyPr/>
+          <a:lstStyle/>
+          <a:p>
+            <a:r>
+              <a:rPr lang="en-US" dirty="0" err="1"/>
+              <a:t>GameSave.cs</a:t>
+            </a:r>
+            <a:endParaRPr lang="en-US" dirty="0"/>
+          </a:p>
+        </p:txBody>
+      </p:sp>
+      <p:pic>
+        <p:nvPicPr>
+          <p:cNvPr id="5" name="Picture 4">
+            <a:extLst>
+              <a:ext uri="{FF2B5EF4-FFF2-40B4-BE49-F238E27FC236}">
+                <a16:creationId xmlns:a16="http://schemas.microsoft.com/office/drawing/2014/main" id="{CB820EFE-DB63-4270-801A-4E767DFEA2DA}"/>
+              </a:ext>
+            </a:extLst>
+          </p:cNvPr>
+          <p:cNvPicPr>
+            <a:picLocks noChangeAspect="1"/>
+          </p:cNvPicPr>
+          <p:nvPr/>
+        </p:nvPicPr>
+        <p:blipFill>
+          <a:blip r:embed="rId3"/>
+          <a:stretch>
+            <a:fillRect/>
+          </a:stretch>
+        </p:blipFill>
+        <p:spPr>
+          <a:xfrm>
+            <a:off x="2866564" y="2112674"/>
+            <a:ext cx="6233191" cy="2632652"/>
+          </a:xfrm>
+          <a:prstGeom prst="rect">
+            <a:avLst/>
+          </a:prstGeom>
+        </p:spPr>
+      </p:pic>
+      <p:sp>
+        <p:nvSpPr>
+          <p:cNvPr id="6" name="TextBox 5">
+            <a:extLst>
+              <a:ext uri="{FF2B5EF4-FFF2-40B4-BE49-F238E27FC236}">
+                <a16:creationId xmlns:a16="http://schemas.microsoft.com/office/drawing/2014/main" id="{0234EE75-74BC-48FF-A7DF-7C26E47111BF}"/>
+              </a:ext>
+            </a:extLst>
+          </p:cNvPr>
+          <p:cNvSpPr txBox="1"/>
+          <p:nvPr/>
+        </p:nvSpPr>
+        <p:spPr>
+          <a:xfrm>
+            <a:off x="8613059" y="6238800"/>
+            <a:ext cx="3303638" cy="369332"/>
+          </a:xfrm>
+          <a:prstGeom prst="rect">
+            <a:avLst/>
+          </a:prstGeom>
+          <a:solidFill>
+            <a:schemeClr val="accent2"/>
+          </a:solidFill>
+        </p:spPr>
+        <p:txBody>
+          <a:bodyPr wrap="square" rtlCol="0">
+            <a:spAutoFit/>
+          </a:bodyPr>
+          <a:lstStyle/>
+          <a:p>
+            <a:r>
+              <a:rPr lang="en-US" dirty="0"/>
+              <a:t>Assets/Scripts/</a:t>
+            </a:r>
+            <a:r>
+              <a:rPr lang="en-US" b="1" dirty="0" err="1"/>
+              <a:t>GameSave.CS</a:t>
+            </a:r>
+            <a:endParaRPr lang="en-US" b="1" dirty="0"/>
+          </a:p>
+        </p:txBody>
+      </p:sp>
+    </p:spTree>
+    <p:extLst>
+      <p:ext uri="{BB962C8B-B14F-4D97-AF65-F5344CB8AC3E}">
+        <p14:creationId xmlns:p14="http://schemas.microsoft.com/office/powerpoint/2010/main" val="3370567701"/>
       </p:ext>
     </p:extLst>
   </p:cSld>
@@ -9212,7 +10211,7 @@
           <a:p>
             <a:r>
               <a:rPr lang="en-US" dirty="0" err="1"/>
-              <a:t>SavePosition.CS</a:t>
+              <a:t>SavePosition.cs</a:t>
             </a:r>
             <a:r>
               <a:rPr lang="en-US" dirty="0"/>

--- a/Serialization/Lecture.pptx
+++ b/Serialization/Lecture.pptx
@@ -5,7 +5,7 @@
     <p:sldMasterId id="2147483673" r:id="rId1"/>
   </p:sldMasterIdLst>
   <p:notesMasterIdLst>
-    <p:notesMasterId r:id="rId16"/>
+    <p:notesMasterId r:id="rId18"/>
   </p:notesMasterIdLst>
   <p:sldIdLst>
     <p:sldId id="256" r:id="rId2"/>
@@ -22,6 +22,8 @@
     <p:sldId id="267" r:id="rId13"/>
     <p:sldId id="268" r:id="rId14"/>
     <p:sldId id="269" r:id="rId15"/>
+    <p:sldId id="270" r:id="rId16"/>
+    <p:sldId id="271" r:id="rId17"/>
   </p:sldIdLst>
   <p:sldSz cx="12192000" cy="6858000"/>
   <p:notesSz cx="6858000" cy="9144000"/>
@@ -958,7 +960,7 @@
           <a:p>
             <a:r>
               <a:rPr lang="en-US" dirty="0"/>
-              <a:t>In the random color script under the color bank drop down, is our size integer. We will put a number in that field, which will determine how many random colors to cycle through,  and then we will assign the colors to those values. </a:t>
+              <a:t>In the random color script under the color bank drop down, is our size integer. We will put a number in that field, which will determine how many random colors to cycle through, as shown in figure 2  and then we will assign the colors to those values, like in figure 3.</a:t>
             </a:r>
           </a:p>
           <a:p>
@@ -1105,7 +1107,7 @@
             </a:r>
             <a:r>
               <a:rPr lang="en-US" dirty="0"/>
-              <a:t> script we wrote earlier. If you remember, we declared three floats in there for x, y and z.</a:t>
+              <a:t> script we wrote earlier. If you remember, we declared two floats in there for x, and y</a:t>
             </a:r>
           </a:p>
           <a:p>
@@ -1131,7 +1133,40 @@
             </a:r>
             <a:r>
               <a:rPr lang="en-US" dirty="0"/>
-              <a:t> object notation, which is a data interchange format, with a super easy readability to humans. So, on line 53, we are declaring a string called json, and we are using the json utility function generate a string representation of the position coordinates.</a:t>
+              <a:t> object notation, which is a data interchange format, with a super easy readability to humans. So, on line 51, we are declaring a string called json, and we are using the json utility function to generate a string representation of the position coordinates. The console output is an example of what this json output would look like (which is printed via line 52). </a:t>
+            </a:r>
+          </a:p>
+          <a:p>
+            <a:endParaRPr lang="en-US" dirty="0"/>
+          </a:p>
+          <a:p>
+            <a:r>
+              <a:rPr lang="en-US" dirty="0"/>
+              <a:t>And then, on line 53, we are using our </a:t>
+            </a:r>
+            <a:r>
+              <a:rPr lang="en-US" dirty="0" err="1"/>
+              <a:t>playerprefs</a:t>
+            </a:r>
+            <a:r>
+              <a:rPr lang="en-US" dirty="0"/>
+              <a:t> class to set the value of our key– </a:t>
+            </a:r>
+            <a:r>
+              <a:rPr lang="en-US" dirty="0" err="1"/>
+              <a:t>playerprefs</a:t>
+            </a:r>
+            <a:r>
+              <a:rPr lang="en-US" dirty="0"/>
+              <a:t> is what sends the information to the </a:t>
+            </a:r>
+            <a:r>
+              <a:rPr lang="en-US"/>
+              <a:t>next scene. </a:t>
+            </a:r>
+            <a:r>
+              <a:rPr lang="en-US" dirty="0"/>
+              <a:t>The syntax for this class can be found in the upper right corner– We have our key listed as a string called “Player Location”, and our string value is going to contain the information from our string called json.</a:t>
             </a:r>
           </a:p>
         </p:txBody>
@@ -1163,6 +1198,225 @@
     <p:extLst>
       <p:ext uri="{BB962C8B-B14F-4D97-AF65-F5344CB8AC3E}">
         <p14:creationId xmlns:p14="http://schemas.microsoft.com/office/powerpoint/2010/main" val="3417181749"/>
+      </p:ext>
+    </p:extLst>
+  </p:cSld>
+  <p:clrMapOvr>
+    <a:masterClrMapping/>
+  </p:clrMapOvr>
+</p:notes>
+</file>
+
+<file path=ppt/notesSlides/notesSlide14.xml><?xml version="1.0" encoding="utf-8"?>
+<p:notes xmlns:a="http://schemas.openxmlformats.org/drawingml/2006/main" xmlns:r="http://schemas.openxmlformats.org/officeDocument/2006/relationships" xmlns:p="http://schemas.openxmlformats.org/presentationml/2006/main">
+  <p:cSld>
+    <p:spTree>
+      <p:nvGrpSpPr>
+        <p:cNvPr id="1" name=""/>
+        <p:cNvGrpSpPr/>
+        <p:nvPr/>
+      </p:nvGrpSpPr>
+      <p:grpSpPr>
+        <a:xfrm>
+          <a:off x="0" y="0"/>
+          <a:ext cx="0" cy="0"/>
+          <a:chOff x="0" y="0"/>
+          <a:chExt cx="0" cy="0"/>
+        </a:xfrm>
+      </p:grpSpPr>
+      <p:sp>
+        <p:nvSpPr>
+          <p:cNvPr id="2" name="Slide Image Placeholder 1"/>
+          <p:cNvSpPr>
+            <a:spLocks noGrp="1" noRot="1" noChangeAspect="1"/>
+          </p:cNvSpPr>
+          <p:nvPr>
+            <p:ph type="sldImg"/>
+          </p:nvPr>
+        </p:nvSpPr>
+        <p:spPr/>
+      </p:sp>
+      <p:sp>
+        <p:nvSpPr>
+          <p:cNvPr id="3" name="Notes Placeholder 2"/>
+          <p:cNvSpPr>
+            <a:spLocks noGrp="1"/>
+          </p:cNvSpPr>
+          <p:nvPr>
+            <p:ph type="body" idx="1"/>
+          </p:nvPr>
+        </p:nvSpPr>
+        <p:spPr/>
+        <p:txBody>
+          <a:bodyPr/>
+          <a:lstStyle/>
+          <a:p>
+            <a:endParaRPr lang="en-US" dirty="0"/>
+          </a:p>
+        </p:txBody>
+      </p:sp>
+      <p:sp>
+        <p:nvSpPr>
+          <p:cNvPr id="4" name="Slide Number Placeholder 3"/>
+          <p:cNvSpPr>
+            <a:spLocks noGrp="1"/>
+          </p:cNvSpPr>
+          <p:nvPr>
+            <p:ph type="sldNum" sz="quarter" idx="5"/>
+          </p:nvPr>
+        </p:nvSpPr>
+        <p:spPr/>
+        <p:txBody>
+          <a:bodyPr/>
+          <a:lstStyle/>
+          <a:p>
+            <a:fld id="{926A4D28-551C-4E4A-9CE4-840CFB3B2FC0}" type="slidenum">
+              <a:rPr lang="en-US" smtClean="0"/>
+              <a:t>15</a:t>
+            </a:fld>
+            <a:endParaRPr lang="en-US"/>
+          </a:p>
+        </p:txBody>
+      </p:sp>
+    </p:spTree>
+    <p:extLst>
+      <p:ext uri="{BB962C8B-B14F-4D97-AF65-F5344CB8AC3E}">
+        <p14:creationId xmlns:p14="http://schemas.microsoft.com/office/powerpoint/2010/main" val="683440328"/>
+      </p:ext>
+    </p:extLst>
+  </p:cSld>
+  <p:clrMapOvr>
+    <a:masterClrMapping/>
+  </p:clrMapOvr>
+</p:notes>
+</file>
+
+<file path=ppt/notesSlides/notesSlide15.xml><?xml version="1.0" encoding="utf-8"?>
+<p:notes xmlns:a="http://schemas.openxmlformats.org/drawingml/2006/main" xmlns:r="http://schemas.openxmlformats.org/officeDocument/2006/relationships" xmlns:p="http://schemas.openxmlformats.org/presentationml/2006/main">
+  <p:cSld>
+    <p:spTree>
+      <p:nvGrpSpPr>
+        <p:cNvPr id="1" name=""/>
+        <p:cNvGrpSpPr/>
+        <p:nvPr/>
+      </p:nvGrpSpPr>
+      <p:grpSpPr>
+        <a:xfrm>
+          <a:off x="0" y="0"/>
+          <a:ext cx="0" cy="0"/>
+          <a:chOff x="0" y="0"/>
+          <a:chExt cx="0" cy="0"/>
+        </a:xfrm>
+      </p:grpSpPr>
+      <p:sp>
+        <p:nvSpPr>
+          <p:cNvPr id="2" name="Slide Image Placeholder 1"/>
+          <p:cNvSpPr>
+            <a:spLocks noGrp="1" noRot="1" noChangeAspect="1"/>
+          </p:cNvSpPr>
+          <p:nvPr>
+            <p:ph type="sldImg"/>
+          </p:nvPr>
+        </p:nvSpPr>
+        <p:spPr/>
+      </p:sp>
+      <p:sp>
+        <p:nvSpPr>
+          <p:cNvPr id="3" name="Notes Placeholder 2"/>
+          <p:cNvSpPr>
+            <a:spLocks noGrp="1"/>
+          </p:cNvSpPr>
+          <p:nvPr>
+            <p:ph type="body" idx="1"/>
+          </p:nvPr>
+        </p:nvSpPr>
+        <p:spPr/>
+        <p:txBody>
+          <a:bodyPr/>
+          <a:lstStyle/>
+          <a:p>
+            <a:r>
+              <a:rPr lang="en-US" dirty="0"/>
+              <a:t>Here is our solution. I have created a new color called </a:t>
+            </a:r>
+            <a:r>
+              <a:rPr lang="en-US" dirty="0" err="1"/>
+              <a:t>gameobj</a:t>
+            </a:r>
+            <a:r>
+              <a:rPr lang="en-US" dirty="0"/>
+              <a:t>, and then I am getting the material of the mesh. We have seen this code before in the </a:t>
+            </a:r>
+            <a:r>
+              <a:rPr lang="en-US" dirty="0" err="1"/>
+              <a:t>RandomColor.cs</a:t>
+            </a:r>
+            <a:r>
+              <a:rPr lang="en-US" dirty="0"/>
+              <a:t> script.  Then, we use our </a:t>
+            </a:r>
+            <a:r>
+              <a:rPr lang="en-US" dirty="0" err="1"/>
+              <a:t>PlayerPrefs</a:t>
+            </a:r>
+            <a:r>
+              <a:rPr lang="en-US" dirty="0"/>
+              <a:t> to set the string called “</a:t>
+            </a:r>
+            <a:r>
+              <a:rPr lang="en-US" dirty="0" err="1"/>
+              <a:t>storedColor</a:t>
+            </a:r>
+            <a:r>
+              <a:rPr lang="en-US" dirty="0"/>
+              <a:t>”. However, we can’t just convert a color to a string– a color is a visual entity. And up above on line 50, we cleanly defined our variable called json as a string, so there was no extra conversion necessary. We have to figure out how to return a string. For this, we can use our color utility </a:t>
+            </a:r>
+            <a:r>
+              <a:rPr lang="en-US" dirty="0" err="1"/>
+              <a:t>toHTMLStringRGB</a:t>
+            </a:r>
+            <a:r>
+              <a:rPr lang="en-US" dirty="0"/>
+              <a:t> to return a hexadecimal string representation of the color called </a:t>
+            </a:r>
+            <a:r>
+              <a:rPr lang="en-US" dirty="0" err="1"/>
+              <a:t>gameobj</a:t>
+            </a:r>
+            <a:r>
+              <a:rPr lang="en-US" dirty="0"/>
+              <a:t>.</a:t>
+            </a:r>
+          </a:p>
+        </p:txBody>
+      </p:sp>
+      <p:sp>
+        <p:nvSpPr>
+          <p:cNvPr id="4" name="Slide Number Placeholder 3"/>
+          <p:cNvSpPr>
+            <a:spLocks noGrp="1"/>
+          </p:cNvSpPr>
+          <p:nvPr>
+            <p:ph type="sldNum" sz="quarter" idx="5"/>
+          </p:nvPr>
+        </p:nvSpPr>
+        <p:spPr/>
+        <p:txBody>
+          <a:bodyPr/>
+          <a:lstStyle/>
+          <a:p>
+            <a:fld id="{926A4D28-551C-4E4A-9CE4-840CFB3B2FC0}" type="slidenum">
+              <a:rPr lang="en-US" smtClean="0"/>
+              <a:t>16</a:t>
+            </a:fld>
+            <a:endParaRPr lang="en-US"/>
+          </a:p>
+        </p:txBody>
+      </p:sp>
+    </p:spTree>
+    <p:extLst>
+      <p:ext uri="{BB962C8B-B14F-4D97-AF65-F5344CB8AC3E}">
+        <p14:creationId xmlns:p14="http://schemas.microsoft.com/office/powerpoint/2010/main" val="1452866539"/>
       </p:ext>
     </p:extLst>
   </p:cSld>
@@ -2352,15 +2606,7 @@
             </a:r>
             <a:r>
               <a:rPr lang="en-US" dirty="0"/>
-              <a:t> that contains floats for </a:t>
-            </a:r>
-            <a:r>
-              <a:rPr lang="en-US"/>
-              <a:t>the two </a:t>
-            </a:r>
-            <a:r>
-              <a:rPr lang="en-US" dirty="0"/>
-              <a:t>different </a:t>
+              <a:t> that contains floats for the two different </a:t>
             </a:r>
             <a:r>
               <a:rPr lang="en-US" dirty="0" err="1"/>
@@ -6903,12 +7149,54 @@
           </a:p>
         </p:txBody>
       </p:sp>
+      <p:sp>
+        <p:nvSpPr>
+          <p:cNvPr id="6" name="TextBox 5">
+            <a:extLst>
+              <a:ext uri="{FF2B5EF4-FFF2-40B4-BE49-F238E27FC236}">
+                <a16:creationId xmlns:a16="http://schemas.microsoft.com/office/drawing/2014/main" id="{0234EE75-74BC-48FF-A7DF-7C26E47111BF}"/>
+              </a:ext>
+            </a:extLst>
+          </p:cNvPr>
+          <p:cNvSpPr txBox="1"/>
+          <p:nvPr/>
+        </p:nvSpPr>
+        <p:spPr>
+          <a:xfrm>
+            <a:off x="8613059" y="6238800"/>
+            <a:ext cx="3303638" cy="369332"/>
+          </a:xfrm>
+          <a:prstGeom prst="rect">
+            <a:avLst/>
+          </a:prstGeom>
+          <a:solidFill>
+            <a:schemeClr val="accent2"/>
+          </a:solidFill>
+        </p:spPr>
+        <p:txBody>
+          <a:bodyPr wrap="square" rtlCol="0">
+            <a:spAutoFit/>
+          </a:bodyPr>
+          <a:lstStyle/>
+          <a:p>
+            <a:r>
+              <a:rPr lang="en-US" dirty="0"/>
+              <a:t>Assets/Scripts/</a:t>
+            </a:r>
+            <a:r>
+              <a:rPr lang="en-US" b="1" dirty="0" err="1"/>
+              <a:t>GameSave.CS</a:t>
+            </a:r>
+            <a:endParaRPr lang="en-US" b="1" dirty="0"/>
+          </a:p>
+        </p:txBody>
+      </p:sp>
       <p:pic>
         <p:nvPicPr>
-          <p:cNvPr id="5" name="Picture 4">
+          <p:cNvPr id="8" name="Picture 7">
             <a:extLst>
               <a:ext uri="{FF2B5EF4-FFF2-40B4-BE49-F238E27FC236}">
-                <a16:creationId xmlns:a16="http://schemas.microsoft.com/office/drawing/2014/main" id="{CB820EFE-DB63-4270-801A-4E767DFEA2DA}"/>
+                <a16:creationId xmlns:a16="http://schemas.microsoft.com/office/drawing/2014/main" id="{6B197C64-AD9D-4FCF-AC12-67199728E95B}"/>
               </a:ext>
             </a:extLst>
           </p:cNvPr>
@@ -6925,20 +7213,200 @@
         </p:blipFill>
         <p:spPr>
           <a:xfrm>
-            <a:off x="2866564" y="2112674"/>
-            <a:ext cx="6233191" cy="2632652"/>
+            <a:off x="2634276" y="1443329"/>
+            <a:ext cx="6657975" cy="2507365"/>
           </a:xfrm>
           <a:prstGeom prst="rect">
             <a:avLst/>
           </a:prstGeom>
         </p:spPr>
       </p:pic>
+      <p:pic>
+        <p:nvPicPr>
+          <p:cNvPr id="10" name="Picture 9">
+            <a:extLst>
+              <a:ext uri="{FF2B5EF4-FFF2-40B4-BE49-F238E27FC236}">
+                <a16:creationId xmlns:a16="http://schemas.microsoft.com/office/drawing/2014/main" id="{1F995DC2-A035-4CB0-8508-3E2A5448A68B}"/>
+              </a:ext>
+            </a:extLst>
+          </p:cNvPr>
+          <p:cNvPicPr>
+            <a:picLocks noChangeAspect="1"/>
+          </p:cNvPicPr>
+          <p:nvPr/>
+        </p:nvPicPr>
+        <p:blipFill>
+          <a:blip r:embed="rId4"/>
+          <a:stretch>
+            <a:fillRect/>
+          </a:stretch>
+        </p:blipFill>
+        <p:spPr>
+          <a:xfrm>
+            <a:off x="2883913" y="4184655"/>
+            <a:ext cx="6158699" cy="1379047"/>
+          </a:xfrm>
+          <a:prstGeom prst="rect">
+            <a:avLst/>
+          </a:prstGeom>
+        </p:spPr>
+      </p:pic>
+      <p:sp>
+        <p:nvSpPr>
+          <p:cNvPr id="11" name="Rectangle: Diagonal Corners Rounded 10">
+            <a:extLst>
+              <a:ext uri="{FF2B5EF4-FFF2-40B4-BE49-F238E27FC236}">
+                <a16:creationId xmlns:a16="http://schemas.microsoft.com/office/drawing/2014/main" id="{65B5977A-9BAC-45C3-AD1E-E41395CA28E1}"/>
+              </a:ext>
+            </a:extLst>
+          </p:cNvPr>
+          <p:cNvSpPr/>
+          <p:nvPr/>
+        </p:nvSpPr>
+        <p:spPr>
+          <a:xfrm>
+            <a:off x="6096000" y="296283"/>
+            <a:ext cx="5820697" cy="486929"/>
+          </a:xfrm>
+          <a:prstGeom prst="round2DiagRect">
+            <a:avLst/>
+          </a:prstGeom>
+        </p:spPr>
+        <p:style>
+          <a:lnRef idx="2">
+            <a:schemeClr val="accent1">
+              <a:shade val="50000"/>
+            </a:schemeClr>
+          </a:lnRef>
+          <a:fillRef idx="1">
+            <a:schemeClr val="accent1"/>
+          </a:fillRef>
+          <a:effectRef idx="0">
+            <a:schemeClr val="accent1"/>
+          </a:effectRef>
+          <a:fontRef idx="minor">
+            <a:schemeClr val="lt1"/>
+          </a:fontRef>
+        </p:style>
+        <p:txBody>
+          <a:bodyPr rtlCol="0" anchor="ctr"/>
+          <a:lstStyle/>
+          <a:p>
+            <a:pPr algn="l"/>
+            <a:r>
+              <a:rPr lang="en-US" dirty="0"/>
+              <a:t>Syntax: </a:t>
+            </a:r>
+            <a:r>
+              <a:rPr lang="en-US" dirty="0" err="1"/>
+              <a:t>PlayerPrefs.SetString</a:t>
+            </a:r>
+            <a:r>
+              <a:rPr lang="en-US" dirty="0"/>
+              <a:t>(string key, string value);</a:t>
+            </a:r>
+          </a:p>
+        </p:txBody>
+      </p:sp>
+    </p:spTree>
+    <p:extLst>
+      <p:ext uri="{BB962C8B-B14F-4D97-AF65-F5344CB8AC3E}">
+        <p14:creationId xmlns:p14="http://schemas.microsoft.com/office/powerpoint/2010/main" val="3370567701"/>
+      </p:ext>
+    </p:extLst>
+  </p:cSld>
+  <p:clrMapOvr>
+    <a:masterClrMapping/>
+  </p:clrMapOvr>
+</p:sld>
+</file>
+
+<file path=ppt/slides/slide15.xml><?xml version="1.0" encoding="utf-8"?>
+<p:sld xmlns:a="http://schemas.openxmlformats.org/drawingml/2006/main" xmlns:r="http://schemas.openxmlformats.org/officeDocument/2006/relationships" xmlns:p="http://schemas.openxmlformats.org/presentationml/2006/main">
+  <p:cSld>
+    <p:spTree>
+      <p:nvGrpSpPr>
+        <p:cNvPr id="1" name=""/>
+        <p:cNvGrpSpPr/>
+        <p:nvPr/>
+      </p:nvGrpSpPr>
+      <p:grpSpPr>
+        <a:xfrm>
+          <a:off x="0" y="0"/>
+          <a:ext cx="0" cy="0"/>
+          <a:chOff x="0" y="0"/>
+          <a:chExt cx="0" cy="0"/>
+        </a:xfrm>
+      </p:grpSpPr>
+      <p:sp>
+        <p:nvSpPr>
+          <p:cNvPr id="2" name="Title 1">
+            <a:extLst>
+              <a:ext uri="{FF2B5EF4-FFF2-40B4-BE49-F238E27FC236}">
+                <a16:creationId xmlns:a16="http://schemas.microsoft.com/office/drawing/2014/main" id="{325FE748-1252-4295-8DD6-6918721A2DA4}"/>
+              </a:ext>
+            </a:extLst>
+          </p:cNvPr>
+          <p:cNvSpPr>
+            <a:spLocks noGrp="1"/>
+          </p:cNvSpPr>
+          <p:nvPr>
+            <p:ph type="title"/>
+          </p:nvPr>
+        </p:nvSpPr>
+        <p:spPr>
+          <a:xfrm>
+            <a:off x="720000" y="619200"/>
+            <a:ext cx="10728322" cy="634413"/>
+          </a:xfrm>
+        </p:spPr>
+        <p:txBody>
+          <a:bodyPr/>
+          <a:lstStyle/>
+          <a:p>
+            <a:r>
+              <a:rPr lang="en-US" dirty="0"/>
+              <a:t>Problem</a:t>
+            </a:r>
+          </a:p>
+        </p:txBody>
+      </p:sp>
+      <p:pic>
+        <p:nvPicPr>
+          <p:cNvPr id="5" name="Picture 4">
+            <a:extLst>
+              <a:ext uri="{FF2B5EF4-FFF2-40B4-BE49-F238E27FC236}">
+                <a16:creationId xmlns:a16="http://schemas.microsoft.com/office/drawing/2014/main" id="{AD68F913-F7ED-408F-957F-4FE16C076B85}"/>
+              </a:ext>
+            </a:extLst>
+          </p:cNvPr>
+          <p:cNvPicPr>
+            <a:picLocks noChangeAspect="1"/>
+          </p:cNvPicPr>
+          <p:nvPr/>
+        </p:nvPicPr>
+        <p:blipFill>
+          <a:blip r:embed="rId3"/>
+          <a:stretch>
+            <a:fillRect/>
+          </a:stretch>
+        </p:blipFill>
+        <p:spPr>
+          <a:xfrm>
+            <a:off x="5444760" y="1888026"/>
+            <a:ext cx="6318993" cy="3501937"/>
+          </a:xfrm>
+          <a:prstGeom prst="rect">
+            <a:avLst/>
+          </a:prstGeom>
+        </p:spPr>
+      </p:pic>
       <p:sp>
         <p:nvSpPr>
           <p:cNvPr id="6" name="TextBox 5">
             <a:extLst>
               <a:ext uri="{FF2B5EF4-FFF2-40B4-BE49-F238E27FC236}">
-                <a16:creationId xmlns:a16="http://schemas.microsoft.com/office/drawing/2014/main" id="{0234EE75-74BC-48FF-A7DF-7C26E47111BF}"/>
+                <a16:creationId xmlns:a16="http://schemas.microsoft.com/office/drawing/2014/main" id="{19D6BA15-D94F-4AF9-B2D3-830CF71ED4ED}"/>
               </a:ext>
             </a:extLst>
           </p:cNvPr>
@@ -6947,8 +7415,8 @@
         </p:nvSpPr>
         <p:spPr>
           <a:xfrm>
-            <a:off x="8613059" y="6238800"/>
-            <a:ext cx="3303638" cy="369332"/>
+            <a:off x="9040762" y="6238800"/>
+            <a:ext cx="2890683" cy="369332"/>
           </a:xfrm>
           <a:prstGeom prst="rect">
             <a:avLst/>
@@ -6965,20 +7433,283 @@
           <a:p>
             <a:r>
               <a:rPr lang="en-US" dirty="0"/>
-              <a:t>Assets/Scripts/</a:t>
+              <a:t>Problems/</a:t>
             </a:r>
             <a:r>
               <a:rPr lang="en-US" b="1" dirty="0" err="1"/>
-              <a:t>GameSave.CS</a:t>
+              <a:t>SaveGame.CS</a:t>
             </a:r>
             <a:endParaRPr lang="en-US" b="1" dirty="0"/>
+          </a:p>
+        </p:txBody>
+      </p:sp>
+      <p:sp>
+        <p:nvSpPr>
+          <p:cNvPr id="7" name="Content Placeholder 2">
+            <a:extLst>
+              <a:ext uri="{FF2B5EF4-FFF2-40B4-BE49-F238E27FC236}">
+                <a16:creationId xmlns:a16="http://schemas.microsoft.com/office/drawing/2014/main" id="{1DB9EDA9-1E78-472F-AE80-24DE8DD534B0}"/>
+              </a:ext>
+            </a:extLst>
+          </p:cNvPr>
+          <p:cNvSpPr>
+            <a:spLocks noGrp="1"/>
+          </p:cNvSpPr>
+          <p:nvPr>
+            <p:ph idx="1"/>
+          </p:nvPr>
+        </p:nvSpPr>
+        <p:spPr>
+          <a:xfrm>
+            <a:off x="719997" y="1253613"/>
+            <a:ext cx="10728325" cy="4441620"/>
+          </a:xfrm>
+        </p:spPr>
+        <p:txBody>
+          <a:bodyPr/>
+          <a:lstStyle/>
+          <a:p>
+            <a:r>
+              <a:rPr lang="en-US" dirty="0"/>
+              <a:t>Convert the player color value to a string, with the key “</a:t>
+            </a:r>
+            <a:r>
+              <a:rPr lang="en-US" dirty="0" err="1"/>
+              <a:t>StoredColor</a:t>
+            </a:r>
+            <a:r>
+              <a:rPr lang="en-US" dirty="0"/>
+              <a:t>”.</a:t>
+            </a:r>
+          </a:p>
+        </p:txBody>
+      </p:sp>
+      <p:pic>
+        <p:nvPicPr>
+          <p:cNvPr id="9" name="Picture 8">
+            <a:extLst>
+              <a:ext uri="{FF2B5EF4-FFF2-40B4-BE49-F238E27FC236}">
+                <a16:creationId xmlns:a16="http://schemas.microsoft.com/office/drawing/2014/main" id="{BEB2E1A5-CC7A-42BE-AD32-6523164064E8}"/>
+              </a:ext>
+            </a:extLst>
+          </p:cNvPr>
+          <p:cNvPicPr>
+            <a:picLocks noChangeAspect="1"/>
+          </p:cNvPicPr>
+          <p:nvPr/>
+        </p:nvPicPr>
+        <p:blipFill>
+          <a:blip r:embed="rId4"/>
+          <a:stretch>
+            <a:fillRect/>
+          </a:stretch>
+        </p:blipFill>
+        <p:spPr>
+          <a:xfrm>
+            <a:off x="330106" y="3182869"/>
+            <a:ext cx="4799223" cy="912249"/>
+          </a:xfrm>
+          <a:prstGeom prst="rect">
+            <a:avLst/>
+          </a:prstGeom>
+        </p:spPr>
+      </p:pic>
+      <p:sp>
+        <p:nvSpPr>
+          <p:cNvPr id="11" name="Rectangle: Diagonal Corners Rounded 10">
+            <a:extLst>
+              <a:ext uri="{FF2B5EF4-FFF2-40B4-BE49-F238E27FC236}">
+                <a16:creationId xmlns:a16="http://schemas.microsoft.com/office/drawing/2014/main" id="{26F1DD8D-8088-46EF-9377-C2E21C3EA9EB}"/>
+              </a:ext>
+            </a:extLst>
+          </p:cNvPr>
+          <p:cNvSpPr/>
+          <p:nvPr/>
+        </p:nvSpPr>
+        <p:spPr>
+          <a:xfrm>
+            <a:off x="6096000" y="296283"/>
+            <a:ext cx="5820697" cy="486929"/>
+          </a:xfrm>
+          <a:prstGeom prst="round2DiagRect">
+            <a:avLst/>
+          </a:prstGeom>
+        </p:spPr>
+        <p:style>
+          <a:lnRef idx="2">
+            <a:schemeClr val="accent1">
+              <a:shade val="50000"/>
+            </a:schemeClr>
+          </a:lnRef>
+          <a:fillRef idx="1">
+            <a:schemeClr val="accent1"/>
+          </a:fillRef>
+          <a:effectRef idx="0">
+            <a:schemeClr val="accent1"/>
+          </a:effectRef>
+          <a:fontRef idx="minor">
+            <a:schemeClr val="lt1"/>
+          </a:fontRef>
+        </p:style>
+        <p:txBody>
+          <a:bodyPr rtlCol="0" anchor="ctr"/>
+          <a:lstStyle/>
+          <a:p>
+            <a:pPr algn="l"/>
+            <a:r>
+              <a:rPr lang="en-US" dirty="0"/>
+              <a:t>Syntax: </a:t>
+            </a:r>
+            <a:r>
+              <a:rPr lang="en-US" dirty="0" err="1"/>
+              <a:t>PlayerPrefs.SetString</a:t>
+            </a:r>
+            <a:r>
+              <a:rPr lang="en-US" dirty="0"/>
+              <a:t>(string key, string value);</a:t>
+            </a:r>
           </a:p>
         </p:txBody>
       </p:sp>
     </p:spTree>
     <p:extLst>
       <p:ext uri="{BB962C8B-B14F-4D97-AF65-F5344CB8AC3E}">
-        <p14:creationId xmlns:p14="http://schemas.microsoft.com/office/powerpoint/2010/main" val="3370567701"/>
+        <p14:creationId xmlns:p14="http://schemas.microsoft.com/office/powerpoint/2010/main" val="2553831529"/>
+      </p:ext>
+    </p:extLst>
+  </p:cSld>
+  <p:clrMapOvr>
+    <a:masterClrMapping/>
+  </p:clrMapOvr>
+</p:sld>
+</file>
+
+<file path=ppt/slides/slide16.xml><?xml version="1.0" encoding="utf-8"?>
+<p:sld xmlns:a="http://schemas.openxmlformats.org/drawingml/2006/main" xmlns:r="http://schemas.openxmlformats.org/officeDocument/2006/relationships" xmlns:p="http://schemas.openxmlformats.org/presentationml/2006/main">
+  <p:cSld>
+    <p:spTree>
+      <p:nvGrpSpPr>
+        <p:cNvPr id="1" name=""/>
+        <p:cNvGrpSpPr/>
+        <p:nvPr/>
+      </p:nvGrpSpPr>
+      <p:grpSpPr>
+        <a:xfrm>
+          <a:off x="0" y="0"/>
+          <a:ext cx="0" cy="0"/>
+          <a:chOff x="0" y="0"/>
+          <a:chExt cx="0" cy="0"/>
+        </a:xfrm>
+      </p:grpSpPr>
+      <p:sp>
+        <p:nvSpPr>
+          <p:cNvPr id="2" name="Title 1">
+            <a:extLst>
+              <a:ext uri="{FF2B5EF4-FFF2-40B4-BE49-F238E27FC236}">
+                <a16:creationId xmlns:a16="http://schemas.microsoft.com/office/drawing/2014/main" id="{18C1C4ED-2B23-4081-8832-AEFF438FBD38}"/>
+              </a:ext>
+            </a:extLst>
+          </p:cNvPr>
+          <p:cNvSpPr>
+            <a:spLocks noGrp="1"/>
+          </p:cNvSpPr>
+          <p:nvPr>
+            <p:ph type="title"/>
+          </p:nvPr>
+        </p:nvSpPr>
+        <p:spPr>
+          <a:xfrm>
+            <a:off x="720000" y="619200"/>
+            <a:ext cx="10728322" cy="649161"/>
+          </a:xfrm>
+        </p:spPr>
+        <p:txBody>
+          <a:bodyPr/>
+          <a:lstStyle/>
+          <a:p>
+            <a:r>
+              <a:rPr lang="en-US" dirty="0"/>
+              <a:t>Solution</a:t>
+            </a:r>
+          </a:p>
+        </p:txBody>
+      </p:sp>
+      <p:sp>
+        <p:nvSpPr>
+          <p:cNvPr id="4" name="TextBox 3">
+            <a:extLst>
+              <a:ext uri="{FF2B5EF4-FFF2-40B4-BE49-F238E27FC236}">
+                <a16:creationId xmlns:a16="http://schemas.microsoft.com/office/drawing/2014/main" id="{FC784092-D960-4DA8-8D1F-546DD4FE083D}"/>
+              </a:ext>
+            </a:extLst>
+          </p:cNvPr>
+          <p:cNvSpPr txBox="1"/>
+          <p:nvPr/>
+        </p:nvSpPr>
+        <p:spPr>
+          <a:xfrm>
+            <a:off x="8613059" y="6238800"/>
+            <a:ext cx="3303638" cy="369332"/>
+          </a:xfrm>
+          <a:prstGeom prst="rect">
+            <a:avLst/>
+          </a:prstGeom>
+          <a:solidFill>
+            <a:schemeClr val="accent2"/>
+          </a:solidFill>
+        </p:spPr>
+        <p:txBody>
+          <a:bodyPr wrap="square" rtlCol="0">
+            <a:spAutoFit/>
+          </a:bodyPr>
+          <a:lstStyle/>
+          <a:p>
+            <a:r>
+              <a:rPr lang="en-US" dirty="0"/>
+              <a:t>Assets/Scripts/</a:t>
+            </a:r>
+            <a:r>
+              <a:rPr lang="en-US" b="1" dirty="0" err="1"/>
+              <a:t>GameSave.CS</a:t>
+            </a:r>
+            <a:endParaRPr lang="en-US" b="1" dirty="0"/>
+          </a:p>
+        </p:txBody>
+      </p:sp>
+      <p:pic>
+        <p:nvPicPr>
+          <p:cNvPr id="8" name="Picture 7">
+            <a:extLst>
+              <a:ext uri="{FF2B5EF4-FFF2-40B4-BE49-F238E27FC236}">
+                <a16:creationId xmlns:a16="http://schemas.microsoft.com/office/drawing/2014/main" id="{D3756466-6015-4F05-A5A0-B98DA56B58C1}"/>
+              </a:ext>
+            </a:extLst>
+          </p:cNvPr>
+          <p:cNvPicPr>
+            <a:picLocks noChangeAspect="1"/>
+          </p:cNvPicPr>
+          <p:nvPr/>
+        </p:nvPicPr>
+        <p:blipFill>
+          <a:blip r:embed="rId3"/>
+          <a:stretch>
+            <a:fillRect/>
+          </a:stretch>
+        </p:blipFill>
+        <p:spPr>
+          <a:xfrm>
+            <a:off x="1769632" y="1678543"/>
+            <a:ext cx="8652735" cy="3620914"/>
+          </a:xfrm>
+          <a:prstGeom prst="rect">
+            <a:avLst/>
+          </a:prstGeom>
+        </p:spPr>
+      </p:pic>
+    </p:spTree>
+    <p:extLst>
+      <p:ext uri="{BB962C8B-B14F-4D97-AF65-F5344CB8AC3E}">
+        <p14:creationId xmlns:p14="http://schemas.microsoft.com/office/powerpoint/2010/main" val="2699655878"/>
       </p:ext>
     </p:extLst>
   </p:cSld>
@@ -10247,10 +10978,17 @@
           <a:lstStyle/>
           <a:p>
             <a:r>
-              <a:rPr lang="en-US"/>
-              <a:t>Create a serialized class in SavePosition.cs that contains floats for the three different axes.</a:t>
-            </a:r>
-            <a:endParaRPr lang="en-US" dirty="0"/>
+              <a:rPr lang="en-US" dirty="0"/>
+              <a:t>Create a serialized class in </a:t>
+            </a:r>
+            <a:r>
+              <a:rPr lang="en-US" dirty="0" err="1"/>
+              <a:t>SavePosition.cs</a:t>
+            </a:r>
+            <a:r>
+              <a:rPr lang="en-US" dirty="0"/>
+              <a:t> that contains floats for the three different axes.</a:t>
+            </a:r>
           </a:p>
         </p:txBody>
       </p:sp>

--- a/Serialization/Lecture.pptx
+++ b/Serialization/Lecture.pptx
@@ -5,7 +5,7 @@
     <p:sldMasterId id="2147483673" r:id="rId1"/>
   </p:sldMasterIdLst>
   <p:notesMasterIdLst>
-    <p:notesMasterId r:id="rId18"/>
+    <p:notesMasterId r:id="rId23"/>
   </p:notesMasterIdLst>
   <p:sldIdLst>
     <p:sldId id="256" r:id="rId2"/>
@@ -24,6 +24,11 @@
     <p:sldId id="269" r:id="rId15"/>
     <p:sldId id="270" r:id="rId16"/>
     <p:sldId id="271" r:id="rId17"/>
+    <p:sldId id="272" r:id="rId18"/>
+    <p:sldId id="273" r:id="rId19"/>
+    <p:sldId id="274" r:id="rId20"/>
+    <p:sldId id="275" r:id="rId21"/>
+    <p:sldId id="276" r:id="rId22"/>
   </p:sldIdLst>
   <p:sldSz cx="12192000" cy="6858000"/>
   <p:notesSz cx="6858000" cy="9144000"/>
@@ -212,7 +217,7 @@
           <a:p>
             <a:fld id="{9D34BB2E-FA80-4188-911D-CC43776BF2BD}" type="datetimeFigureOut">
               <a:rPr lang="en-US" smtClean="0"/>
-              <a:t>12/13/2020</a:t>
+              <a:t>12/15/2020</a:t>
             </a:fld>
             <a:endParaRPr lang="en-US"/>
           </a:p>
@@ -523,7 +528,19 @@
           <a:bodyPr/>
           <a:lstStyle/>
           <a:p>
+            <a:r>
+              <a:rPr lang="en-US" dirty="0"/>
+              <a:t>This lecture looks a little different than my last one due to a longer time frame as well as the assumption that my students have prior programming knowledge, and don’t need to see me do it in real time.</a:t>
+            </a:r>
+          </a:p>
+          <a:p>
             <a:endParaRPr lang="en-US" dirty="0"/>
+          </a:p>
+          <a:p>
+            <a:r>
+              <a:rPr lang="en-US" dirty="0"/>
+              <a:t>This includes Giving my students problems throughout the lectures as a way to create engagement by encouraging questions and getting them familiar with searching the Unity documentation site and what kinds of queries to use when looking for something. I generally give them a few minutes to figure it out and ask questions, and then we go over the answer. I give them a folder of all the example scripts with the problems and solutions.</a:t>
+            </a:r>
           </a:p>
         </p:txBody>
       </p:sp>
@@ -544,7 +561,7 @@
           <a:p>
             <a:fld id="{926A4D28-551C-4E4A-9CE4-840CFB3B2FC0}" type="slidenum">
               <a:rPr lang="en-US" smtClean="0"/>
-              <a:t>2</a:t>
+              <a:t>1</a:t>
             </a:fld>
             <a:endParaRPr lang="en-US"/>
           </a:p>
@@ -553,7 +570,7 @@
     </p:spTree>
     <p:extLst>
       <p:ext uri="{BB962C8B-B14F-4D97-AF65-F5344CB8AC3E}">
-        <p14:creationId xmlns:p14="http://schemas.microsoft.com/office/powerpoint/2010/main" val="1753178092"/>
+        <p14:creationId xmlns:p14="http://schemas.microsoft.com/office/powerpoint/2010/main" val="3331249257"/>
       </p:ext>
     </p:extLst>
   </p:cSld>
@@ -609,125 +626,23 @@
           <a:p>
             <a:r>
               <a:rPr lang="en-US" dirty="0"/>
-              <a:t>We also have our </a:t>
+              <a:t>So here is what our answer is going to look like. The floats themselves are public and primitive-- they are automatically serialized per our serialization rules, so this is all you needed to add. However, I want to point out the [</a:t>
             </a:r>
             <a:r>
               <a:rPr lang="en-US" dirty="0" err="1"/>
-              <a:t>PlayerController</a:t>
-            </a:r>
-            <a:r>
-              <a:rPr lang="en-US" dirty="0"/>
-              <a:t> script. We want our player to freely be able to move about in order to test our serialization, so we are going to allow the use of arrow keys to place the player wherever we want it, over and over again.</a:t>
-            </a:r>
-          </a:p>
-          <a:p>
-            <a:endParaRPr lang="en-US" dirty="0"/>
-          </a:p>
-          <a:p>
-            <a:r>
-              <a:rPr lang="en-US" dirty="0"/>
-              <a:t>We are utilizing our </a:t>
+              <a:t>system.serializable</a:t>
+            </a:r>
+            <a:r>
+              <a:rPr lang="en-US" dirty="0"/>
+              <a:t>] attribute on line 5. We are going to be using this </a:t>
             </a:r>
             <a:r>
               <a:rPr lang="en-US" dirty="0" err="1"/>
-              <a:t>monobehavior</a:t>
-            </a:r>
-            <a:r>
-              <a:rPr lang="en-US" dirty="0"/>
-              <a:t> here by putting everything inside the Update() method, which will get refreshed every frame.</a:t>
-            </a:r>
-          </a:p>
-          <a:p>
-            <a:endParaRPr lang="en-US" dirty="0"/>
-          </a:p>
-          <a:p>
-            <a:r>
-              <a:rPr lang="en-US" dirty="0"/>
-              <a:t>On line 7 we are declaring our speed as a public float, which is automatically serialized and viewable from within the inspector. </a:t>
-            </a:r>
-          </a:p>
-          <a:p>
-            <a:endParaRPr lang="en-US" dirty="0"/>
-          </a:p>
-          <a:p>
-            <a:r>
-              <a:rPr lang="en-US" dirty="0"/>
-              <a:t>We have our four </a:t>
-            </a:r>
-            <a:r>
-              <a:rPr lang="en-US" dirty="0" err="1"/>
-              <a:t>Input.GetKeys</a:t>
-            </a:r>
-            <a:r>
-              <a:rPr lang="en-US" dirty="0"/>
-              <a:t> declared for the arrow keys, and I’m going to declare a Vector2 called position for each of these. I’m going to go ahead and use a vector2 here rather than a vector3 because I’m going to keep our player off the Z axis with our key inputs for this example.</a:t>
-            </a:r>
-          </a:p>
-          <a:p>
-            <a:endParaRPr lang="en-US" dirty="0"/>
-          </a:p>
-          <a:p>
-            <a:r>
-              <a:rPr lang="en-US" dirty="0"/>
-              <a:t>For the left and right arrow inputs declared on lines 11 and 17, I want to use </a:t>
-            </a:r>
-            <a:r>
-              <a:rPr lang="en-US" dirty="0" err="1"/>
-              <a:t>position.x</a:t>
-            </a:r>
-            <a:r>
-              <a:rPr lang="en-US" dirty="0"/>
-              <a:t> because we want our box to move along the x axis– left and right. </a:t>
-            </a:r>
-            <a:r>
-              <a:rPr lang="en-US" dirty="0" err="1"/>
-              <a:t>Position.x</a:t>
-            </a:r>
-            <a:r>
-              <a:rPr lang="en-US" dirty="0"/>
-              <a:t> will be += to speed when we want it to move in the right, and it will be -= to speed when we want it to move to the left. We’ll then set the value for position equal to </a:t>
-            </a:r>
-            <a:r>
-              <a:rPr lang="en-US" dirty="0" err="1"/>
-              <a:t>transform.position</a:t>
-            </a:r>
-            <a:r>
-              <a:rPr lang="en-US" dirty="0"/>
-              <a:t>, so the player will visibly respond.</a:t>
-            </a:r>
-          </a:p>
-          <a:p>
-            <a:endParaRPr lang="en-US" dirty="0"/>
-          </a:p>
-          <a:p>
-            <a:r>
-              <a:rPr lang="en-US" dirty="0"/>
-              <a:t>Everything is the same for our up and down arrows, however, instead of using </a:t>
-            </a:r>
-            <a:r>
-              <a:rPr lang="en-US" dirty="0" err="1"/>
-              <a:t>position.x</a:t>
-            </a:r>
-            <a:r>
-              <a:rPr lang="en-US" dirty="0"/>
-              <a:t>, we will use </a:t>
-            </a:r>
-            <a:r>
-              <a:rPr lang="en-US" dirty="0" err="1"/>
-              <a:t>position.y</a:t>
-            </a:r>
-            <a:r>
-              <a:rPr lang="en-US" dirty="0"/>
-              <a:t>, so we can move our object along the y axis instead.</a:t>
-            </a:r>
-          </a:p>
-          <a:p>
-            <a:endParaRPr lang="en-US" dirty="0"/>
-          </a:p>
-          <a:p>
-            <a:r>
-              <a:rPr lang="en-US" dirty="0"/>
-              <a:t>This script will need to be added to our player object, which in this case, is the cube.</a:t>
+              <a:t>SavePosition</a:t>
+            </a:r>
+            <a:r>
+              <a:rPr lang="en-US" dirty="0"/>
+              <a:t> class in our game save script because we want these floats to jump across our scripts. Therefore, we are going to make our entire class serializable using this attribute.</a:t>
             </a:r>
           </a:p>
         </p:txBody>
@@ -749,7 +664,7 @@
           <a:p>
             <a:fld id="{926A4D28-551C-4E4A-9CE4-840CFB3B2FC0}" type="slidenum">
               <a:rPr lang="en-US" smtClean="0"/>
-              <a:t>11</a:t>
+              <a:t>10</a:t>
             </a:fld>
             <a:endParaRPr lang="en-US"/>
           </a:p>
@@ -758,7 +673,7 @@
     </p:spTree>
     <p:extLst>
       <p:ext uri="{BB962C8B-B14F-4D97-AF65-F5344CB8AC3E}">
-        <p14:creationId xmlns:p14="http://schemas.microsoft.com/office/powerpoint/2010/main" val="568128246"/>
+        <p14:creationId xmlns:p14="http://schemas.microsoft.com/office/powerpoint/2010/main" val="2180905226"/>
       </p:ext>
     </p:extLst>
   </p:cSld>
@@ -814,15 +729,24 @@
           <a:p>
             <a:r>
               <a:rPr lang="en-US" dirty="0"/>
-              <a:t>Next, we want to generate a randomized color of our object. For this one, we want the entire class to be serialized as well, so we’ll use the </a:t>
+              <a:t>We also have our </a:t>
             </a:r>
             <a:r>
               <a:rPr lang="en-US" dirty="0" err="1"/>
-              <a:t>System.Serializable</a:t>
-            </a:r>
-            <a:r>
-              <a:rPr lang="en-US" dirty="0"/>
-              <a:t> attribute. We will be using the Start method, so we need to inherit from </a:t>
+              <a:t>PlayerController</a:t>
+            </a:r>
+            <a:r>
+              <a:rPr lang="en-US" dirty="0"/>
+              <a:t> script. We want our player to freely be able to move about in order to test our serialization, so we are going to allow the use of arrow keys to place the player wherever we want it, over and over again.</a:t>
+            </a:r>
+          </a:p>
+          <a:p>
+            <a:endParaRPr lang="en-US" dirty="0"/>
+          </a:p>
+          <a:p>
+            <a:r>
+              <a:rPr lang="en-US" dirty="0"/>
+              <a:t>We are utilizing our </a:t>
             </a:r>
             <a:r>
               <a:rPr lang="en-US" dirty="0" err="1"/>
@@ -830,15 +754,33 @@
             </a:r>
             <a:r>
               <a:rPr lang="en-US" dirty="0"/>
-              <a:t>. We declare a public color called </a:t>
+              <a:t> here by putting everything inside the Update() method, which will get refreshed every frame.</a:t>
+            </a:r>
+          </a:p>
+          <a:p>
+            <a:endParaRPr lang="en-US" dirty="0"/>
+          </a:p>
+          <a:p>
+            <a:r>
+              <a:rPr lang="en-US" dirty="0"/>
+              <a:t>On line 7 we are declaring our speed as a public float, which is automatically serialized and viewable from within the inspector. </a:t>
+            </a:r>
+          </a:p>
+          <a:p>
+            <a:endParaRPr lang="en-US" dirty="0"/>
+          </a:p>
+          <a:p>
+            <a:r>
+              <a:rPr lang="en-US" dirty="0"/>
+              <a:t>We have our four </a:t>
             </a:r>
             <a:r>
               <a:rPr lang="en-US" dirty="0" err="1"/>
-              <a:t>ColorBank</a:t>
-            </a:r>
-            <a:r>
-              <a:rPr lang="en-US" dirty="0"/>
-              <a:t>, which is public and is a type that is serializable, so it will show up in our inspector. </a:t>
+              <a:t>Input.GetKeys</a:t>
+            </a:r>
+            <a:r>
+              <a:rPr lang="en-US" dirty="0"/>
+              <a:t> declared for the arrow keys, and I’m going to declare a Vector2 called position for each of these. I’m going to go ahead and use a vector2 here rather than a vector3 because I’m going to keep our player off the Z axis with our key inputs for this example.</a:t>
             </a:r>
           </a:p>
           <a:p>
@@ -847,15 +789,31 @@
           <a:p>
             <a:r>
               <a:rPr lang="en-US" dirty="0"/>
-              <a:t>Inside the start method, which will be called once at the beginning of game play, we declare an integer called Num on line 14. This will assign a random number from the range of zero to however many colors we have defined in our color bank. On line 15 we pull in the information from our Mesh </a:t>
+              <a:t>For the left and right arrow inputs declared on lines 11 and 17, I want to use </a:t>
             </a:r>
             <a:r>
               <a:rPr lang="en-US" dirty="0" err="1"/>
-              <a:t>Rendererer</a:t>
-            </a:r>
-            <a:r>
-              <a:rPr lang="en-US" dirty="0"/>
-              <a:t> for whatever object this script is assigned to, and then on line 16 we are changing the material color based on the assigned color associated with the randomly generated number.</a:t>
+              <a:t>position.x</a:t>
+            </a:r>
+            <a:r>
+              <a:rPr lang="en-US" dirty="0"/>
+              <a:t> because we want our box to move along the x axis– left and right. </a:t>
+            </a:r>
+            <a:r>
+              <a:rPr lang="en-US" dirty="0" err="1"/>
+              <a:t>Position.x</a:t>
+            </a:r>
+            <a:r>
+              <a:rPr lang="en-US" dirty="0"/>
+              <a:t> will be += to speed when we want it to move in the right, and it will be -= to speed when we want it to move to the left. We’ll then set the value for position equal to </a:t>
+            </a:r>
+            <a:r>
+              <a:rPr lang="en-US" dirty="0" err="1"/>
+              <a:t>transform.position</a:t>
+            </a:r>
+            <a:r>
+              <a:rPr lang="en-US" dirty="0"/>
+              <a:t>, so the player will visibly respond.</a:t>
             </a:r>
           </a:p>
           <a:p>
@@ -864,7 +822,32 @@
           <a:p>
             <a:r>
               <a:rPr lang="en-US" dirty="0"/>
-              <a:t>This script will also need to be applied to our player object, which again, is our cube.</a:t>
+              <a:t>Everything is the same for our up and down arrows, however, instead of using </a:t>
+            </a:r>
+            <a:r>
+              <a:rPr lang="en-US" dirty="0" err="1"/>
+              <a:t>position.x</a:t>
+            </a:r>
+            <a:r>
+              <a:rPr lang="en-US" dirty="0"/>
+              <a:t>, we will use </a:t>
+            </a:r>
+            <a:r>
+              <a:rPr lang="en-US" dirty="0" err="1"/>
+              <a:t>position.y</a:t>
+            </a:r>
+            <a:r>
+              <a:rPr lang="en-US" dirty="0"/>
+              <a:t>, so we can move our object along the y axis instead.</a:t>
+            </a:r>
+          </a:p>
+          <a:p>
+            <a:endParaRPr lang="en-US" dirty="0"/>
+          </a:p>
+          <a:p>
+            <a:r>
+              <a:rPr lang="en-US" dirty="0"/>
+              <a:t>This script will need to be added to our player object, which in this case, is the cube.</a:t>
             </a:r>
           </a:p>
         </p:txBody>
@@ -886,7 +869,7 @@
           <a:p>
             <a:fld id="{926A4D28-551C-4E4A-9CE4-840CFB3B2FC0}" type="slidenum">
               <a:rPr lang="en-US" smtClean="0"/>
-              <a:t>12</a:t>
+              <a:t>11</a:t>
             </a:fld>
             <a:endParaRPr lang="en-US"/>
           </a:p>
@@ -895,7 +878,7 @@
     </p:spTree>
     <p:extLst>
       <p:ext uri="{BB962C8B-B14F-4D97-AF65-F5344CB8AC3E}">
-        <p14:creationId xmlns:p14="http://schemas.microsoft.com/office/powerpoint/2010/main" val="4027271017"/>
+        <p14:creationId xmlns:p14="http://schemas.microsoft.com/office/powerpoint/2010/main" val="568128246"/>
       </p:ext>
     </p:extLst>
   </p:cSld>
@@ -951,7 +934,31 @@
           <a:p>
             <a:r>
               <a:rPr lang="en-US" dirty="0"/>
-              <a:t>So figure 1 is what our inspector for our cube will look like after adding those two scripts.</a:t>
+              <a:t>Next, we want to generate a randomized color of our object. For this one, we want the entire class to be serialized as well, so we’ll use the </a:t>
+            </a:r>
+            <a:r>
+              <a:rPr lang="en-US" dirty="0" err="1"/>
+              <a:t>System.Serializable</a:t>
+            </a:r>
+            <a:r>
+              <a:rPr lang="en-US" dirty="0"/>
+              <a:t> attribute. We will be using the Start method, so we need to inherit from </a:t>
+            </a:r>
+            <a:r>
+              <a:rPr lang="en-US" dirty="0" err="1"/>
+              <a:t>monobehavior</a:t>
+            </a:r>
+            <a:r>
+              <a:rPr lang="en-US" dirty="0"/>
+              <a:t>. We declare a public color called </a:t>
+            </a:r>
+            <a:r>
+              <a:rPr lang="en-US" dirty="0" err="1"/>
+              <a:t>ColorBank</a:t>
+            </a:r>
+            <a:r>
+              <a:rPr lang="en-US" dirty="0"/>
+              <a:t>, which is public and is a type that is serializable, so it will show up in our inspector. </a:t>
             </a:r>
           </a:p>
           <a:p>
@@ -960,7 +967,15 @@
           <a:p>
             <a:r>
               <a:rPr lang="en-US" dirty="0"/>
-              <a:t>In the random color script under the color bank drop down, is our size integer. We will put a number in that field, which will determine how many random colors to cycle through, as shown in figure 2  and then we will assign the colors to those values, like in figure 3.</a:t>
+              <a:t>Inside the start method, which will be called once at the beginning of game play, we declare an integer called Num on line 14. This will assign a random number from the range of zero to however many colors we have defined in our color bank. On line 15 we pull in the information from our Mesh </a:t>
+            </a:r>
+            <a:r>
+              <a:rPr lang="en-US" dirty="0" err="1"/>
+              <a:t>Rendererer</a:t>
+            </a:r>
+            <a:r>
+              <a:rPr lang="en-US" dirty="0"/>
+              <a:t> for whatever object this script is assigned to, and then on line 16 we are changing the material color based on the assigned color associated with the randomly generated number.</a:t>
             </a:r>
           </a:p>
           <a:p>
@@ -969,25 +984,7 @@
           <a:p>
             <a:r>
               <a:rPr lang="en-US" dirty="0"/>
-              <a:t>Now, with these two scripts attached, let’s go and check out what our player looks like and how it functions.</a:t>
-            </a:r>
-          </a:p>
-          <a:p>
-            <a:endParaRPr lang="en-US" dirty="0"/>
-          </a:p>
-          <a:p>
-            <a:r>
-              <a:rPr lang="en-US" dirty="0"/>
-              <a:t>SHOW EXAMPLE, DELETE PLAYER FROM THE GAMESAVE OBJECT.</a:t>
-            </a:r>
-          </a:p>
-          <a:p>
-            <a:endParaRPr lang="en-US" dirty="0"/>
-          </a:p>
-          <a:p>
-            <a:r>
-              <a:rPr lang="en-US" dirty="0"/>
-              <a:t>We’ll press play, and our box moves the way we want it to. It also changes colors. Notice that every time I press play, the color is usually not the same as it was before, and the location goes back to where it started. Now, we’re going to serialize.</a:t>
+              <a:t>This script will also need to be applied to our player object, which again, is our cube- go to next slide before applying</a:t>
             </a:r>
           </a:p>
         </p:txBody>
@@ -1009,7 +1006,7 @@
           <a:p>
             <a:fld id="{926A4D28-551C-4E4A-9CE4-840CFB3B2FC0}" type="slidenum">
               <a:rPr lang="en-US" smtClean="0"/>
-              <a:t>13</a:t>
+              <a:t>12</a:t>
             </a:fld>
             <a:endParaRPr lang="en-US"/>
           </a:p>
@@ -1018,7 +1015,7 @@
     </p:spTree>
     <p:extLst>
       <p:ext uri="{BB962C8B-B14F-4D97-AF65-F5344CB8AC3E}">
-        <p14:creationId xmlns:p14="http://schemas.microsoft.com/office/powerpoint/2010/main" val="1621201326"/>
+        <p14:creationId xmlns:p14="http://schemas.microsoft.com/office/powerpoint/2010/main" val="4027271017"/>
       </p:ext>
     </p:extLst>
   </p:cSld>
@@ -1074,15 +1071,7 @@
           <a:p>
             <a:r>
               <a:rPr lang="en-US" dirty="0"/>
-              <a:t>So first, let’s write a method called </a:t>
-            </a:r>
-            <a:r>
-              <a:rPr lang="en-US" dirty="0" err="1"/>
-              <a:t>SaveGame</a:t>
-            </a:r>
-            <a:r>
-              <a:rPr lang="en-US" dirty="0"/>
-              <a:t>() that will basically tell Unity what to carry between plays. Let’s start with the location aspect.</a:t>
+              <a:t>So figure 1 is what our inspector for our cube will look like after adding those two scripts.</a:t>
             </a:r>
           </a:p>
           <a:p>
@@ -1091,23 +1080,7 @@
           <a:p>
             <a:r>
               <a:rPr lang="en-US" dirty="0"/>
-              <a:t>On line 48, we are creating a new </a:t>
-            </a:r>
-            <a:r>
-              <a:rPr lang="en-US" dirty="0" err="1"/>
-              <a:t>SavePosition</a:t>
-            </a:r>
-            <a:r>
-              <a:rPr lang="en-US" dirty="0"/>
-              <a:t>, S, which is that class we serialized from the </a:t>
-            </a:r>
-            <a:r>
-              <a:rPr lang="en-US" dirty="0" err="1"/>
-              <a:t>SavePosition</a:t>
-            </a:r>
-            <a:r>
-              <a:rPr lang="en-US" dirty="0"/>
-              <a:t> script we wrote earlier. If you remember, we declared two floats in there for x, and y</a:t>
+              <a:t>In the random color script under the color bank drop down, is our size integer. We will put a number in that field, which will determine how many random colors to cycle through, as shown in figure 2  and then we will assign the colors to those values, like in figure 3.</a:t>
             </a:r>
           </a:p>
           <a:p>
@@ -1116,7 +1089,7 @@
           <a:p>
             <a:r>
               <a:rPr lang="en-US" dirty="0"/>
-              <a:t>We are setting our player transform positions as those floats, which will change as we move our player around the screen and trigger the saving mechanism.</a:t>
+              <a:t>So, let’s go ahead and attach this script and check out what our player looks like and how it functions.</a:t>
             </a:r>
           </a:p>
           <a:p>
@@ -1125,15 +1098,7 @@
           <a:p>
             <a:r>
               <a:rPr lang="en-US" dirty="0"/>
-              <a:t>Next comes the data conversion. We want utilize something called json– JSON stands for </a:t>
-            </a:r>
-            <a:r>
-              <a:rPr lang="en-US" dirty="0" err="1"/>
-              <a:t>javascript</a:t>
-            </a:r>
-            <a:r>
-              <a:rPr lang="en-US" dirty="0"/>
-              <a:t> object notation, which is a data interchange format, with a super easy readability to humans. So, on line 51, we are declaring a string called json, and we are using the json utility function to generate a string representation of the position coordinates. The console output is an example of what this json output would look like (which is printed via line 52). </a:t>
+              <a:t>SHOW EXAMPLE, DELETE PLAYER FROM THE GAMESAVE OBJECT.</a:t>
             </a:r>
           </a:p>
           <a:p>
@@ -1142,31 +1107,7 @@
           <a:p>
             <a:r>
               <a:rPr lang="en-US" dirty="0"/>
-              <a:t>And then, on line 53, we are using our </a:t>
-            </a:r>
-            <a:r>
-              <a:rPr lang="en-US" dirty="0" err="1"/>
-              <a:t>playerprefs</a:t>
-            </a:r>
-            <a:r>
-              <a:rPr lang="en-US" dirty="0"/>
-              <a:t> class to set the value of our key– </a:t>
-            </a:r>
-            <a:r>
-              <a:rPr lang="en-US" dirty="0" err="1"/>
-              <a:t>playerprefs</a:t>
-            </a:r>
-            <a:r>
-              <a:rPr lang="en-US" dirty="0"/>
-              <a:t> is what sends the information to the </a:t>
-            </a:r>
-            <a:r>
-              <a:rPr lang="en-US"/>
-              <a:t>next scene. </a:t>
-            </a:r>
-            <a:r>
-              <a:rPr lang="en-US" dirty="0"/>
-              <a:t>The syntax for this class can be found in the upper right corner– We have our key listed as a string called “Player Location”, and our string value is going to contain the information from our string called json.</a:t>
+              <a:t>We’ll press play, and our box moves the way we want it to. It also changes colors. Notice that every time I press play, the color is usually not the same as it was before, and the location goes back to where it started. Now, we’re going to serialize.</a:t>
             </a:r>
           </a:p>
         </p:txBody>
@@ -1188,7 +1129,7 @@
           <a:p>
             <a:fld id="{926A4D28-551C-4E4A-9CE4-840CFB3B2FC0}" type="slidenum">
               <a:rPr lang="en-US" smtClean="0"/>
-              <a:t>14</a:t>
+              <a:t>13</a:t>
             </a:fld>
             <a:endParaRPr lang="en-US"/>
           </a:p>
@@ -1197,7 +1138,7 @@
     </p:spTree>
     <p:extLst>
       <p:ext uri="{BB962C8B-B14F-4D97-AF65-F5344CB8AC3E}">
-        <p14:creationId xmlns:p14="http://schemas.microsoft.com/office/powerpoint/2010/main" val="3417181749"/>
+        <p14:creationId xmlns:p14="http://schemas.microsoft.com/office/powerpoint/2010/main" val="1621201326"/>
       </p:ext>
     </p:extLst>
   </p:cSld>
@@ -1251,7 +1192,94 @@
           <a:bodyPr/>
           <a:lstStyle/>
           <a:p>
+            <a:r>
+              <a:rPr lang="en-US" dirty="0"/>
+              <a:t>So first, we are going to write a method called </a:t>
+            </a:r>
+            <a:r>
+              <a:rPr lang="en-US" dirty="0" err="1"/>
+              <a:t>SaveGame</a:t>
+            </a:r>
+            <a:r>
+              <a:rPr lang="en-US" dirty="0"/>
+              <a:t>() that will basically tell Unity what to carry between plays. Let’s start with the location aspect.</a:t>
+            </a:r>
+          </a:p>
+          <a:p>
             <a:endParaRPr lang="en-US" dirty="0"/>
+          </a:p>
+          <a:p>
+            <a:r>
+              <a:rPr lang="en-US" dirty="0"/>
+              <a:t>On line 48, we are creating a new </a:t>
+            </a:r>
+            <a:r>
+              <a:rPr lang="en-US" dirty="0" err="1"/>
+              <a:t>SavePosition</a:t>
+            </a:r>
+            <a:r>
+              <a:rPr lang="en-US" dirty="0"/>
+              <a:t> object, S, which is that class written in the </a:t>
+            </a:r>
+            <a:r>
+              <a:rPr lang="en-US" dirty="0" err="1"/>
+              <a:t>SavePosition</a:t>
+            </a:r>
+            <a:r>
+              <a:rPr lang="en-US" dirty="0"/>
+              <a:t> script from earlier. If you remember, we declared two floats in there for x, and y</a:t>
+            </a:r>
+          </a:p>
+          <a:p>
+            <a:endParaRPr lang="en-US" dirty="0"/>
+          </a:p>
+          <a:p>
+            <a:r>
+              <a:rPr lang="en-US" dirty="0"/>
+              <a:t>We are setting our player transform positions as those floats, which will change as we move our player around the screen and trigger the saving mechanism.</a:t>
+            </a:r>
+          </a:p>
+          <a:p>
+            <a:endParaRPr lang="en-US" dirty="0"/>
+          </a:p>
+          <a:p>
+            <a:r>
+              <a:rPr lang="en-US" dirty="0"/>
+              <a:t>Next comes the data conversion. We want utilize something called json– JSON stands for </a:t>
+            </a:r>
+            <a:r>
+              <a:rPr lang="en-US" dirty="0" err="1"/>
+              <a:t>javascript</a:t>
+            </a:r>
+            <a:r>
+              <a:rPr lang="en-US" dirty="0"/>
+              <a:t> object notation, which is a data interchange format, with a super easy readability to humans. So, on line 51, we are declaring a string called json, and we are using the json utility function to generate a string representation of the position coordinates. The console output is an example of what this json output would look like (which is printed via line 52). </a:t>
+            </a:r>
+          </a:p>
+          <a:p>
+            <a:endParaRPr lang="en-US" dirty="0"/>
+          </a:p>
+          <a:p>
+            <a:r>
+              <a:rPr lang="en-US" dirty="0"/>
+              <a:t>And then, on line 53, we are using our </a:t>
+            </a:r>
+            <a:r>
+              <a:rPr lang="en-US" dirty="0" err="1"/>
+              <a:t>playerprefs</a:t>
+            </a:r>
+            <a:r>
+              <a:rPr lang="en-US" dirty="0"/>
+              <a:t> class to set the value of our key– </a:t>
+            </a:r>
+            <a:r>
+              <a:rPr lang="en-US" dirty="0" err="1"/>
+              <a:t>playerprefs</a:t>
+            </a:r>
+            <a:r>
+              <a:rPr lang="en-US" dirty="0"/>
+              <a:t> is what sends the information to the next scene. The syntax for this class can be found in the upper right corner– We have our key listed as a string called “Player Location”, and our string value is going to contain the information from our string called json.</a:t>
+            </a:r>
           </a:p>
         </p:txBody>
       </p:sp>
@@ -1272,7 +1300,7 @@
           <a:p>
             <a:fld id="{926A4D28-551C-4E4A-9CE4-840CFB3B2FC0}" type="slidenum">
               <a:rPr lang="en-US" smtClean="0"/>
-              <a:t>15</a:t>
+              <a:t>14</a:t>
             </a:fld>
             <a:endParaRPr lang="en-US"/>
           </a:p>
@@ -1281,7 +1309,7 @@
     </p:spTree>
     <p:extLst>
       <p:ext uri="{BB962C8B-B14F-4D97-AF65-F5344CB8AC3E}">
-        <p14:creationId xmlns:p14="http://schemas.microsoft.com/office/powerpoint/2010/main" val="683440328"/>
+        <p14:creationId xmlns:p14="http://schemas.microsoft.com/office/powerpoint/2010/main" val="3417181749"/>
       </p:ext>
     </p:extLst>
   </p:cSld>
@@ -1337,6 +1365,93 @@
           <a:p>
             <a:r>
               <a:rPr lang="en-US" dirty="0"/>
+              <a:t>Hint: the console on the left represents the string that should be outputted.</a:t>
+            </a:r>
+          </a:p>
+        </p:txBody>
+      </p:sp>
+      <p:sp>
+        <p:nvSpPr>
+          <p:cNvPr id="4" name="Slide Number Placeholder 3"/>
+          <p:cNvSpPr>
+            <a:spLocks noGrp="1"/>
+          </p:cNvSpPr>
+          <p:nvPr>
+            <p:ph type="sldNum" sz="quarter" idx="5"/>
+          </p:nvPr>
+        </p:nvSpPr>
+        <p:spPr/>
+        <p:txBody>
+          <a:bodyPr/>
+          <a:lstStyle/>
+          <a:p>
+            <a:fld id="{926A4D28-551C-4E4A-9CE4-840CFB3B2FC0}" type="slidenum">
+              <a:rPr lang="en-US" smtClean="0"/>
+              <a:t>15</a:t>
+            </a:fld>
+            <a:endParaRPr lang="en-US"/>
+          </a:p>
+        </p:txBody>
+      </p:sp>
+    </p:spTree>
+    <p:extLst>
+      <p:ext uri="{BB962C8B-B14F-4D97-AF65-F5344CB8AC3E}">
+        <p14:creationId xmlns:p14="http://schemas.microsoft.com/office/powerpoint/2010/main" val="683440328"/>
+      </p:ext>
+    </p:extLst>
+  </p:cSld>
+  <p:clrMapOvr>
+    <a:masterClrMapping/>
+  </p:clrMapOvr>
+</p:notes>
+</file>
+
+<file path=ppt/notesSlides/notesSlide16.xml><?xml version="1.0" encoding="utf-8"?>
+<p:notes xmlns:a="http://schemas.openxmlformats.org/drawingml/2006/main" xmlns:r="http://schemas.openxmlformats.org/officeDocument/2006/relationships" xmlns:p="http://schemas.openxmlformats.org/presentationml/2006/main">
+  <p:cSld>
+    <p:spTree>
+      <p:nvGrpSpPr>
+        <p:cNvPr id="1" name=""/>
+        <p:cNvGrpSpPr/>
+        <p:nvPr/>
+      </p:nvGrpSpPr>
+      <p:grpSpPr>
+        <a:xfrm>
+          <a:off x="0" y="0"/>
+          <a:ext cx="0" cy="0"/>
+          <a:chOff x="0" y="0"/>
+          <a:chExt cx="0" cy="0"/>
+        </a:xfrm>
+      </p:grpSpPr>
+      <p:sp>
+        <p:nvSpPr>
+          <p:cNvPr id="2" name="Slide Image Placeholder 1"/>
+          <p:cNvSpPr>
+            <a:spLocks noGrp="1" noRot="1" noChangeAspect="1"/>
+          </p:cNvSpPr>
+          <p:nvPr>
+            <p:ph type="sldImg"/>
+          </p:nvPr>
+        </p:nvSpPr>
+        <p:spPr/>
+      </p:sp>
+      <p:sp>
+        <p:nvSpPr>
+          <p:cNvPr id="3" name="Notes Placeholder 2"/>
+          <p:cNvSpPr>
+            <a:spLocks noGrp="1"/>
+          </p:cNvSpPr>
+          <p:nvPr>
+            <p:ph type="body" idx="1"/>
+          </p:nvPr>
+        </p:nvSpPr>
+        <p:spPr/>
+        <p:txBody>
+          <a:bodyPr/>
+          <a:lstStyle/>
+          <a:p>
+            <a:r>
+              <a:rPr lang="en-US" dirty="0"/>
               <a:t>Here is our solution. I have created a new color called </a:t>
             </a:r>
             <a:r>
@@ -1386,6 +1501,23 @@
             <a:r>
               <a:rPr lang="en-US" dirty="0"/>
               <a:t>.</a:t>
+            </a:r>
+          </a:p>
+          <a:p>
+            <a:endParaRPr lang="en-US" dirty="0"/>
+          </a:p>
+          <a:p>
+            <a:r>
+              <a:rPr lang="en-US" dirty="0"/>
+              <a:t>So now, with this </a:t>
+            </a:r>
+            <a:r>
+              <a:rPr lang="en-US" dirty="0" err="1"/>
+              <a:t>SaveGame</a:t>
+            </a:r>
+            <a:r>
+              <a:rPr lang="en-US" dirty="0"/>
+              <a:t> method, both our position and our color have been serialized.</a:t>
             </a:r>
           </a:p>
         </p:txBody>
@@ -1417,6 +1549,325 @@
     <p:extLst>
       <p:ext uri="{BB962C8B-B14F-4D97-AF65-F5344CB8AC3E}">
         <p14:creationId xmlns:p14="http://schemas.microsoft.com/office/powerpoint/2010/main" val="1452866539"/>
+      </p:ext>
+    </p:extLst>
+  </p:cSld>
+  <p:clrMapOvr>
+    <a:masterClrMapping/>
+  </p:clrMapOvr>
+</p:notes>
+</file>
+
+<file path=ppt/notesSlides/notesSlide17.xml><?xml version="1.0" encoding="utf-8"?>
+<p:notes xmlns:a="http://schemas.openxmlformats.org/drawingml/2006/main" xmlns:r="http://schemas.openxmlformats.org/officeDocument/2006/relationships" xmlns:p="http://schemas.openxmlformats.org/presentationml/2006/main">
+  <p:cSld>
+    <p:spTree>
+      <p:nvGrpSpPr>
+        <p:cNvPr id="1" name=""/>
+        <p:cNvGrpSpPr/>
+        <p:nvPr/>
+      </p:nvGrpSpPr>
+      <p:grpSpPr>
+        <a:xfrm>
+          <a:off x="0" y="0"/>
+          <a:ext cx="0" cy="0"/>
+          <a:chOff x="0" y="0"/>
+          <a:chExt cx="0" cy="0"/>
+        </a:xfrm>
+      </p:grpSpPr>
+      <p:sp>
+        <p:nvSpPr>
+          <p:cNvPr id="2" name="Slide Image Placeholder 1"/>
+          <p:cNvSpPr>
+            <a:spLocks noGrp="1" noRot="1" noChangeAspect="1"/>
+          </p:cNvSpPr>
+          <p:nvPr>
+            <p:ph type="sldImg"/>
+          </p:nvPr>
+        </p:nvSpPr>
+        <p:spPr/>
+      </p:sp>
+      <p:sp>
+        <p:nvSpPr>
+          <p:cNvPr id="3" name="Notes Placeholder 2"/>
+          <p:cNvSpPr>
+            <a:spLocks noGrp="1"/>
+          </p:cNvSpPr>
+          <p:nvPr>
+            <p:ph type="body" idx="1"/>
+          </p:nvPr>
+        </p:nvSpPr>
+        <p:spPr/>
+        <p:txBody>
+          <a:bodyPr/>
+          <a:lstStyle/>
+          <a:p>
+            <a:r>
+              <a:rPr lang="en-US" dirty="0"/>
+              <a:t>Next, we’ll create a method called </a:t>
+            </a:r>
+            <a:r>
+              <a:rPr lang="en-US" dirty="0" err="1"/>
+              <a:t>RestoreGame</a:t>
+            </a:r>
+            <a:r>
+              <a:rPr lang="en-US" dirty="0"/>
+              <a:t>. This is what will reload our new play with the previously saved data– this is the process of deserialization.</a:t>
+            </a:r>
+          </a:p>
+          <a:p>
+            <a:endParaRPr lang="en-US" dirty="0"/>
+          </a:p>
+          <a:p>
+            <a:r>
+              <a:rPr lang="en-US" dirty="0"/>
+              <a:t>On line 16, we are setting the value of the key “</a:t>
+            </a:r>
+            <a:r>
+              <a:rPr lang="en-US" dirty="0" err="1"/>
+              <a:t>PlayerLocation</a:t>
+            </a:r>
+            <a:r>
+              <a:rPr lang="en-US" dirty="0"/>
+              <a:t>” to a string called p, and then if P is valid, we are using the Json utility class to create an object from the json representation, and store it in our </a:t>
+            </a:r>
+            <a:r>
+              <a:rPr lang="en-US" dirty="0" err="1"/>
+              <a:t>SavePosition</a:t>
+            </a:r>
+            <a:r>
+              <a:rPr lang="en-US" dirty="0"/>
+              <a:t> object called s. Then, if there is data previously stored in the object, we’re going to rewrite it with a new vector 2, and our new positions.</a:t>
+            </a:r>
+          </a:p>
+          <a:p>
+            <a:endParaRPr lang="en-US" dirty="0"/>
+          </a:p>
+          <a:p>
+            <a:endParaRPr lang="en-US" dirty="0"/>
+          </a:p>
+          <a:p>
+            <a:endParaRPr lang="en-US" dirty="0"/>
+          </a:p>
+        </p:txBody>
+      </p:sp>
+      <p:sp>
+        <p:nvSpPr>
+          <p:cNvPr id="4" name="Slide Number Placeholder 3"/>
+          <p:cNvSpPr>
+            <a:spLocks noGrp="1"/>
+          </p:cNvSpPr>
+          <p:nvPr>
+            <p:ph type="sldNum" sz="quarter" idx="5"/>
+          </p:nvPr>
+        </p:nvSpPr>
+        <p:spPr/>
+        <p:txBody>
+          <a:bodyPr/>
+          <a:lstStyle/>
+          <a:p>
+            <a:fld id="{926A4D28-551C-4E4A-9CE4-840CFB3B2FC0}" type="slidenum">
+              <a:rPr lang="en-US" smtClean="0"/>
+              <a:t>17</a:t>
+            </a:fld>
+            <a:endParaRPr lang="en-US"/>
+          </a:p>
+        </p:txBody>
+      </p:sp>
+    </p:spTree>
+    <p:extLst>
+      <p:ext uri="{BB962C8B-B14F-4D97-AF65-F5344CB8AC3E}">
+        <p14:creationId xmlns:p14="http://schemas.microsoft.com/office/powerpoint/2010/main" val="3669380766"/>
+      </p:ext>
+    </p:extLst>
+  </p:cSld>
+  <p:clrMapOvr>
+    <a:masterClrMapping/>
+  </p:clrMapOvr>
+</p:notes>
+</file>
+
+<file path=ppt/notesSlides/notesSlide18.xml><?xml version="1.0" encoding="utf-8"?>
+<p:notes xmlns:a="http://schemas.openxmlformats.org/drawingml/2006/main" xmlns:r="http://schemas.openxmlformats.org/officeDocument/2006/relationships" xmlns:p="http://schemas.openxmlformats.org/presentationml/2006/main">
+  <p:cSld>
+    <p:spTree>
+      <p:nvGrpSpPr>
+        <p:cNvPr id="1" name=""/>
+        <p:cNvGrpSpPr/>
+        <p:nvPr/>
+      </p:nvGrpSpPr>
+      <p:grpSpPr>
+        <a:xfrm>
+          <a:off x="0" y="0"/>
+          <a:ext cx="0" cy="0"/>
+          <a:chOff x="0" y="0"/>
+          <a:chExt cx="0" cy="0"/>
+        </a:xfrm>
+      </p:grpSpPr>
+      <p:sp>
+        <p:nvSpPr>
+          <p:cNvPr id="2" name="Slide Image Placeholder 1"/>
+          <p:cNvSpPr>
+            <a:spLocks noGrp="1" noRot="1" noChangeAspect="1"/>
+          </p:cNvSpPr>
+          <p:nvPr>
+            <p:ph type="sldImg"/>
+          </p:nvPr>
+        </p:nvSpPr>
+        <p:spPr/>
+      </p:sp>
+      <p:sp>
+        <p:nvSpPr>
+          <p:cNvPr id="3" name="Notes Placeholder 2"/>
+          <p:cNvSpPr>
+            <a:spLocks noGrp="1"/>
+          </p:cNvSpPr>
+          <p:nvPr>
+            <p:ph type="body" idx="1"/>
+          </p:nvPr>
+        </p:nvSpPr>
+        <p:spPr/>
+        <p:txBody>
+          <a:bodyPr/>
+          <a:lstStyle/>
+          <a:p>
+            <a:r>
+              <a:rPr lang="en-US" dirty="0"/>
+              <a:t>Also note, we are adding a pound sign to our hexadecimal for parsing purposes, so I went ahead and included that part in there as a hint.</a:t>
+            </a:r>
+          </a:p>
+        </p:txBody>
+      </p:sp>
+      <p:sp>
+        <p:nvSpPr>
+          <p:cNvPr id="4" name="Slide Number Placeholder 3"/>
+          <p:cNvSpPr>
+            <a:spLocks noGrp="1"/>
+          </p:cNvSpPr>
+          <p:nvPr>
+            <p:ph type="sldNum" sz="quarter" idx="5"/>
+          </p:nvPr>
+        </p:nvSpPr>
+        <p:spPr/>
+        <p:txBody>
+          <a:bodyPr/>
+          <a:lstStyle/>
+          <a:p>
+            <a:fld id="{926A4D28-551C-4E4A-9CE4-840CFB3B2FC0}" type="slidenum">
+              <a:rPr lang="en-US" smtClean="0"/>
+              <a:t>18</a:t>
+            </a:fld>
+            <a:endParaRPr lang="en-US"/>
+          </a:p>
+        </p:txBody>
+      </p:sp>
+    </p:spTree>
+    <p:extLst>
+      <p:ext uri="{BB962C8B-B14F-4D97-AF65-F5344CB8AC3E}">
+        <p14:creationId xmlns:p14="http://schemas.microsoft.com/office/powerpoint/2010/main" val="1087441947"/>
+      </p:ext>
+    </p:extLst>
+  </p:cSld>
+  <p:clrMapOvr>
+    <a:masterClrMapping/>
+  </p:clrMapOvr>
+</p:notes>
+</file>
+
+<file path=ppt/notesSlides/notesSlide19.xml><?xml version="1.0" encoding="utf-8"?>
+<p:notes xmlns:a="http://schemas.openxmlformats.org/drawingml/2006/main" xmlns:r="http://schemas.openxmlformats.org/officeDocument/2006/relationships" xmlns:p="http://schemas.openxmlformats.org/presentationml/2006/main">
+  <p:cSld>
+    <p:spTree>
+      <p:nvGrpSpPr>
+        <p:cNvPr id="1" name=""/>
+        <p:cNvGrpSpPr/>
+        <p:nvPr/>
+      </p:nvGrpSpPr>
+      <p:grpSpPr>
+        <a:xfrm>
+          <a:off x="0" y="0"/>
+          <a:ext cx="0" cy="0"/>
+          <a:chOff x="0" y="0"/>
+          <a:chExt cx="0" cy="0"/>
+        </a:xfrm>
+      </p:grpSpPr>
+      <p:sp>
+        <p:nvSpPr>
+          <p:cNvPr id="2" name="Slide Image Placeholder 1"/>
+          <p:cNvSpPr>
+            <a:spLocks noGrp="1" noRot="1" noChangeAspect="1"/>
+          </p:cNvSpPr>
+          <p:nvPr>
+            <p:ph type="sldImg"/>
+          </p:nvPr>
+        </p:nvSpPr>
+        <p:spPr/>
+      </p:sp>
+      <p:sp>
+        <p:nvSpPr>
+          <p:cNvPr id="3" name="Notes Placeholder 2"/>
+          <p:cNvSpPr>
+            <a:spLocks noGrp="1"/>
+          </p:cNvSpPr>
+          <p:nvPr>
+            <p:ph type="body" idx="1"/>
+          </p:nvPr>
+        </p:nvSpPr>
+        <p:spPr/>
+        <p:txBody>
+          <a:bodyPr/>
+          <a:lstStyle/>
+          <a:p>
+            <a:r>
+              <a:rPr lang="en-US" dirty="0"/>
+              <a:t>Using the </a:t>
+            </a:r>
+            <a:r>
+              <a:rPr lang="en-US" dirty="0" err="1"/>
+              <a:t>ColorUtility</a:t>
+            </a:r>
+            <a:r>
+              <a:rPr lang="en-US" dirty="0"/>
+              <a:t> </a:t>
+            </a:r>
+            <a:r>
+              <a:rPr lang="en-US" dirty="0" err="1"/>
+              <a:t>tryParseHTMLString</a:t>
+            </a:r>
+            <a:r>
+              <a:rPr lang="en-US" dirty="0"/>
+              <a:t>, we are attempting to convert an html color string to a color object. In this case, we are outputting to the color called “result”. Then, we are setting that new color as the material color of our player.</a:t>
+            </a:r>
+          </a:p>
+        </p:txBody>
+      </p:sp>
+      <p:sp>
+        <p:nvSpPr>
+          <p:cNvPr id="4" name="Slide Number Placeholder 3"/>
+          <p:cNvSpPr>
+            <a:spLocks noGrp="1"/>
+          </p:cNvSpPr>
+          <p:nvPr>
+            <p:ph type="sldNum" sz="quarter" idx="5"/>
+          </p:nvPr>
+        </p:nvSpPr>
+        <p:spPr/>
+        <p:txBody>
+          <a:bodyPr/>
+          <a:lstStyle/>
+          <a:p>
+            <a:fld id="{926A4D28-551C-4E4A-9CE4-840CFB3B2FC0}" type="slidenum">
+              <a:rPr lang="en-US" smtClean="0"/>
+              <a:t>19</a:t>
+            </a:fld>
+            <a:endParaRPr lang="en-US"/>
+          </a:p>
+        </p:txBody>
+      </p:sp>
+    </p:spTree>
+    <p:extLst>
+      <p:ext uri="{BB962C8B-B14F-4D97-AF65-F5344CB8AC3E}">
+        <p14:creationId xmlns:p14="http://schemas.microsoft.com/office/powerpoint/2010/main" val="2520789677"/>
       </p:ext>
     </p:extLst>
   </p:cSld>
@@ -1470,142 +1921,6 @@
           <a:bodyPr/>
           <a:lstStyle/>
           <a:p>
-            <a:pPr marL="0" marR="0">
-              <a:spcBef>
-                <a:spcPts val="0"/>
-              </a:spcBef>
-              <a:spcAft>
-                <a:spcPts val="0"/>
-              </a:spcAft>
-            </a:pPr>
-            <a:r>
-              <a:rPr lang="en-US" sz="1800" dirty="0">
-                <a:effectLst/>
-                <a:latin typeface="Calibri" panose="020F0502020204030204" pitchFamily="34" charset="0"/>
-              </a:rPr>
-              <a:t>The official definition in terms of Unity per the unity documentation is defined as </a:t>
-            </a:r>
-          </a:p>
-          <a:p>
-            <a:pPr marL="0" marR="0">
-              <a:spcBef>
-                <a:spcPts val="0"/>
-              </a:spcBef>
-              <a:spcAft>
-                <a:spcPts val="0"/>
-              </a:spcAft>
-            </a:pPr>
-            <a:r>
-              <a:rPr lang="en-US" sz="1800" dirty="0">
-                <a:effectLst/>
-                <a:latin typeface="Calibri" panose="020F0502020204030204" pitchFamily="34" charset="0"/>
-              </a:rPr>
-              <a:t>the automatic process of transforming data structures or object states into a format that Unity can store and reconstruct later.</a:t>
-            </a:r>
-          </a:p>
-          <a:p>
-            <a:pPr marL="0" marR="0">
-              <a:spcBef>
-                <a:spcPts val="0"/>
-              </a:spcBef>
-              <a:spcAft>
-                <a:spcPts val="0"/>
-              </a:spcAft>
-            </a:pPr>
-            <a:r>
-              <a:rPr lang="en-US" sz="1800" dirty="0">
-                <a:effectLst/>
-                <a:latin typeface="Calibri" panose="020F0502020204030204" pitchFamily="34" charset="0"/>
-              </a:rPr>
-              <a:t> </a:t>
-            </a:r>
-          </a:p>
-          <a:p>
-            <a:pPr marL="0" marR="0">
-              <a:spcBef>
-                <a:spcPts val="0"/>
-              </a:spcBef>
-              <a:spcAft>
-                <a:spcPts val="0"/>
-              </a:spcAft>
-            </a:pPr>
-            <a:r>
-              <a:rPr lang="en-US" sz="1800" dirty="0">
-                <a:effectLst/>
-                <a:latin typeface="Calibri" panose="020F0502020204030204" pitchFamily="34" charset="0"/>
-              </a:rPr>
-              <a:t>Let's say you're at a grocery store, and you go to the register to buy a bunch of things. They add it up the on the register, but it turns out, they only accept cash, and all of your cash is at home. A line forms behind you, so you write everything down everything you wanted to buy and put it all back on the shelf, and while you run home to get money, the cashier can check out other customers. When you get back store, you are able to use the list to recollect all the items you wanted to buy, and proceed with the transaction. </a:t>
-            </a:r>
-          </a:p>
-          <a:p>
-            <a:pPr marL="0" marR="0">
-              <a:spcBef>
-                <a:spcPts val="0"/>
-              </a:spcBef>
-              <a:spcAft>
-                <a:spcPts val="0"/>
-              </a:spcAft>
-            </a:pPr>
-            <a:r>
-              <a:rPr lang="en-US" sz="1800" dirty="0">
-                <a:effectLst/>
-                <a:latin typeface="Calibri" panose="020F0502020204030204" pitchFamily="34" charset="0"/>
-              </a:rPr>
-              <a:t> </a:t>
-            </a:r>
-          </a:p>
-          <a:p>
-            <a:pPr marL="0" marR="0">
-              <a:spcBef>
-                <a:spcPts val="0"/>
-              </a:spcBef>
-              <a:spcAft>
-                <a:spcPts val="0"/>
-              </a:spcAft>
-            </a:pPr>
-            <a:r>
-              <a:rPr lang="en-US" sz="1800" dirty="0">
-                <a:effectLst/>
-                <a:latin typeface="Calibri" panose="020F0502020204030204" pitchFamily="34" charset="0"/>
-              </a:rPr>
-              <a:t>The act of having the physical items with you, transferring them to paper and returning the items back to the shelf, and then using the paper to find all the items again, is serialization.</a:t>
-            </a:r>
-          </a:p>
-          <a:p>
-            <a:pPr marL="0" marR="0">
-              <a:spcBef>
-                <a:spcPts val="0"/>
-              </a:spcBef>
-              <a:spcAft>
-                <a:spcPts val="0"/>
-              </a:spcAft>
-            </a:pPr>
-            <a:r>
-              <a:rPr lang="en-US" sz="1800" dirty="0">
-                <a:effectLst/>
-                <a:latin typeface="Calibri" panose="020F0502020204030204" pitchFamily="34" charset="0"/>
-              </a:rPr>
-              <a:t> </a:t>
-            </a:r>
-          </a:p>
-          <a:p>
-            <a:pPr marL="0" marR="0">
-              <a:spcBef>
-                <a:spcPts val="0"/>
-              </a:spcBef>
-              <a:spcAft>
-                <a:spcPts val="0"/>
-              </a:spcAft>
-            </a:pPr>
-            <a:r>
-              <a:rPr lang="en-US" sz="1800" dirty="0">
-                <a:effectLst/>
-                <a:latin typeface="Calibri" panose="020F0502020204030204" pitchFamily="34" charset="0"/>
-              </a:rPr>
-              <a:t>In serialization, the object is converted into a stream of bytes, and then it can get stored to either a database, a file, or memory.  Upon reconstruction, the process of deserialization occurs, which is when the stream of bytes from those locations gets converted back into an object, and comes together in the exact same way you left it the last time it was an object.</a:t>
-            </a:r>
-          </a:p>
-          <a:p>
             <a:endParaRPr lang="en-US" dirty="0"/>
           </a:p>
         </p:txBody>
@@ -1627,7 +1942,7 @@
           <a:p>
             <a:fld id="{926A4D28-551C-4E4A-9CE4-840CFB3B2FC0}" type="slidenum">
               <a:rPr lang="en-US" smtClean="0"/>
-              <a:t>3</a:t>
+              <a:t>2</a:t>
             </a:fld>
             <a:endParaRPr lang="en-US"/>
           </a:p>
@@ -1636,7 +1951,239 @@
     </p:spTree>
     <p:extLst>
       <p:ext uri="{BB962C8B-B14F-4D97-AF65-F5344CB8AC3E}">
-        <p14:creationId xmlns:p14="http://schemas.microsoft.com/office/powerpoint/2010/main" val="1104547174"/>
+        <p14:creationId xmlns:p14="http://schemas.microsoft.com/office/powerpoint/2010/main" val="1753178092"/>
+      </p:ext>
+    </p:extLst>
+  </p:cSld>
+  <p:clrMapOvr>
+    <a:masterClrMapping/>
+  </p:clrMapOvr>
+</p:notes>
+</file>
+
+<file path=ppt/notesSlides/notesSlide20.xml><?xml version="1.0" encoding="utf-8"?>
+<p:notes xmlns:a="http://schemas.openxmlformats.org/drawingml/2006/main" xmlns:r="http://schemas.openxmlformats.org/officeDocument/2006/relationships" xmlns:p="http://schemas.openxmlformats.org/presentationml/2006/main">
+  <p:cSld>
+    <p:spTree>
+      <p:nvGrpSpPr>
+        <p:cNvPr id="1" name=""/>
+        <p:cNvGrpSpPr/>
+        <p:nvPr/>
+      </p:nvGrpSpPr>
+      <p:grpSpPr>
+        <a:xfrm>
+          <a:off x="0" y="0"/>
+          <a:ext cx="0" cy="0"/>
+          <a:chOff x="0" y="0"/>
+          <a:chExt cx="0" cy="0"/>
+        </a:xfrm>
+      </p:grpSpPr>
+      <p:sp>
+        <p:nvSpPr>
+          <p:cNvPr id="2" name="Slide Image Placeholder 1"/>
+          <p:cNvSpPr>
+            <a:spLocks noGrp="1" noRot="1" noChangeAspect="1"/>
+          </p:cNvSpPr>
+          <p:nvPr>
+            <p:ph type="sldImg"/>
+          </p:nvPr>
+        </p:nvSpPr>
+        <p:spPr/>
+      </p:sp>
+      <p:sp>
+        <p:nvSpPr>
+          <p:cNvPr id="3" name="Notes Placeholder 2"/>
+          <p:cNvSpPr>
+            <a:spLocks noGrp="1"/>
+          </p:cNvSpPr>
+          <p:nvPr>
+            <p:ph type="body" idx="1"/>
+          </p:nvPr>
+        </p:nvSpPr>
+        <p:spPr/>
+        <p:txBody>
+          <a:bodyPr/>
+          <a:lstStyle/>
+          <a:p>
+            <a:r>
+              <a:rPr lang="en-US" dirty="0"/>
+              <a:t>Lastly, we want to go ahead and utilize our </a:t>
+            </a:r>
+            <a:r>
+              <a:rPr lang="en-US" dirty="0" err="1"/>
+              <a:t>monobehavior</a:t>
+            </a:r>
+            <a:r>
+              <a:rPr lang="en-US" dirty="0"/>
+              <a:t> methods of Start and Update, so things actually happen. </a:t>
+            </a:r>
+          </a:p>
+          <a:p>
+            <a:endParaRPr lang="en-US" dirty="0"/>
+          </a:p>
+          <a:p>
+            <a:r>
+              <a:rPr lang="en-US" dirty="0"/>
+              <a:t>From the start method, we will call </a:t>
+            </a:r>
+            <a:r>
+              <a:rPr lang="en-US" dirty="0" err="1"/>
+              <a:t>RestoreGame</a:t>
+            </a:r>
+            <a:r>
+              <a:rPr lang="en-US" dirty="0"/>
+              <a:t>, and from the Update Method, we will assign the keypress of S to </a:t>
+            </a:r>
+            <a:r>
+              <a:rPr lang="en-US" dirty="0" err="1"/>
+              <a:t>SaveGame</a:t>
+            </a:r>
+            <a:r>
+              <a:rPr lang="en-US" dirty="0"/>
+              <a:t>. </a:t>
+            </a:r>
+          </a:p>
+        </p:txBody>
+      </p:sp>
+      <p:sp>
+        <p:nvSpPr>
+          <p:cNvPr id="4" name="Slide Number Placeholder 3"/>
+          <p:cNvSpPr>
+            <a:spLocks noGrp="1"/>
+          </p:cNvSpPr>
+          <p:nvPr>
+            <p:ph type="sldNum" sz="quarter" idx="5"/>
+          </p:nvPr>
+        </p:nvSpPr>
+        <p:spPr/>
+        <p:txBody>
+          <a:bodyPr/>
+          <a:lstStyle/>
+          <a:p>
+            <a:fld id="{926A4D28-551C-4E4A-9CE4-840CFB3B2FC0}" type="slidenum">
+              <a:rPr lang="en-US" smtClean="0"/>
+              <a:t>20</a:t>
+            </a:fld>
+            <a:endParaRPr lang="en-US"/>
+          </a:p>
+        </p:txBody>
+      </p:sp>
+    </p:spTree>
+    <p:extLst>
+      <p:ext uri="{BB962C8B-B14F-4D97-AF65-F5344CB8AC3E}">
+        <p14:creationId xmlns:p14="http://schemas.microsoft.com/office/powerpoint/2010/main" val="2454414419"/>
+      </p:ext>
+    </p:extLst>
+  </p:cSld>
+  <p:clrMapOvr>
+    <a:masterClrMapping/>
+  </p:clrMapOvr>
+</p:notes>
+</file>
+
+<file path=ppt/notesSlides/notesSlide21.xml><?xml version="1.0" encoding="utf-8"?>
+<p:notes xmlns:a="http://schemas.openxmlformats.org/drawingml/2006/main" xmlns:r="http://schemas.openxmlformats.org/officeDocument/2006/relationships" xmlns:p="http://schemas.openxmlformats.org/presentationml/2006/main">
+  <p:cSld>
+    <p:spTree>
+      <p:nvGrpSpPr>
+        <p:cNvPr id="1" name=""/>
+        <p:cNvGrpSpPr/>
+        <p:nvPr/>
+      </p:nvGrpSpPr>
+      <p:grpSpPr>
+        <a:xfrm>
+          <a:off x="0" y="0"/>
+          <a:ext cx="0" cy="0"/>
+          <a:chOff x="0" y="0"/>
+          <a:chExt cx="0" cy="0"/>
+        </a:xfrm>
+      </p:grpSpPr>
+      <p:sp>
+        <p:nvSpPr>
+          <p:cNvPr id="2" name="Slide Image Placeholder 1"/>
+          <p:cNvSpPr>
+            <a:spLocks noGrp="1" noRot="1" noChangeAspect="1"/>
+          </p:cNvSpPr>
+          <p:nvPr>
+            <p:ph type="sldImg"/>
+          </p:nvPr>
+        </p:nvSpPr>
+        <p:spPr/>
+      </p:sp>
+      <p:sp>
+        <p:nvSpPr>
+          <p:cNvPr id="3" name="Notes Placeholder 2"/>
+          <p:cNvSpPr>
+            <a:spLocks noGrp="1"/>
+          </p:cNvSpPr>
+          <p:nvPr>
+            <p:ph type="body" idx="1"/>
+          </p:nvPr>
+        </p:nvSpPr>
+        <p:spPr/>
+        <p:txBody>
+          <a:bodyPr/>
+          <a:lstStyle/>
+          <a:p>
+            <a:r>
+              <a:rPr lang="en-US" dirty="0"/>
+              <a:t>So we have our cube with the random color script attached with a full color bank, and we have the player controller script attached.</a:t>
+            </a:r>
+          </a:p>
+          <a:p>
+            <a:endParaRPr lang="en-US" dirty="0"/>
+          </a:p>
+          <a:p>
+            <a:r>
+              <a:rPr lang="en-US" dirty="0"/>
+              <a:t>I have created an empty game object called </a:t>
+            </a:r>
+            <a:r>
+              <a:rPr lang="en-US" dirty="0" err="1"/>
+              <a:t>GameSave</a:t>
+            </a:r>
+            <a:r>
+              <a:rPr lang="en-US" dirty="0"/>
+              <a:t>, and I will attach the </a:t>
+            </a:r>
+            <a:r>
+              <a:rPr lang="en-US" dirty="0" err="1"/>
+              <a:t>GameSave</a:t>
+            </a:r>
+            <a:r>
+              <a:rPr lang="en-US" dirty="0"/>
+              <a:t> script to it.</a:t>
+            </a:r>
+          </a:p>
+        </p:txBody>
+      </p:sp>
+      <p:sp>
+        <p:nvSpPr>
+          <p:cNvPr id="4" name="Slide Number Placeholder 3"/>
+          <p:cNvSpPr>
+            <a:spLocks noGrp="1"/>
+          </p:cNvSpPr>
+          <p:nvPr>
+            <p:ph type="sldNum" sz="quarter" idx="5"/>
+          </p:nvPr>
+        </p:nvSpPr>
+        <p:spPr/>
+        <p:txBody>
+          <a:bodyPr/>
+          <a:lstStyle/>
+          <a:p>
+            <a:fld id="{926A4D28-551C-4E4A-9CE4-840CFB3B2FC0}" type="slidenum">
+              <a:rPr lang="en-US" smtClean="0"/>
+              <a:t>21</a:t>
+            </a:fld>
+            <a:endParaRPr lang="en-US"/>
+          </a:p>
+        </p:txBody>
+      </p:sp>
+    </p:spTree>
+    <p:extLst>
+      <p:ext uri="{BB962C8B-B14F-4D97-AF65-F5344CB8AC3E}">
+        <p14:creationId xmlns:p14="http://schemas.microsoft.com/office/powerpoint/2010/main" val="1394819272"/>
       </p:ext>
     </p:extLst>
   </p:cSld>
@@ -1690,78 +2237,139 @@
           <a:bodyPr/>
           <a:lstStyle/>
           <a:p>
-            <a:pPr marL="0" marR="0" lvl="0" indent="0" algn="l" defTabSz="914400" rtl="0" eaLnBrk="1" fontAlgn="auto" latinLnBrk="0" hangingPunct="1">
-              <a:lnSpc>
-                <a:spcPct val="100000"/>
-              </a:lnSpc>
+            <a:pPr marL="0" marR="0">
               <a:spcBef>
                 <a:spcPts val="0"/>
               </a:spcBef>
               <a:spcAft>
                 <a:spcPts val="0"/>
               </a:spcAft>
-              <a:buClrTx/>
-              <a:buSzTx/>
-              <a:buFontTx/>
-              <a:buNone/>
-              <a:tabLst/>
-              <a:defRPr/>
             </a:pPr>
             <a:r>
-              <a:rPr lang="en-US" sz="1200" dirty="0">
+              <a:rPr lang="en-US" sz="1800" dirty="0">
                 <a:effectLst/>
                 <a:latin typeface="Calibri" panose="020F0502020204030204" pitchFamily="34" charset="0"/>
               </a:rPr>
-              <a:t>Now Unity itself actually uses this process in a lot of different ways. A great example is the ability to create and edit scripts while the editor is open, and being able to immediately apply the script's behaviors. You don't have to restart anything for the scripts to take affect. This is something called Hot Reloading. Another aspect to serialization to be aware of is the inspector window.  When you change the value of a game objects component field in the inspector window, these changes do not go to the getters and setters-- everything is serialized in the inspector's fields directly. Also, if you’ve ever used a prefab before– those are composed of serialized data from game objects and their components. Once a prefab is instantiated, it contains a reference to the prefab source and the modifications done to it– these are two pieces of serialized data. </a:t>
-            </a:r>
-          </a:p>
-          <a:p>
-            <a:pPr marL="0" marR="0" lvl="0" indent="0" algn="l" defTabSz="914400" rtl="0" eaLnBrk="1" fontAlgn="auto" latinLnBrk="0" hangingPunct="1">
-              <a:lnSpc>
-                <a:spcPct val="100000"/>
-              </a:lnSpc>
+              <a:t>The official definition of serialization in terms of Unity per the unity documentation is defined as </a:t>
+            </a:r>
+          </a:p>
+          <a:p>
+            <a:pPr marL="0" marR="0">
               <a:spcBef>
                 <a:spcPts val="0"/>
               </a:spcBef>
               <a:spcAft>
                 <a:spcPts val="0"/>
               </a:spcAft>
-              <a:buClrTx/>
-              <a:buSzTx/>
-              <a:buFontTx/>
-              <a:buNone/>
-              <a:tabLst/>
-              <a:defRPr/>
             </a:pPr>
-            <a:endParaRPr lang="en-US" sz="1200" dirty="0">
-              <a:effectLst/>
-              <a:latin typeface="Calibri" panose="020F0502020204030204" pitchFamily="34" charset="0"/>
-            </a:endParaRPr>
-          </a:p>
-          <a:p>
-            <a:pPr marL="0" marR="0" lvl="0" indent="0" algn="l" defTabSz="914400" rtl="0" eaLnBrk="1" fontAlgn="auto" latinLnBrk="0" hangingPunct="1">
-              <a:lnSpc>
-                <a:spcPct val="100000"/>
-              </a:lnSpc>
+            <a:r>
+              <a:rPr lang="en-US" sz="1800" dirty="0">
+                <a:effectLst/>
+                <a:latin typeface="Calibri" panose="020F0502020204030204" pitchFamily="34" charset="0"/>
+              </a:rPr>
+              <a:t>the automatic process of transforming data structures or object states into a format that Unity can store and reconstruct later.</a:t>
+            </a:r>
+          </a:p>
+          <a:p>
+            <a:pPr marL="0" marR="0">
               <a:spcBef>
                 <a:spcPts val="0"/>
               </a:spcBef>
               <a:spcAft>
                 <a:spcPts val="0"/>
               </a:spcAft>
-              <a:buClrTx/>
-              <a:buSzTx/>
-              <a:buFontTx/>
-              <a:buNone/>
-              <a:tabLst/>
-              <a:defRPr/>
             </a:pPr>
             <a:r>
-              <a:rPr lang="en-US" sz="1200" dirty="0">
+              <a:rPr lang="en-US" sz="1800" dirty="0">
                 <a:effectLst/>
                 <a:latin typeface="Calibri" panose="020F0502020204030204" pitchFamily="34" charset="0"/>
               </a:rPr>
-              <a:t>Unity uses serialization in other ways as well– you can check out the link at the bottom to the Unity documentation site where it gives an extensive breakdown on other built-in features.</a:t>
+              <a:t> </a:t>
+            </a:r>
+          </a:p>
+          <a:p>
+            <a:pPr marL="0" marR="0">
+              <a:spcBef>
+                <a:spcPts val="0"/>
+              </a:spcBef>
+              <a:spcAft>
+                <a:spcPts val="0"/>
+              </a:spcAft>
+            </a:pPr>
+            <a:r>
+              <a:rPr lang="en-US" sz="1800" dirty="0">
+                <a:effectLst/>
+                <a:latin typeface="Calibri" panose="020F0502020204030204" pitchFamily="34" charset="0"/>
+              </a:rPr>
+              <a:t>Let's say you're at a grocery store, and you go to the register to buy a bunch of things. They add it up the on the register, but it turns out, they only accept cash, and all of your cash is at home. A line forms behind you, so you write everything down everything you wanted to buy and put it all back on the shelf, and while you run home to get money, the cashier can check out other customers. When you get back store, you are able to use the list to recollect all the items you wanted to buy, and proceed with the transaction. </a:t>
+            </a:r>
+          </a:p>
+          <a:p>
+            <a:pPr marL="0" marR="0">
+              <a:spcBef>
+                <a:spcPts val="0"/>
+              </a:spcBef>
+              <a:spcAft>
+                <a:spcPts val="0"/>
+              </a:spcAft>
+            </a:pPr>
+            <a:r>
+              <a:rPr lang="en-US" sz="1800" dirty="0">
+                <a:effectLst/>
+                <a:latin typeface="Calibri" panose="020F0502020204030204" pitchFamily="34" charset="0"/>
+              </a:rPr>
+              <a:t> </a:t>
+            </a:r>
+          </a:p>
+          <a:p>
+            <a:pPr marL="0" marR="0">
+              <a:spcBef>
+                <a:spcPts val="0"/>
+              </a:spcBef>
+              <a:spcAft>
+                <a:spcPts val="0"/>
+              </a:spcAft>
+            </a:pPr>
+            <a:r>
+              <a:rPr lang="en-US" sz="1800" dirty="0">
+                <a:effectLst/>
+                <a:latin typeface="Calibri" panose="020F0502020204030204" pitchFamily="34" charset="0"/>
+              </a:rPr>
+              <a:t>The act of having the physical items with you, transferring them to paper and returning the items back to the shelf, and then using the paper to find all the items again, is serialization.</a:t>
+            </a:r>
+          </a:p>
+          <a:p>
+            <a:pPr marL="0" marR="0">
+              <a:spcBef>
+                <a:spcPts val="0"/>
+              </a:spcBef>
+              <a:spcAft>
+                <a:spcPts val="0"/>
+              </a:spcAft>
+            </a:pPr>
+            <a:r>
+              <a:rPr lang="en-US" sz="1800" dirty="0">
+                <a:effectLst/>
+                <a:latin typeface="Calibri" panose="020F0502020204030204" pitchFamily="34" charset="0"/>
+              </a:rPr>
+              <a:t> </a:t>
+            </a:r>
+          </a:p>
+          <a:p>
+            <a:pPr marL="0" marR="0">
+              <a:spcBef>
+                <a:spcPts val="0"/>
+              </a:spcBef>
+              <a:spcAft>
+                <a:spcPts val="0"/>
+              </a:spcAft>
+            </a:pPr>
+            <a:r>
+              <a:rPr lang="en-US" sz="1800" dirty="0">
+                <a:effectLst/>
+                <a:latin typeface="Calibri" panose="020F0502020204030204" pitchFamily="34" charset="0"/>
+              </a:rPr>
+              <a:t>In serialization, the object is converted into a stream of bytes, and then it can get stored to either a database, a file, or memory.  Upon reconstruction, the process of deserialization occurs, which is when the stream of bytes from those locations gets converted back into an object, and comes together in the exact same way you left it the last time it was an object.</a:t>
             </a:r>
           </a:p>
           <a:p>
@@ -1786,7 +2394,7 @@
           <a:p>
             <a:fld id="{926A4D28-551C-4E4A-9CE4-840CFB3B2FC0}" type="slidenum">
               <a:rPr lang="en-US" smtClean="0"/>
-              <a:t>4</a:t>
+              <a:t>3</a:t>
             </a:fld>
             <a:endParaRPr lang="en-US"/>
           </a:p>
@@ -1795,7 +2403,7 @@
     </p:spTree>
     <p:extLst>
       <p:ext uri="{BB962C8B-B14F-4D97-AF65-F5344CB8AC3E}">
-        <p14:creationId xmlns:p14="http://schemas.microsoft.com/office/powerpoint/2010/main" val="2766221340"/>
+        <p14:creationId xmlns:p14="http://schemas.microsoft.com/office/powerpoint/2010/main" val="1104547174"/>
       </p:ext>
     </p:extLst>
   </p:cSld>
@@ -1849,24 +2457,7 @@
           <a:bodyPr/>
           <a:lstStyle/>
           <a:p>
-            <a:pPr marL="0" marR="0">
-              <a:spcBef>
-                <a:spcPts val="0"/>
-              </a:spcBef>
-              <a:spcAft>
-                <a:spcPts val="0"/>
-              </a:spcAft>
-            </a:pPr>
-            <a:r>
-              <a:rPr lang="en-US" sz="1800" dirty="0">
-                <a:effectLst/>
-                <a:latin typeface="Calibri" panose="020F0502020204030204" pitchFamily="34" charset="0"/>
-              </a:rPr>
-              <a:t>Now, serializers in Unity run differently than in other programming environments. This is because unity is running in a real-time game environment. So there are some restrictions to help preserve performance. In order to user field serialization, the object must:</a:t>
-            </a:r>
-          </a:p>
-          <a:p>
-            <a:pPr marL="342900" marR="0" lvl="0" indent="0" algn="l" defTabSz="914400" rtl="0" eaLnBrk="1" fontAlgn="ctr" latinLnBrk="0" hangingPunct="1">
+            <a:pPr marL="0" marR="0" lvl="0" indent="0" algn="l" defTabSz="914400" rtl="0" eaLnBrk="1" fontAlgn="auto" latinLnBrk="0" hangingPunct="1">
               <a:lnSpc>
                 <a:spcPct val="100000"/>
               </a:lnSpc>
@@ -1878,49 +2469,21 @@
               </a:spcAft>
               <a:buClrTx/>
               <a:buSzTx/>
-              <a:buFont typeface="Arial" panose="020B0604020202020204" pitchFamily="34" charset="0"/>
-              <a:buChar char="•"/>
+              <a:buFontTx/>
+              <a:buNone/>
               <a:tabLst/>
               <a:defRPr/>
             </a:pPr>
             <a:r>
-              <a:rPr lang="en-US" sz="1800" dirty="0">
+              <a:rPr lang="en-US" sz="1200" dirty="0">
                 <a:effectLst/>
                 <a:latin typeface="Calibri" panose="020F0502020204030204" pitchFamily="34" charset="0"/>
               </a:rPr>
-              <a:t>Be public or has a </a:t>
-            </a:r>
-            <a:r>
-              <a:rPr lang="en-US" sz="1800" dirty="0" err="1">
-                <a:effectLst/>
-                <a:latin typeface="Calibri" panose="020F0502020204030204" pitchFamily="34" charset="0"/>
-              </a:rPr>
-              <a:t>SerializeField</a:t>
-            </a:r>
-            <a:r>
-              <a:rPr lang="en-US" sz="1800" dirty="0">
-                <a:effectLst/>
-                <a:latin typeface="Calibri" panose="020F0502020204030204" pitchFamily="34" charset="0"/>
-              </a:rPr>
-              <a:t> attribute. So, that means that, if the object is defined as private, the </a:t>
-            </a:r>
-            <a:r>
-              <a:rPr lang="en-US" sz="1800" dirty="0" err="1">
-                <a:effectLst/>
-                <a:latin typeface="Calibri" panose="020F0502020204030204" pitchFamily="34" charset="0"/>
-              </a:rPr>
-              <a:t>serializefield</a:t>
-            </a:r>
-            <a:r>
-              <a:rPr lang="en-US" sz="1800" dirty="0">
-                <a:effectLst/>
-                <a:latin typeface="Calibri" panose="020F0502020204030204" pitchFamily="34" charset="0"/>
-              </a:rPr>
-              <a:t> attribute allows it to still be serialized.</a:t>
-            </a:r>
-          </a:p>
-          <a:p>
-            <a:pPr marL="342900" marR="0" lvl="0" indent="0" algn="l" defTabSz="914400" rtl="0" eaLnBrk="1" fontAlgn="ctr" latinLnBrk="0" hangingPunct="1">
+              <a:t>Now Unity itself actually uses this process in a lot of different ways. A great example is the ability to create and edit scripts while the editor is open, and being able to immediately apply the script's behaviors. You don't have to restart anything for the scripts to take affect, and this is something called Hot Reloading. Another aspect to serialization to be aware of is the inspector window.  When you change the value of a game objects component field in the inspector window, these changes do not go to the getters and setters-- everything is serialized in the inspector's fields directly. Also, prefabs– those are composed of serialized data from game objects and their components. Once a prefab is instantiated, it contains a reference to the prefab source and the modifications done to it– these are two pieces of serialized data. </a:t>
+            </a:r>
+          </a:p>
+          <a:p>
+            <a:pPr marL="0" marR="0" lvl="0" indent="0" algn="l" defTabSz="914400" rtl="0" eaLnBrk="1" fontAlgn="auto" latinLnBrk="0" hangingPunct="1">
               <a:lnSpc>
                 <a:spcPct val="100000"/>
               </a:lnSpc>
@@ -1932,225 +2495,40 @@
               </a:spcAft>
               <a:buClrTx/>
               <a:buSzTx/>
-              <a:buFont typeface="Arial" panose="020B0604020202020204" pitchFamily="34" charset="0"/>
-              <a:buChar char="•"/>
+              <a:buFontTx/>
+              <a:buNone/>
               <a:tabLst/>
               <a:defRPr/>
             </a:pPr>
-            <a:r>
-              <a:rPr lang="en-US" sz="1800" dirty="0"/>
-              <a:t>Cannot be static, const or </a:t>
-            </a:r>
-            <a:r>
-              <a:rPr lang="en-US" sz="1800" dirty="0" err="1"/>
-              <a:t>readonly</a:t>
-            </a:r>
-            <a:endParaRPr lang="en-US" dirty="0"/>
-          </a:p>
-          <a:p>
-            <a:pPr marL="342900" rtl="0" fontAlgn="ctr">
+            <a:endParaRPr lang="en-US" sz="1200" dirty="0">
+              <a:effectLst/>
+              <a:latin typeface="Calibri" panose="020F0502020204030204" pitchFamily="34" charset="0"/>
+            </a:endParaRPr>
+          </a:p>
+          <a:p>
+            <a:pPr marL="0" marR="0" lvl="0" indent="0" algn="l" defTabSz="914400" rtl="0" eaLnBrk="1" fontAlgn="auto" latinLnBrk="0" hangingPunct="1">
+              <a:lnSpc>
+                <a:spcPct val="100000"/>
+              </a:lnSpc>
               <a:spcBef>
                 <a:spcPts val="0"/>
               </a:spcBef>
               <a:spcAft>
                 <a:spcPts val="0"/>
               </a:spcAft>
-              <a:buFont typeface="Arial" panose="020B0604020202020204" pitchFamily="34" charset="0"/>
-              <a:buChar char="•"/>
+              <a:buClrTx/>
+              <a:buSzTx/>
+              <a:buFontTx/>
+              <a:buNone/>
+              <a:tabLst/>
+              <a:defRPr/>
             </a:pPr>
             <a:r>
-              <a:rPr lang="en-US" sz="1100" dirty="0">
+              <a:rPr lang="en-US" sz="1200" dirty="0">
                 <a:effectLst/>
                 <a:latin typeface="Calibri" panose="020F0502020204030204" pitchFamily="34" charset="0"/>
               </a:rPr>
-              <a:t>And fits the qualifying field types, like:</a:t>
-            </a:r>
-          </a:p>
-          <a:p>
-            <a:pPr marL="742950" lvl="1" indent="-285750" rtl="0" fontAlgn="ctr">
-              <a:spcBef>
-                <a:spcPts val="0"/>
-              </a:spcBef>
-              <a:spcAft>
-                <a:spcPts val="0"/>
-              </a:spcAft>
-              <a:buFont typeface="Courier New" panose="02070309020205020404" pitchFamily="49" charset="0"/>
-              <a:buChar char="o"/>
-            </a:pPr>
-            <a:r>
-              <a:rPr lang="en-US" sz="1100" dirty="0">
-                <a:effectLst/>
-                <a:latin typeface="Calibri" panose="020F0502020204030204" pitchFamily="34" charset="0"/>
-              </a:rPr>
-              <a:t>Custom structs or non-abstract, non-generic classes, both with the serialization attribute</a:t>
-            </a:r>
-          </a:p>
-          <a:p>
-            <a:pPr marL="742950" lvl="1" indent="-285750" rtl="0" fontAlgn="ctr">
-              <a:spcBef>
-                <a:spcPts val="0"/>
-              </a:spcBef>
-              <a:spcAft>
-                <a:spcPts val="0"/>
-              </a:spcAft>
-              <a:buFont typeface="Courier New" panose="02070309020205020404" pitchFamily="49" charset="0"/>
-              <a:buChar char="o"/>
-            </a:pPr>
-            <a:r>
-              <a:rPr lang="en-US" sz="1100" dirty="0">
-                <a:effectLst/>
-                <a:latin typeface="Calibri" panose="020F0502020204030204" pitchFamily="34" charset="0"/>
-              </a:rPr>
-              <a:t>References to objects that derive from </a:t>
-            </a:r>
-            <a:r>
-              <a:rPr lang="en-US" sz="1100" dirty="0" err="1">
-                <a:effectLst/>
-                <a:latin typeface="Calibri" panose="020F0502020204030204" pitchFamily="34" charset="0"/>
-              </a:rPr>
-              <a:t>UnityEngine.Object</a:t>
-            </a:r>
-            <a:endParaRPr lang="en-US" sz="1100" dirty="0">
-              <a:effectLst/>
-              <a:latin typeface="Calibri" panose="020F0502020204030204" pitchFamily="34" charset="0"/>
-            </a:endParaRPr>
-          </a:p>
-          <a:p>
-            <a:pPr marL="742950" lvl="1" indent="-285750" rtl="0" fontAlgn="ctr">
-              <a:spcBef>
-                <a:spcPts val="0"/>
-              </a:spcBef>
-              <a:spcAft>
-                <a:spcPts val="0"/>
-              </a:spcAft>
-              <a:buFont typeface="Courier New" panose="02070309020205020404" pitchFamily="49" charset="0"/>
-              <a:buChar char="o"/>
-            </a:pPr>
-            <a:r>
-              <a:rPr lang="en-US" sz="1100" dirty="0">
-                <a:effectLst/>
-                <a:latin typeface="Calibri" panose="020F0502020204030204" pitchFamily="34" charset="0"/>
-              </a:rPr>
-              <a:t>Primitive data types like int, float, string, etc. as well as arrays or lists containing these types</a:t>
-            </a:r>
-          </a:p>
-          <a:p>
-            <a:pPr marL="742950" lvl="1" indent="-285750" rtl="0" fontAlgn="ctr">
-              <a:spcBef>
-                <a:spcPts val="0"/>
-              </a:spcBef>
-              <a:spcAft>
-                <a:spcPts val="0"/>
-              </a:spcAft>
-              <a:buFont typeface="Courier New" panose="02070309020205020404" pitchFamily="49" charset="0"/>
-              <a:buChar char="o"/>
-            </a:pPr>
-            <a:r>
-              <a:rPr lang="en-US" sz="1100" dirty="0">
-                <a:effectLst/>
-                <a:latin typeface="Calibri" panose="020F0502020204030204" pitchFamily="34" charset="0"/>
-              </a:rPr>
-              <a:t>Enumerations</a:t>
-            </a:r>
-          </a:p>
-          <a:p>
-            <a:pPr marL="742950" lvl="1" indent="-285750" rtl="0" fontAlgn="ctr">
-              <a:spcBef>
-                <a:spcPts val="0"/>
-              </a:spcBef>
-              <a:spcAft>
-                <a:spcPts val="0"/>
-              </a:spcAft>
-              <a:buFont typeface="Courier New" panose="02070309020205020404" pitchFamily="49" charset="0"/>
-              <a:buChar char="o"/>
-            </a:pPr>
-            <a:r>
-              <a:rPr lang="en-US" sz="1100" dirty="0">
-                <a:effectLst/>
-                <a:latin typeface="Calibri" panose="020F0502020204030204" pitchFamily="34" charset="0"/>
-              </a:rPr>
-              <a:t>And certain unity built-in types like vector 2, 3 and four, </a:t>
-            </a:r>
-            <a:r>
-              <a:rPr lang="en-US" sz="1100" dirty="0" err="1">
-                <a:effectLst/>
-                <a:latin typeface="Calibri" panose="020F0502020204030204" pitchFamily="34" charset="0"/>
-              </a:rPr>
-              <a:t>rect</a:t>
-            </a:r>
-            <a:r>
-              <a:rPr lang="en-US" sz="1100" dirty="0">
-                <a:effectLst/>
-                <a:latin typeface="Calibri" panose="020F0502020204030204" pitchFamily="34" charset="0"/>
-              </a:rPr>
-              <a:t>, color, layer mask, etc.</a:t>
-            </a:r>
-          </a:p>
-          <a:p>
-            <a:pPr marL="457200" lvl="1" indent="0" rtl="0" fontAlgn="ctr">
-              <a:spcBef>
-                <a:spcPts val="0"/>
-              </a:spcBef>
-              <a:spcAft>
-                <a:spcPts val="0"/>
-              </a:spcAft>
-              <a:buFont typeface="Courier New" panose="02070309020205020404" pitchFamily="49" charset="0"/>
-              <a:buNone/>
-            </a:pPr>
-            <a:endParaRPr lang="en-US" sz="1100" dirty="0">
-              <a:effectLst/>
-              <a:latin typeface="Calibri" panose="020F0502020204030204" pitchFamily="34" charset="0"/>
-            </a:endParaRPr>
-          </a:p>
-          <a:p>
-            <a:pPr marL="0" marR="0">
-              <a:spcBef>
-                <a:spcPts val="0"/>
-              </a:spcBef>
-              <a:spcAft>
-                <a:spcPts val="0"/>
-              </a:spcAft>
-            </a:pPr>
-            <a:r>
-              <a:rPr lang="en-US" sz="1100" dirty="0">
-                <a:effectLst/>
-                <a:latin typeface="Calibri" panose="020F0502020204030204" pitchFamily="34" charset="0"/>
-              </a:rPr>
-              <a:t>One important thing to note is that dictionaries are not serializable. This is because even though the keys and values are easy to retrieve during deserialization, we don’t know if the classes derived from the dictionary have been serialized. </a:t>
-            </a:r>
-          </a:p>
-          <a:p>
-            <a:pPr marL="0" marR="0">
-              <a:spcBef>
-                <a:spcPts val="0"/>
-              </a:spcBef>
-              <a:spcAft>
-                <a:spcPts val="0"/>
-              </a:spcAft>
-            </a:pPr>
-            <a:r>
-              <a:rPr lang="en-US" sz="1100" dirty="0">
-                <a:effectLst/>
-                <a:latin typeface="Calibri" panose="020F0502020204030204" pitchFamily="34" charset="0"/>
-              </a:rPr>
-              <a:t>Specifics on these restrictions can be found on the Unity Script Serialization Documentation </a:t>
-            </a:r>
-            <a:r>
-              <a:rPr lang="en-US" sz="1100" dirty="0">
-                <a:effectLst/>
-                <a:highlight>
-                  <a:srgbClr val="FFFF00"/>
-                </a:highlight>
-                <a:latin typeface="Calibri" panose="020F0502020204030204" pitchFamily="34" charset="0"/>
-              </a:rPr>
-              <a:t>listed at the bottom of the screen</a:t>
-            </a:r>
-            <a:r>
-              <a:rPr lang="en-US" sz="1100" dirty="0">
-                <a:effectLst/>
-                <a:latin typeface="Calibri" panose="020F0502020204030204" pitchFamily="34" charset="0"/>
-              </a:rPr>
-              <a:t>.</a:t>
+              <a:t>And Unity uses serialization in a bunch of other ways as well– you can check out the link at the bottom to the Unity documentation site where it gives an extensive breakdown on other built-in features.</a:t>
             </a:r>
           </a:p>
           <a:p>
@@ -2175,7 +2553,7 @@
           <a:p>
             <a:fld id="{926A4D28-551C-4E4A-9CE4-840CFB3B2FC0}" type="slidenum">
               <a:rPr lang="en-US" smtClean="0"/>
-              <a:t>5</a:t>
+              <a:t>4</a:t>
             </a:fld>
             <a:endParaRPr lang="en-US"/>
           </a:p>
@@ -2184,7 +2562,7 @@
     </p:spTree>
     <p:extLst>
       <p:ext uri="{BB962C8B-B14F-4D97-AF65-F5344CB8AC3E}">
-        <p14:creationId xmlns:p14="http://schemas.microsoft.com/office/powerpoint/2010/main" val="1624811552"/>
+        <p14:creationId xmlns:p14="http://schemas.microsoft.com/office/powerpoint/2010/main" val="2766221340"/>
       </p:ext>
     </p:extLst>
   </p:cSld>
@@ -2238,78 +2616,312 @@
           <a:bodyPr/>
           <a:lstStyle/>
           <a:p>
-            <a:r>
-              <a:rPr lang="en-US" dirty="0"/>
-              <a:t>So we have this example over here on the left. We’re going to do a quick comparison between the fields that can be serialized, and the ones that can’t.</a:t>
-            </a:r>
-          </a:p>
-          <a:p>
+            <a:pPr marL="0" marR="0">
+              <a:spcBef>
+                <a:spcPts val="0"/>
+              </a:spcBef>
+              <a:spcAft>
+                <a:spcPts val="0"/>
+              </a:spcAft>
+            </a:pPr>
+            <a:r>
+              <a:rPr lang="en-US" sz="1800" dirty="0">
+                <a:effectLst/>
+                <a:latin typeface="Calibri" panose="020F0502020204030204" pitchFamily="34" charset="0"/>
+              </a:rPr>
+              <a:t>Now, serializers in Unity run differently than in other programming environments. This is because unity is running in a real-time game environment. So there are some restrictions to help preserve performance. In order to user field serialization, the object must:</a:t>
+            </a:r>
+          </a:p>
+          <a:p>
+            <a:pPr marL="342900" marR="0" lvl="0" indent="0" algn="l" defTabSz="914400" rtl="0" eaLnBrk="1" fontAlgn="ctr" latinLnBrk="0" hangingPunct="1">
+              <a:lnSpc>
+                <a:spcPct val="100000"/>
+              </a:lnSpc>
+              <a:spcBef>
+                <a:spcPts val="0"/>
+              </a:spcBef>
+              <a:spcAft>
+                <a:spcPts val="0"/>
+              </a:spcAft>
+              <a:buClrTx/>
+              <a:buSzTx/>
+              <a:buFont typeface="Arial" panose="020B0604020202020204" pitchFamily="34" charset="0"/>
+              <a:buChar char="•"/>
+              <a:tabLst/>
+              <a:defRPr/>
+            </a:pPr>
+            <a:r>
+              <a:rPr lang="en-US" sz="1800" dirty="0">
+                <a:effectLst/>
+                <a:latin typeface="Calibri" panose="020F0502020204030204" pitchFamily="34" charset="0"/>
+              </a:rPr>
+              <a:t>Be public or has a </a:t>
+            </a:r>
+            <a:r>
+              <a:rPr lang="en-US" sz="1800" dirty="0" err="1">
+                <a:effectLst/>
+                <a:latin typeface="Calibri" panose="020F0502020204030204" pitchFamily="34" charset="0"/>
+              </a:rPr>
+              <a:t>SerializeField</a:t>
+            </a:r>
+            <a:r>
+              <a:rPr lang="en-US" sz="1800" dirty="0">
+                <a:effectLst/>
+                <a:latin typeface="Calibri" panose="020F0502020204030204" pitchFamily="34" charset="0"/>
+              </a:rPr>
+              <a:t> attribute. So, that means that, if the object is defined as private, the </a:t>
+            </a:r>
+            <a:r>
+              <a:rPr lang="en-US" sz="1800" dirty="0" err="1">
+                <a:effectLst/>
+                <a:latin typeface="Calibri" panose="020F0502020204030204" pitchFamily="34" charset="0"/>
+              </a:rPr>
+              <a:t>serializefield</a:t>
+            </a:r>
+            <a:r>
+              <a:rPr lang="en-US" sz="1800" dirty="0">
+                <a:effectLst/>
+                <a:latin typeface="Calibri" panose="020F0502020204030204" pitchFamily="34" charset="0"/>
+              </a:rPr>
+              <a:t> attribute allows it to still be serialized.</a:t>
+            </a:r>
+          </a:p>
+          <a:p>
+            <a:pPr marL="342900" marR="0" lvl="0" indent="0" algn="l" defTabSz="914400" rtl="0" eaLnBrk="1" fontAlgn="ctr" latinLnBrk="0" hangingPunct="1">
+              <a:lnSpc>
+                <a:spcPct val="100000"/>
+              </a:lnSpc>
+              <a:spcBef>
+                <a:spcPts val="0"/>
+              </a:spcBef>
+              <a:spcAft>
+                <a:spcPts val="0"/>
+              </a:spcAft>
+              <a:buClrTx/>
+              <a:buSzTx/>
+              <a:buFont typeface="Arial" panose="020B0604020202020204" pitchFamily="34" charset="0"/>
+              <a:buChar char="•"/>
+              <a:tabLst/>
+              <a:defRPr/>
+            </a:pPr>
+            <a:r>
+              <a:rPr lang="en-US" sz="1800" dirty="0"/>
+              <a:t>Cannot be static, const or </a:t>
+            </a:r>
+            <a:r>
+              <a:rPr lang="en-US" sz="1800" dirty="0" err="1"/>
+              <a:t>readonly</a:t>
+            </a:r>
             <a:endParaRPr lang="en-US" dirty="0"/>
           </a:p>
           <a:p>
-            <a:r>
-              <a:rPr lang="en-US" dirty="0"/>
-              <a:t>On lines 8 and 11,  we have a private integer and a private float respectively. Since a private field cannot be automatically serialized, we have added the </a:t>
-            </a:r>
-            <a:r>
-              <a:rPr lang="en-US" dirty="0" err="1"/>
-              <a:t>SerializeField</a:t>
-            </a:r>
-            <a:r>
-              <a:rPr lang="en-US" dirty="0"/>
-              <a:t> attribute to that field. 13 is both public and a float, and a float is considered a primitive data type, so that is automatically serialized. On line 15, there is a private integer that does NOT have the serialize field attribute, so it will not be serialized, and on line 17 there is a static int that is public. Despite the fact that this field is public, this is NOT serializable because static is on the list of fields that cannot be serialized. We’ll talk about why in the next example. </a:t>
+            <a:pPr marL="342900" rtl="0" fontAlgn="ctr">
+              <a:spcBef>
+                <a:spcPts val="0"/>
+              </a:spcBef>
+              <a:spcAft>
+                <a:spcPts val="0"/>
+              </a:spcAft>
+              <a:buFont typeface="Arial" panose="020B0604020202020204" pitchFamily="34" charset="0"/>
+              <a:buChar char="•"/>
+            </a:pPr>
+            <a:r>
+              <a:rPr lang="en-US" sz="1100" dirty="0">
+                <a:effectLst/>
+                <a:latin typeface="Calibri" panose="020F0502020204030204" pitchFamily="34" charset="0"/>
+              </a:rPr>
+              <a:t>And fits the qualifying field types, like:</a:t>
+            </a:r>
+          </a:p>
+          <a:p>
+            <a:pPr marL="742950" lvl="1" indent="-285750" rtl="0" fontAlgn="ctr">
+              <a:spcBef>
+                <a:spcPts val="0"/>
+              </a:spcBef>
+              <a:spcAft>
+                <a:spcPts val="0"/>
+              </a:spcAft>
+              <a:buFont typeface="Courier New" panose="02070309020205020404" pitchFamily="49" charset="0"/>
+              <a:buChar char="o"/>
+            </a:pPr>
+            <a:r>
+              <a:rPr lang="en-US" sz="1100" dirty="0">
+                <a:effectLst/>
+                <a:latin typeface="Calibri" panose="020F0502020204030204" pitchFamily="34" charset="0"/>
+              </a:rPr>
+              <a:t>Custom structs or non-abstract, non-generic classes, both with the serialization attribute</a:t>
+            </a:r>
+          </a:p>
+          <a:p>
+            <a:pPr marL="742950" lvl="1" indent="-285750" rtl="0" fontAlgn="ctr">
+              <a:spcBef>
+                <a:spcPts val="0"/>
+              </a:spcBef>
+              <a:spcAft>
+                <a:spcPts val="0"/>
+              </a:spcAft>
+              <a:buFont typeface="Courier New" panose="02070309020205020404" pitchFamily="49" charset="0"/>
+              <a:buChar char="o"/>
+            </a:pPr>
+            <a:r>
+              <a:rPr lang="en-US" sz="1100" dirty="0">
+                <a:effectLst/>
+                <a:latin typeface="Calibri" panose="020F0502020204030204" pitchFamily="34" charset="0"/>
+              </a:rPr>
+              <a:t>References to objects that derive from </a:t>
+            </a:r>
+            <a:r>
+              <a:rPr lang="en-US" sz="1100" dirty="0" err="1">
+                <a:effectLst/>
+                <a:latin typeface="Calibri" panose="020F0502020204030204" pitchFamily="34" charset="0"/>
+              </a:rPr>
+              <a:t>UnityEngine.Object</a:t>
+            </a:r>
+            <a:endParaRPr lang="en-US" sz="1100" dirty="0">
+              <a:effectLst/>
+              <a:latin typeface="Calibri" panose="020F0502020204030204" pitchFamily="34" charset="0"/>
+            </a:endParaRPr>
+          </a:p>
+          <a:p>
+            <a:pPr marL="742950" lvl="1" indent="-285750" rtl="0" fontAlgn="ctr">
+              <a:spcBef>
+                <a:spcPts val="0"/>
+              </a:spcBef>
+              <a:spcAft>
+                <a:spcPts val="0"/>
+              </a:spcAft>
+              <a:buFont typeface="Courier New" panose="02070309020205020404" pitchFamily="49" charset="0"/>
+              <a:buChar char="o"/>
+            </a:pPr>
+            <a:r>
+              <a:rPr lang="en-US" sz="1100" dirty="0">
+                <a:effectLst/>
+                <a:latin typeface="Calibri" panose="020F0502020204030204" pitchFamily="34" charset="0"/>
+              </a:rPr>
+              <a:t>Primitive data types like int, float, string, etc. as well as arrays or lists containing these types</a:t>
+            </a:r>
+          </a:p>
+          <a:p>
+            <a:pPr marL="742950" lvl="1" indent="-285750" rtl="0" fontAlgn="ctr">
+              <a:spcBef>
+                <a:spcPts val="0"/>
+              </a:spcBef>
+              <a:spcAft>
+                <a:spcPts val="0"/>
+              </a:spcAft>
+              <a:buFont typeface="Courier New" panose="02070309020205020404" pitchFamily="49" charset="0"/>
+              <a:buChar char="o"/>
+            </a:pPr>
+            <a:r>
+              <a:rPr lang="en-US" sz="1100" dirty="0">
+                <a:effectLst/>
+                <a:latin typeface="Calibri" panose="020F0502020204030204" pitchFamily="34" charset="0"/>
+              </a:rPr>
+              <a:t>Enumerations</a:t>
+            </a:r>
+          </a:p>
+          <a:p>
+            <a:pPr marL="742950" lvl="1" indent="-285750" rtl="0" fontAlgn="ctr">
+              <a:spcBef>
+                <a:spcPts val="0"/>
+              </a:spcBef>
+              <a:spcAft>
+                <a:spcPts val="0"/>
+              </a:spcAft>
+              <a:buFont typeface="Courier New" panose="02070309020205020404" pitchFamily="49" charset="0"/>
+              <a:buChar char="o"/>
+            </a:pPr>
+            <a:r>
+              <a:rPr lang="en-US" sz="1100" dirty="0">
+                <a:effectLst/>
+                <a:latin typeface="Calibri" panose="020F0502020204030204" pitchFamily="34" charset="0"/>
+              </a:rPr>
+              <a:t>And certain unity built-in types like vector 2, 3 and four, </a:t>
+            </a:r>
+            <a:r>
+              <a:rPr lang="en-US" sz="1100" dirty="0" err="1">
+                <a:effectLst/>
+                <a:latin typeface="Calibri" panose="020F0502020204030204" pitchFamily="34" charset="0"/>
+              </a:rPr>
+              <a:t>rect</a:t>
+            </a:r>
+            <a:r>
+              <a:rPr lang="en-US" sz="1100" dirty="0">
+                <a:effectLst/>
+                <a:latin typeface="Calibri" panose="020F0502020204030204" pitchFamily="34" charset="0"/>
+              </a:rPr>
+              <a:t>, color, layer mask, etc.</a:t>
+            </a:r>
+          </a:p>
+          <a:p>
+            <a:pPr marL="457200" lvl="1" indent="0" rtl="0" fontAlgn="ctr">
+              <a:spcBef>
+                <a:spcPts val="0"/>
+              </a:spcBef>
+              <a:spcAft>
+                <a:spcPts val="0"/>
+              </a:spcAft>
+              <a:buFont typeface="Courier New" panose="02070309020205020404" pitchFamily="49" charset="0"/>
+              <a:buNone/>
+            </a:pPr>
+            <a:endParaRPr lang="en-US" sz="1100" dirty="0">
+              <a:effectLst/>
+              <a:latin typeface="Calibri" panose="020F0502020204030204" pitchFamily="34" charset="0"/>
+            </a:endParaRPr>
+          </a:p>
+          <a:p>
+            <a:pPr marL="0" marR="0">
+              <a:spcBef>
+                <a:spcPts val="0"/>
+              </a:spcBef>
+              <a:spcAft>
+                <a:spcPts val="0"/>
+              </a:spcAft>
+            </a:pPr>
+            <a:r>
+              <a:rPr lang="en-US" sz="1100" dirty="0">
+                <a:effectLst/>
+                <a:latin typeface="Calibri" panose="020F0502020204030204" pitchFamily="34" charset="0"/>
+              </a:rPr>
+              <a:t>One important thing to note is that dictionaries are not serializable. This is because even though the keys and values are easy to retrieve during deserialization, we don’t know if the classes derived from the dictionary have been serialized. </a:t>
+            </a:r>
+          </a:p>
+          <a:p>
+            <a:pPr marL="0" marR="0">
+              <a:spcBef>
+                <a:spcPts val="0"/>
+              </a:spcBef>
+              <a:spcAft>
+                <a:spcPts val="0"/>
+              </a:spcAft>
+            </a:pPr>
+            <a:r>
+              <a:rPr lang="en-US" sz="1100" dirty="0">
+                <a:effectLst/>
+                <a:latin typeface="Calibri" panose="020F0502020204030204" pitchFamily="34" charset="0"/>
+              </a:rPr>
+              <a:t>Specifics on these restrictions can be found on the Unity Script Serialization Documentation </a:t>
+            </a:r>
+            <a:r>
+              <a:rPr lang="en-US" sz="1100" dirty="0">
+                <a:effectLst/>
+                <a:highlight>
+                  <a:srgbClr val="FFFF00"/>
+                </a:highlight>
+                <a:latin typeface="Calibri" panose="020F0502020204030204" pitchFamily="34" charset="0"/>
+              </a:rPr>
+              <a:t>listed at the bottom of the screen</a:t>
+            </a:r>
+            <a:r>
+              <a:rPr lang="en-US" sz="1100" dirty="0">
+                <a:effectLst/>
+                <a:latin typeface="Calibri" panose="020F0502020204030204" pitchFamily="34" charset="0"/>
+              </a:rPr>
+              <a:t>.</a:t>
             </a:r>
           </a:p>
           <a:p>
             <a:endParaRPr lang="en-US" dirty="0"/>
-          </a:p>
-          <a:p>
-            <a:r>
-              <a:rPr lang="en-US" dirty="0"/>
-              <a:t>So, our serializable fields are </a:t>
-            </a:r>
-            <a:r>
-              <a:rPr lang="en-US" dirty="0" err="1"/>
-              <a:t>SerializedPrivate</a:t>
-            </a:r>
-            <a:r>
-              <a:rPr lang="en-US" dirty="0"/>
-              <a:t> Int, </a:t>
-            </a:r>
-            <a:r>
-              <a:rPr lang="en-US" dirty="0" err="1"/>
-              <a:t>SerializedPrivateFloat</a:t>
-            </a:r>
-            <a:r>
-              <a:rPr lang="en-US" dirty="0"/>
-              <a:t>, and </a:t>
-            </a:r>
-            <a:r>
-              <a:rPr lang="en-US" dirty="0" err="1"/>
-              <a:t>PublicFloat</a:t>
-            </a:r>
-            <a:r>
-              <a:rPr lang="en-US" dirty="0"/>
-              <a:t>. Over on the right, this is what the component looks like once the script has been applied to my object. As you can see, it only those three fields that we deemed serializable, appear.</a:t>
-            </a:r>
-          </a:p>
-          <a:p>
-            <a:endParaRPr lang="en-US" dirty="0"/>
-          </a:p>
-          <a:p>
-            <a:r>
-              <a:rPr lang="en-US" dirty="0"/>
-              <a:t>This script can be found in the scripts folder on Canvas under Example1, and this script should be applied to the game object called Example1.</a:t>
-            </a:r>
-          </a:p>
-          <a:p>
-            <a:endParaRPr lang="en-US" dirty="0"/>
-          </a:p>
-          <a:p>
-            <a:r>
-              <a:rPr lang="en-US" dirty="0"/>
-              <a:t>SHOW EXAMPLE IN UNITY. ****Block out the cube, ground and game save</a:t>
-            </a:r>
           </a:p>
         </p:txBody>
       </p:sp>
@@ -2330,7 +2942,7 @@
           <a:p>
             <a:fld id="{926A4D28-551C-4E4A-9CE4-840CFB3B2FC0}" type="slidenum">
               <a:rPr lang="en-US" smtClean="0"/>
-              <a:t>6</a:t>
+              <a:t>5</a:t>
             </a:fld>
             <a:endParaRPr lang="en-US"/>
           </a:p>
@@ -2339,7 +2951,7 @@
     </p:spTree>
     <p:extLst>
       <p:ext uri="{BB962C8B-B14F-4D97-AF65-F5344CB8AC3E}">
-        <p14:creationId xmlns:p14="http://schemas.microsoft.com/office/powerpoint/2010/main" val="3135872708"/>
+        <p14:creationId xmlns:p14="http://schemas.microsoft.com/office/powerpoint/2010/main" val="1624811552"/>
       </p:ext>
     </p:extLst>
   </p:cSld>
@@ -2395,7 +3007,7 @@
           <a:p>
             <a:r>
               <a:rPr lang="en-US" dirty="0"/>
-              <a:t>Another way to demonstrate serialization is by cloning. So in our example 1a script, we have the same variables initiated as we did in the last example. Then in our Update function, we create a clone of our game object when we click. In this clone, it updates the values for each of our variables. Also note that in the complete example script found on Canvas, there is a Start function as well, which prints the values into the console. To run this example, delete the example 1 component from the example1 game object, and apply the example  1a component. </a:t>
+              <a:t>So we have this example over here on the left. We’re going to do a quick comparison between the fields that can be serialized, and the ones that can’t.</a:t>
             </a:r>
           </a:p>
           <a:p>
@@ -2404,28 +3016,67 @@
           <a:p>
             <a:r>
               <a:rPr lang="en-US" dirty="0"/>
-              <a:t>SHOW EXAMPLE. </a:t>
+              <a:t>On lines 8 and 11,  we have a private integer and a private float respectively. Since a private field cannot be automatically serialized, we have added the </a:t>
+            </a:r>
+            <a:r>
+              <a:rPr lang="en-US" dirty="0" err="1"/>
+              <a:t>SerializeField</a:t>
+            </a:r>
+            <a:r>
+              <a:rPr lang="en-US" dirty="0"/>
+              <a:t> attribute to that field. 13 is both public and a float, and a float is considered a primitive data type, so that is automatically serialized. On line 15, there is a private integer that does NOT have the serialize field attribute, so it will not be serialized, and on line 17 there is a static int that is public. Despite the fact that this field is public, this is NOT serializable because static is on the list of fields that cannot be serialized. We’ll talk about why in the next example. </a:t>
             </a:r>
           </a:p>
           <a:p>
             <a:endParaRPr lang="en-US" dirty="0"/>
           </a:p>
           <a:p>
+            <a:r>
+              <a:rPr lang="en-US" dirty="0"/>
+              <a:t>So, our serializable fields are </a:t>
+            </a:r>
+            <a:r>
+              <a:rPr lang="en-US" dirty="0" err="1"/>
+              <a:t>SerializedPrivate</a:t>
+            </a:r>
+            <a:r>
+              <a:rPr lang="en-US" dirty="0"/>
+              <a:t> Int, </a:t>
+            </a:r>
+            <a:r>
+              <a:rPr lang="en-US" dirty="0" err="1"/>
+              <a:t>SerializedPrivateFloat</a:t>
+            </a:r>
+            <a:r>
+              <a:rPr lang="en-US" dirty="0"/>
+              <a:t>, and </a:t>
+            </a:r>
+            <a:r>
+              <a:rPr lang="en-US" dirty="0" err="1"/>
+              <a:t>PublicFloat</a:t>
+            </a:r>
+            <a:r>
+              <a:rPr lang="en-US" dirty="0"/>
+              <a:t>. Over on the right, this is what the component in the inspector looks like once the script has been applied to my object. As you can see, it only those three fields that we deemed serializable, appear.</a:t>
+            </a:r>
+          </a:p>
+          <a:p>
             <a:endParaRPr lang="en-US" dirty="0"/>
           </a:p>
           <a:p>
             <a:r>
               <a:rPr lang="en-US" dirty="0"/>
-              <a:t>When we play the scene, the first console message at the top pops up, and once we click to create the clone, the second console message pops up.</a:t>
-            </a:r>
-            <a:r>
-              <a:rPr lang="en-US" sz="1800" dirty="0">
-                <a:effectLst/>
-                <a:latin typeface="Calibri" panose="020F0502020204030204" pitchFamily="34" charset="0"/>
-              </a:rPr>
-              <a:t> You'll see that our Serialized values are the ones that updated between the two instances-- the Serialized private int, serialized private float, and public float. Private int did not update, because it is not serialized. You will notice that public static int did update, even though we know based on our restrictions it does not qualify for serialization, and it doesn't show up in our inspector. Remember-- static fields belong to the class, not the instance. So, for example, if I were to keep this in play mode, and create a new game object and apply the example 1a script, the static integer is the same value as the object I cloned, but we know it's not a clone of the clone-- I just created it! And if we look at the serialized private int (the first one listed), the value is that of our original object– this is serialization.</a:t>
-            </a:r>
+              <a:t>This script can be found in the scripts folder on Canvas under Example1, and this script should be applied to the game object called Example1.</a:t>
+            </a:r>
+          </a:p>
+          <a:p>
             <a:endParaRPr lang="en-US" dirty="0"/>
+          </a:p>
+          <a:p>
+            <a:r>
+              <a:rPr lang="en-US" dirty="0"/>
+              <a:t>SHOW EXAMPLE IN UNITY. NO PLAY NECESSARY.</a:t>
+            </a:r>
           </a:p>
         </p:txBody>
       </p:sp>
@@ -2446,7 +3097,7 @@
           <a:p>
             <a:fld id="{926A4D28-551C-4E4A-9CE4-840CFB3B2FC0}" type="slidenum">
               <a:rPr lang="en-US" smtClean="0"/>
-              <a:t>7</a:t>
+              <a:t>6</a:t>
             </a:fld>
             <a:endParaRPr lang="en-US"/>
           </a:p>
@@ -2455,7 +3106,7 @@
     </p:spTree>
     <p:extLst>
       <p:ext uri="{BB962C8B-B14F-4D97-AF65-F5344CB8AC3E}">
-        <p14:creationId xmlns:p14="http://schemas.microsoft.com/office/powerpoint/2010/main" val="496413022"/>
+        <p14:creationId xmlns:p14="http://schemas.microsoft.com/office/powerpoint/2010/main" val="3135872708"/>
       </p:ext>
     </p:extLst>
   </p:cSld>
@@ -2511,8 +3162,37 @@
           <a:p>
             <a:r>
               <a:rPr lang="en-US" dirty="0"/>
-              <a:t>So now, we’re going to implement a visual example of serialization. We have a box that we can freely move around the screen, and every time we play the scene, the box is going to be a different color. However, we are going to implement a save function that allows us to serialize the location and the color of the box, so after we end our game play, we can restart the scene, and the box will still be the same color and in the same location as the last time we had it open.</a:t>
-            </a:r>
+              <a:t>Another way to demonstrate serialization is by cloning. So in our example 1a script, we have the same variables initiated as we did in the last example. Then in our Update function, we create a clone of our game object when we click. And then in this clone, it updates the values for each of our variables. Also note that in the complete example script found on Canvas, there is a Start function as well, which prints the values into the console. To run this example, delete the example 1 component from the example1 game object, and apply the example  1a component. </a:t>
+            </a:r>
+          </a:p>
+          <a:p>
+            <a:endParaRPr lang="en-US" dirty="0"/>
+          </a:p>
+          <a:p>
+            <a:r>
+              <a:rPr lang="en-US" dirty="0"/>
+              <a:t>SHOW EXAMPLE. </a:t>
+            </a:r>
+          </a:p>
+          <a:p>
+            <a:endParaRPr lang="en-US" dirty="0"/>
+          </a:p>
+          <a:p>
+            <a:endParaRPr lang="en-US" dirty="0"/>
+          </a:p>
+          <a:p>
+            <a:r>
+              <a:rPr lang="en-US" dirty="0"/>
+              <a:t>When we play the scene, the first console message at the top pops up, and once we click to create the clone, the second console message pops up.</a:t>
+            </a:r>
+            <a:r>
+              <a:rPr lang="en-US" sz="1800" dirty="0">
+                <a:effectLst/>
+                <a:latin typeface="Calibri" panose="020F0502020204030204" pitchFamily="34" charset="0"/>
+              </a:rPr>
+              <a:t> You'll see that our Serialized values are the ones that updated between the two instances-- the Serialized private int, serialized private float, and public float. Private int did not update, because it is not serialized. You will notice that public static int did update, even though we know based on our restrictions it does not qualify for serialization, and it doesn't show up in our inspector. This is because static fields belong to the class, not the instance. So, for example, if I were to keep this in play mode, and create a new game object and apply the example 1a script, the static integer is the same value as the object I cloned, but we know that this is not a clone of the clone-- I just created it! And if we look at the serialized private int (the first one listed), the value is that of our original object– this is serialization.</a:t>
+            </a:r>
+            <a:endParaRPr lang="en-US" dirty="0"/>
           </a:p>
         </p:txBody>
       </p:sp>
@@ -2533,7 +3213,7 @@
           <a:p>
             <a:fld id="{926A4D28-551C-4E4A-9CE4-840CFB3B2FC0}" type="slidenum">
               <a:rPr lang="en-US" smtClean="0"/>
-              <a:t>8</a:t>
+              <a:t>7</a:t>
             </a:fld>
             <a:endParaRPr lang="en-US"/>
           </a:p>
@@ -2542,7 +3222,7 @@
     </p:spTree>
     <p:extLst>
       <p:ext uri="{BB962C8B-B14F-4D97-AF65-F5344CB8AC3E}">
-        <p14:creationId xmlns:p14="http://schemas.microsoft.com/office/powerpoint/2010/main" val="1016973399"/>
+        <p14:creationId xmlns:p14="http://schemas.microsoft.com/office/powerpoint/2010/main" val="496413022"/>
       </p:ext>
     </p:extLst>
   </p:cSld>
@@ -2598,32 +3278,7 @@
           <a:p>
             <a:r>
               <a:rPr lang="en-US" dirty="0"/>
-              <a:t>So, first things first: we need to create our class to store the x, and y locations of our player. I want you to create a serialized class in </a:t>
-            </a:r>
-            <a:r>
-              <a:rPr lang="en-US" dirty="0" err="1"/>
-              <a:t>SavePosition.cs</a:t>
-            </a:r>
-            <a:r>
-              <a:rPr lang="en-US" dirty="0"/>
-              <a:t> that contains floats for the two different </a:t>
-            </a:r>
-            <a:r>
-              <a:rPr lang="en-US" dirty="0" err="1"/>
-              <a:t>axees</a:t>
-            </a:r>
-            <a:r>
-              <a:rPr lang="en-US" dirty="0"/>
-              <a:t>.</a:t>
-            </a:r>
-          </a:p>
-          <a:p>
-            <a:endParaRPr lang="en-US" dirty="0"/>
-          </a:p>
-          <a:p>
-            <a:r>
-              <a:rPr lang="en-US" dirty="0"/>
-              <a:t>Side note: Giving my students problems throughout the lectures is the way that I try to engage the students by encouraging participation and allowing questions about something they might not understand. I generally give them a few minutes to figure it out, and then we go over the answer. I give them a folder of example scripts with problem and solution files.</a:t>
+              <a:t>So now, we’re going to implement a visual example of serialization. We have a box that we can freely move around the screen, and every time we play the scene, the box is going to be a different color. However, we are going to implement a save function that allows us to serialize the location and the color of the box, so after we end our game play, we can restart the scene, and the box will still be the same color and in the same location as the last time we had it open.</a:t>
             </a:r>
           </a:p>
         </p:txBody>
@@ -2645,7 +3300,7 @@
           <a:p>
             <a:fld id="{926A4D28-551C-4E4A-9CE4-840CFB3B2FC0}" type="slidenum">
               <a:rPr lang="en-US" smtClean="0"/>
-              <a:t>9</a:t>
+              <a:t>8</a:t>
             </a:fld>
             <a:endParaRPr lang="en-US"/>
           </a:p>
@@ -2654,7 +3309,7 @@
     </p:spTree>
     <p:extLst>
       <p:ext uri="{BB962C8B-B14F-4D97-AF65-F5344CB8AC3E}">
-        <p14:creationId xmlns:p14="http://schemas.microsoft.com/office/powerpoint/2010/main" val="3595875894"/>
+        <p14:creationId xmlns:p14="http://schemas.microsoft.com/office/powerpoint/2010/main" val="1016973399"/>
       </p:ext>
     </p:extLst>
   </p:cSld>
@@ -2710,23 +3365,23 @@
           <a:p>
             <a:r>
               <a:rPr lang="en-US" dirty="0"/>
-              <a:t>So here is what our answer is going to look like. The floats themselves are public and primitive-- they are automatically serialized per our serialization rules, so this is all you needed to add. However, I want to point out the [</a:t>
+              <a:t>So, first things first: we need to create our class to store the x, and y locations of our player. I want you to create a serialized class in </a:t>
             </a:r>
             <a:r>
               <a:rPr lang="en-US" dirty="0" err="1"/>
-              <a:t>system.serializable</a:t>
-            </a:r>
-            <a:r>
-              <a:rPr lang="en-US" dirty="0"/>
-              <a:t>] attribute on line 5. We are going to be using this </a:t>
+              <a:t>SavePosition.cs</a:t>
+            </a:r>
+            <a:r>
+              <a:rPr lang="en-US" dirty="0"/>
+              <a:t> that contains floats for the two different </a:t>
             </a:r>
             <a:r>
               <a:rPr lang="en-US" dirty="0" err="1"/>
-              <a:t>SavePosition</a:t>
-            </a:r>
-            <a:r>
-              <a:rPr lang="en-US" dirty="0"/>
-              <a:t> class in our game save script because we want these floats to jump across our scripts. Therefore, we are going to make our entire class serializable using this attribute.</a:t>
+              <a:t>axees</a:t>
+            </a:r>
+            <a:r>
+              <a:rPr lang="en-US" dirty="0"/>
+              <a:t>.</a:t>
             </a:r>
           </a:p>
         </p:txBody>
@@ -2748,7 +3403,7 @@
           <a:p>
             <a:fld id="{926A4D28-551C-4E4A-9CE4-840CFB3B2FC0}" type="slidenum">
               <a:rPr lang="en-US" smtClean="0"/>
-              <a:t>10</a:t>
+              <a:t>9</a:t>
             </a:fld>
             <a:endParaRPr lang="en-US"/>
           </a:p>
@@ -2757,7 +3412,7 @@
     </p:spTree>
     <p:extLst>
       <p:ext uri="{BB962C8B-B14F-4D97-AF65-F5344CB8AC3E}">
-        <p14:creationId xmlns:p14="http://schemas.microsoft.com/office/powerpoint/2010/main" val="2180905226"/>
+        <p14:creationId xmlns:p14="http://schemas.microsoft.com/office/powerpoint/2010/main" val="3595875894"/>
       </p:ext>
     </p:extLst>
   </p:cSld>
@@ -2910,7 +3565,7 @@
           <a:p>
             <a:fld id="{2395C5C9-164C-46B3-A87E-7660D39D3106}" type="datetime2">
               <a:rPr lang="en-US" smtClean="0"/>
-              <a:t>Sunday, December 13, 2020</a:t>
+              <a:t>Tuesday, December 15, 2020</a:t>
             </a:fld>
             <a:endParaRPr lang="en-US" dirty="0"/>
           </a:p>
@@ -3113,7 +3768,7 @@
           <a:p>
             <a:fld id="{5B75179A-1E2B-41AB-B400-4F1B4022FAEE}" type="datetime2">
               <a:rPr lang="en-US" smtClean="0"/>
-              <a:t>Sunday, December 13, 2020</a:t>
+              <a:t>Tuesday, December 15, 2020</a:t>
             </a:fld>
             <a:endParaRPr lang="en-US"/>
           </a:p>
@@ -3326,7 +3981,7 @@
           <a:p>
             <a:fld id="{05681D0F-6595-4F14-8EF3-954CD87C797B}" type="datetime2">
               <a:rPr lang="en-US" smtClean="0"/>
-              <a:t>Sunday, December 13, 2020</a:t>
+              <a:t>Tuesday, December 15, 2020</a:t>
             </a:fld>
             <a:endParaRPr lang="en-US"/>
           </a:p>
@@ -3528,7 +4183,7 @@
           <a:p>
             <a:fld id="{4DDCFF8A-AAF8-4A12-8A91-9CA0EAF6CBB9}" type="datetime2">
               <a:rPr lang="en-US" smtClean="0"/>
-              <a:t>Sunday, December 13, 2020</a:t>
+              <a:t>Tuesday, December 15, 2020</a:t>
             </a:fld>
             <a:endParaRPr lang="en-US" dirty="0"/>
           </a:p>
@@ -3807,7 +4462,7 @@
           <a:p>
             <a:fld id="{ABCC25C3-021A-4B0B-8F70-0C181FE1CF45}" type="datetime2">
               <a:rPr lang="en-US" smtClean="0"/>
-              <a:t>Sunday, December 13, 2020</a:t>
+              <a:t>Tuesday, December 15, 2020</a:t>
             </a:fld>
             <a:endParaRPr lang="en-US"/>
           </a:p>
@@ -4067,7 +4722,7 @@
           <a:p>
             <a:fld id="{0C23D88D-8CEC-4ED9-A53B-5596187D9A16}" type="datetime2">
               <a:rPr lang="en-US" smtClean="0"/>
-              <a:t>Sunday, December 13, 2020</a:t>
+              <a:t>Tuesday, December 15, 2020</a:t>
             </a:fld>
             <a:endParaRPr lang="en-US"/>
           </a:p>
@@ -4483,7 +5138,7 @@
           <a:p>
             <a:fld id="{D2CCD382-DFDA-4722-A27A-59C21AD112F2}" type="datetime2">
               <a:rPr lang="en-US" smtClean="0"/>
-              <a:t>Sunday, December 13, 2020</a:t>
+              <a:t>Tuesday, December 15, 2020</a:t>
             </a:fld>
             <a:endParaRPr lang="en-US"/>
           </a:p>
@@ -4628,7 +5283,7 @@
           <a:p>
             <a:fld id="{22F2A30D-1C09-413F-AAB1-38F366000715}" type="datetime2">
               <a:rPr lang="en-US" smtClean="0"/>
-              <a:t>Sunday, December 13, 2020</a:t>
+              <a:t>Tuesday, December 15, 2020</a:t>
             </a:fld>
             <a:endParaRPr lang="en-US"/>
           </a:p>
@@ -4750,7 +5405,7 @@
           <a:p>
             <a:fld id="{6DB82B9C-D65E-4F64-95C3-B10F3B00F0D9}" type="datetime2">
               <a:rPr lang="en-US" smtClean="0"/>
-              <a:t>Sunday, December 13, 2020</a:t>
+              <a:t>Tuesday, December 15, 2020</a:t>
             </a:fld>
             <a:endParaRPr lang="en-US"/>
           </a:p>
@@ -5073,7 +5728,7 @@
           <a:p>
             <a:fld id="{B7F5FDCC-6AAC-4A08-B9E0-3793AB5E64C3}" type="datetime2">
               <a:rPr lang="en-US" smtClean="0"/>
-              <a:t>Sunday, December 13, 2020</a:t>
+              <a:t>Tuesday, December 15, 2020</a:t>
             </a:fld>
             <a:endParaRPr lang="en-US"/>
           </a:p>
@@ -5361,7 +6016,7 @@
           <a:p>
             <a:fld id="{349FE94D-439C-40F1-900E-BC07940E3988}" type="datetime2">
               <a:rPr lang="en-US" smtClean="0"/>
-              <a:t>Sunday, December 13, 2020</a:t>
+              <a:t>Tuesday, December 15, 2020</a:t>
             </a:fld>
             <a:endParaRPr lang="en-US"/>
           </a:p>
@@ -5649,7 +6304,7 @@
           <a:p>
             <a:fld id="{8DEA2CF1-0EB2-4673-802D-3371233E4A77}" type="datetime2">
               <a:rPr lang="en-US" smtClean="0"/>
-              <a:t>Sunday, December 13, 2020</a:t>
+              <a:t>Tuesday, December 15, 2020</a:t>
             </a:fld>
             <a:endParaRPr lang="en-US" dirty="0"/>
           </a:p>
@@ -6246,7 +6901,7 @@
           <p:nvPr/>
         </p:nvPicPr>
         <p:blipFill rotWithShape="1">
-          <a:blip r:embed="rId2"/>
+          <a:blip r:embed="rId3"/>
           <a:srcRect r="49010" b="-1"/>
           <a:stretch/>
         </p:blipFill>
@@ -7698,7 +8353,7 @@
         </p:blipFill>
         <p:spPr>
           <a:xfrm>
-            <a:off x="1769632" y="1678543"/>
+            <a:off x="2064600" y="1457974"/>
             <a:ext cx="8652735" cy="3620914"/>
           </a:xfrm>
           <a:prstGeom prst="rect">
@@ -7706,10 +8361,736 @@
           </a:prstGeom>
         </p:spPr>
       </p:pic>
+      <p:pic>
+        <p:nvPicPr>
+          <p:cNvPr id="9" name="Picture 8">
+            <a:extLst>
+              <a:ext uri="{FF2B5EF4-FFF2-40B4-BE49-F238E27FC236}">
+                <a16:creationId xmlns:a16="http://schemas.microsoft.com/office/drawing/2014/main" id="{9292047E-E33A-4780-8427-883895079692}"/>
+              </a:ext>
+            </a:extLst>
+          </p:cNvPr>
+          <p:cNvPicPr>
+            <a:picLocks noChangeAspect="1"/>
+          </p:cNvPicPr>
+          <p:nvPr/>
+        </p:nvPicPr>
+        <p:blipFill>
+          <a:blip r:embed="rId4"/>
+          <a:stretch>
+            <a:fillRect/>
+          </a:stretch>
+        </p:blipFill>
+        <p:spPr>
+          <a:xfrm>
+            <a:off x="536583" y="5400026"/>
+            <a:ext cx="4799223" cy="912249"/>
+          </a:xfrm>
+          <a:prstGeom prst="rect">
+            <a:avLst/>
+          </a:prstGeom>
+        </p:spPr>
+      </p:pic>
+      <p:sp>
+        <p:nvSpPr>
+          <p:cNvPr id="10" name="Rectangle: Diagonal Corners Rounded 9">
+            <a:extLst>
+              <a:ext uri="{FF2B5EF4-FFF2-40B4-BE49-F238E27FC236}">
+                <a16:creationId xmlns:a16="http://schemas.microsoft.com/office/drawing/2014/main" id="{A2B43913-1EF5-43A7-8AD3-86B350501DEC}"/>
+              </a:ext>
+            </a:extLst>
+          </p:cNvPr>
+          <p:cNvSpPr/>
+          <p:nvPr/>
+        </p:nvSpPr>
+        <p:spPr>
+          <a:xfrm>
+            <a:off x="6096000" y="296283"/>
+            <a:ext cx="5820697" cy="486929"/>
+          </a:xfrm>
+          <a:prstGeom prst="round2DiagRect">
+            <a:avLst/>
+          </a:prstGeom>
+        </p:spPr>
+        <p:style>
+          <a:lnRef idx="2">
+            <a:schemeClr val="accent1">
+              <a:shade val="50000"/>
+            </a:schemeClr>
+          </a:lnRef>
+          <a:fillRef idx="1">
+            <a:schemeClr val="accent1"/>
+          </a:fillRef>
+          <a:effectRef idx="0">
+            <a:schemeClr val="accent1"/>
+          </a:effectRef>
+          <a:fontRef idx="minor">
+            <a:schemeClr val="lt1"/>
+          </a:fontRef>
+        </p:style>
+        <p:txBody>
+          <a:bodyPr rtlCol="0" anchor="ctr"/>
+          <a:lstStyle/>
+          <a:p>
+            <a:pPr algn="l"/>
+            <a:r>
+              <a:rPr lang="en-US" dirty="0"/>
+              <a:t>Syntax: </a:t>
+            </a:r>
+            <a:r>
+              <a:rPr lang="en-US" dirty="0" err="1"/>
+              <a:t>PlayerPrefs.SetString</a:t>
+            </a:r>
+            <a:r>
+              <a:rPr lang="en-US" dirty="0"/>
+              <a:t>(string key, string value);</a:t>
+            </a:r>
+          </a:p>
+        </p:txBody>
+      </p:sp>
+      <p:sp>
+        <p:nvSpPr>
+          <p:cNvPr id="11" name="TextBox 10">
+            <a:extLst>
+              <a:ext uri="{FF2B5EF4-FFF2-40B4-BE49-F238E27FC236}">
+                <a16:creationId xmlns:a16="http://schemas.microsoft.com/office/drawing/2014/main" id="{E6C1CC64-2A3C-42C4-A3F6-BEC9854A2098}"/>
+              </a:ext>
+            </a:extLst>
+          </p:cNvPr>
+          <p:cNvSpPr txBox="1"/>
+          <p:nvPr/>
+        </p:nvSpPr>
+        <p:spPr>
+          <a:xfrm>
+            <a:off x="4677697" y="952170"/>
+            <a:ext cx="7514303" cy="369332"/>
+          </a:xfrm>
+          <a:prstGeom prst="rect">
+            <a:avLst/>
+          </a:prstGeom>
+          <a:noFill/>
+        </p:spPr>
+        <p:txBody>
+          <a:bodyPr wrap="square">
+            <a:spAutoFit/>
+          </a:bodyPr>
+          <a:lstStyle/>
+          <a:p>
+            <a:r>
+              <a:rPr lang="en-US" dirty="0"/>
+              <a:t>https://docs.unity3d.com/ScriptReference/PlayerPrefs.SetString.html</a:t>
+            </a:r>
+          </a:p>
+        </p:txBody>
+      </p:sp>
     </p:spTree>
     <p:extLst>
       <p:ext uri="{BB962C8B-B14F-4D97-AF65-F5344CB8AC3E}">
         <p14:creationId xmlns:p14="http://schemas.microsoft.com/office/powerpoint/2010/main" val="2699655878"/>
+      </p:ext>
+    </p:extLst>
+  </p:cSld>
+  <p:clrMapOvr>
+    <a:masterClrMapping/>
+  </p:clrMapOvr>
+</p:sld>
+</file>
+
+<file path=ppt/slides/slide17.xml><?xml version="1.0" encoding="utf-8"?>
+<p:sld xmlns:a="http://schemas.openxmlformats.org/drawingml/2006/main" xmlns:r="http://schemas.openxmlformats.org/officeDocument/2006/relationships" xmlns:p="http://schemas.openxmlformats.org/presentationml/2006/main">
+  <p:cSld>
+    <p:spTree>
+      <p:nvGrpSpPr>
+        <p:cNvPr id="1" name=""/>
+        <p:cNvGrpSpPr/>
+        <p:nvPr/>
+      </p:nvGrpSpPr>
+      <p:grpSpPr>
+        <a:xfrm>
+          <a:off x="0" y="0"/>
+          <a:ext cx="0" cy="0"/>
+          <a:chOff x="0" y="0"/>
+          <a:chExt cx="0" cy="0"/>
+        </a:xfrm>
+      </p:grpSpPr>
+      <p:sp>
+        <p:nvSpPr>
+          <p:cNvPr id="2" name="Title 1">
+            <a:extLst>
+              <a:ext uri="{FF2B5EF4-FFF2-40B4-BE49-F238E27FC236}">
+                <a16:creationId xmlns:a16="http://schemas.microsoft.com/office/drawing/2014/main" id="{643EB3ED-436B-45C8-9543-530CA16058CC}"/>
+              </a:ext>
+            </a:extLst>
+          </p:cNvPr>
+          <p:cNvSpPr>
+            <a:spLocks noGrp="1"/>
+          </p:cNvSpPr>
+          <p:nvPr>
+            <p:ph type="title"/>
+          </p:nvPr>
+        </p:nvSpPr>
+        <p:spPr>
+          <a:xfrm>
+            <a:off x="720000" y="619200"/>
+            <a:ext cx="10728322" cy="590168"/>
+          </a:xfrm>
+        </p:spPr>
+        <p:txBody>
+          <a:bodyPr/>
+          <a:lstStyle/>
+          <a:p>
+            <a:r>
+              <a:rPr lang="en-US" dirty="0" err="1"/>
+              <a:t>GameSave.cs</a:t>
+            </a:r>
+            <a:endParaRPr lang="en-US" dirty="0"/>
+          </a:p>
+        </p:txBody>
+      </p:sp>
+      <p:pic>
+        <p:nvPicPr>
+          <p:cNvPr id="5" name="Picture 4">
+            <a:extLst>
+              <a:ext uri="{FF2B5EF4-FFF2-40B4-BE49-F238E27FC236}">
+                <a16:creationId xmlns:a16="http://schemas.microsoft.com/office/drawing/2014/main" id="{7502DFCA-3669-452D-85A7-6105E79AFE19}"/>
+              </a:ext>
+            </a:extLst>
+          </p:cNvPr>
+          <p:cNvPicPr>
+            <a:picLocks noChangeAspect="1"/>
+          </p:cNvPicPr>
+          <p:nvPr/>
+        </p:nvPicPr>
+        <p:blipFill>
+          <a:blip r:embed="rId3"/>
+          <a:stretch>
+            <a:fillRect/>
+          </a:stretch>
+        </p:blipFill>
+        <p:spPr>
+          <a:xfrm>
+            <a:off x="2007822" y="1576530"/>
+            <a:ext cx="8176356" cy="3838464"/>
+          </a:xfrm>
+          <a:prstGeom prst="rect">
+            <a:avLst/>
+          </a:prstGeom>
+        </p:spPr>
+      </p:pic>
+      <p:sp>
+        <p:nvSpPr>
+          <p:cNvPr id="6" name="Rectangle: Diagonal Corners Rounded 5">
+            <a:extLst>
+              <a:ext uri="{FF2B5EF4-FFF2-40B4-BE49-F238E27FC236}">
+                <a16:creationId xmlns:a16="http://schemas.microsoft.com/office/drawing/2014/main" id="{EFB852B2-0443-4C0F-A278-3BF9CE9825C1}"/>
+              </a:ext>
+            </a:extLst>
+          </p:cNvPr>
+          <p:cNvSpPr/>
+          <p:nvPr/>
+        </p:nvSpPr>
+        <p:spPr>
+          <a:xfrm>
+            <a:off x="7438104" y="252038"/>
+            <a:ext cx="4478594" cy="486929"/>
+          </a:xfrm>
+          <a:prstGeom prst="round2DiagRect">
+            <a:avLst/>
+          </a:prstGeom>
+        </p:spPr>
+        <p:style>
+          <a:lnRef idx="2">
+            <a:schemeClr val="accent1">
+              <a:shade val="50000"/>
+            </a:schemeClr>
+          </a:lnRef>
+          <a:fillRef idx="1">
+            <a:schemeClr val="accent1"/>
+          </a:fillRef>
+          <a:effectRef idx="0">
+            <a:schemeClr val="accent1"/>
+          </a:effectRef>
+          <a:fontRef idx="minor">
+            <a:schemeClr val="lt1"/>
+          </a:fontRef>
+        </p:style>
+        <p:txBody>
+          <a:bodyPr rtlCol="0" anchor="ctr"/>
+          <a:lstStyle/>
+          <a:p>
+            <a:pPr algn="l"/>
+            <a:r>
+              <a:rPr lang="en-US" dirty="0"/>
+              <a:t>Syntax: </a:t>
+            </a:r>
+            <a:r>
+              <a:rPr lang="en-US" dirty="0" err="1"/>
+              <a:t>JsonUtility.FromJson</a:t>
+            </a:r>
+            <a:r>
+              <a:rPr lang="en-US" dirty="0"/>
+              <a:t>(string json);</a:t>
+            </a:r>
+          </a:p>
+        </p:txBody>
+      </p:sp>
+      <p:sp>
+        <p:nvSpPr>
+          <p:cNvPr id="7" name="TextBox 6">
+            <a:extLst>
+              <a:ext uri="{FF2B5EF4-FFF2-40B4-BE49-F238E27FC236}">
+                <a16:creationId xmlns:a16="http://schemas.microsoft.com/office/drawing/2014/main" id="{FC4EB4D4-906A-439D-9812-85AF44B19EE7}"/>
+              </a:ext>
+            </a:extLst>
+          </p:cNvPr>
+          <p:cNvSpPr txBox="1"/>
+          <p:nvPr/>
+        </p:nvSpPr>
+        <p:spPr>
+          <a:xfrm>
+            <a:off x="8613060" y="6236630"/>
+            <a:ext cx="3303638" cy="369332"/>
+          </a:xfrm>
+          <a:prstGeom prst="rect">
+            <a:avLst/>
+          </a:prstGeom>
+          <a:solidFill>
+            <a:schemeClr val="accent2"/>
+          </a:solidFill>
+        </p:spPr>
+        <p:txBody>
+          <a:bodyPr wrap="square" rtlCol="0">
+            <a:spAutoFit/>
+          </a:bodyPr>
+          <a:lstStyle/>
+          <a:p>
+            <a:r>
+              <a:rPr lang="en-US" dirty="0"/>
+              <a:t>Assets/Scripts/</a:t>
+            </a:r>
+            <a:r>
+              <a:rPr lang="en-US" b="1" dirty="0" err="1"/>
+              <a:t>GameSave.CS</a:t>
+            </a:r>
+            <a:endParaRPr lang="en-US" b="1" dirty="0"/>
+          </a:p>
+        </p:txBody>
+      </p:sp>
+    </p:spTree>
+    <p:extLst>
+      <p:ext uri="{BB962C8B-B14F-4D97-AF65-F5344CB8AC3E}">
+        <p14:creationId xmlns:p14="http://schemas.microsoft.com/office/powerpoint/2010/main" val="931107333"/>
+      </p:ext>
+    </p:extLst>
+  </p:cSld>
+  <p:clrMapOvr>
+    <a:masterClrMapping/>
+  </p:clrMapOvr>
+</p:sld>
+</file>
+
+<file path=ppt/slides/slide18.xml><?xml version="1.0" encoding="utf-8"?>
+<p:sld xmlns:a="http://schemas.openxmlformats.org/drawingml/2006/main" xmlns:r="http://schemas.openxmlformats.org/officeDocument/2006/relationships" xmlns:p="http://schemas.openxmlformats.org/presentationml/2006/main">
+  <p:cSld>
+    <p:spTree>
+      <p:nvGrpSpPr>
+        <p:cNvPr id="1" name=""/>
+        <p:cNvGrpSpPr/>
+        <p:nvPr/>
+      </p:nvGrpSpPr>
+      <p:grpSpPr>
+        <a:xfrm>
+          <a:off x="0" y="0"/>
+          <a:ext cx="0" cy="0"/>
+          <a:chOff x="0" y="0"/>
+          <a:chExt cx="0" cy="0"/>
+        </a:xfrm>
+      </p:grpSpPr>
+      <p:sp>
+        <p:nvSpPr>
+          <p:cNvPr id="2" name="Title 1">
+            <a:extLst>
+              <a:ext uri="{FF2B5EF4-FFF2-40B4-BE49-F238E27FC236}">
+                <a16:creationId xmlns:a16="http://schemas.microsoft.com/office/drawing/2014/main" id="{25ADC11A-C7B4-4DEC-948F-D06413459821}"/>
+              </a:ext>
+            </a:extLst>
+          </p:cNvPr>
+          <p:cNvSpPr>
+            <a:spLocks noGrp="1"/>
+          </p:cNvSpPr>
+          <p:nvPr>
+            <p:ph type="title"/>
+          </p:nvPr>
+        </p:nvSpPr>
+        <p:spPr>
+          <a:xfrm>
+            <a:off x="720000" y="619200"/>
+            <a:ext cx="10728322" cy="575419"/>
+          </a:xfrm>
+        </p:spPr>
+        <p:txBody>
+          <a:bodyPr/>
+          <a:lstStyle/>
+          <a:p>
+            <a:r>
+              <a:rPr lang="en-US" dirty="0"/>
+              <a:t>Problem</a:t>
+            </a:r>
+          </a:p>
+        </p:txBody>
+      </p:sp>
+      <p:sp>
+        <p:nvSpPr>
+          <p:cNvPr id="3" name="Content Placeholder 2">
+            <a:extLst>
+              <a:ext uri="{FF2B5EF4-FFF2-40B4-BE49-F238E27FC236}">
+                <a16:creationId xmlns:a16="http://schemas.microsoft.com/office/drawing/2014/main" id="{626F3008-7C83-4E33-AB5D-9D0C30761CC9}"/>
+              </a:ext>
+            </a:extLst>
+          </p:cNvPr>
+          <p:cNvSpPr>
+            <a:spLocks noGrp="1"/>
+          </p:cNvSpPr>
+          <p:nvPr>
+            <p:ph idx="1"/>
+          </p:nvPr>
+        </p:nvSpPr>
+        <p:spPr>
+          <a:xfrm>
+            <a:off x="731837" y="1479717"/>
+            <a:ext cx="10728325" cy="887400"/>
+          </a:xfrm>
+        </p:spPr>
+        <p:txBody>
+          <a:bodyPr/>
+          <a:lstStyle/>
+          <a:p>
+            <a:r>
+              <a:rPr lang="en-US" dirty="0"/>
+              <a:t>Deserialize the string “</a:t>
+            </a:r>
+            <a:r>
+              <a:rPr lang="en-US" dirty="0" err="1"/>
+              <a:t>StoredColor</a:t>
+            </a:r>
+            <a:r>
+              <a:rPr lang="en-US" dirty="0"/>
+              <a:t>” and change the material color to the saved value.</a:t>
+            </a:r>
+          </a:p>
+        </p:txBody>
+      </p:sp>
+      <p:pic>
+        <p:nvPicPr>
+          <p:cNvPr id="5" name="Picture 4">
+            <a:extLst>
+              <a:ext uri="{FF2B5EF4-FFF2-40B4-BE49-F238E27FC236}">
+                <a16:creationId xmlns:a16="http://schemas.microsoft.com/office/drawing/2014/main" id="{EBF79316-6633-4528-A209-911AB3CB71B9}"/>
+              </a:ext>
+            </a:extLst>
+          </p:cNvPr>
+          <p:cNvPicPr>
+            <a:picLocks noChangeAspect="1"/>
+          </p:cNvPicPr>
+          <p:nvPr/>
+        </p:nvPicPr>
+        <p:blipFill>
+          <a:blip r:embed="rId3"/>
+          <a:stretch>
+            <a:fillRect/>
+          </a:stretch>
+        </p:blipFill>
+        <p:spPr>
+          <a:xfrm>
+            <a:off x="2233913" y="2116393"/>
+            <a:ext cx="7724171" cy="3754015"/>
+          </a:xfrm>
+          <a:prstGeom prst="rect">
+            <a:avLst/>
+          </a:prstGeom>
+        </p:spPr>
+      </p:pic>
+      <p:sp>
+        <p:nvSpPr>
+          <p:cNvPr id="6" name="TextBox 5">
+            <a:extLst>
+              <a:ext uri="{FF2B5EF4-FFF2-40B4-BE49-F238E27FC236}">
+                <a16:creationId xmlns:a16="http://schemas.microsoft.com/office/drawing/2014/main" id="{77C1F288-2AC8-45F9-BB34-AD1930CDC793}"/>
+              </a:ext>
+            </a:extLst>
+          </p:cNvPr>
+          <p:cNvSpPr txBox="1"/>
+          <p:nvPr/>
+        </p:nvSpPr>
+        <p:spPr>
+          <a:xfrm>
+            <a:off x="9114504" y="6238800"/>
+            <a:ext cx="2847103" cy="369332"/>
+          </a:xfrm>
+          <a:prstGeom prst="rect">
+            <a:avLst/>
+          </a:prstGeom>
+          <a:solidFill>
+            <a:schemeClr val="accent2"/>
+          </a:solidFill>
+        </p:spPr>
+        <p:txBody>
+          <a:bodyPr wrap="square" rtlCol="0">
+            <a:spAutoFit/>
+          </a:bodyPr>
+          <a:lstStyle/>
+          <a:p>
+            <a:r>
+              <a:rPr lang="en-US" dirty="0"/>
+              <a:t>Problems/</a:t>
+            </a:r>
+            <a:r>
+              <a:rPr lang="en-US" b="1" dirty="0" err="1"/>
+              <a:t>GameSave.CS</a:t>
+            </a:r>
+            <a:endParaRPr lang="en-US" b="1" dirty="0"/>
+          </a:p>
+        </p:txBody>
+      </p:sp>
+    </p:spTree>
+    <p:extLst>
+      <p:ext uri="{BB962C8B-B14F-4D97-AF65-F5344CB8AC3E}">
+        <p14:creationId xmlns:p14="http://schemas.microsoft.com/office/powerpoint/2010/main" val="1215410266"/>
+      </p:ext>
+    </p:extLst>
+  </p:cSld>
+  <p:clrMapOvr>
+    <a:masterClrMapping/>
+  </p:clrMapOvr>
+</p:sld>
+</file>
+
+<file path=ppt/slides/slide19.xml><?xml version="1.0" encoding="utf-8"?>
+<p:sld xmlns:a="http://schemas.openxmlformats.org/drawingml/2006/main" xmlns:r="http://schemas.openxmlformats.org/officeDocument/2006/relationships" xmlns:p="http://schemas.openxmlformats.org/presentationml/2006/main">
+  <p:cSld>
+    <p:spTree>
+      <p:nvGrpSpPr>
+        <p:cNvPr id="1" name=""/>
+        <p:cNvGrpSpPr/>
+        <p:nvPr/>
+      </p:nvGrpSpPr>
+      <p:grpSpPr>
+        <a:xfrm>
+          <a:off x="0" y="0"/>
+          <a:ext cx="0" cy="0"/>
+          <a:chOff x="0" y="0"/>
+          <a:chExt cx="0" cy="0"/>
+        </a:xfrm>
+      </p:grpSpPr>
+      <p:sp>
+        <p:nvSpPr>
+          <p:cNvPr id="2" name="Title 1">
+            <a:extLst>
+              <a:ext uri="{FF2B5EF4-FFF2-40B4-BE49-F238E27FC236}">
+                <a16:creationId xmlns:a16="http://schemas.microsoft.com/office/drawing/2014/main" id="{E749C470-F0B1-4646-8B51-34B0D5F58BF1}"/>
+              </a:ext>
+            </a:extLst>
+          </p:cNvPr>
+          <p:cNvSpPr>
+            <a:spLocks noGrp="1"/>
+          </p:cNvSpPr>
+          <p:nvPr>
+            <p:ph type="title"/>
+          </p:nvPr>
+        </p:nvSpPr>
+        <p:spPr>
+          <a:xfrm>
+            <a:off x="720000" y="619200"/>
+            <a:ext cx="10728322" cy="619665"/>
+          </a:xfrm>
+        </p:spPr>
+        <p:txBody>
+          <a:bodyPr/>
+          <a:lstStyle/>
+          <a:p>
+            <a:r>
+              <a:rPr lang="en-US" dirty="0"/>
+              <a:t>Solution</a:t>
+            </a:r>
+          </a:p>
+        </p:txBody>
+      </p:sp>
+      <p:sp>
+        <p:nvSpPr>
+          <p:cNvPr id="4" name="TextBox 3">
+            <a:extLst>
+              <a:ext uri="{FF2B5EF4-FFF2-40B4-BE49-F238E27FC236}">
+                <a16:creationId xmlns:a16="http://schemas.microsoft.com/office/drawing/2014/main" id="{3C70C973-056E-4508-91F3-AECCBB71CFA2}"/>
+              </a:ext>
+            </a:extLst>
+          </p:cNvPr>
+          <p:cNvSpPr txBox="1"/>
+          <p:nvPr/>
+        </p:nvSpPr>
+        <p:spPr>
+          <a:xfrm>
+            <a:off x="8613059" y="6238800"/>
+            <a:ext cx="3303638" cy="369332"/>
+          </a:xfrm>
+          <a:prstGeom prst="rect">
+            <a:avLst/>
+          </a:prstGeom>
+          <a:solidFill>
+            <a:schemeClr val="accent2"/>
+          </a:solidFill>
+        </p:spPr>
+        <p:txBody>
+          <a:bodyPr wrap="square" rtlCol="0">
+            <a:spAutoFit/>
+          </a:bodyPr>
+          <a:lstStyle/>
+          <a:p>
+            <a:r>
+              <a:rPr lang="en-US" dirty="0"/>
+              <a:t>Assets/Scripts/</a:t>
+            </a:r>
+            <a:r>
+              <a:rPr lang="en-US" b="1" dirty="0" err="1"/>
+              <a:t>GameSave.CS</a:t>
+            </a:r>
+            <a:endParaRPr lang="en-US" b="1" dirty="0"/>
+          </a:p>
+        </p:txBody>
+      </p:sp>
+      <p:pic>
+        <p:nvPicPr>
+          <p:cNvPr id="6" name="Picture 5">
+            <a:extLst>
+              <a:ext uri="{FF2B5EF4-FFF2-40B4-BE49-F238E27FC236}">
+                <a16:creationId xmlns:a16="http://schemas.microsoft.com/office/drawing/2014/main" id="{057E08D0-E5AF-4329-84C1-8583B4EC2A34}"/>
+              </a:ext>
+            </a:extLst>
+          </p:cNvPr>
+          <p:cNvPicPr>
+            <a:picLocks noChangeAspect="1"/>
+          </p:cNvPicPr>
+          <p:nvPr/>
+        </p:nvPicPr>
+        <p:blipFill>
+          <a:blip r:embed="rId3"/>
+          <a:stretch>
+            <a:fillRect/>
+          </a:stretch>
+        </p:blipFill>
+        <p:spPr>
+          <a:xfrm>
+            <a:off x="2212488" y="1444094"/>
+            <a:ext cx="7767023" cy="3969812"/>
+          </a:xfrm>
+          <a:prstGeom prst="rect">
+            <a:avLst/>
+          </a:prstGeom>
+        </p:spPr>
+      </p:pic>
+      <p:sp>
+        <p:nvSpPr>
+          <p:cNvPr id="7" name="Rectangle: Diagonal Corners Rounded 6">
+            <a:extLst>
+              <a:ext uri="{FF2B5EF4-FFF2-40B4-BE49-F238E27FC236}">
+                <a16:creationId xmlns:a16="http://schemas.microsoft.com/office/drawing/2014/main" id="{1CC84E52-6E55-48E4-9546-EE82842E874E}"/>
+              </a:ext>
+            </a:extLst>
+          </p:cNvPr>
+          <p:cNvSpPr/>
+          <p:nvPr/>
+        </p:nvSpPr>
+        <p:spPr>
+          <a:xfrm>
+            <a:off x="5279923" y="252038"/>
+            <a:ext cx="6636776" cy="486929"/>
+          </a:xfrm>
+          <a:prstGeom prst="round2DiagRect">
+            <a:avLst/>
+          </a:prstGeom>
+        </p:spPr>
+        <p:style>
+          <a:lnRef idx="2">
+            <a:schemeClr val="accent1">
+              <a:shade val="50000"/>
+            </a:schemeClr>
+          </a:lnRef>
+          <a:fillRef idx="1">
+            <a:schemeClr val="accent1"/>
+          </a:fillRef>
+          <a:effectRef idx="0">
+            <a:schemeClr val="accent1"/>
+          </a:effectRef>
+          <a:fontRef idx="minor">
+            <a:schemeClr val="lt1"/>
+          </a:fontRef>
+        </p:style>
+        <p:txBody>
+          <a:bodyPr rtlCol="0" anchor="ctr"/>
+          <a:lstStyle/>
+          <a:p>
+            <a:pPr algn="l"/>
+            <a:r>
+              <a:rPr lang="en-US" dirty="0"/>
+              <a:t>Syntax: </a:t>
+            </a:r>
+            <a:r>
+              <a:rPr lang="en-US" dirty="0" err="1"/>
+              <a:t>TryParseHtmlString</a:t>
+            </a:r>
+            <a:r>
+              <a:rPr lang="en-US" dirty="0"/>
+              <a:t>(string </a:t>
+            </a:r>
+            <a:r>
+              <a:rPr lang="en-US" dirty="0" err="1"/>
+              <a:t>htmlString</a:t>
+            </a:r>
+            <a:r>
+              <a:rPr lang="en-US" dirty="0"/>
+              <a:t>, out Color color);</a:t>
+            </a:r>
+          </a:p>
+        </p:txBody>
+      </p:sp>
+      <p:sp>
+        <p:nvSpPr>
+          <p:cNvPr id="8" name="TextBox 7">
+            <a:extLst>
+              <a:ext uri="{FF2B5EF4-FFF2-40B4-BE49-F238E27FC236}">
+                <a16:creationId xmlns:a16="http://schemas.microsoft.com/office/drawing/2014/main" id="{6260165F-1A37-4964-BD4F-DEB64B3F560A}"/>
+              </a:ext>
+            </a:extLst>
+          </p:cNvPr>
+          <p:cNvSpPr txBox="1"/>
+          <p:nvPr/>
+        </p:nvSpPr>
+        <p:spPr>
+          <a:xfrm>
+            <a:off x="3736258" y="869533"/>
+            <a:ext cx="8455742" cy="369332"/>
+          </a:xfrm>
+          <a:prstGeom prst="rect">
+            <a:avLst/>
+          </a:prstGeom>
+          <a:noFill/>
+        </p:spPr>
+        <p:txBody>
+          <a:bodyPr wrap="square">
+            <a:spAutoFit/>
+          </a:bodyPr>
+          <a:lstStyle/>
+          <a:p>
+            <a:r>
+              <a:rPr lang="en-US" dirty="0"/>
+              <a:t>https://docs.unity3d.com/ScriptReference/ColorUtility.TryParseHtmlString.html</a:t>
+            </a:r>
+          </a:p>
+        </p:txBody>
+      </p:sp>
+    </p:spTree>
+    <p:extLst>
+      <p:ext uri="{BB962C8B-B14F-4D97-AF65-F5344CB8AC3E}">
+        <p14:creationId xmlns:p14="http://schemas.microsoft.com/office/powerpoint/2010/main" val="533466320"/>
       </p:ext>
     </p:extLst>
   </p:cSld>
@@ -7905,6 +9286,223 @@
     <p:extLst>
       <p:ext uri="{BB962C8B-B14F-4D97-AF65-F5344CB8AC3E}">
         <p14:creationId xmlns:p14="http://schemas.microsoft.com/office/powerpoint/2010/main" val="2921657817"/>
+      </p:ext>
+    </p:extLst>
+  </p:cSld>
+  <p:clrMapOvr>
+    <a:masterClrMapping/>
+  </p:clrMapOvr>
+</p:sld>
+</file>
+
+<file path=ppt/slides/slide20.xml><?xml version="1.0" encoding="utf-8"?>
+<p:sld xmlns:a="http://schemas.openxmlformats.org/drawingml/2006/main" xmlns:r="http://schemas.openxmlformats.org/officeDocument/2006/relationships" xmlns:p="http://schemas.openxmlformats.org/presentationml/2006/main">
+  <p:cSld>
+    <p:spTree>
+      <p:nvGrpSpPr>
+        <p:cNvPr id="1" name=""/>
+        <p:cNvGrpSpPr/>
+        <p:nvPr/>
+      </p:nvGrpSpPr>
+      <p:grpSpPr>
+        <a:xfrm>
+          <a:off x="0" y="0"/>
+          <a:ext cx="0" cy="0"/>
+          <a:chOff x="0" y="0"/>
+          <a:chExt cx="0" cy="0"/>
+        </a:xfrm>
+      </p:grpSpPr>
+      <p:sp>
+        <p:nvSpPr>
+          <p:cNvPr id="2" name="Title 1">
+            <a:extLst>
+              <a:ext uri="{FF2B5EF4-FFF2-40B4-BE49-F238E27FC236}">
+                <a16:creationId xmlns:a16="http://schemas.microsoft.com/office/drawing/2014/main" id="{BD14A6E0-27F8-4430-AFE5-EBDD21170D24}"/>
+              </a:ext>
+            </a:extLst>
+          </p:cNvPr>
+          <p:cNvSpPr>
+            <a:spLocks noGrp="1"/>
+          </p:cNvSpPr>
+          <p:nvPr>
+            <p:ph type="title"/>
+          </p:nvPr>
+        </p:nvSpPr>
+        <p:spPr>
+          <a:xfrm>
+            <a:off x="720000" y="619200"/>
+            <a:ext cx="10728322" cy="663910"/>
+          </a:xfrm>
+        </p:spPr>
+        <p:txBody>
+          <a:bodyPr/>
+          <a:lstStyle/>
+          <a:p>
+            <a:r>
+              <a:rPr lang="en-US" dirty="0" err="1"/>
+              <a:t>GameSave.cs</a:t>
+            </a:r>
+            <a:endParaRPr lang="en-US" dirty="0"/>
+          </a:p>
+        </p:txBody>
+      </p:sp>
+      <p:pic>
+        <p:nvPicPr>
+          <p:cNvPr id="7" name="Picture 6">
+            <a:extLst>
+              <a:ext uri="{FF2B5EF4-FFF2-40B4-BE49-F238E27FC236}">
+                <a16:creationId xmlns:a16="http://schemas.microsoft.com/office/drawing/2014/main" id="{75683CD9-5FE9-4A45-867D-D52276144CBD}"/>
+              </a:ext>
+            </a:extLst>
+          </p:cNvPr>
+          <p:cNvPicPr>
+            <a:picLocks noChangeAspect="1"/>
+          </p:cNvPicPr>
+          <p:nvPr/>
+        </p:nvPicPr>
+        <p:blipFill>
+          <a:blip r:embed="rId3"/>
+          <a:stretch>
+            <a:fillRect/>
+          </a:stretch>
+        </p:blipFill>
+        <p:spPr>
+          <a:xfrm>
+            <a:off x="3361599" y="4561554"/>
+            <a:ext cx="5605417" cy="1986730"/>
+          </a:xfrm>
+          <a:prstGeom prst="rect">
+            <a:avLst/>
+          </a:prstGeom>
+        </p:spPr>
+      </p:pic>
+      <p:pic>
+        <p:nvPicPr>
+          <p:cNvPr id="4" name="Picture 3">
+            <a:extLst>
+              <a:ext uri="{FF2B5EF4-FFF2-40B4-BE49-F238E27FC236}">
+                <a16:creationId xmlns:a16="http://schemas.microsoft.com/office/drawing/2014/main" id="{8AB53182-1079-41D9-ADC6-0E477C6C5C72}"/>
+              </a:ext>
+            </a:extLst>
+          </p:cNvPr>
+          <p:cNvPicPr>
+            <a:picLocks noChangeAspect="1"/>
+          </p:cNvPicPr>
+          <p:nvPr/>
+        </p:nvPicPr>
+        <p:blipFill>
+          <a:blip r:embed="rId4"/>
+          <a:stretch>
+            <a:fillRect/>
+          </a:stretch>
+        </p:blipFill>
+        <p:spPr>
+          <a:xfrm>
+            <a:off x="3731055" y="790882"/>
+            <a:ext cx="4866504" cy="3484370"/>
+          </a:xfrm>
+          <a:prstGeom prst="rect">
+            <a:avLst/>
+          </a:prstGeom>
+        </p:spPr>
+      </p:pic>
+    </p:spTree>
+    <p:extLst>
+      <p:ext uri="{BB962C8B-B14F-4D97-AF65-F5344CB8AC3E}">
+        <p14:creationId xmlns:p14="http://schemas.microsoft.com/office/powerpoint/2010/main" val="3343973416"/>
+      </p:ext>
+    </p:extLst>
+  </p:cSld>
+  <p:clrMapOvr>
+    <a:masterClrMapping/>
+  </p:clrMapOvr>
+</p:sld>
+</file>
+
+<file path=ppt/slides/slide21.xml><?xml version="1.0" encoding="utf-8"?>
+<p:sld xmlns:a="http://schemas.openxmlformats.org/drawingml/2006/main" xmlns:r="http://schemas.openxmlformats.org/officeDocument/2006/relationships" xmlns:p="http://schemas.openxmlformats.org/presentationml/2006/main">
+  <p:cSld>
+    <p:spTree>
+      <p:nvGrpSpPr>
+        <p:cNvPr id="1" name=""/>
+        <p:cNvGrpSpPr/>
+        <p:nvPr/>
+      </p:nvGrpSpPr>
+      <p:grpSpPr>
+        <a:xfrm>
+          <a:off x="0" y="0"/>
+          <a:ext cx="0" cy="0"/>
+          <a:chOff x="0" y="0"/>
+          <a:chExt cx="0" cy="0"/>
+        </a:xfrm>
+      </p:grpSpPr>
+      <p:sp>
+        <p:nvSpPr>
+          <p:cNvPr id="2" name="Title 1">
+            <a:extLst>
+              <a:ext uri="{FF2B5EF4-FFF2-40B4-BE49-F238E27FC236}">
+                <a16:creationId xmlns:a16="http://schemas.microsoft.com/office/drawing/2014/main" id="{349BBD42-F801-40D9-9C89-C1A99D0A993C}"/>
+              </a:ext>
+            </a:extLst>
+          </p:cNvPr>
+          <p:cNvSpPr>
+            <a:spLocks noGrp="1"/>
+          </p:cNvSpPr>
+          <p:nvPr>
+            <p:ph type="title"/>
+          </p:nvPr>
+        </p:nvSpPr>
+        <p:spPr>
+          <a:xfrm>
+            <a:off x="720000" y="619200"/>
+            <a:ext cx="10728322" cy="634413"/>
+          </a:xfrm>
+        </p:spPr>
+        <p:txBody>
+          <a:bodyPr/>
+          <a:lstStyle/>
+          <a:p>
+            <a:r>
+              <a:rPr lang="en-US" dirty="0"/>
+              <a:t>Setup</a:t>
+            </a:r>
+          </a:p>
+        </p:txBody>
+      </p:sp>
+      <p:pic>
+        <p:nvPicPr>
+          <p:cNvPr id="4" name="Picture 3">
+            <a:extLst>
+              <a:ext uri="{FF2B5EF4-FFF2-40B4-BE49-F238E27FC236}">
+                <a16:creationId xmlns:a16="http://schemas.microsoft.com/office/drawing/2014/main" id="{D341B12F-0310-48CF-9A53-1AB8400FBA59}"/>
+              </a:ext>
+            </a:extLst>
+          </p:cNvPr>
+          <p:cNvPicPr>
+            <a:picLocks noChangeAspect="1"/>
+          </p:cNvPicPr>
+          <p:nvPr/>
+        </p:nvPicPr>
+        <p:blipFill>
+          <a:blip r:embed="rId3"/>
+          <a:stretch>
+            <a:fillRect/>
+          </a:stretch>
+        </p:blipFill>
+        <p:spPr>
+          <a:xfrm>
+            <a:off x="988142" y="1253613"/>
+            <a:ext cx="10728322" cy="5149326"/>
+          </a:xfrm>
+          <a:prstGeom prst="rect">
+            <a:avLst/>
+          </a:prstGeom>
+        </p:spPr>
+      </p:pic>
+    </p:spTree>
+    <p:extLst>
+      <p:ext uri="{BB962C8B-B14F-4D97-AF65-F5344CB8AC3E}">
+        <p14:creationId xmlns:p14="http://schemas.microsoft.com/office/powerpoint/2010/main" val="585334723"/>
       </p:ext>
     </p:extLst>
   </p:cSld>
@@ -10941,12 +12539,8 @@
           <a:lstStyle/>
           <a:p>
             <a:r>
-              <a:rPr lang="en-US" dirty="0" err="1"/>
-              <a:t>SavePosition.cs</a:t>
-            </a:r>
-            <a:r>
-              <a:rPr lang="en-US" dirty="0"/>
-              <a:t> || Problem</a:t>
+              <a:rPr lang="en-US" dirty="0"/>
+              <a:t>Problem</a:t>
             </a:r>
           </a:p>
         </p:txBody>
